--- a/Project_1_Stutdent_Loan_Analysis.pptx
+++ b/Project_1_Stutdent_Loan_Analysis.pptx
@@ -2,14 +2,21 @@
 <file path=ppt/presentation.xml><?xml version="1.0" encoding="utf-8"?>
 <p:presentation xmlns:a="http://schemas.openxmlformats.org/drawingml/2006/main" xmlns:r="http://schemas.openxmlformats.org/officeDocument/2006/relationships" xmlns:p="http://schemas.openxmlformats.org/presentationml/2006/main" saveSubsetFonts="1">
   <p:sldMasterIdLst>
-    <p:sldMasterId id="2147483673" r:id="rId1"/>
+    <p:sldMasterId id="2147483694" r:id="rId1"/>
   </p:sldMasterIdLst>
   <p:sldIdLst>
     <p:sldId id="256" r:id="rId2"/>
     <p:sldId id="257" r:id="rId3"/>
     <p:sldId id="258" r:id="rId4"/>
     <p:sldId id="259" r:id="rId5"/>
-    <p:sldId id="260" r:id="rId6"/>
+    <p:sldId id="330" r:id="rId6"/>
+    <p:sldId id="311" r:id="rId7"/>
+    <p:sldId id="322" r:id="rId8"/>
+    <p:sldId id="350" r:id="rId9"/>
+    <p:sldId id="363" r:id="rId10"/>
+    <p:sldId id="351" r:id="rId11"/>
+    <p:sldId id="328" r:id="rId12"/>
+    <p:sldId id="260" r:id="rId13"/>
   </p:sldIdLst>
   <p:sldSz cx="12192000" cy="6858000"/>
   <p:notesSz cx="6858000" cy="9144000"/>
@@ -133,7 +140,7 @@
           <p:cNvPr id="2" name="Title 1">
             <a:extLst>
               <a:ext uri="{FF2B5EF4-FFF2-40B4-BE49-F238E27FC236}">
-                <a16:creationId xmlns:a16="http://schemas.microsoft.com/office/drawing/2014/main" id="{EC29798E-90C4-48E6-B39B-37FF65347ABD}"/>
+                <a16:creationId xmlns:a16="http://schemas.microsoft.com/office/drawing/2014/main" id="{6F599376-42AB-7877-3A30-7011C67ABF5D}"/>
               </a:ext>
             </a:extLst>
           </p:cNvPr>
@@ -146,17 +153,15 @@
         </p:nvSpPr>
         <p:spPr>
           <a:xfrm>
-            <a:off x="2197100" y="1079500"/>
-            <a:ext cx="7797799" cy="2138400"/>
+            <a:off x="1524000" y="1122363"/>
+            <a:ext cx="9144000" cy="2387600"/>
           </a:xfrm>
         </p:spPr>
         <p:txBody>
-          <a:bodyPr anchor="b">
-            <a:normAutofit/>
-          </a:bodyPr>
+          <a:bodyPr anchor="b"/>
           <a:lstStyle>
             <a:lvl1pPr algn="ctr">
-              <a:defRPr sz="2800"/>
+              <a:defRPr sz="6000"/>
             </a:lvl1pPr>
           </a:lstStyle>
           <a:p>
@@ -164,7 +169,6 @@
               <a:rPr lang="en-US"/>
               <a:t>Click to edit Master title style</a:t>
             </a:r>
-            <a:endParaRPr lang="en-US" dirty="0"/>
           </a:p>
         </p:txBody>
       </p:sp>
@@ -173,7 +177,7 @@
           <p:cNvPr id="3" name="Subtitle 2">
             <a:extLst>
               <a:ext uri="{FF2B5EF4-FFF2-40B4-BE49-F238E27FC236}">
-                <a16:creationId xmlns:a16="http://schemas.microsoft.com/office/drawing/2014/main" id="{93D95C8C-0A7F-40D9-A690-3D5898EFFE81}"/>
+                <a16:creationId xmlns:a16="http://schemas.microsoft.com/office/drawing/2014/main" id="{02CD7C42-6565-E0AE-8F09-26C635EABC7B}"/>
               </a:ext>
             </a:extLst>
           </p:cNvPr>
@@ -186,8 +190,8 @@
         </p:nvSpPr>
         <p:spPr>
           <a:xfrm>
-            <a:off x="3308350" y="4113213"/>
-            <a:ext cx="5575300" cy="1655762"/>
+            <a:off x="1524000" y="3602038"/>
+            <a:ext cx="9144000" cy="1655762"/>
           </a:xfrm>
         </p:spPr>
         <p:txBody>
@@ -195,7 +199,7 @@
           <a:lstStyle>
             <a:lvl1pPr marL="0" indent="0" algn="ctr">
               <a:buNone/>
-              <a:defRPr sz="2400" i="1"/>
+              <a:defRPr sz="2400"/>
             </a:lvl1pPr>
             <a:lvl2pPr marL="457200" indent="0" algn="ctr">
               <a:buNone/>
@@ -235,7 +239,6 @@
               <a:rPr lang="en-US"/>
               <a:t>Click to edit Master subtitle style</a:t>
             </a:r>
-            <a:endParaRPr lang="en-US" dirty="0"/>
           </a:p>
         </p:txBody>
       </p:sp>
@@ -244,7 +247,7 @@
           <p:cNvPr id="4" name="Date Placeholder 3">
             <a:extLst>
               <a:ext uri="{FF2B5EF4-FFF2-40B4-BE49-F238E27FC236}">
-                <a16:creationId xmlns:a16="http://schemas.microsoft.com/office/drawing/2014/main" id="{3D1322F3-E47A-4D6E-96A8-AB5C73BA9906}"/>
+                <a16:creationId xmlns:a16="http://schemas.microsoft.com/office/drawing/2014/main" id="{5DBA6068-62B2-1271-4FF1-853C977BA0DB}"/>
               </a:ext>
             </a:extLst>
           </p:cNvPr>
@@ -255,15 +258,7 @@
             <p:ph type="dt" sz="half" idx="10"/>
           </p:nvPr>
         </p:nvSpPr>
-        <p:spPr>
-          <a:xfrm>
-            <a:off x="541338" y="6401999"/>
-            <a:ext cx="2206625" cy="369332"/>
-          </a:xfrm>
-          <a:prstGeom prst="rect">
-            <a:avLst/>
-          </a:prstGeom>
-        </p:spPr>
+        <p:spPr/>
         <p:txBody>
           <a:bodyPr/>
           <a:lstStyle/>
@@ -281,7 +276,7 @@
           <p:cNvPr id="5" name="Footer Placeholder 4">
             <a:extLst>
               <a:ext uri="{FF2B5EF4-FFF2-40B4-BE49-F238E27FC236}">
-                <a16:creationId xmlns:a16="http://schemas.microsoft.com/office/drawing/2014/main" id="{737BF5CE-9E66-4FD5-949F-34E11607C6DF}"/>
+                <a16:creationId xmlns:a16="http://schemas.microsoft.com/office/drawing/2014/main" id="{74CFC504-7583-00FC-4C65-79AD2C0B5DAE}"/>
               </a:ext>
             </a:extLst>
           </p:cNvPr>
@@ -292,15 +287,7 @@
             <p:ph type="ftr" sz="quarter" idx="11"/>
           </p:nvPr>
         </p:nvSpPr>
-        <p:spPr>
-          <a:xfrm>
-            <a:off x="3308350" y="6401999"/>
-            <a:ext cx="5575300" cy="369332"/>
-          </a:xfrm>
-          <a:prstGeom prst="rect">
-            <a:avLst/>
-          </a:prstGeom>
-        </p:spPr>
+        <p:spPr/>
         <p:txBody>
           <a:bodyPr/>
           <a:lstStyle/>
@@ -314,7 +301,7 @@
           <p:cNvPr id="6" name="Slide Number Placeholder 5">
             <a:extLst>
               <a:ext uri="{FF2B5EF4-FFF2-40B4-BE49-F238E27FC236}">
-                <a16:creationId xmlns:a16="http://schemas.microsoft.com/office/drawing/2014/main" id="{4EEDAB7A-4032-416A-B04E-1F4878912E02}"/>
+                <a16:creationId xmlns:a16="http://schemas.microsoft.com/office/drawing/2014/main" id="{8B627168-A02D-E185-5495-AF3E35FAAA19}"/>
               </a:ext>
             </a:extLst>
           </p:cNvPr>
@@ -325,15 +312,7 @@
             <p:ph type="sldNum" sz="quarter" idx="12"/>
           </p:nvPr>
         </p:nvSpPr>
-        <p:spPr>
-          <a:xfrm>
-            <a:off x="9442800" y="6401999"/>
-            <a:ext cx="2208212" cy="369332"/>
-          </a:xfrm>
-          <a:prstGeom prst="rect">
-            <a:avLst/>
-          </a:prstGeom>
-        </p:spPr>
+        <p:spPr/>
         <p:txBody>
           <a:bodyPr/>
           <a:lstStyle/>
@@ -346,830 +325,10 @@
           </a:p>
         </p:txBody>
       </p:sp>
-      <p:cxnSp>
-        <p:nvCxnSpPr>
-          <p:cNvPr id="7" name="Straight Connector 6">
-            <a:extLst>
-              <a:ext uri="{FF2B5EF4-FFF2-40B4-BE49-F238E27FC236}">
-                <a16:creationId xmlns:a16="http://schemas.microsoft.com/office/drawing/2014/main" id="{701C0CAB-6A03-4C6A-9FAA-219847753628}"/>
-              </a:ext>
-            </a:extLst>
-          </p:cNvPr>
-          <p:cNvCxnSpPr>
-            <a:cxnSpLocks/>
-          </p:cNvCxnSpPr>
-          <p:nvPr/>
-        </p:nvCxnSpPr>
-        <p:spPr>
-          <a:xfrm>
-            <a:off x="5826000" y="3690871"/>
-            <a:ext cx="540000" cy="0"/>
-          </a:xfrm>
-          <a:prstGeom prst="line">
-            <a:avLst/>
-          </a:prstGeom>
-          <a:ln w="12700">
-            <a:solidFill>
-              <a:schemeClr val="tx1"/>
-            </a:solidFill>
-          </a:ln>
-        </p:spPr>
-        <p:style>
-          <a:lnRef idx="1">
-            <a:schemeClr val="accent1"/>
-          </a:lnRef>
-          <a:fillRef idx="0">
-            <a:schemeClr val="accent1"/>
-          </a:fillRef>
-          <a:effectRef idx="0">
-            <a:schemeClr val="accent1"/>
-          </a:effectRef>
-          <a:fontRef idx="minor">
-            <a:schemeClr val="tx1"/>
-          </a:fontRef>
-        </p:style>
-      </p:cxnSp>
-      <p:grpSp>
-        <p:nvGrpSpPr>
-          <p:cNvPr id="20" name="Group 19">
-            <a:extLst>
-              <a:ext uri="{FF2B5EF4-FFF2-40B4-BE49-F238E27FC236}">
-                <a16:creationId xmlns:a16="http://schemas.microsoft.com/office/drawing/2014/main" id="{F982E0B2-AA9C-441C-A08E-A9DF9CF12116}"/>
-              </a:ext>
-            </a:extLst>
-          </p:cNvPr>
-          <p:cNvGrpSpPr/>
-          <p:nvPr/>
-        </p:nvGrpSpPr>
-        <p:grpSpPr>
-          <a:xfrm>
-            <a:off x="9728046" y="4869342"/>
-            <a:ext cx="1623711" cy="630920"/>
-            <a:chOff x="9588346" y="4824892"/>
-            <a:chExt cx="1623711" cy="630920"/>
-          </a:xfrm>
-        </p:grpSpPr>
-        <p:sp>
-          <p:nvSpPr>
-            <p:cNvPr id="16" name="Freeform: Shape 15">
-              <a:extLst>
-                <a:ext uri="{FF2B5EF4-FFF2-40B4-BE49-F238E27FC236}">
-                  <a16:creationId xmlns:a16="http://schemas.microsoft.com/office/drawing/2014/main" id="{A4A2E074-C10D-4C57-AB72-B631E4D77102}"/>
-                </a:ext>
-              </a:extLst>
-            </p:cNvPr>
-            <p:cNvSpPr/>
-            <p:nvPr/>
-          </p:nvSpPr>
-          <p:spPr>
-            <a:xfrm rot="2700000" flipH="1">
-              <a:off x="10267789" y="4452443"/>
-              <a:ext cx="571820" cy="1316717"/>
-            </a:xfrm>
-            <a:custGeom>
-              <a:avLst/>
-              <a:gdLst>
-                <a:gd name="connsiteX0" fmla="*/ 282417 w 571820"/>
-                <a:gd name="connsiteY0" fmla="*/ 0 h 1316717"/>
-                <a:gd name="connsiteX1" fmla="*/ 285910 w 571820"/>
-                <a:gd name="connsiteY1" fmla="*/ 3175 h 1316717"/>
-                <a:gd name="connsiteX2" fmla="*/ 287393 w 571820"/>
-                <a:gd name="connsiteY2" fmla="*/ 1827 h 1316717"/>
-                <a:gd name="connsiteX3" fmla="*/ 289403 w 571820"/>
-                <a:gd name="connsiteY3" fmla="*/ 0 h 1316717"/>
-                <a:gd name="connsiteX4" fmla="*/ 289403 w 571820"/>
-                <a:gd name="connsiteY4" fmla="*/ 6349 h 1316717"/>
-                <a:gd name="connsiteX5" fmla="*/ 309203 w 571820"/>
-                <a:gd name="connsiteY5" fmla="*/ 24345 h 1316717"/>
-                <a:gd name="connsiteX6" fmla="*/ 571820 w 571820"/>
-                <a:gd name="connsiteY6" fmla="*/ 658359 h 1316717"/>
-                <a:gd name="connsiteX7" fmla="*/ 309203 w 571820"/>
-                <a:gd name="connsiteY7" fmla="*/ 1292372 h 1316717"/>
-                <a:gd name="connsiteX8" fmla="*/ 289403 w 571820"/>
-                <a:gd name="connsiteY8" fmla="*/ 1310368 h 1316717"/>
-                <a:gd name="connsiteX9" fmla="*/ 289403 w 571820"/>
-                <a:gd name="connsiteY9" fmla="*/ 1316717 h 1316717"/>
-                <a:gd name="connsiteX10" fmla="*/ 287393 w 571820"/>
-                <a:gd name="connsiteY10" fmla="*/ 1314890 h 1316717"/>
-                <a:gd name="connsiteX11" fmla="*/ 285910 w 571820"/>
-                <a:gd name="connsiteY11" fmla="*/ 1313542 h 1316717"/>
-                <a:gd name="connsiteX12" fmla="*/ 282417 w 571820"/>
-                <a:gd name="connsiteY12" fmla="*/ 1316717 h 1316717"/>
-                <a:gd name="connsiteX13" fmla="*/ 282417 w 571820"/>
-                <a:gd name="connsiteY13" fmla="*/ 1310367 h 1316717"/>
-                <a:gd name="connsiteX14" fmla="*/ 262617 w 571820"/>
-                <a:gd name="connsiteY14" fmla="*/ 1292372 h 1316717"/>
-                <a:gd name="connsiteX15" fmla="*/ 0 w 571820"/>
-                <a:gd name="connsiteY15" fmla="*/ 658358 h 1316717"/>
-                <a:gd name="connsiteX16" fmla="*/ 262617 w 571820"/>
-                <a:gd name="connsiteY16" fmla="*/ 24345 h 1316717"/>
-                <a:gd name="connsiteX17" fmla="*/ 282417 w 571820"/>
-                <a:gd name="connsiteY17" fmla="*/ 6349 h 1316717"/>
-              </a:gdLst>
-              <a:ahLst/>
-              <a:cxnLst>
-                <a:cxn ang="0">
-                  <a:pos x="connsiteX0" y="connsiteY0"/>
-                </a:cxn>
-                <a:cxn ang="0">
-                  <a:pos x="connsiteX1" y="connsiteY1"/>
-                </a:cxn>
-                <a:cxn ang="0">
-                  <a:pos x="connsiteX2" y="connsiteY2"/>
-                </a:cxn>
-                <a:cxn ang="0">
-                  <a:pos x="connsiteX3" y="connsiteY3"/>
-                </a:cxn>
-                <a:cxn ang="0">
-                  <a:pos x="connsiteX4" y="connsiteY4"/>
-                </a:cxn>
-                <a:cxn ang="0">
-                  <a:pos x="connsiteX5" y="connsiteY5"/>
-                </a:cxn>
-                <a:cxn ang="0">
-                  <a:pos x="connsiteX6" y="connsiteY6"/>
-                </a:cxn>
-                <a:cxn ang="0">
-                  <a:pos x="connsiteX7" y="connsiteY7"/>
-                </a:cxn>
-                <a:cxn ang="0">
-                  <a:pos x="connsiteX8" y="connsiteY8"/>
-                </a:cxn>
-                <a:cxn ang="0">
-                  <a:pos x="connsiteX9" y="connsiteY9"/>
-                </a:cxn>
-                <a:cxn ang="0">
-                  <a:pos x="connsiteX10" y="connsiteY10"/>
-                </a:cxn>
-                <a:cxn ang="0">
-                  <a:pos x="connsiteX11" y="connsiteY11"/>
-                </a:cxn>
-                <a:cxn ang="0">
-                  <a:pos x="connsiteX12" y="connsiteY12"/>
-                </a:cxn>
-                <a:cxn ang="0">
-                  <a:pos x="connsiteX13" y="connsiteY13"/>
-                </a:cxn>
-                <a:cxn ang="0">
-                  <a:pos x="connsiteX14" y="connsiteY14"/>
-                </a:cxn>
-                <a:cxn ang="0">
-                  <a:pos x="connsiteX15" y="connsiteY15"/>
-                </a:cxn>
-                <a:cxn ang="0">
-                  <a:pos x="connsiteX16" y="connsiteY16"/>
-                </a:cxn>
-                <a:cxn ang="0">
-                  <a:pos x="connsiteX17" y="connsiteY17"/>
-                </a:cxn>
-              </a:cxnLst>
-              <a:rect l="l" t="t" r="r" b="b"/>
-              <a:pathLst>
-                <a:path w="571820" h="1316717">
-                  <a:moveTo>
-                    <a:pt x="282417" y="0"/>
-                  </a:moveTo>
-                  <a:lnTo>
-                    <a:pt x="285910" y="3175"/>
-                  </a:lnTo>
-                  <a:lnTo>
-                    <a:pt x="287393" y="1827"/>
-                  </a:lnTo>
-                  <a:lnTo>
-                    <a:pt x="289403" y="0"/>
-                  </a:lnTo>
-                  <a:lnTo>
-                    <a:pt x="289403" y="6349"/>
-                  </a:lnTo>
-                  <a:lnTo>
-                    <a:pt x="309203" y="24345"/>
-                  </a:lnTo>
-                  <a:cubicBezTo>
-                    <a:pt x="471461" y="186603"/>
-                    <a:pt x="571820" y="410761"/>
-                    <a:pt x="571820" y="658359"/>
-                  </a:cubicBezTo>
-                  <a:cubicBezTo>
-                    <a:pt x="571820" y="905956"/>
-                    <a:pt x="471461" y="1130114"/>
-                    <a:pt x="309203" y="1292372"/>
-                  </a:cubicBezTo>
-                  <a:lnTo>
-                    <a:pt x="289403" y="1310368"/>
-                  </a:lnTo>
-                  <a:lnTo>
-                    <a:pt x="289403" y="1316717"/>
-                  </a:lnTo>
-                  <a:lnTo>
-                    <a:pt x="287393" y="1314890"/>
-                  </a:lnTo>
-                  <a:lnTo>
-                    <a:pt x="285910" y="1313542"/>
-                  </a:lnTo>
-                  <a:lnTo>
-                    <a:pt x="282417" y="1316717"/>
-                  </a:lnTo>
-                  <a:lnTo>
-                    <a:pt x="282417" y="1310367"/>
-                  </a:lnTo>
-                  <a:lnTo>
-                    <a:pt x="262617" y="1292372"/>
-                  </a:lnTo>
-                  <a:cubicBezTo>
-                    <a:pt x="100359" y="1130113"/>
-                    <a:pt x="0" y="905956"/>
-                    <a:pt x="0" y="658358"/>
-                  </a:cubicBezTo>
-                  <a:cubicBezTo>
-                    <a:pt x="0" y="410761"/>
-                    <a:pt x="100359" y="186603"/>
-                    <a:pt x="262617" y="24345"/>
-                  </a:cubicBezTo>
-                  <a:lnTo>
-                    <a:pt x="282417" y="6349"/>
-                  </a:lnTo>
-                  <a:close/>
-                </a:path>
-              </a:pathLst>
-            </a:custGeom>
-            <a:solidFill>
-              <a:schemeClr val="accent4">
-                <a:alpha val="40000"/>
-              </a:schemeClr>
-            </a:solidFill>
-            <a:ln w="12700">
-              <a:noFill/>
-            </a:ln>
-          </p:spPr>
-          <p:style>
-            <a:lnRef idx="2">
-              <a:schemeClr val="accent1">
-                <a:shade val="50000"/>
-              </a:schemeClr>
-            </a:lnRef>
-            <a:fillRef idx="1">
-              <a:schemeClr val="accent1"/>
-            </a:fillRef>
-            <a:effectRef idx="0">
-              <a:schemeClr val="accent1"/>
-            </a:effectRef>
-            <a:fontRef idx="minor">
-              <a:schemeClr val="lt1"/>
-            </a:fontRef>
-          </p:style>
-          <p:txBody>
-            <a:bodyPr rtlCol="0" anchor="ctr"/>
-            <a:lstStyle/>
-            <a:p>
-              <a:pPr algn="ctr"/>
-              <a:endParaRPr lang="en-US"/>
-            </a:p>
-          </p:txBody>
-        </p:sp>
-        <p:grpSp>
-          <p:nvGrpSpPr>
-            <p:cNvPr id="17" name="Group 16">
-              <a:extLst>
-                <a:ext uri="{FF2B5EF4-FFF2-40B4-BE49-F238E27FC236}">
-                  <a16:creationId xmlns:a16="http://schemas.microsoft.com/office/drawing/2014/main" id="{0B037EB3-1772-4BA8-A95A-E5DBDFEA32B0}"/>
-                </a:ext>
-              </a:extLst>
-            </p:cNvPr>
-            <p:cNvGrpSpPr/>
-            <p:nvPr/>
-          </p:nvGrpSpPr>
-          <p:grpSpPr>
-            <a:xfrm rot="2700000" flipH="1">
-              <a:off x="10112436" y="4359902"/>
-              <a:ext cx="571820" cy="1620000"/>
-              <a:chOff x="8482785" y="4330454"/>
-              <a:chExt cx="571820" cy="1620000"/>
-            </a:xfrm>
-          </p:grpSpPr>
-          <p:sp>
-            <p:nvSpPr>
-              <p:cNvPr id="18" name="Freeform: Shape 17">
-                <a:extLst>
-                  <a:ext uri="{FF2B5EF4-FFF2-40B4-BE49-F238E27FC236}">
-                    <a16:creationId xmlns:a16="http://schemas.microsoft.com/office/drawing/2014/main" id="{A1F47AC1-63D0-47F3-9728-1A0A0543494B}"/>
-                  </a:ext>
-                </a:extLst>
-              </p:cNvPr>
-              <p:cNvSpPr/>
-              <p:nvPr/>
-            </p:nvSpPr>
-            <p:spPr>
-              <a:xfrm>
-                <a:off x="8482785" y="4333632"/>
-                <a:ext cx="571820" cy="1311956"/>
-              </a:xfrm>
-              <a:custGeom>
-                <a:avLst/>
-                <a:gdLst>
-                  <a:gd name="connsiteX0" fmla="*/ 282417 w 571820"/>
-                  <a:gd name="connsiteY0" fmla="*/ 0 h 1316717"/>
-                  <a:gd name="connsiteX1" fmla="*/ 285910 w 571820"/>
-                  <a:gd name="connsiteY1" fmla="*/ 3175 h 1316717"/>
-                  <a:gd name="connsiteX2" fmla="*/ 287393 w 571820"/>
-                  <a:gd name="connsiteY2" fmla="*/ 1827 h 1316717"/>
-                  <a:gd name="connsiteX3" fmla="*/ 289403 w 571820"/>
-                  <a:gd name="connsiteY3" fmla="*/ 0 h 1316717"/>
-                  <a:gd name="connsiteX4" fmla="*/ 289403 w 571820"/>
-                  <a:gd name="connsiteY4" fmla="*/ 6349 h 1316717"/>
-                  <a:gd name="connsiteX5" fmla="*/ 309203 w 571820"/>
-                  <a:gd name="connsiteY5" fmla="*/ 24345 h 1316717"/>
-                  <a:gd name="connsiteX6" fmla="*/ 571820 w 571820"/>
-                  <a:gd name="connsiteY6" fmla="*/ 658359 h 1316717"/>
-                  <a:gd name="connsiteX7" fmla="*/ 309203 w 571820"/>
-                  <a:gd name="connsiteY7" fmla="*/ 1292372 h 1316717"/>
-                  <a:gd name="connsiteX8" fmla="*/ 289403 w 571820"/>
-                  <a:gd name="connsiteY8" fmla="*/ 1310368 h 1316717"/>
-                  <a:gd name="connsiteX9" fmla="*/ 289403 w 571820"/>
-                  <a:gd name="connsiteY9" fmla="*/ 1316717 h 1316717"/>
-                  <a:gd name="connsiteX10" fmla="*/ 287393 w 571820"/>
-                  <a:gd name="connsiteY10" fmla="*/ 1314890 h 1316717"/>
-                  <a:gd name="connsiteX11" fmla="*/ 285910 w 571820"/>
-                  <a:gd name="connsiteY11" fmla="*/ 1313542 h 1316717"/>
-                  <a:gd name="connsiteX12" fmla="*/ 282417 w 571820"/>
-                  <a:gd name="connsiteY12" fmla="*/ 1316717 h 1316717"/>
-                  <a:gd name="connsiteX13" fmla="*/ 282417 w 571820"/>
-                  <a:gd name="connsiteY13" fmla="*/ 1310367 h 1316717"/>
-                  <a:gd name="connsiteX14" fmla="*/ 262617 w 571820"/>
-                  <a:gd name="connsiteY14" fmla="*/ 1292372 h 1316717"/>
-                  <a:gd name="connsiteX15" fmla="*/ 0 w 571820"/>
-                  <a:gd name="connsiteY15" fmla="*/ 658358 h 1316717"/>
-                  <a:gd name="connsiteX16" fmla="*/ 262617 w 571820"/>
-                  <a:gd name="connsiteY16" fmla="*/ 24345 h 1316717"/>
-                  <a:gd name="connsiteX17" fmla="*/ 282417 w 571820"/>
-                  <a:gd name="connsiteY17" fmla="*/ 6349 h 1316717"/>
-                  <a:gd name="connsiteX0" fmla="*/ 282417 w 571820"/>
-                  <a:gd name="connsiteY0" fmla="*/ 6349 h 1316717"/>
-                  <a:gd name="connsiteX1" fmla="*/ 285910 w 571820"/>
-                  <a:gd name="connsiteY1" fmla="*/ 3175 h 1316717"/>
-                  <a:gd name="connsiteX2" fmla="*/ 287393 w 571820"/>
-                  <a:gd name="connsiteY2" fmla="*/ 1827 h 1316717"/>
-                  <a:gd name="connsiteX3" fmla="*/ 289403 w 571820"/>
-                  <a:gd name="connsiteY3" fmla="*/ 0 h 1316717"/>
-                  <a:gd name="connsiteX4" fmla="*/ 289403 w 571820"/>
-                  <a:gd name="connsiteY4" fmla="*/ 6349 h 1316717"/>
-                  <a:gd name="connsiteX5" fmla="*/ 309203 w 571820"/>
-                  <a:gd name="connsiteY5" fmla="*/ 24345 h 1316717"/>
-                  <a:gd name="connsiteX6" fmla="*/ 571820 w 571820"/>
-                  <a:gd name="connsiteY6" fmla="*/ 658359 h 1316717"/>
-                  <a:gd name="connsiteX7" fmla="*/ 309203 w 571820"/>
-                  <a:gd name="connsiteY7" fmla="*/ 1292372 h 1316717"/>
-                  <a:gd name="connsiteX8" fmla="*/ 289403 w 571820"/>
-                  <a:gd name="connsiteY8" fmla="*/ 1310368 h 1316717"/>
-                  <a:gd name="connsiteX9" fmla="*/ 289403 w 571820"/>
-                  <a:gd name="connsiteY9" fmla="*/ 1316717 h 1316717"/>
-                  <a:gd name="connsiteX10" fmla="*/ 287393 w 571820"/>
-                  <a:gd name="connsiteY10" fmla="*/ 1314890 h 1316717"/>
-                  <a:gd name="connsiteX11" fmla="*/ 285910 w 571820"/>
-                  <a:gd name="connsiteY11" fmla="*/ 1313542 h 1316717"/>
-                  <a:gd name="connsiteX12" fmla="*/ 282417 w 571820"/>
-                  <a:gd name="connsiteY12" fmla="*/ 1316717 h 1316717"/>
-                  <a:gd name="connsiteX13" fmla="*/ 282417 w 571820"/>
-                  <a:gd name="connsiteY13" fmla="*/ 1310367 h 1316717"/>
-                  <a:gd name="connsiteX14" fmla="*/ 262617 w 571820"/>
-                  <a:gd name="connsiteY14" fmla="*/ 1292372 h 1316717"/>
-                  <a:gd name="connsiteX15" fmla="*/ 0 w 571820"/>
-                  <a:gd name="connsiteY15" fmla="*/ 658358 h 1316717"/>
-                  <a:gd name="connsiteX16" fmla="*/ 262617 w 571820"/>
-                  <a:gd name="connsiteY16" fmla="*/ 24345 h 1316717"/>
-                  <a:gd name="connsiteX17" fmla="*/ 282417 w 571820"/>
-                  <a:gd name="connsiteY17" fmla="*/ 6349 h 1316717"/>
-                  <a:gd name="connsiteX0" fmla="*/ 262617 w 571820"/>
-                  <a:gd name="connsiteY0" fmla="*/ 24345 h 1316717"/>
-                  <a:gd name="connsiteX1" fmla="*/ 285910 w 571820"/>
-                  <a:gd name="connsiteY1" fmla="*/ 3175 h 1316717"/>
-                  <a:gd name="connsiteX2" fmla="*/ 287393 w 571820"/>
-                  <a:gd name="connsiteY2" fmla="*/ 1827 h 1316717"/>
-                  <a:gd name="connsiteX3" fmla="*/ 289403 w 571820"/>
-                  <a:gd name="connsiteY3" fmla="*/ 0 h 1316717"/>
-                  <a:gd name="connsiteX4" fmla="*/ 289403 w 571820"/>
-                  <a:gd name="connsiteY4" fmla="*/ 6349 h 1316717"/>
-                  <a:gd name="connsiteX5" fmla="*/ 309203 w 571820"/>
-                  <a:gd name="connsiteY5" fmla="*/ 24345 h 1316717"/>
-                  <a:gd name="connsiteX6" fmla="*/ 571820 w 571820"/>
-                  <a:gd name="connsiteY6" fmla="*/ 658359 h 1316717"/>
-                  <a:gd name="connsiteX7" fmla="*/ 309203 w 571820"/>
-                  <a:gd name="connsiteY7" fmla="*/ 1292372 h 1316717"/>
-                  <a:gd name="connsiteX8" fmla="*/ 289403 w 571820"/>
-                  <a:gd name="connsiteY8" fmla="*/ 1310368 h 1316717"/>
-                  <a:gd name="connsiteX9" fmla="*/ 289403 w 571820"/>
-                  <a:gd name="connsiteY9" fmla="*/ 1316717 h 1316717"/>
-                  <a:gd name="connsiteX10" fmla="*/ 287393 w 571820"/>
-                  <a:gd name="connsiteY10" fmla="*/ 1314890 h 1316717"/>
-                  <a:gd name="connsiteX11" fmla="*/ 285910 w 571820"/>
-                  <a:gd name="connsiteY11" fmla="*/ 1313542 h 1316717"/>
-                  <a:gd name="connsiteX12" fmla="*/ 282417 w 571820"/>
-                  <a:gd name="connsiteY12" fmla="*/ 1316717 h 1316717"/>
-                  <a:gd name="connsiteX13" fmla="*/ 282417 w 571820"/>
-                  <a:gd name="connsiteY13" fmla="*/ 1310367 h 1316717"/>
-                  <a:gd name="connsiteX14" fmla="*/ 262617 w 571820"/>
-                  <a:gd name="connsiteY14" fmla="*/ 1292372 h 1316717"/>
-                  <a:gd name="connsiteX15" fmla="*/ 0 w 571820"/>
-                  <a:gd name="connsiteY15" fmla="*/ 658358 h 1316717"/>
-                  <a:gd name="connsiteX16" fmla="*/ 262617 w 571820"/>
-                  <a:gd name="connsiteY16" fmla="*/ 24345 h 1316717"/>
-                  <a:gd name="connsiteX0" fmla="*/ 262617 w 571820"/>
-                  <a:gd name="connsiteY0" fmla="*/ 24345 h 1316717"/>
-                  <a:gd name="connsiteX1" fmla="*/ 285910 w 571820"/>
-                  <a:gd name="connsiteY1" fmla="*/ 3175 h 1316717"/>
-                  <a:gd name="connsiteX2" fmla="*/ 287393 w 571820"/>
-                  <a:gd name="connsiteY2" fmla="*/ 1827 h 1316717"/>
-                  <a:gd name="connsiteX3" fmla="*/ 289403 w 571820"/>
-                  <a:gd name="connsiteY3" fmla="*/ 0 h 1316717"/>
-                  <a:gd name="connsiteX4" fmla="*/ 309203 w 571820"/>
-                  <a:gd name="connsiteY4" fmla="*/ 24345 h 1316717"/>
-                  <a:gd name="connsiteX5" fmla="*/ 571820 w 571820"/>
-                  <a:gd name="connsiteY5" fmla="*/ 658359 h 1316717"/>
-                  <a:gd name="connsiteX6" fmla="*/ 309203 w 571820"/>
-                  <a:gd name="connsiteY6" fmla="*/ 1292372 h 1316717"/>
-                  <a:gd name="connsiteX7" fmla="*/ 289403 w 571820"/>
-                  <a:gd name="connsiteY7" fmla="*/ 1310368 h 1316717"/>
-                  <a:gd name="connsiteX8" fmla="*/ 289403 w 571820"/>
-                  <a:gd name="connsiteY8" fmla="*/ 1316717 h 1316717"/>
-                  <a:gd name="connsiteX9" fmla="*/ 287393 w 571820"/>
-                  <a:gd name="connsiteY9" fmla="*/ 1314890 h 1316717"/>
-                  <a:gd name="connsiteX10" fmla="*/ 285910 w 571820"/>
-                  <a:gd name="connsiteY10" fmla="*/ 1313542 h 1316717"/>
-                  <a:gd name="connsiteX11" fmla="*/ 282417 w 571820"/>
-                  <a:gd name="connsiteY11" fmla="*/ 1316717 h 1316717"/>
-                  <a:gd name="connsiteX12" fmla="*/ 282417 w 571820"/>
-                  <a:gd name="connsiteY12" fmla="*/ 1310367 h 1316717"/>
-                  <a:gd name="connsiteX13" fmla="*/ 262617 w 571820"/>
-                  <a:gd name="connsiteY13" fmla="*/ 1292372 h 1316717"/>
-                  <a:gd name="connsiteX14" fmla="*/ 0 w 571820"/>
-                  <a:gd name="connsiteY14" fmla="*/ 658358 h 1316717"/>
-                  <a:gd name="connsiteX15" fmla="*/ 262617 w 571820"/>
-                  <a:gd name="connsiteY15" fmla="*/ 24345 h 1316717"/>
-                  <a:gd name="connsiteX0" fmla="*/ 262617 w 571820"/>
-                  <a:gd name="connsiteY0" fmla="*/ 22518 h 1314890"/>
-                  <a:gd name="connsiteX1" fmla="*/ 285910 w 571820"/>
-                  <a:gd name="connsiteY1" fmla="*/ 1348 h 1314890"/>
-                  <a:gd name="connsiteX2" fmla="*/ 287393 w 571820"/>
-                  <a:gd name="connsiteY2" fmla="*/ 0 h 1314890"/>
-                  <a:gd name="connsiteX3" fmla="*/ 309203 w 571820"/>
-                  <a:gd name="connsiteY3" fmla="*/ 22518 h 1314890"/>
-                  <a:gd name="connsiteX4" fmla="*/ 571820 w 571820"/>
-                  <a:gd name="connsiteY4" fmla="*/ 656532 h 1314890"/>
-                  <a:gd name="connsiteX5" fmla="*/ 309203 w 571820"/>
-                  <a:gd name="connsiteY5" fmla="*/ 1290545 h 1314890"/>
-                  <a:gd name="connsiteX6" fmla="*/ 289403 w 571820"/>
-                  <a:gd name="connsiteY6" fmla="*/ 1308541 h 1314890"/>
-                  <a:gd name="connsiteX7" fmla="*/ 289403 w 571820"/>
-                  <a:gd name="connsiteY7" fmla="*/ 1314890 h 1314890"/>
-                  <a:gd name="connsiteX8" fmla="*/ 287393 w 571820"/>
-                  <a:gd name="connsiteY8" fmla="*/ 1313063 h 1314890"/>
-                  <a:gd name="connsiteX9" fmla="*/ 285910 w 571820"/>
-                  <a:gd name="connsiteY9" fmla="*/ 1311715 h 1314890"/>
-                  <a:gd name="connsiteX10" fmla="*/ 282417 w 571820"/>
-                  <a:gd name="connsiteY10" fmla="*/ 1314890 h 1314890"/>
-                  <a:gd name="connsiteX11" fmla="*/ 282417 w 571820"/>
-                  <a:gd name="connsiteY11" fmla="*/ 1308540 h 1314890"/>
-                  <a:gd name="connsiteX12" fmla="*/ 262617 w 571820"/>
-                  <a:gd name="connsiteY12" fmla="*/ 1290545 h 1314890"/>
-                  <a:gd name="connsiteX13" fmla="*/ 0 w 571820"/>
-                  <a:gd name="connsiteY13" fmla="*/ 656531 h 1314890"/>
-                  <a:gd name="connsiteX14" fmla="*/ 262617 w 571820"/>
-                  <a:gd name="connsiteY14" fmla="*/ 22518 h 1314890"/>
-                  <a:gd name="connsiteX0" fmla="*/ 262617 w 571820"/>
-                  <a:gd name="connsiteY0" fmla="*/ 21170 h 1313542"/>
-                  <a:gd name="connsiteX1" fmla="*/ 285910 w 571820"/>
-                  <a:gd name="connsiteY1" fmla="*/ 0 h 1313542"/>
-                  <a:gd name="connsiteX2" fmla="*/ 309203 w 571820"/>
-                  <a:gd name="connsiteY2" fmla="*/ 21170 h 1313542"/>
-                  <a:gd name="connsiteX3" fmla="*/ 571820 w 571820"/>
-                  <a:gd name="connsiteY3" fmla="*/ 655184 h 1313542"/>
-                  <a:gd name="connsiteX4" fmla="*/ 309203 w 571820"/>
-                  <a:gd name="connsiteY4" fmla="*/ 1289197 h 1313542"/>
-                  <a:gd name="connsiteX5" fmla="*/ 289403 w 571820"/>
-                  <a:gd name="connsiteY5" fmla="*/ 1307193 h 1313542"/>
-                  <a:gd name="connsiteX6" fmla="*/ 289403 w 571820"/>
-                  <a:gd name="connsiteY6" fmla="*/ 1313542 h 1313542"/>
-                  <a:gd name="connsiteX7" fmla="*/ 287393 w 571820"/>
-                  <a:gd name="connsiteY7" fmla="*/ 1311715 h 1313542"/>
-                  <a:gd name="connsiteX8" fmla="*/ 285910 w 571820"/>
-                  <a:gd name="connsiteY8" fmla="*/ 1310367 h 1313542"/>
-                  <a:gd name="connsiteX9" fmla="*/ 282417 w 571820"/>
-                  <a:gd name="connsiteY9" fmla="*/ 1313542 h 1313542"/>
-                  <a:gd name="connsiteX10" fmla="*/ 282417 w 571820"/>
-                  <a:gd name="connsiteY10" fmla="*/ 1307192 h 1313542"/>
-                  <a:gd name="connsiteX11" fmla="*/ 262617 w 571820"/>
-                  <a:gd name="connsiteY11" fmla="*/ 1289197 h 1313542"/>
-                  <a:gd name="connsiteX12" fmla="*/ 0 w 571820"/>
-                  <a:gd name="connsiteY12" fmla="*/ 655183 h 1313542"/>
-                  <a:gd name="connsiteX13" fmla="*/ 262617 w 571820"/>
-                  <a:gd name="connsiteY13" fmla="*/ 21170 h 1313542"/>
-                  <a:gd name="connsiteX0" fmla="*/ 262617 w 571820"/>
-                  <a:gd name="connsiteY0" fmla="*/ 21170 h 1313542"/>
-                  <a:gd name="connsiteX1" fmla="*/ 285910 w 571820"/>
-                  <a:gd name="connsiteY1" fmla="*/ 0 h 1313542"/>
-                  <a:gd name="connsiteX2" fmla="*/ 309203 w 571820"/>
-                  <a:gd name="connsiteY2" fmla="*/ 21170 h 1313542"/>
-                  <a:gd name="connsiteX3" fmla="*/ 571820 w 571820"/>
-                  <a:gd name="connsiteY3" fmla="*/ 655184 h 1313542"/>
-                  <a:gd name="connsiteX4" fmla="*/ 309203 w 571820"/>
-                  <a:gd name="connsiteY4" fmla="*/ 1289197 h 1313542"/>
-                  <a:gd name="connsiteX5" fmla="*/ 289403 w 571820"/>
-                  <a:gd name="connsiteY5" fmla="*/ 1307193 h 1313542"/>
-                  <a:gd name="connsiteX6" fmla="*/ 289403 w 571820"/>
-                  <a:gd name="connsiteY6" fmla="*/ 1313542 h 1313542"/>
-                  <a:gd name="connsiteX7" fmla="*/ 287393 w 571820"/>
-                  <a:gd name="connsiteY7" fmla="*/ 1311715 h 1313542"/>
-                  <a:gd name="connsiteX8" fmla="*/ 285910 w 571820"/>
-                  <a:gd name="connsiteY8" fmla="*/ 1310367 h 1313542"/>
-                  <a:gd name="connsiteX9" fmla="*/ 282417 w 571820"/>
-                  <a:gd name="connsiteY9" fmla="*/ 1313542 h 1313542"/>
-                  <a:gd name="connsiteX10" fmla="*/ 262617 w 571820"/>
-                  <a:gd name="connsiteY10" fmla="*/ 1289197 h 1313542"/>
-                  <a:gd name="connsiteX11" fmla="*/ 0 w 571820"/>
-                  <a:gd name="connsiteY11" fmla="*/ 655183 h 1313542"/>
-                  <a:gd name="connsiteX12" fmla="*/ 262617 w 571820"/>
-                  <a:gd name="connsiteY12" fmla="*/ 21170 h 1313542"/>
-                  <a:gd name="connsiteX0" fmla="*/ 262617 w 571820"/>
-                  <a:gd name="connsiteY0" fmla="*/ 21170 h 1313542"/>
-                  <a:gd name="connsiteX1" fmla="*/ 285910 w 571820"/>
-                  <a:gd name="connsiteY1" fmla="*/ 0 h 1313542"/>
-                  <a:gd name="connsiteX2" fmla="*/ 309203 w 571820"/>
-                  <a:gd name="connsiteY2" fmla="*/ 21170 h 1313542"/>
-                  <a:gd name="connsiteX3" fmla="*/ 571820 w 571820"/>
-                  <a:gd name="connsiteY3" fmla="*/ 655184 h 1313542"/>
-                  <a:gd name="connsiteX4" fmla="*/ 309203 w 571820"/>
-                  <a:gd name="connsiteY4" fmla="*/ 1289197 h 1313542"/>
-                  <a:gd name="connsiteX5" fmla="*/ 289403 w 571820"/>
-                  <a:gd name="connsiteY5" fmla="*/ 1307193 h 1313542"/>
-                  <a:gd name="connsiteX6" fmla="*/ 289403 w 571820"/>
-                  <a:gd name="connsiteY6" fmla="*/ 1313542 h 1313542"/>
-                  <a:gd name="connsiteX7" fmla="*/ 287393 w 571820"/>
-                  <a:gd name="connsiteY7" fmla="*/ 1311715 h 1313542"/>
-                  <a:gd name="connsiteX8" fmla="*/ 285910 w 571820"/>
-                  <a:gd name="connsiteY8" fmla="*/ 1310367 h 1313542"/>
-                  <a:gd name="connsiteX9" fmla="*/ 262617 w 571820"/>
-                  <a:gd name="connsiteY9" fmla="*/ 1289197 h 1313542"/>
-                  <a:gd name="connsiteX10" fmla="*/ 0 w 571820"/>
-                  <a:gd name="connsiteY10" fmla="*/ 655183 h 1313542"/>
-                  <a:gd name="connsiteX11" fmla="*/ 262617 w 571820"/>
-                  <a:gd name="connsiteY11" fmla="*/ 21170 h 1313542"/>
-                  <a:gd name="connsiteX0" fmla="*/ 262617 w 571820"/>
-                  <a:gd name="connsiteY0" fmla="*/ 21170 h 1313542"/>
-                  <a:gd name="connsiteX1" fmla="*/ 285910 w 571820"/>
-                  <a:gd name="connsiteY1" fmla="*/ 0 h 1313542"/>
-                  <a:gd name="connsiteX2" fmla="*/ 309203 w 571820"/>
-                  <a:gd name="connsiteY2" fmla="*/ 21170 h 1313542"/>
-                  <a:gd name="connsiteX3" fmla="*/ 571820 w 571820"/>
-                  <a:gd name="connsiteY3" fmla="*/ 655184 h 1313542"/>
-                  <a:gd name="connsiteX4" fmla="*/ 309203 w 571820"/>
-                  <a:gd name="connsiteY4" fmla="*/ 1289197 h 1313542"/>
-                  <a:gd name="connsiteX5" fmla="*/ 289403 w 571820"/>
-                  <a:gd name="connsiteY5" fmla="*/ 1307193 h 1313542"/>
-                  <a:gd name="connsiteX6" fmla="*/ 289403 w 571820"/>
-                  <a:gd name="connsiteY6" fmla="*/ 1313542 h 1313542"/>
-                  <a:gd name="connsiteX7" fmla="*/ 287393 w 571820"/>
-                  <a:gd name="connsiteY7" fmla="*/ 1311715 h 1313542"/>
-                  <a:gd name="connsiteX8" fmla="*/ 262617 w 571820"/>
-                  <a:gd name="connsiteY8" fmla="*/ 1289197 h 1313542"/>
-                  <a:gd name="connsiteX9" fmla="*/ 0 w 571820"/>
-                  <a:gd name="connsiteY9" fmla="*/ 655183 h 1313542"/>
-                  <a:gd name="connsiteX10" fmla="*/ 262617 w 571820"/>
-                  <a:gd name="connsiteY10" fmla="*/ 21170 h 1313542"/>
-                  <a:gd name="connsiteX0" fmla="*/ 262617 w 571820"/>
-                  <a:gd name="connsiteY0" fmla="*/ 21170 h 1313542"/>
-                  <a:gd name="connsiteX1" fmla="*/ 285910 w 571820"/>
-                  <a:gd name="connsiteY1" fmla="*/ 0 h 1313542"/>
-                  <a:gd name="connsiteX2" fmla="*/ 309203 w 571820"/>
-                  <a:gd name="connsiteY2" fmla="*/ 21170 h 1313542"/>
-                  <a:gd name="connsiteX3" fmla="*/ 571820 w 571820"/>
-                  <a:gd name="connsiteY3" fmla="*/ 655184 h 1313542"/>
-                  <a:gd name="connsiteX4" fmla="*/ 309203 w 571820"/>
-                  <a:gd name="connsiteY4" fmla="*/ 1289197 h 1313542"/>
-                  <a:gd name="connsiteX5" fmla="*/ 289403 w 571820"/>
-                  <a:gd name="connsiteY5" fmla="*/ 1307193 h 1313542"/>
-                  <a:gd name="connsiteX6" fmla="*/ 289403 w 571820"/>
-                  <a:gd name="connsiteY6" fmla="*/ 1313542 h 1313542"/>
-                  <a:gd name="connsiteX7" fmla="*/ 262617 w 571820"/>
-                  <a:gd name="connsiteY7" fmla="*/ 1289197 h 1313542"/>
-                  <a:gd name="connsiteX8" fmla="*/ 0 w 571820"/>
-                  <a:gd name="connsiteY8" fmla="*/ 655183 h 1313542"/>
-                  <a:gd name="connsiteX9" fmla="*/ 262617 w 571820"/>
-                  <a:gd name="connsiteY9" fmla="*/ 21170 h 1313542"/>
-                  <a:gd name="connsiteX0" fmla="*/ 262617 w 571820"/>
-                  <a:gd name="connsiteY0" fmla="*/ 21170 h 1364739"/>
-                  <a:gd name="connsiteX1" fmla="*/ 285910 w 571820"/>
-                  <a:gd name="connsiteY1" fmla="*/ 0 h 1364739"/>
-                  <a:gd name="connsiteX2" fmla="*/ 309203 w 571820"/>
-                  <a:gd name="connsiteY2" fmla="*/ 21170 h 1364739"/>
-                  <a:gd name="connsiteX3" fmla="*/ 571820 w 571820"/>
-                  <a:gd name="connsiteY3" fmla="*/ 655184 h 1364739"/>
-                  <a:gd name="connsiteX4" fmla="*/ 309203 w 571820"/>
-                  <a:gd name="connsiteY4" fmla="*/ 1289197 h 1364739"/>
-                  <a:gd name="connsiteX5" fmla="*/ 289403 w 571820"/>
-                  <a:gd name="connsiteY5" fmla="*/ 1307193 h 1364739"/>
-                  <a:gd name="connsiteX6" fmla="*/ 177485 w 571820"/>
-                  <a:gd name="connsiteY6" fmla="*/ 1364739 h 1364739"/>
-                  <a:gd name="connsiteX7" fmla="*/ 262617 w 571820"/>
-                  <a:gd name="connsiteY7" fmla="*/ 1289197 h 1364739"/>
-                  <a:gd name="connsiteX8" fmla="*/ 0 w 571820"/>
-                  <a:gd name="connsiteY8" fmla="*/ 655183 h 1364739"/>
-                  <a:gd name="connsiteX9" fmla="*/ 262617 w 571820"/>
-                  <a:gd name="connsiteY9" fmla="*/ 21170 h 1364739"/>
-                  <a:gd name="connsiteX0" fmla="*/ 262617 w 571820"/>
-                  <a:gd name="connsiteY0" fmla="*/ 21170 h 1364739"/>
-                  <a:gd name="connsiteX1" fmla="*/ 285910 w 571820"/>
-                  <a:gd name="connsiteY1" fmla="*/ 0 h 1364739"/>
-                  <a:gd name="connsiteX2" fmla="*/ 309203 w 571820"/>
-                  <a:gd name="connsiteY2" fmla="*/ 21170 h 1364739"/>
-                  <a:gd name="connsiteX3" fmla="*/ 571820 w 571820"/>
-                  <a:gd name="connsiteY3" fmla="*/ 655184 h 1364739"/>
-                  <a:gd name="connsiteX4" fmla="*/ 309203 w 571820"/>
-                  <a:gd name="connsiteY4" fmla="*/ 1289197 h 1364739"/>
-                  <a:gd name="connsiteX5" fmla="*/ 285832 w 571820"/>
-                  <a:gd name="connsiteY5" fmla="*/ 1311956 h 1364739"/>
-                  <a:gd name="connsiteX6" fmla="*/ 177485 w 571820"/>
-                  <a:gd name="connsiteY6" fmla="*/ 1364739 h 1364739"/>
-                  <a:gd name="connsiteX7" fmla="*/ 262617 w 571820"/>
-                  <a:gd name="connsiteY7" fmla="*/ 1289197 h 1364739"/>
-                  <a:gd name="connsiteX8" fmla="*/ 0 w 571820"/>
-                  <a:gd name="connsiteY8" fmla="*/ 655183 h 1364739"/>
-                  <a:gd name="connsiteX9" fmla="*/ 262617 w 571820"/>
-                  <a:gd name="connsiteY9" fmla="*/ 21170 h 1364739"/>
-                  <a:gd name="connsiteX0" fmla="*/ 262617 w 571820"/>
-                  <a:gd name="connsiteY0" fmla="*/ 21170 h 1311956"/>
-                  <a:gd name="connsiteX1" fmla="*/ 285910 w 571820"/>
-                  <a:gd name="connsiteY1" fmla="*/ 0 h 1311956"/>
-                  <a:gd name="connsiteX2" fmla="*/ 309203 w 571820"/>
-                  <a:gd name="connsiteY2" fmla="*/ 21170 h 1311956"/>
-                  <a:gd name="connsiteX3" fmla="*/ 571820 w 571820"/>
-                  <a:gd name="connsiteY3" fmla="*/ 655184 h 1311956"/>
-                  <a:gd name="connsiteX4" fmla="*/ 309203 w 571820"/>
-                  <a:gd name="connsiteY4" fmla="*/ 1289197 h 1311956"/>
-                  <a:gd name="connsiteX5" fmla="*/ 285832 w 571820"/>
-                  <a:gd name="connsiteY5" fmla="*/ 1311956 h 1311956"/>
-                  <a:gd name="connsiteX6" fmla="*/ 262617 w 571820"/>
-                  <a:gd name="connsiteY6" fmla="*/ 1289197 h 1311956"/>
-                  <a:gd name="connsiteX7" fmla="*/ 0 w 571820"/>
-                  <a:gd name="connsiteY7" fmla="*/ 655183 h 1311956"/>
-                  <a:gd name="connsiteX8" fmla="*/ 262617 w 571820"/>
-                  <a:gd name="connsiteY8" fmla="*/ 21170 h 1311956"/>
-                </a:gdLst>
-                <a:ahLst/>
-                <a:cxnLst>
-                  <a:cxn ang="0">
-                    <a:pos x="connsiteX0" y="connsiteY0"/>
-                  </a:cxn>
-                  <a:cxn ang="0">
-                    <a:pos x="connsiteX1" y="connsiteY1"/>
-                  </a:cxn>
-                  <a:cxn ang="0">
-                    <a:pos x="connsiteX2" y="connsiteY2"/>
-                  </a:cxn>
-                  <a:cxn ang="0">
-                    <a:pos x="connsiteX3" y="connsiteY3"/>
-                  </a:cxn>
-                  <a:cxn ang="0">
-                    <a:pos x="connsiteX4" y="connsiteY4"/>
-                  </a:cxn>
-                  <a:cxn ang="0">
-                    <a:pos x="connsiteX5" y="connsiteY5"/>
-                  </a:cxn>
-                  <a:cxn ang="0">
-                    <a:pos x="connsiteX6" y="connsiteY6"/>
-                  </a:cxn>
-                  <a:cxn ang="0">
-                    <a:pos x="connsiteX7" y="connsiteY7"/>
-                  </a:cxn>
-                  <a:cxn ang="0">
-                    <a:pos x="connsiteX8" y="connsiteY8"/>
-                  </a:cxn>
-                </a:cxnLst>
-                <a:rect l="l" t="t" r="r" b="b"/>
-                <a:pathLst>
-                  <a:path w="571820" h="1311956">
-                    <a:moveTo>
-                      <a:pt x="262617" y="21170"/>
-                    </a:moveTo>
-                    <a:lnTo>
-                      <a:pt x="285910" y="0"/>
-                    </a:lnTo>
-                    <a:lnTo>
-                      <a:pt x="309203" y="21170"/>
-                    </a:lnTo>
-                    <a:cubicBezTo>
-                      <a:pt x="471461" y="183428"/>
-                      <a:pt x="571820" y="407586"/>
-                      <a:pt x="571820" y="655184"/>
-                    </a:cubicBezTo>
-                    <a:cubicBezTo>
-                      <a:pt x="571820" y="902781"/>
-                      <a:pt x="471461" y="1126939"/>
-                      <a:pt x="309203" y="1289197"/>
-                    </a:cubicBezTo>
-                    <a:lnTo>
-                      <a:pt x="285832" y="1311956"/>
-                    </a:lnTo>
-                    <a:lnTo>
-                      <a:pt x="262617" y="1289197"/>
-                    </a:lnTo>
-                    <a:cubicBezTo>
-                      <a:pt x="100359" y="1126938"/>
-                      <a:pt x="0" y="902781"/>
-                      <a:pt x="0" y="655183"/>
-                    </a:cubicBezTo>
-                    <a:cubicBezTo>
-                      <a:pt x="0" y="407586"/>
-                      <a:pt x="100359" y="183428"/>
-                      <a:pt x="262617" y="21170"/>
-                    </a:cubicBezTo>
-                    <a:close/>
-                  </a:path>
-                </a:pathLst>
-              </a:custGeom>
-              <a:noFill/>
-              <a:ln w="12700">
-                <a:solidFill>
-                  <a:schemeClr val="tx1"/>
-                </a:solidFill>
-              </a:ln>
-            </p:spPr>
-            <p:style>
-              <a:lnRef idx="2">
-                <a:schemeClr val="accent1">
-                  <a:shade val="50000"/>
-                </a:schemeClr>
-              </a:lnRef>
-              <a:fillRef idx="1">
-                <a:schemeClr val="accent1"/>
-              </a:fillRef>
-              <a:effectRef idx="0">
-                <a:schemeClr val="accent1"/>
-              </a:effectRef>
-              <a:fontRef idx="minor">
-                <a:schemeClr val="lt1"/>
-              </a:fontRef>
-            </p:style>
-            <p:txBody>
-              <a:bodyPr rtlCol="0" anchor="ctr"/>
-              <a:lstStyle/>
-              <a:p>
-                <a:pPr algn="ctr"/>
-                <a:endParaRPr lang="en-US">
-                  <a:solidFill>
-                    <a:schemeClr val="tx1"/>
-                  </a:solidFill>
-                </a:endParaRPr>
-              </a:p>
-            </p:txBody>
-          </p:sp>
-          <p:cxnSp>
-            <p:nvCxnSpPr>
-              <p:cNvPr id="19" name="Straight Connector 18">
-                <a:extLst>
-                  <a:ext uri="{FF2B5EF4-FFF2-40B4-BE49-F238E27FC236}">
-                    <a16:creationId xmlns:a16="http://schemas.microsoft.com/office/drawing/2014/main" id="{803A57D6-0C36-4560-A08A-16768551EF6F}"/>
-                  </a:ext>
-                </a:extLst>
-              </p:cNvPr>
-              <p:cNvCxnSpPr>
-                <a:cxnSpLocks/>
-              </p:cNvCxnSpPr>
-              <p:nvPr/>
-            </p:nvCxnSpPr>
-            <p:spPr>
-              <a:xfrm>
-                <a:off x="8768695" y="4330454"/>
-                <a:ext cx="0" cy="1620000"/>
-              </a:xfrm>
-              <a:prstGeom prst="line">
-                <a:avLst/>
-              </a:prstGeom>
-              <a:ln w="12700">
-                <a:solidFill>
-                  <a:schemeClr val="tx1"/>
-                </a:solidFill>
-              </a:ln>
-            </p:spPr>
-            <p:style>
-              <a:lnRef idx="1">
-                <a:schemeClr val="accent1"/>
-              </a:lnRef>
-              <a:fillRef idx="0">
-                <a:schemeClr val="accent1"/>
-              </a:fillRef>
-              <a:effectRef idx="0">
-                <a:schemeClr val="accent1"/>
-              </a:effectRef>
-              <a:fontRef idx="minor">
-                <a:schemeClr val="tx1"/>
-              </a:fontRef>
-            </p:style>
-          </p:cxnSp>
-        </p:grpSp>
-      </p:grpSp>
     </p:spTree>
     <p:extLst>
       <p:ext uri="{BB962C8B-B14F-4D97-AF65-F5344CB8AC3E}">
-        <p14:creationId xmlns:p14="http://schemas.microsoft.com/office/powerpoint/2010/main" val="777250848"/>
+        <p14:creationId xmlns:p14="http://schemas.microsoft.com/office/powerpoint/2010/main" val="504938236"/>
       </p:ext>
     </p:extLst>
   </p:cSld>
@@ -1201,7 +360,7 @@
           <p:cNvPr id="2" name="Title 1">
             <a:extLst>
               <a:ext uri="{FF2B5EF4-FFF2-40B4-BE49-F238E27FC236}">
-                <a16:creationId xmlns:a16="http://schemas.microsoft.com/office/drawing/2014/main" id="{A5AB794F-0C7D-47A6-A355-9B54F3A082B7}"/>
+                <a16:creationId xmlns:a16="http://schemas.microsoft.com/office/drawing/2014/main" id="{BE2ADAF1-AFA8-CBCE-3CF5-4FF9AE8E48FA}"/>
               </a:ext>
             </a:extLst>
           </p:cNvPr>
@@ -1229,7 +388,7 @@
           <p:cNvPr id="3" name="Vertical Text Placeholder 2">
             <a:extLst>
               <a:ext uri="{FF2B5EF4-FFF2-40B4-BE49-F238E27FC236}">
-                <a16:creationId xmlns:a16="http://schemas.microsoft.com/office/drawing/2014/main" id="{F518BEFC-5F95-43C3-A662-CF24426CB374}"/>
+                <a16:creationId xmlns:a16="http://schemas.microsoft.com/office/drawing/2014/main" id="{4D11B8F4-EBA5-A896-BADB-C62E21243847}"/>
               </a:ext>
             </a:extLst>
           </p:cNvPr>
@@ -1240,12 +399,7 @@
             <p:ph type="body" orient="vert" idx="1"/>
           </p:nvPr>
         </p:nvSpPr>
-        <p:spPr>
-          <a:xfrm>
-            <a:off x="1079500" y="1790700"/>
-            <a:ext cx="10026650" cy="3978275"/>
-          </a:xfrm>
-        </p:spPr>
+        <p:spPr/>
         <p:txBody>
           <a:bodyPr vert="eaVert"/>
           <a:lstStyle/>
@@ -1283,7 +437,6 @@
               <a:rPr lang="en-US"/>
               <a:t>Fifth level</a:t>
             </a:r>
-            <a:endParaRPr lang="en-US" dirty="0"/>
           </a:p>
         </p:txBody>
       </p:sp>
@@ -1292,7 +445,7 @@
           <p:cNvPr id="4" name="Date Placeholder 3">
             <a:extLst>
               <a:ext uri="{FF2B5EF4-FFF2-40B4-BE49-F238E27FC236}">
-                <a16:creationId xmlns:a16="http://schemas.microsoft.com/office/drawing/2014/main" id="{DE020A41-C226-41AB-8766-C9BF3E9BF9D0}"/>
+                <a16:creationId xmlns:a16="http://schemas.microsoft.com/office/drawing/2014/main" id="{7C6C6DF7-64E4-5F93-1529-B85DEBF24926}"/>
               </a:ext>
             </a:extLst>
           </p:cNvPr>
@@ -1303,15 +456,7 @@
             <p:ph type="dt" sz="half" idx="10"/>
           </p:nvPr>
         </p:nvSpPr>
-        <p:spPr>
-          <a:xfrm>
-            <a:off x="541338" y="6401999"/>
-            <a:ext cx="2206625" cy="369332"/>
-          </a:xfrm>
-          <a:prstGeom prst="rect">
-            <a:avLst/>
-          </a:prstGeom>
-        </p:spPr>
+        <p:spPr/>
         <p:txBody>
           <a:bodyPr/>
           <a:lstStyle/>
@@ -1329,7 +474,7 @@
           <p:cNvPr id="5" name="Footer Placeholder 4">
             <a:extLst>
               <a:ext uri="{FF2B5EF4-FFF2-40B4-BE49-F238E27FC236}">
-                <a16:creationId xmlns:a16="http://schemas.microsoft.com/office/drawing/2014/main" id="{877795E9-017B-4505-810D-A5F553A56BC9}"/>
+                <a16:creationId xmlns:a16="http://schemas.microsoft.com/office/drawing/2014/main" id="{4D5FE4B8-2300-2145-7338-7993975B5561}"/>
               </a:ext>
             </a:extLst>
           </p:cNvPr>
@@ -1340,15 +485,7 @@
             <p:ph type="ftr" sz="quarter" idx="11"/>
           </p:nvPr>
         </p:nvSpPr>
-        <p:spPr>
-          <a:xfrm>
-            <a:off x="3308350" y="6401999"/>
-            <a:ext cx="5575300" cy="369332"/>
-          </a:xfrm>
-          <a:prstGeom prst="rect">
-            <a:avLst/>
-          </a:prstGeom>
-        </p:spPr>
+        <p:spPr/>
         <p:txBody>
           <a:bodyPr/>
           <a:lstStyle/>
@@ -1362,7 +499,7 @@
           <p:cNvPr id="6" name="Slide Number Placeholder 5">
             <a:extLst>
               <a:ext uri="{FF2B5EF4-FFF2-40B4-BE49-F238E27FC236}">
-                <a16:creationId xmlns:a16="http://schemas.microsoft.com/office/drawing/2014/main" id="{6626A1BD-3429-4C11-B230-8AD083EC3EC2}"/>
+                <a16:creationId xmlns:a16="http://schemas.microsoft.com/office/drawing/2014/main" id="{D64B1301-FAA7-4CC1-CA6E-E66976D3039C}"/>
               </a:ext>
             </a:extLst>
           </p:cNvPr>
@@ -1373,15 +510,7 @@
             <p:ph type="sldNum" sz="quarter" idx="12"/>
           </p:nvPr>
         </p:nvSpPr>
-        <p:spPr>
-          <a:xfrm>
-            <a:off x="9442800" y="6401999"/>
-            <a:ext cx="2208212" cy="369332"/>
-          </a:xfrm>
-          <a:prstGeom prst="rect">
-            <a:avLst/>
-          </a:prstGeom>
-        </p:spPr>
+        <p:spPr/>
         <p:txBody>
           <a:bodyPr/>
           <a:lstStyle/>
@@ -1397,7 +526,7 @@
     </p:spTree>
     <p:extLst>
       <p:ext uri="{BB962C8B-B14F-4D97-AF65-F5344CB8AC3E}">
-        <p14:creationId xmlns:p14="http://schemas.microsoft.com/office/powerpoint/2010/main" val="333314505"/>
+        <p14:creationId xmlns:p14="http://schemas.microsoft.com/office/powerpoint/2010/main" val="2602014106"/>
       </p:ext>
     </p:extLst>
   </p:cSld>
@@ -1429,7 +558,7 @@
           <p:cNvPr id="2" name="Vertical Title 1">
             <a:extLst>
               <a:ext uri="{FF2B5EF4-FFF2-40B4-BE49-F238E27FC236}">
-                <a16:creationId xmlns:a16="http://schemas.microsoft.com/office/drawing/2014/main" id="{8EA11CA2-18BF-408B-A40C-B43A0A7B80FA}"/>
+                <a16:creationId xmlns:a16="http://schemas.microsoft.com/office/drawing/2014/main" id="{1FB86541-6868-1E7A-A178-C66698CE2612}"/>
               </a:ext>
             </a:extLst>
           </p:cNvPr>
@@ -1442,21 +571,18 @@
         </p:nvSpPr>
         <p:spPr>
           <a:xfrm>
-            <a:off x="9899079" y="1079500"/>
-            <a:ext cx="1292662" cy="4689476"/>
+            <a:off x="8724900" y="365125"/>
+            <a:ext cx="2628900" cy="5811838"/>
           </a:xfrm>
         </p:spPr>
         <p:txBody>
-          <a:bodyPr vert="eaVert">
-            <a:normAutofit/>
-          </a:bodyPr>
+          <a:bodyPr vert="eaVert"/>
           <a:lstStyle/>
           <a:p>
             <a:r>
               <a:rPr lang="en-US"/>
               <a:t>Click to edit Master title style</a:t>
             </a:r>
-            <a:endParaRPr lang="en-US" dirty="0"/>
           </a:p>
         </p:txBody>
       </p:sp>
@@ -1465,7 +591,7 @@
           <p:cNvPr id="3" name="Vertical Text Placeholder 2">
             <a:extLst>
               <a:ext uri="{FF2B5EF4-FFF2-40B4-BE49-F238E27FC236}">
-                <a16:creationId xmlns:a16="http://schemas.microsoft.com/office/drawing/2014/main" id="{BAE424B6-12FC-41A1-AF7C-7E3931D97204}"/>
+                <a16:creationId xmlns:a16="http://schemas.microsoft.com/office/drawing/2014/main" id="{834E13C8-7518-24DD-4DF6-DD8272BB8681}"/>
               </a:ext>
             </a:extLst>
           </p:cNvPr>
@@ -1478,8 +604,8 @@
         </p:nvSpPr>
         <p:spPr>
           <a:xfrm>
-            <a:off x="1079499" y="1079500"/>
-            <a:ext cx="8495943" cy="4689476"/>
+            <a:off x="838200" y="365125"/>
+            <a:ext cx="7734300" cy="5811838"/>
           </a:xfrm>
         </p:spPr>
         <p:txBody>
@@ -1519,7 +645,6 @@
               <a:rPr lang="en-US"/>
               <a:t>Fifth level</a:t>
             </a:r>
-            <a:endParaRPr lang="en-US" dirty="0"/>
           </a:p>
         </p:txBody>
       </p:sp>
@@ -1528,7 +653,7 @@
           <p:cNvPr id="4" name="Date Placeholder 3">
             <a:extLst>
               <a:ext uri="{FF2B5EF4-FFF2-40B4-BE49-F238E27FC236}">
-                <a16:creationId xmlns:a16="http://schemas.microsoft.com/office/drawing/2014/main" id="{735CF957-F921-48CF-97FE-91190C1AE9B3}"/>
+                <a16:creationId xmlns:a16="http://schemas.microsoft.com/office/drawing/2014/main" id="{2E042C92-0DCA-0ECD-D04E-E69CE3EAE381}"/>
               </a:ext>
             </a:extLst>
           </p:cNvPr>
@@ -1539,15 +664,7 @@
             <p:ph type="dt" sz="half" idx="10"/>
           </p:nvPr>
         </p:nvSpPr>
-        <p:spPr>
-          <a:xfrm>
-            <a:off x="541338" y="6401999"/>
-            <a:ext cx="2206625" cy="369332"/>
-          </a:xfrm>
-          <a:prstGeom prst="rect">
-            <a:avLst/>
-          </a:prstGeom>
-        </p:spPr>
+        <p:spPr/>
         <p:txBody>
           <a:bodyPr/>
           <a:lstStyle/>
@@ -1565,7 +682,7 @@
           <p:cNvPr id="5" name="Footer Placeholder 4">
             <a:extLst>
               <a:ext uri="{FF2B5EF4-FFF2-40B4-BE49-F238E27FC236}">
-                <a16:creationId xmlns:a16="http://schemas.microsoft.com/office/drawing/2014/main" id="{6653F49D-6E0C-47F7-BAAD-A427913DC4D1}"/>
+                <a16:creationId xmlns:a16="http://schemas.microsoft.com/office/drawing/2014/main" id="{DAA82700-9537-4736-587E-881003669D81}"/>
               </a:ext>
             </a:extLst>
           </p:cNvPr>
@@ -1576,15 +693,7 @@
             <p:ph type="ftr" sz="quarter" idx="11"/>
           </p:nvPr>
         </p:nvSpPr>
-        <p:spPr>
-          <a:xfrm>
-            <a:off x="3308350" y="6401999"/>
-            <a:ext cx="5575300" cy="369332"/>
-          </a:xfrm>
-          <a:prstGeom prst="rect">
-            <a:avLst/>
-          </a:prstGeom>
-        </p:spPr>
+        <p:spPr/>
         <p:txBody>
           <a:bodyPr/>
           <a:lstStyle/>
@@ -1598,7 +707,7 @@
           <p:cNvPr id="6" name="Slide Number Placeholder 5">
             <a:extLst>
               <a:ext uri="{FF2B5EF4-FFF2-40B4-BE49-F238E27FC236}">
-                <a16:creationId xmlns:a16="http://schemas.microsoft.com/office/drawing/2014/main" id="{B038A122-F390-46CF-BECF-3AE05CA585C4}"/>
+                <a16:creationId xmlns:a16="http://schemas.microsoft.com/office/drawing/2014/main" id="{5A67D35F-16E0-DE81-0B42-505477693F64}"/>
               </a:ext>
             </a:extLst>
           </p:cNvPr>
@@ -1609,15 +718,7 @@
             <p:ph type="sldNum" sz="quarter" idx="12"/>
           </p:nvPr>
         </p:nvSpPr>
-        <p:spPr>
-          <a:xfrm>
-            <a:off x="9442800" y="6401999"/>
-            <a:ext cx="2208212" cy="369332"/>
-          </a:xfrm>
-          <a:prstGeom prst="rect">
-            <a:avLst/>
-          </a:prstGeom>
-        </p:spPr>
+        <p:spPr/>
         <p:txBody>
           <a:bodyPr/>
           <a:lstStyle/>
@@ -1633,7 +734,37 @@
     </p:spTree>
     <p:extLst>
       <p:ext uri="{BB962C8B-B14F-4D97-AF65-F5344CB8AC3E}">
-        <p14:creationId xmlns:p14="http://schemas.microsoft.com/office/powerpoint/2010/main" val="1169540499"/>
+        <p14:creationId xmlns:p14="http://schemas.microsoft.com/office/powerpoint/2010/main" val="1818710243"/>
+      </p:ext>
+    </p:extLst>
+  </p:cSld>
+  <p:clrMapOvr>
+    <a:masterClrMapping/>
+  </p:clrMapOvr>
+</p:sldLayout>
+</file>
+
+<file path=ppt/slideLayouts/slideLayout12.xml><?xml version="1.0" encoding="utf-8"?>
+<p:sldLayout xmlns:a="http://schemas.openxmlformats.org/drawingml/2006/main" xmlns:r="http://schemas.openxmlformats.org/officeDocument/2006/relationships" xmlns:p="http://schemas.openxmlformats.org/presentationml/2006/main" userDrawn="1">
+  <p:cSld name="标题幻灯片">
+    <p:spTree>
+      <p:nvGrpSpPr>
+        <p:cNvPr id="1" name=""/>
+        <p:cNvGrpSpPr/>
+        <p:nvPr/>
+      </p:nvGrpSpPr>
+      <p:grpSpPr>
+        <a:xfrm>
+          <a:off x="0" y="0"/>
+          <a:ext cx="0" cy="0"/>
+          <a:chOff x="0" y="0"/>
+          <a:chExt cx="0" cy="0"/>
+        </a:xfrm>
+      </p:grpSpPr>
+    </p:spTree>
+    <p:extLst>
+      <p:ext uri="{BB962C8B-B14F-4D97-AF65-F5344CB8AC3E}">
+        <p14:creationId xmlns:p14="http://schemas.microsoft.com/office/powerpoint/2010/main" val="2946076185"/>
       </p:ext>
     </p:extLst>
   </p:cSld>
@@ -1665,7 +796,7 @@
           <p:cNvPr id="2" name="Title 1">
             <a:extLst>
               <a:ext uri="{FF2B5EF4-FFF2-40B4-BE49-F238E27FC236}">
-                <a16:creationId xmlns:a16="http://schemas.microsoft.com/office/drawing/2014/main" id="{69EA217A-A229-4751-8D09-0CAD914F6286}"/>
+                <a16:creationId xmlns:a16="http://schemas.microsoft.com/office/drawing/2014/main" id="{04551011-C357-7A32-391D-56B9171EC116}"/>
               </a:ext>
             </a:extLst>
           </p:cNvPr>
@@ -1685,7 +816,6 @@
               <a:rPr lang="en-US"/>
               <a:t>Click to edit Master title style</a:t>
             </a:r>
-            <a:endParaRPr lang="en-US" dirty="0"/>
           </a:p>
         </p:txBody>
       </p:sp>
@@ -1694,7 +824,7 @@
           <p:cNvPr id="3" name="Content Placeholder 2">
             <a:extLst>
               <a:ext uri="{FF2B5EF4-FFF2-40B4-BE49-F238E27FC236}">
-                <a16:creationId xmlns:a16="http://schemas.microsoft.com/office/drawing/2014/main" id="{1A9DEA33-60C3-4B28-B3EF-E93D6D46A309}"/>
+                <a16:creationId xmlns:a16="http://schemas.microsoft.com/office/drawing/2014/main" id="{81D1339D-3A6F-7224-7A98-75934D28D795}"/>
               </a:ext>
             </a:extLst>
           </p:cNvPr>
@@ -1751,7 +881,7 @@
           <p:cNvPr id="4" name="Date Placeholder 3">
             <a:extLst>
               <a:ext uri="{FF2B5EF4-FFF2-40B4-BE49-F238E27FC236}">
-                <a16:creationId xmlns:a16="http://schemas.microsoft.com/office/drawing/2014/main" id="{9F7D3B28-C66B-4279-AB67-2BC1D01239A4}"/>
+                <a16:creationId xmlns:a16="http://schemas.microsoft.com/office/drawing/2014/main" id="{B2490A2E-134E-5317-FEC0-3FDE6B14F24C}"/>
               </a:ext>
             </a:extLst>
           </p:cNvPr>
@@ -1762,15 +892,7 @@
             <p:ph type="dt" sz="half" idx="10"/>
           </p:nvPr>
         </p:nvSpPr>
-        <p:spPr>
-          <a:xfrm>
-            <a:off x="541338" y="6401999"/>
-            <a:ext cx="2206625" cy="369332"/>
-          </a:xfrm>
-          <a:prstGeom prst="rect">
-            <a:avLst/>
-          </a:prstGeom>
-        </p:spPr>
+        <p:spPr/>
         <p:txBody>
           <a:bodyPr/>
           <a:lstStyle/>
@@ -1788,7 +910,7 @@
           <p:cNvPr id="5" name="Footer Placeholder 4">
             <a:extLst>
               <a:ext uri="{FF2B5EF4-FFF2-40B4-BE49-F238E27FC236}">
-                <a16:creationId xmlns:a16="http://schemas.microsoft.com/office/drawing/2014/main" id="{8928FF39-A0DA-4F77-9297-B83C86B575D9}"/>
+                <a16:creationId xmlns:a16="http://schemas.microsoft.com/office/drawing/2014/main" id="{8800DBA4-2475-94DE-0F48-2E324914657E}"/>
               </a:ext>
             </a:extLst>
           </p:cNvPr>
@@ -1799,15 +921,7 @@
             <p:ph type="ftr" sz="quarter" idx="11"/>
           </p:nvPr>
         </p:nvSpPr>
-        <p:spPr>
-          <a:xfrm>
-            <a:off x="3308350" y="6401999"/>
-            <a:ext cx="5575300" cy="369332"/>
-          </a:xfrm>
-          <a:prstGeom prst="rect">
-            <a:avLst/>
-          </a:prstGeom>
-        </p:spPr>
+        <p:spPr/>
         <p:txBody>
           <a:bodyPr/>
           <a:lstStyle/>
@@ -1821,7 +935,7 @@
           <p:cNvPr id="6" name="Slide Number Placeholder 5">
             <a:extLst>
               <a:ext uri="{FF2B5EF4-FFF2-40B4-BE49-F238E27FC236}">
-                <a16:creationId xmlns:a16="http://schemas.microsoft.com/office/drawing/2014/main" id="{69D7D65A-9D4E-42F6-A8BF-1EEAFB180710}"/>
+                <a16:creationId xmlns:a16="http://schemas.microsoft.com/office/drawing/2014/main" id="{1AB70F61-0CBB-3F3C-4804-6A8ED31F6214}"/>
               </a:ext>
             </a:extLst>
           </p:cNvPr>
@@ -1832,15 +946,7 @@
             <p:ph type="sldNum" sz="quarter" idx="12"/>
           </p:nvPr>
         </p:nvSpPr>
-        <p:spPr>
-          <a:xfrm>
-            <a:off x="9442800" y="6401999"/>
-            <a:ext cx="2208212" cy="369332"/>
-          </a:xfrm>
-          <a:prstGeom prst="rect">
-            <a:avLst/>
-          </a:prstGeom>
-        </p:spPr>
+        <p:spPr/>
         <p:txBody>
           <a:bodyPr/>
           <a:lstStyle/>
@@ -1856,7 +962,7 @@
     </p:spTree>
     <p:extLst>
       <p:ext uri="{BB962C8B-B14F-4D97-AF65-F5344CB8AC3E}">
-        <p14:creationId xmlns:p14="http://schemas.microsoft.com/office/powerpoint/2010/main" val="85090377"/>
+        <p14:creationId xmlns:p14="http://schemas.microsoft.com/office/powerpoint/2010/main" val="87193369"/>
       </p:ext>
     </p:extLst>
   </p:cSld>
@@ -1888,7 +994,7 @@
           <p:cNvPr id="2" name="Title 1">
             <a:extLst>
               <a:ext uri="{FF2B5EF4-FFF2-40B4-BE49-F238E27FC236}">
-                <a16:creationId xmlns:a16="http://schemas.microsoft.com/office/drawing/2014/main" id="{C33017BB-B242-4CC6-887C-83E08CE2D54A}"/>
+                <a16:creationId xmlns:a16="http://schemas.microsoft.com/office/drawing/2014/main" id="{6A105966-4542-97DF-014C-A6699E208100}"/>
               </a:ext>
             </a:extLst>
           </p:cNvPr>
@@ -1901,17 +1007,15 @@
         </p:nvSpPr>
         <p:spPr>
           <a:xfrm>
-            <a:off x="1079500" y="2252663"/>
-            <a:ext cx="4457700" cy="2349500"/>
+            <a:off x="831850" y="1709738"/>
+            <a:ext cx="10515600" cy="2852737"/>
           </a:xfrm>
         </p:spPr>
         <p:txBody>
-          <a:bodyPr anchor="ctr" anchorCtr="0">
-            <a:normAutofit/>
-          </a:bodyPr>
+          <a:bodyPr anchor="b"/>
           <a:lstStyle>
-            <a:lvl1pPr algn="ctr">
-              <a:defRPr sz="2800"/>
+            <a:lvl1pPr>
+              <a:defRPr sz="6000"/>
             </a:lvl1pPr>
           </a:lstStyle>
           <a:p>
@@ -1919,7 +1023,6 @@
               <a:rPr lang="en-US"/>
               <a:t>Click to edit Master title style</a:t>
             </a:r>
-            <a:endParaRPr lang="en-US" dirty="0"/>
           </a:p>
         </p:txBody>
       </p:sp>
@@ -1928,7 +1031,7 @@
           <p:cNvPr id="3" name="Text Placeholder 2">
             <a:extLst>
               <a:ext uri="{FF2B5EF4-FFF2-40B4-BE49-F238E27FC236}">
-                <a16:creationId xmlns:a16="http://schemas.microsoft.com/office/drawing/2014/main" id="{26695823-EA83-493F-8FEC-C72B5B9CF2FD}"/>
+                <a16:creationId xmlns:a16="http://schemas.microsoft.com/office/drawing/2014/main" id="{C73DC807-BDE6-29F2-A9B7-4F8FD87EF3E1}"/>
               </a:ext>
             </a:extLst>
           </p:cNvPr>
@@ -1941,19 +1044,19 @@
         </p:nvSpPr>
         <p:spPr>
           <a:xfrm>
-            <a:off x="6654800" y="2252664"/>
-            <a:ext cx="4451348" cy="2349500"/>
+            <a:off x="831850" y="4589463"/>
+            <a:ext cx="10515600" cy="1500187"/>
           </a:xfrm>
         </p:spPr>
         <p:txBody>
-          <a:bodyPr anchor="ctr" anchorCtr="0"/>
+          <a:bodyPr/>
           <a:lstStyle>
             <a:lvl1pPr marL="0" indent="0">
               <a:buNone/>
-              <a:defRPr sz="2400" i="1">
+              <a:defRPr sz="2400">
                 <a:solidFill>
                   <a:schemeClr val="tx1">
-                    <a:alpha val="70000"/>
+                    <a:tint val="75000"/>
                   </a:schemeClr>
                 </a:solidFill>
               </a:defRPr>
@@ -2053,7 +1156,7 @@
           <p:cNvPr id="4" name="Date Placeholder 3">
             <a:extLst>
               <a:ext uri="{FF2B5EF4-FFF2-40B4-BE49-F238E27FC236}">
-                <a16:creationId xmlns:a16="http://schemas.microsoft.com/office/drawing/2014/main" id="{31E08E54-36BB-4AB4-BE1F-5FA8207BEAF8}"/>
+                <a16:creationId xmlns:a16="http://schemas.microsoft.com/office/drawing/2014/main" id="{A5A0D05B-B50C-F3F3-4742-B5D445F51989}"/>
               </a:ext>
             </a:extLst>
           </p:cNvPr>
@@ -2064,15 +1167,7 @@
             <p:ph type="dt" sz="half" idx="10"/>
           </p:nvPr>
         </p:nvSpPr>
-        <p:spPr>
-          <a:xfrm>
-            <a:off x="541338" y="6401999"/>
-            <a:ext cx="2206625" cy="369332"/>
-          </a:xfrm>
-          <a:prstGeom prst="rect">
-            <a:avLst/>
-          </a:prstGeom>
-        </p:spPr>
+        <p:spPr/>
         <p:txBody>
           <a:bodyPr/>
           <a:lstStyle/>
@@ -2090,7 +1185,7 @@
           <p:cNvPr id="5" name="Footer Placeholder 4">
             <a:extLst>
               <a:ext uri="{FF2B5EF4-FFF2-40B4-BE49-F238E27FC236}">
-                <a16:creationId xmlns:a16="http://schemas.microsoft.com/office/drawing/2014/main" id="{C0453A6A-C55A-40A1-A3BB-DB417047F547}"/>
+                <a16:creationId xmlns:a16="http://schemas.microsoft.com/office/drawing/2014/main" id="{692C5261-B72A-F5BD-8F4A-315E821B1116}"/>
               </a:ext>
             </a:extLst>
           </p:cNvPr>
@@ -2101,15 +1196,7 @@
             <p:ph type="ftr" sz="quarter" idx="11"/>
           </p:nvPr>
         </p:nvSpPr>
-        <p:spPr>
-          <a:xfrm>
-            <a:off x="3308350" y="6401999"/>
-            <a:ext cx="5575300" cy="369332"/>
-          </a:xfrm>
-          <a:prstGeom prst="rect">
-            <a:avLst/>
-          </a:prstGeom>
-        </p:spPr>
+        <p:spPr/>
         <p:txBody>
           <a:bodyPr/>
           <a:lstStyle/>
@@ -2123,7 +1210,7 @@
           <p:cNvPr id="6" name="Slide Number Placeholder 5">
             <a:extLst>
               <a:ext uri="{FF2B5EF4-FFF2-40B4-BE49-F238E27FC236}">
-                <a16:creationId xmlns:a16="http://schemas.microsoft.com/office/drawing/2014/main" id="{96D6E656-7AC0-4BD3-AFE5-4B5122E2F2D8}"/>
+                <a16:creationId xmlns:a16="http://schemas.microsoft.com/office/drawing/2014/main" id="{BB758D1B-E32B-02FD-57A7-3BD3F90AA0DE}"/>
               </a:ext>
             </a:extLst>
           </p:cNvPr>
@@ -2134,15 +1221,7 @@
             <p:ph type="sldNum" sz="quarter" idx="12"/>
           </p:nvPr>
         </p:nvSpPr>
-        <p:spPr>
-          <a:xfrm>
-            <a:off x="9442800" y="6401999"/>
-            <a:ext cx="2208212" cy="369332"/>
-          </a:xfrm>
-          <a:prstGeom prst="rect">
-            <a:avLst/>
-          </a:prstGeom>
-        </p:spPr>
+        <p:spPr/>
         <p:txBody>
           <a:bodyPr/>
           <a:lstStyle/>
@@ -2155,1178 +1234,10 @@
           </a:p>
         </p:txBody>
       </p:sp>
-      <p:grpSp>
-        <p:nvGrpSpPr>
-          <p:cNvPr id="20" name="Group 19">
-            <a:extLst>
-              <a:ext uri="{FF2B5EF4-FFF2-40B4-BE49-F238E27FC236}">
-                <a16:creationId xmlns:a16="http://schemas.microsoft.com/office/drawing/2014/main" id="{E9ABE19D-0B51-4388-93D1-0CD6B767115D}"/>
-              </a:ext>
-            </a:extLst>
-          </p:cNvPr>
-          <p:cNvGrpSpPr/>
-          <p:nvPr/>
-        </p:nvGrpSpPr>
-        <p:grpSpPr>
-          <a:xfrm>
-            <a:off x="999771" y="932104"/>
-            <a:ext cx="913428" cy="1032464"/>
-            <a:chOff x="999771" y="932104"/>
-            <a:chExt cx="913428" cy="1032464"/>
-          </a:xfrm>
-        </p:grpSpPr>
-        <p:grpSp>
-          <p:nvGrpSpPr>
-            <p:cNvPr id="21" name="Group 20">
-              <a:extLst>
-                <a:ext uri="{FF2B5EF4-FFF2-40B4-BE49-F238E27FC236}">
-                  <a16:creationId xmlns:a16="http://schemas.microsoft.com/office/drawing/2014/main" id="{46226ED6-7133-4222-9552-0EA4B1B3C9FB}"/>
-                </a:ext>
-              </a:extLst>
-            </p:cNvPr>
-            <p:cNvGrpSpPr/>
-            <p:nvPr/>
-          </p:nvGrpSpPr>
-          <p:grpSpPr>
-            <a:xfrm rot="8100000" flipV="1">
-              <a:off x="1047457" y="1290386"/>
-              <a:ext cx="865742" cy="628383"/>
-              <a:chOff x="558167" y="958515"/>
-              <a:chExt cx="865742" cy="628383"/>
-            </a:xfrm>
-            <a:solidFill>
-              <a:schemeClr val="accent3"/>
-            </a:solidFill>
-          </p:grpSpPr>
-          <p:sp>
-            <p:nvSpPr>
-              <p:cNvPr id="28" name="Freeform: Shape 27">
-                <a:extLst>
-                  <a:ext uri="{FF2B5EF4-FFF2-40B4-BE49-F238E27FC236}">
-                    <a16:creationId xmlns:a16="http://schemas.microsoft.com/office/drawing/2014/main" id="{BE810E40-D42F-4034-93BA-54446465D20B}"/>
-                  </a:ext>
-                </a:extLst>
-              </p:cNvPr>
-              <p:cNvSpPr/>
-              <p:nvPr/>
-            </p:nvSpPr>
-            <p:spPr>
-              <a:xfrm rot="8100000" flipH="1">
-                <a:off x="558167" y="1122160"/>
-                <a:ext cx="464738" cy="464738"/>
-              </a:xfrm>
-              <a:custGeom>
-                <a:avLst/>
-                <a:gdLst>
-                  <a:gd name="connsiteX0" fmla="*/ 446142 w 464738"/>
-                  <a:gd name="connsiteY0" fmla="*/ 464738 h 464738"/>
-                  <a:gd name="connsiteX1" fmla="*/ 130673 w 464738"/>
-                  <a:gd name="connsiteY1" fmla="*/ 334066 h 464738"/>
-                  <a:gd name="connsiteX2" fmla="*/ 0 w 464738"/>
-                  <a:gd name="connsiteY2" fmla="*/ 18596 h 464738"/>
-                  <a:gd name="connsiteX3" fmla="*/ 836 w 464738"/>
-                  <a:gd name="connsiteY3" fmla="*/ 1089 h 464738"/>
-                  <a:gd name="connsiteX4" fmla="*/ 606 w 464738"/>
-                  <a:gd name="connsiteY4" fmla="*/ 859 h 464738"/>
-                  <a:gd name="connsiteX5" fmla="*/ 848 w 464738"/>
-                  <a:gd name="connsiteY5" fmla="*/ 848 h 464738"/>
-                  <a:gd name="connsiteX6" fmla="*/ 859 w 464738"/>
-                  <a:gd name="connsiteY6" fmla="*/ 606 h 464738"/>
-                  <a:gd name="connsiteX7" fmla="*/ 1089 w 464738"/>
-                  <a:gd name="connsiteY7" fmla="*/ 836 h 464738"/>
-                  <a:gd name="connsiteX8" fmla="*/ 18596 w 464738"/>
-                  <a:gd name="connsiteY8" fmla="*/ 0 h 464738"/>
-                  <a:gd name="connsiteX9" fmla="*/ 334066 w 464738"/>
-                  <a:gd name="connsiteY9" fmla="*/ 130672 h 464738"/>
-                  <a:gd name="connsiteX10" fmla="*/ 464738 w 464738"/>
-                  <a:gd name="connsiteY10" fmla="*/ 446142 h 464738"/>
-                  <a:gd name="connsiteX11" fmla="*/ 463902 w 464738"/>
-                  <a:gd name="connsiteY11" fmla="*/ 463650 h 464738"/>
-                  <a:gd name="connsiteX12" fmla="*/ 464132 w 464738"/>
-                  <a:gd name="connsiteY12" fmla="*/ 463880 h 464738"/>
-                  <a:gd name="connsiteX13" fmla="*/ 463891 w 464738"/>
-                  <a:gd name="connsiteY13" fmla="*/ 463892 h 464738"/>
-                  <a:gd name="connsiteX14" fmla="*/ 463879 w 464738"/>
-                  <a:gd name="connsiteY14" fmla="*/ 464132 h 464738"/>
-                  <a:gd name="connsiteX15" fmla="*/ 463650 w 464738"/>
-                  <a:gd name="connsiteY15" fmla="*/ 463903 h 464738"/>
-                </a:gdLst>
-                <a:ahLst/>
-                <a:cxnLst>
-                  <a:cxn ang="0">
-                    <a:pos x="connsiteX0" y="connsiteY0"/>
-                  </a:cxn>
-                  <a:cxn ang="0">
-                    <a:pos x="connsiteX1" y="connsiteY1"/>
-                  </a:cxn>
-                  <a:cxn ang="0">
-                    <a:pos x="connsiteX2" y="connsiteY2"/>
-                  </a:cxn>
-                  <a:cxn ang="0">
-                    <a:pos x="connsiteX3" y="connsiteY3"/>
-                  </a:cxn>
-                  <a:cxn ang="0">
-                    <a:pos x="connsiteX4" y="connsiteY4"/>
-                  </a:cxn>
-                  <a:cxn ang="0">
-                    <a:pos x="connsiteX5" y="connsiteY5"/>
-                  </a:cxn>
-                  <a:cxn ang="0">
-                    <a:pos x="connsiteX6" y="connsiteY6"/>
-                  </a:cxn>
-                  <a:cxn ang="0">
-                    <a:pos x="connsiteX7" y="connsiteY7"/>
-                  </a:cxn>
-                  <a:cxn ang="0">
-                    <a:pos x="connsiteX8" y="connsiteY8"/>
-                  </a:cxn>
-                  <a:cxn ang="0">
-                    <a:pos x="connsiteX9" y="connsiteY9"/>
-                  </a:cxn>
-                  <a:cxn ang="0">
-                    <a:pos x="connsiteX10" y="connsiteY10"/>
-                  </a:cxn>
-                  <a:cxn ang="0">
-                    <a:pos x="connsiteX11" y="connsiteY11"/>
-                  </a:cxn>
-                  <a:cxn ang="0">
-                    <a:pos x="connsiteX12" y="connsiteY12"/>
-                  </a:cxn>
-                  <a:cxn ang="0">
-                    <a:pos x="connsiteX13" y="connsiteY13"/>
-                  </a:cxn>
-                  <a:cxn ang="0">
-                    <a:pos x="connsiteX14" y="connsiteY14"/>
-                  </a:cxn>
-                  <a:cxn ang="0">
-                    <a:pos x="connsiteX15" y="connsiteY15"/>
-                  </a:cxn>
-                </a:cxnLst>
-                <a:rect l="l" t="t" r="r" b="b"/>
-                <a:pathLst>
-                  <a:path w="464738" h="464738">
-                    <a:moveTo>
-                      <a:pt x="446142" y="464738"/>
-                    </a:moveTo>
-                    <a:cubicBezTo>
-                      <a:pt x="331965" y="464738"/>
-                      <a:pt x="217787" y="421181"/>
-                      <a:pt x="130673" y="334066"/>
-                    </a:cubicBezTo>
-                    <a:cubicBezTo>
-                      <a:pt x="43558" y="246952"/>
-                      <a:pt x="1" y="132774"/>
-                      <a:pt x="0" y="18596"/>
-                    </a:cubicBezTo>
-                    <a:lnTo>
-                      <a:pt x="836" y="1089"/>
-                    </a:lnTo>
-                    <a:lnTo>
-                      <a:pt x="606" y="859"/>
-                    </a:lnTo>
-                    <a:lnTo>
-                      <a:pt x="848" y="848"/>
-                    </a:lnTo>
-                    <a:lnTo>
-                      <a:pt x="859" y="606"/>
-                    </a:lnTo>
-                    <a:lnTo>
-                      <a:pt x="1089" y="836"/>
-                    </a:lnTo>
-                    <a:lnTo>
-                      <a:pt x="18596" y="0"/>
-                    </a:lnTo>
-                    <a:cubicBezTo>
-                      <a:pt x="132774" y="0"/>
-                      <a:pt x="246951" y="43557"/>
-                      <a:pt x="334066" y="130672"/>
-                    </a:cubicBezTo>
-                    <a:cubicBezTo>
-                      <a:pt x="421181" y="217787"/>
-                      <a:pt x="464738" y="331964"/>
-                      <a:pt x="464738" y="446142"/>
-                    </a:cubicBezTo>
-                    <a:lnTo>
-                      <a:pt x="463902" y="463650"/>
-                    </a:lnTo>
-                    <a:lnTo>
-                      <a:pt x="464132" y="463880"/>
-                    </a:lnTo>
-                    <a:lnTo>
-                      <a:pt x="463891" y="463892"/>
-                    </a:lnTo>
-                    <a:lnTo>
-                      <a:pt x="463879" y="464132"/>
-                    </a:lnTo>
-                    <a:lnTo>
-                      <a:pt x="463650" y="463903"/>
-                    </a:lnTo>
-                    <a:close/>
-                  </a:path>
-                </a:pathLst>
-              </a:custGeom>
-              <a:solidFill>
-                <a:schemeClr val="accent4">
-                  <a:alpha val="40000"/>
-                </a:schemeClr>
-              </a:solidFill>
-              <a:ln>
-                <a:noFill/>
-              </a:ln>
-            </p:spPr>
-            <p:style>
-              <a:lnRef idx="2">
-                <a:schemeClr val="accent1">
-                  <a:shade val="50000"/>
-                </a:schemeClr>
-              </a:lnRef>
-              <a:fillRef idx="1">
-                <a:schemeClr val="accent1"/>
-              </a:fillRef>
-              <a:effectRef idx="0">
-                <a:schemeClr val="accent1"/>
-              </a:effectRef>
-              <a:fontRef idx="minor">
-                <a:schemeClr val="lt1"/>
-              </a:fontRef>
-            </p:style>
-            <p:txBody>
-              <a:bodyPr rtlCol="0" anchor="ctr"/>
-              <a:lstStyle/>
-              <a:p>
-                <a:pPr algn="ctr"/>
-                <a:endParaRPr lang="en-US" dirty="0">
-                  <a:solidFill>
-                    <a:schemeClr val="tx1"/>
-                  </a:solidFill>
-                </a:endParaRPr>
-              </a:p>
-            </p:txBody>
-          </p:sp>
-          <p:sp>
-            <p:nvSpPr>
-              <p:cNvPr id="29" name="Freeform: Shape 28">
-                <a:extLst>
-                  <a:ext uri="{FF2B5EF4-FFF2-40B4-BE49-F238E27FC236}">
-                    <a16:creationId xmlns:a16="http://schemas.microsoft.com/office/drawing/2014/main" id="{60F6BFC2-CA89-42B8-8A5A-E9F26BA87FBB}"/>
-                  </a:ext>
-                </a:extLst>
-              </p:cNvPr>
-              <p:cNvSpPr/>
-              <p:nvPr/>
-            </p:nvSpPr>
-            <p:spPr>
-              <a:xfrm rot="5400000" flipH="1">
-                <a:off x="959170" y="958515"/>
-                <a:ext cx="464739" cy="464739"/>
-              </a:xfrm>
-              <a:custGeom>
-                <a:avLst/>
-                <a:gdLst>
-                  <a:gd name="connsiteX0" fmla="*/ 464132 w 464739"/>
-                  <a:gd name="connsiteY0" fmla="*/ 463881 h 464739"/>
-                  <a:gd name="connsiteX1" fmla="*/ 463891 w 464739"/>
-                  <a:gd name="connsiteY1" fmla="*/ 463892 h 464739"/>
-                  <a:gd name="connsiteX2" fmla="*/ 463880 w 464739"/>
-                  <a:gd name="connsiteY2" fmla="*/ 464132 h 464739"/>
-                  <a:gd name="connsiteX3" fmla="*/ 463651 w 464739"/>
-                  <a:gd name="connsiteY3" fmla="*/ 463904 h 464739"/>
-                  <a:gd name="connsiteX4" fmla="*/ 446142 w 464739"/>
-                  <a:gd name="connsiteY4" fmla="*/ 464739 h 464739"/>
-                  <a:gd name="connsiteX5" fmla="*/ 130673 w 464739"/>
-                  <a:gd name="connsiteY5" fmla="*/ 334067 h 464739"/>
-                  <a:gd name="connsiteX6" fmla="*/ 0 w 464739"/>
-                  <a:gd name="connsiteY6" fmla="*/ 18597 h 464739"/>
-                  <a:gd name="connsiteX7" fmla="*/ 836 w 464739"/>
-                  <a:gd name="connsiteY7" fmla="*/ 1089 h 464739"/>
-                  <a:gd name="connsiteX8" fmla="*/ 607 w 464739"/>
-                  <a:gd name="connsiteY8" fmla="*/ 859 h 464739"/>
-                  <a:gd name="connsiteX9" fmla="*/ 848 w 464739"/>
-                  <a:gd name="connsiteY9" fmla="*/ 848 h 464739"/>
-                  <a:gd name="connsiteX10" fmla="*/ 859 w 464739"/>
-                  <a:gd name="connsiteY10" fmla="*/ 607 h 464739"/>
-                  <a:gd name="connsiteX11" fmla="*/ 1089 w 464739"/>
-                  <a:gd name="connsiteY11" fmla="*/ 836 h 464739"/>
-                  <a:gd name="connsiteX12" fmla="*/ 18597 w 464739"/>
-                  <a:gd name="connsiteY12" fmla="*/ 0 h 464739"/>
-                  <a:gd name="connsiteX13" fmla="*/ 334067 w 464739"/>
-                  <a:gd name="connsiteY13" fmla="*/ 130672 h 464739"/>
-                  <a:gd name="connsiteX14" fmla="*/ 464739 w 464739"/>
-                  <a:gd name="connsiteY14" fmla="*/ 446142 h 464739"/>
-                  <a:gd name="connsiteX15" fmla="*/ 463903 w 464739"/>
-                  <a:gd name="connsiteY15" fmla="*/ 463652 h 464739"/>
-                </a:gdLst>
-                <a:ahLst/>
-                <a:cxnLst>
-                  <a:cxn ang="0">
-                    <a:pos x="connsiteX0" y="connsiteY0"/>
-                  </a:cxn>
-                  <a:cxn ang="0">
-                    <a:pos x="connsiteX1" y="connsiteY1"/>
-                  </a:cxn>
-                  <a:cxn ang="0">
-                    <a:pos x="connsiteX2" y="connsiteY2"/>
-                  </a:cxn>
-                  <a:cxn ang="0">
-                    <a:pos x="connsiteX3" y="connsiteY3"/>
-                  </a:cxn>
-                  <a:cxn ang="0">
-                    <a:pos x="connsiteX4" y="connsiteY4"/>
-                  </a:cxn>
-                  <a:cxn ang="0">
-                    <a:pos x="connsiteX5" y="connsiteY5"/>
-                  </a:cxn>
-                  <a:cxn ang="0">
-                    <a:pos x="connsiteX6" y="connsiteY6"/>
-                  </a:cxn>
-                  <a:cxn ang="0">
-                    <a:pos x="connsiteX7" y="connsiteY7"/>
-                  </a:cxn>
-                  <a:cxn ang="0">
-                    <a:pos x="connsiteX8" y="connsiteY8"/>
-                  </a:cxn>
-                  <a:cxn ang="0">
-                    <a:pos x="connsiteX9" y="connsiteY9"/>
-                  </a:cxn>
-                  <a:cxn ang="0">
-                    <a:pos x="connsiteX10" y="connsiteY10"/>
-                  </a:cxn>
-                  <a:cxn ang="0">
-                    <a:pos x="connsiteX11" y="connsiteY11"/>
-                  </a:cxn>
-                  <a:cxn ang="0">
-                    <a:pos x="connsiteX12" y="connsiteY12"/>
-                  </a:cxn>
-                  <a:cxn ang="0">
-                    <a:pos x="connsiteX13" y="connsiteY13"/>
-                  </a:cxn>
-                  <a:cxn ang="0">
-                    <a:pos x="connsiteX14" y="connsiteY14"/>
-                  </a:cxn>
-                  <a:cxn ang="0">
-                    <a:pos x="connsiteX15" y="connsiteY15"/>
-                  </a:cxn>
-                </a:cxnLst>
-                <a:rect l="l" t="t" r="r" b="b"/>
-                <a:pathLst>
-                  <a:path w="464739" h="464739">
-                    <a:moveTo>
-                      <a:pt x="464132" y="463881"/>
-                    </a:moveTo>
-                    <a:lnTo>
-                      <a:pt x="463891" y="463892"/>
-                    </a:lnTo>
-                    <a:lnTo>
-                      <a:pt x="463880" y="464132"/>
-                    </a:lnTo>
-                    <a:lnTo>
-                      <a:pt x="463651" y="463904"/>
-                    </a:lnTo>
-                    <a:lnTo>
-                      <a:pt x="446142" y="464739"/>
-                    </a:lnTo>
-                    <a:cubicBezTo>
-                      <a:pt x="331965" y="464739"/>
-                      <a:pt x="217787" y="421182"/>
-                      <a:pt x="130673" y="334067"/>
-                    </a:cubicBezTo>
-                    <a:cubicBezTo>
-                      <a:pt x="43558" y="246953"/>
-                      <a:pt x="1" y="132775"/>
-                      <a:pt x="0" y="18597"/>
-                    </a:cubicBezTo>
-                    <a:lnTo>
-                      <a:pt x="836" y="1089"/>
-                    </a:lnTo>
-                    <a:lnTo>
-                      <a:pt x="607" y="859"/>
-                    </a:lnTo>
-                    <a:lnTo>
-                      <a:pt x="848" y="848"/>
-                    </a:lnTo>
-                    <a:lnTo>
-                      <a:pt x="859" y="607"/>
-                    </a:lnTo>
-                    <a:lnTo>
-                      <a:pt x="1089" y="836"/>
-                    </a:lnTo>
-                    <a:lnTo>
-                      <a:pt x="18597" y="0"/>
-                    </a:lnTo>
-                    <a:cubicBezTo>
-                      <a:pt x="132775" y="0"/>
-                      <a:pt x="246952" y="43557"/>
-                      <a:pt x="334067" y="130672"/>
-                    </a:cubicBezTo>
-                    <a:cubicBezTo>
-                      <a:pt x="421182" y="217787"/>
-                      <a:pt x="464739" y="331964"/>
-                      <a:pt x="464739" y="446142"/>
-                    </a:cubicBezTo>
-                    <a:lnTo>
-                      <a:pt x="463903" y="463652"/>
-                    </a:lnTo>
-                    <a:close/>
-                  </a:path>
-                </a:pathLst>
-              </a:custGeom>
-              <a:solidFill>
-                <a:schemeClr val="accent4">
-                  <a:alpha val="40000"/>
-                </a:schemeClr>
-              </a:solidFill>
-              <a:ln>
-                <a:noFill/>
-              </a:ln>
-            </p:spPr>
-            <p:style>
-              <a:lnRef idx="2">
-                <a:schemeClr val="accent1">
-                  <a:shade val="50000"/>
-                </a:schemeClr>
-              </a:lnRef>
-              <a:fillRef idx="1">
-                <a:schemeClr val="accent1"/>
-              </a:fillRef>
-              <a:effectRef idx="0">
-                <a:schemeClr val="accent1"/>
-              </a:effectRef>
-              <a:fontRef idx="minor">
-                <a:schemeClr val="lt1"/>
-              </a:fontRef>
-            </p:style>
-            <p:txBody>
-              <a:bodyPr rtlCol="0" anchor="ctr"/>
-              <a:lstStyle/>
-              <a:p>
-                <a:pPr algn="ctr"/>
-                <a:endParaRPr lang="en-US" dirty="0">
-                  <a:solidFill>
-                    <a:schemeClr val="tx1"/>
-                  </a:solidFill>
-                </a:endParaRPr>
-              </a:p>
-            </p:txBody>
-          </p:sp>
-        </p:grpSp>
-        <p:grpSp>
-          <p:nvGrpSpPr>
-            <p:cNvPr id="22" name="Group 21">
-              <a:extLst>
-                <a:ext uri="{FF2B5EF4-FFF2-40B4-BE49-F238E27FC236}">
-                  <a16:creationId xmlns:a16="http://schemas.microsoft.com/office/drawing/2014/main" id="{1CA36485-DC1D-48C9-91B2-425DBC66D471}"/>
-                </a:ext>
-              </a:extLst>
-            </p:cNvPr>
-            <p:cNvGrpSpPr/>
-            <p:nvPr/>
-          </p:nvGrpSpPr>
-          <p:grpSpPr>
-            <a:xfrm rot="10800000" flipH="1" flipV="1">
-              <a:off x="999771" y="932104"/>
-              <a:ext cx="864005" cy="1032464"/>
-              <a:chOff x="2207971" y="2384401"/>
-              <a:chExt cx="864005" cy="1032464"/>
-            </a:xfrm>
-          </p:grpSpPr>
-          <p:sp>
-            <p:nvSpPr>
-              <p:cNvPr id="23" name="Freeform: Shape 22">
-                <a:extLst>
-                  <a:ext uri="{FF2B5EF4-FFF2-40B4-BE49-F238E27FC236}">
-                    <a16:creationId xmlns:a16="http://schemas.microsoft.com/office/drawing/2014/main" id="{0ACF276E-196C-4923-B7D1-48A8E6A1669C}"/>
-                  </a:ext>
-                </a:extLst>
-              </p:cNvPr>
-              <p:cNvSpPr/>
-              <p:nvPr/>
-            </p:nvSpPr>
-            <p:spPr>
-              <a:xfrm rot="13500000">
-                <a:off x="2207971" y="2856305"/>
-                <a:ext cx="464739" cy="464739"/>
-              </a:xfrm>
-              <a:custGeom>
-                <a:avLst/>
-                <a:gdLst>
-                  <a:gd name="connsiteX0" fmla="*/ 464132 w 464739"/>
-                  <a:gd name="connsiteY0" fmla="*/ 463881 h 464739"/>
-                  <a:gd name="connsiteX1" fmla="*/ 463891 w 464739"/>
-                  <a:gd name="connsiteY1" fmla="*/ 463892 h 464739"/>
-                  <a:gd name="connsiteX2" fmla="*/ 463880 w 464739"/>
-                  <a:gd name="connsiteY2" fmla="*/ 464132 h 464739"/>
-                  <a:gd name="connsiteX3" fmla="*/ 463651 w 464739"/>
-                  <a:gd name="connsiteY3" fmla="*/ 463904 h 464739"/>
-                  <a:gd name="connsiteX4" fmla="*/ 446142 w 464739"/>
-                  <a:gd name="connsiteY4" fmla="*/ 464739 h 464739"/>
-                  <a:gd name="connsiteX5" fmla="*/ 130673 w 464739"/>
-                  <a:gd name="connsiteY5" fmla="*/ 334067 h 464739"/>
-                  <a:gd name="connsiteX6" fmla="*/ 0 w 464739"/>
-                  <a:gd name="connsiteY6" fmla="*/ 18597 h 464739"/>
-                  <a:gd name="connsiteX7" fmla="*/ 836 w 464739"/>
-                  <a:gd name="connsiteY7" fmla="*/ 1089 h 464739"/>
-                  <a:gd name="connsiteX8" fmla="*/ 607 w 464739"/>
-                  <a:gd name="connsiteY8" fmla="*/ 859 h 464739"/>
-                  <a:gd name="connsiteX9" fmla="*/ 848 w 464739"/>
-                  <a:gd name="connsiteY9" fmla="*/ 848 h 464739"/>
-                  <a:gd name="connsiteX10" fmla="*/ 859 w 464739"/>
-                  <a:gd name="connsiteY10" fmla="*/ 607 h 464739"/>
-                  <a:gd name="connsiteX11" fmla="*/ 1089 w 464739"/>
-                  <a:gd name="connsiteY11" fmla="*/ 836 h 464739"/>
-                  <a:gd name="connsiteX12" fmla="*/ 18597 w 464739"/>
-                  <a:gd name="connsiteY12" fmla="*/ 0 h 464739"/>
-                  <a:gd name="connsiteX13" fmla="*/ 334067 w 464739"/>
-                  <a:gd name="connsiteY13" fmla="*/ 130672 h 464739"/>
-                  <a:gd name="connsiteX14" fmla="*/ 464739 w 464739"/>
-                  <a:gd name="connsiteY14" fmla="*/ 446142 h 464739"/>
-                  <a:gd name="connsiteX15" fmla="*/ 463903 w 464739"/>
-                  <a:gd name="connsiteY15" fmla="*/ 463652 h 464739"/>
-                </a:gdLst>
-                <a:ahLst/>
-                <a:cxnLst>
-                  <a:cxn ang="0">
-                    <a:pos x="connsiteX0" y="connsiteY0"/>
-                  </a:cxn>
-                  <a:cxn ang="0">
-                    <a:pos x="connsiteX1" y="connsiteY1"/>
-                  </a:cxn>
-                  <a:cxn ang="0">
-                    <a:pos x="connsiteX2" y="connsiteY2"/>
-                  </a:cxn>
-                  <a:cxn ang="0">
-                    <a:pos x="connsiteX3" y="connsiteY3"/>
-                  </a:cxn>
-                  <a:cxn ang="0">
-                    <a:pos x="connsiteX4" y="connsiteY4"/>
-                  </a:cxn>
-                  <a:cxn ang="0">
-                    <a:pos x="connsiteX5" y="connsiteY5"/>
-                  </a:cxn>
-                  <a:cxn ang="0">
-                    <a:pos x="connsiteX6" y="connsiteY6"/>
-                  </a:cxn>
-                  <a:cxn ang="0">
-                    <a:pos x="connsiteX7" y="connsiteY7"/>
-                  </a:cxn>
-                  <a:cxn ang="0">
-                    <a:pos x="connsiteX8" y="connsiteY8"/>
-                  </a:cxn>
-                  <a:cxn ang="0">
-                    <a:pos x="connsiteX9" y="connsiteY9"/>
-                  </a:cxn>
-                  <a:cxn ang="0">
-                    <a:pos x="connsiteX10" y="connsiteY10"/>
-                  </a:cxn>
-                  <a:cxn ang="0">
-                    <a:pos x="connsiteX11" y="connsiteY11"/>
-                  </a:cxn>
-                  <a:cxn ang="0">
-                    <a:pos x="connsiteX12" y="connsiteY12"/>
-                  </a:cxn>
-                  <a:cxn ang="0">
-                    <a:pos x="connsiteX13" y="connsiteY13"/>
-                  </a:cxn>
-                  <a:cxn ang="0">
-                    <a:pos x="connsiteX14" y="connsiteY14"/>
-                  </a:cxn>
-                  <a:cxn ang="0">
-                    <a:pos x="connsiteX15" y="connsiteY15"/>
-                  </a:cxn>
-                </a:cxnLst>
-                <a:rect l="l" t="t" r="r" b="b"/>
-                <a:pathLst>
-                  <a:path w="464739" h="464739">
-                    <a:moveTo>
-                      <a:pt x="464132" y="463881"/>
-                    </a:moveTo>
-                    <a:lnTo>
-                      <a:pt x="463891" y="463892"/>
-                    </a:lnTo>
-                    <a:lnTo>
-                      <a:pt x="463880" y="464132"/>
-                    </a:lnTo>
-                    <a:lnTo>
-                      <a:pt x="463651" y="463904"/>
-                    </a:lnTo>
-                    <a:lnTo>
-                      <a:pt x="446142" y="464739"/>
-                    </a:lnTo>
-                    <a:cubicBezTo>
-                      <a:pt x="331965" y="464739"/>
-                      <a:pt x="217787" y="421182"/>
-                      <a:pt x="130673" y="334067"/>
-                    </a:cubicBezTo>
-                    <a:cubicBezTo>
-                      <a:pt x="43558" y="246953"/>
-                      <a:pt x="1" y="132775"/>
-                      <a:pt x="0" y="18597"/>
-                    </a:cubicBezTo>
-                    <a:lnTo>
-                      <a:pt x="836" y="1089"/>
-                    </a:lnTo>
-                    <a:lnTo>
-                      <a:pt x="607" y="859"/>
-                    </a:lnTo>
-                    <a:lnTo>
-                      <a:pt x="848" y="848"/>
-                    </a:lnTo>
-                    <a:lnTo>
-                      <a:pt x="859" y="607"/>
-                    </a:lnTo>
-                    <a:lnTo>
-                      <a:pt x="1089" y="836"/>
-                    </a:lnTo>
-                    <a:lnTo>
-                      <a:pt x="18597" y="0"/>
-                    </a:lnTo>
-                    <a:cubicBezTo>
-                      <a:pt x="132775" y="0"/>
-                      <a:pt x="246952" y="43557"/>
-                      <a:pt x="334067" y="130672"/>
-                    </a:cubicBezTo>
-                    <a:cubicBezTo>
-                      <a:pt x="421182" y="217787"/>
-                      <a:pt x="464739" y="331964"/>
-                      <a:pt x="464739" y="446142"/>
-                    </a:cubicBezTo>
-                    <a:lnTo>
-                      <a:pt x="463903" y="463652"/>
-                    </a:lnTo>
-                    <a:close/>
-                  </a:path>
-                </a:pathLst>
-              </a:custGeom>
-              <a:noFill/>
-              <a:ln w="12700">
-                <a:solidFill>
-                  <a:schemeClr val="tx1"/>
-                </a:solidFill>
-              </a:ln>
-            </p:spPr>
-            <p:style>
-              <a:lnRef idx="2">
-                <a:schemeClr val="accent1">
-                  <a:shade val="50000"/>
-                </a:schemeClr>
-              </a:lnRef>
-              <a:fillRef idx="1">
-                <a:schemeClr val="accent1"/>
-              </a:fillRef>
-              <a:effectRef idx="0">
-                <a:schemeClr val="accent1"/>
-              </a:effectRef>
-              <a:fontRef idx="minor">
-                <a:schemeClr val="lt1"/>
-              </a:fontRef>
-            </p:style>
-            <p:txBody>
-              <a:bodyPr rtlCol="0" anchor="ctr"/>
-              <a:lstStyle/>
-              <a:p>
-                <a:pPr algn="ctr"/>
-                <a:endParaRPr lang="en-US" dirty="0">
-                  <a:solidFill>
-                    <a:schemeClr val="tx1"/>
-                  </a:solidFill>
-                </a:endParaRPr>
-              </a:p>
-            </p:txBody>
-          </p:sp>
-          <p:sp>
-            <p:nvSpPr>
-              <p:cNvPr id="24" name="Freeform: Shape 23">
-                <a:extLst>
-                  <a:ext uri="{FF2B5EF4-FFF2-40B4-BE49-F238E27FC236}">
-                    <a16:creationId xmlns:a16="http://schemas.microsoft.com/office/drawing/2014/main" id="{FFE3686C-DFF6-4995-81B8-FA38F5BB0401}"/>
-                  </a:ext>
-                </a:extLst>
-              </p:cNvPr>
-              <p:cNvSpPr/>
-              <p:nvPr/>
-            </p:nvSpPr>
-            <p:spPr>
-              <a:xfrm rot="10800000">
-                <a:off x="2607238" y="2688467"/>
-                <a:ext cx="464738" cy="464738"/>
-              </a:xfrm>
-              <a:custGeom>
-                <a:avLst/>
-                <a:gdLst>
-                  <a:gd name="connsiteX0" fmla="*/ 446142 w 464738"/>
-                  <a:gd name="connsiteY0" fmla="*/ 464738 h 464738"/>
-                  <a:gd name="connsiteX1" fmla="*/ 130673 w 464738"/>
-                  <a:gd name="connsiteY1" fmla="*/ 334066 h 464738"/>
-                  <a:gd name="connsiteX2" fmla="*/ 0 w 464738"/>
-                  <a:gd name="connsiteY2" fmla="*/ 18596 h 464738"/>
-                  <a:gd name="connsiteX3" fmla="*/ 836 w 464738"/>
-                  <a:gd name="connsiteY3" fmla="*/ 1089 h 464738"/>
-                  <a:gd name="connsiteX4" fmla="*/ 606 w 464738"/>
-                  <a:gd name="connsiteY4" fmla="*/ 859 h 464738"/>
-                  <a:gd name="connsiteX5" fmla="*/ 848 w 464738"/>
-                  <a:gd name="connsiteY5" fmla="*/ 848 h 464738"/>
-                  <a:gd name="connsiteX6" fmla="*/ 859 w 464738"/>
-                  <a:gd name="connsiteY6" fmla="*/ 606 h 464738"/>
-                  <a:gd name="connsiteX7" fmla="*/ 1089 w 464738"/>
-                  <a:gd name="connsiteY7" fmla="*/ 836 h 464738"/>
-                  <a:gd name="connsiteX8" fmla="*/ 18596 w 464738"/>
-                  <a:gd name="connsiteY8" fmla="*/ 0 h 464738"/>
-                  <a:gd name="connsiteX9" fmla="*/ 334066 w 464738"/>
-                  <a:gd name="connsiteY9" fmla="*/ 130672 h 464738"/>
-                  <a:gd name="connsiteX10" fmla="*/ 464738 w 464738"/>
-                  <a:gd name="connsiteY10" fmla="*/ 446142 h 464738"/>
-                  <a:gd name="connsiteX11" fmla="*/ 463902 w 464738"/>
-                  <a:gd name="connsiteY11" fmla="*/ 463650 h 464738"/>
-                  <a:gd name="connsiteX12" fmla="*/ 464132 w 464738"/>
-                  <a:gd name="connsiteY12" fmla="*/ 463880 h 464738"/>
-                  <a:gd name="connsiteX13" fmla="*/ 463891 w 464738"/>
-                  <a:gd name="connsiteY13" fmla="*/ 463892 h 464738"/>
-                  <a:gd name="connsiteX14" fmla="*/ 463879 w 464738"/>
-                  <a:gd name="connsiteY14" fmla="*/ 464132 h 464738"/>
-                  <a:gd name="connsiteX15" fmla="*/ 463650 w 464738"/>
-                  <a:gd name="connsiteY15" fmla="*/ 463903 h 464738"/>
-                </a:gdLst>
-                <a:ahLst/>
-                <a:cxnLst>
-                  <a:cxn ang="0">
-                    <a:pos x="connsiteX0" y="connsiteY0"/>
-                  </a:cxn>
-                  <a:cxn ang="0">
-                    <a:pos x="connsiteX1" y="connsiteY1"/>
-                  </a:cxn>
-                  <a:cxn ang="0">
-                    <a:pos x="connsiteX2" y="connsiteY2"/>
-                  </a:cxn>
-                  <a:cxn ang="0">
-                    <a:pos x="connsiteX3" y="connsiteY3"/>
-                  </a:cxn>
-                  <a:cxn ang="0">
-                    <a:pos x="connsiteX4" y="connsiteY4"/>
-                  </a:cxn>
-                  <a:cxn ang="0">
-                    <a:pos x="connsiteX5" y="connsiteY5"/>
-                  </a:cxn>
-                  <a:cxn ang="0">
-                    <a:pos x="connsiteX6" y="connsiteY6"/>
-                  </a:cxn>
-                  <a:cxn ang="0">
-                    <a:pos x="connsiteX7" y="connsiteY7"/>
-                  </a:cxn>
-                  <a:cxn ang="0">
-                    <a:pos x="connsiteX8" y="connsiteY8"/>
-                  </a:cxn>
-                  <a:cxn ang="0">
-                    <a:pos x="connsiteX9" y="connsiteY9"/>
-                  </a:cxn>
-                  <a:cxn ang="0">
-                    <a:pos x="connsiteX10" y="connsiteY10"/>
-                  </a:cxn>
-                  <a:cxn ang="0">
-                    <a:pos x="connsiteX11" y="connsiteY11"/>
-                  </a:cxn>
-                  <a:cxn ang="0">
-                    <a:pos x="connsiteX12" y="connsiteY12"/>
-                  </a:cxn>
-                  <a:cxn ang="0">
-                    <a:pos x="connsiteX13" y="connsiteY13"/>
-                  </a:cxn>
-                  <a:cxn ang="0">
-                    <a:pos x="connsiteX14" y="connsiteY14"/>
-                  </a:cxn>
-                  <a:cxn ang="0">
-                    <a:pos x="connsiteX15" y="connsiteY15"/>
-                  </a:cxn>
-                </a:cxnLst>
-                <a:rect l="l" t="t" r="r" b="b"/>
-                <a:pathLst>
-                  <a:path w="464738" h="464738">
-                    <a:moveTo>
-                      <a:pt x="446142" y="464738"/>
-                    </a:moveTo>
-                    <a:cubicBezTo>
-                      <a:pt x="331965" y="464738"/>
-                      <a:pt x="217787" y="421181"/>
-                      <a:pt x="130673" y="334066"/>
-                    </a:cubicBezTo>
-                    <a:cubicBezTo>
-                      <a:pt x="43558" y="246952"/>
-                      <a:pt x="1" y="132774"/>
-                      <a:pt x="0" y="18596"/>
-                    </a:cubicBezTo>
-                    <a:lnTo>
-                      <a:pt x="836" y="1089"/>
-                    </a:lnTo>
-                    <a:lnTo>
-                      <a:pt x="606" y="859"/>
-                    </a:lnTo>
-                    <a:lnTo>
-                      <a:pt x="848" y="848"/>
-                    </a:lnTo>
-                    <a:lnTo>
-                      <a:pt x="859" y="606"/>
-                    </a:lnTo>
-                    <a:lnTo>
-                      <a:pt x="1089" y="836"/>
-                    </a:lnTo>
-                    <a:lnTo>
-                      <a:pt x="18596" y="0"/>
-                    </a:lnTo>
-                    <a:cubicBezTo>
-                      <a:pt x="132774" y="0"/>
-                      <a:pt x="246951" y="43557"/>
-                      <a:pt x="334066" y="130672"/>
-                    </a:cubicBezTo>
-                    <a:cubicBezTo>
-                      <a:pt x="421181" y="217787"/>
-                      <a:pt x="464738" y="331964"/>
-                      <a:pt x="464738" y="446142"/>
-                    </a:cubicBezTo>
-                    <a:lnTo>
-                      <a:pt x="463902" y="463650"/>
-                    </a:lnTo>
-                    <a:lnTo>
-                      <a:pt x="464132" y="463880"/>
-                    </a:lnTo>
-                    <a:lnTo>
-                      <a:pt x="463891" y="463892"/>
-                    </a:lnTo>
-                    <a:lnTo>
-                      <a:pt x="463879" y="464132"/>
-                    </a:lnTo>
-                    <a:lnTo>
-                      <a:pt x="463650" y="463903"/>
-                    </a:lnTo>
-                    <a:close/>
-                  </a:path>
-                </a:pathLst>
-              </a:custGeom>
-              <a:noFill/>
-              <a:ln w="12700">
-                <a:solidFill>
-                  <a:schemeClr val="tx1"/>
-                </a:solidFill>
-              </a:ln>
-            </p:spPr>
-            <p:style>
-              <a:lnRef idx="2">
-                <a:schemeClr val="accent1">
-                  <a:shade val="50000"/>
-                </a:schemeClr>
-              </a:lnRef>
-              <a:fillRef idx="1">
-                <a:schemeClr val="accent1"/>
-              </a:fillRef>
-              <a:effectRef idx="0">
-                <a:schemeClr val="accent1"/>
-              </a:effectRef>
-              <a:fontRef idx="minor">
-                <a:schemeClr val="lt1"/>
-              </a:fontRef>
-            </p:style>
-            <p:txBody>
-              <a:bodyPr rtlCol="0" anchor="ctr"/>
-              <a:lstStyle/>
-              <a:p>
-                <a:pPr algn="ctr"/>
-                <a:endParaRPr lang="en-US">
-                  <a:solidFill>
-                    <a:schemeClr val="tx1"/>
-                  </a:solidFill>
-                </a:endParaRPr>
-              </a:p>
-            </p:txBody>
-          </p:sp>
-          <p:grpSp>
-            <p:nvGrpSpPr>
-              <p:cNvPr id="25" name="Group 24">
-                <a:extLst>
-                  <a:ext uri="{FF2B5EF4-FFF2-40B4-BE49-F238E27FC236}">
-                    <a16:creationId xmlns:a16="http://schemas.microsoft.com/office/drawing/2014/main" id="{9DCBF653-CCB9-47B2-9DD9-68847A45D82D}"/>
-                  </a:ext>
-                </a:extLst>
-              </p:cNvPr>
-              <p:cNvGrpSpPr/>
-              <p:nvPr/>
-            </p:nvGrpSpPr>
-            <p:grpSpPr>
-              <a:xfrm>
-                <a:off x="2440769" y="2384401"/>
-                <a:ext cx="313009" cy="1032464"/>
-                <a:chOff x="2440769" y="2384401"/>
-                <a:chExt cx="313009" cy="1032464"/>
-              </a:xfrm>
-            </p:grpSpPr>
-            <p:cxnSp>
-              <p:nvCxnSpPr>
-                <p:cNvPr id="26" name="Straight Connector 25">
-                  <a:extLst>
-                    <a:ext uri="{FF2B5EF4-FFF2-40B4-BE49-F238E27FC236}">
-                      <a16:creationId xmlns:a16="http://schemas.microsoft.com/office/drawing/2014/main" id="{7F081A1F-C7C9-4907-AAED-B4E9B64973FB}"/>
-                    </a:ext>
-                  </a:extLst>
-                </p:cNvPr>
-                <p:cNvCxnSpPr>
-                  <a:cxnSpLocks/>
-                </p:cNvCxnSpPr>
-                <p:nvPr/>
-              </p:nvCxnSpPr>
-              <p:spPr>
-                <a:xfrm rot="10800000" flipH="1">
-                  <a:off x="2440769" y="2516865"/>
-                  <a:ext cx="0" cy="900000"/>
-                </a:xfrm>
-                <a:prstGeom prst="line">
-                  <a:avLst/>
-                </a:prstGeom>
-                <a:ln w="12700">
-                  <a:solidFill>
-                    <a:schemeClr val="tx1"/>
-                  </a:solidFill>
-                </a:ln>
-              </p:spPr>
-              <p:style>
-                <a:lnRef idx="1">
-                  <a:schemeClr val="accent1"/>
-                </a:lnRef>
-                <a:fillRef idx="0">
-                  <a:schemeClr val="accent1"/>
-                </a:fillRef>
-                <a:effectRef idx="0">
-                  <a:schemeClr val="accent1"/>
-                </a:effectRef>
-                <a:fontRef idx="minor">
-                  <a:schemeClr val="tx1"/>
-                </a:fontRef>
-              </p:style>
-            </p:cxnSp>
-            <p:cxnSp>
-              <p:nvCxnSpPr>
-                <p:cNvPr id="27" name="Straight Connector 26">
-                  <a:extLst>
-                    <a:ext uri="{FF2B5EF4-FFF2-40B4-BE49-F238E27FC236}">
-                      <a16:creationId xmlns:a16="http://schemas.microsoft.com/office/drawing/2014/main" id="{34F8F89A-0719-4D9A-8379-9EEBD7201052}"/>
-                    </a:ext>
-                  </a:extLst>
-                </p:cNvPr>
-                <p:cNvCxnSpPr>
-                  <a:cxnSpLocks/>
-                </p:cNvCxnSpPr>
-                <p:nvPr/>
-              </p:nvCxnSpPr>
-              <p:spPr>
-                <a:xfrm rot="8100000" flipH="1">
-                  <a:off x="2753778" y="2384401"/>
-                  <a:ext cx="0" cy="900000"/>
-                </a:xfrm>
-                <a:prstGeom prst="line">
-                  <a:avLst/>
-                </a:prstGeom>
-                <a:ln w="12700">
-                  <a:solidFill>
-                    <a:schemeClr val="tx1"/>
-                  </a:solidFill>
-                </a:ln>
-              </p:spPr>
-              <p:style>
-                <a:lnRef idx="1">
-                  <a:schemeClr val="accent1"/>
-                </a:lnRef>
-                <a:fillRef idx="0">
-                  <a:schemeClr val="accent1"/>
-                </a:fillRef>
-                <a:effectRef idx="0">
-                  <a:schemeClr val="accent1"/>
-                </a:effectRef>
-                <a:fontRef idx="minor">
-                  <a:schemeClr val="tx1"/>
-                </a:fontRef>
-              </p:style>
-            </p:cxnSp>
-          </p:grpSp>
-        </p:grpSp>
-      </p:grpSp>
-      <p:grpSp>
-        <p:nvGrpSpPr>
-          <p:cNvPr id="30" name="Group 29">
-            <a:extLst>
-              <a:ext uri="{FF2B5EF4-FFF2-40B4-BE49-F238E27FC236}">
-                <a16:creationId xmlns:a16="http://schemas.microsoft.com/office/drawing/2014/main" id="{E7AA5779-FF0F-4ACF-A56C-710A4CDEC8A3}"/>
-              </a:ext>
-            </a:extLst>
-          </p:cNvPr>
-          <p:cNvGrpSpPr/>
-          <p:nvPr/>
-        </p:nvGrpSpPr>
-        <p:grpSpPr>
-          <a:xfrm>
-            <a:off x="1437136" y="649304"/>
-            <a:ext cx="388541" cy="388541"/>
-            <a:chOff x="5752675" y="5440856"/>
-            <a:chExt cx="388541" cy="388541"/>
-          </a:xfrm>
-        </p:grpSpPr>
-        <p:sp>
-          <p:nvSpPr>
-            <p:cNvPr id="31" name="Oval 30">
-              <a:extLst>
-                <a:ext uri="{FF2B5EF4-FFF2-40B4-BE49-F238E27FC236}">
-                  <a16:creationId xmlns:a16="http://schemas.microsoft.com/office/drawing/2014/main" id="{5F0ADB13-4626-4F84-B513-0B58E65C248E}"/>
-                </a:ext>
-              </a:extLst>
-            </p:cNvPr>
-            <p:cNvSpPr/>
-            <p:nvPr/>
-          </p:nvSpPr>
-          <p:spPr>
-            <a:xfrm rot="10800000">
-              <a:off x="5800801" y="5488982"/>
-              <a:ext cx="340415" cy="340415"/>
-            </a:xfrm>
-            <a:prstGeom prst="ellipse">
-              <a:avLst/>
-            </a:prstGeom>
-            <a:solidFill>
-              <a:schemeClr val="accent1">
-                <a:lumMod val="60000"/>
-                <a:lumOff val="40000"/>
-              </a:schemeClr>
-            </a:solidFill>
-            <a:ln>
-              <a:noFill/>
-            </a:ln>
-          </p:spPr>
-          <p:style>
-            <a:lnRef idx="2">
-              <a:schemeClr val="accent1">
-                <a:shade val="50000"/>
-              </a:schemeClr>
-            </a:lnRef>
-            <a:fillRef idx="1">
-              <a:schemeClr val="accent1"/>
-            </a:fillRef>
-            <a:effectRef idx="0">
-              <a:schemeClr val="accent1"/>
-            </a:effectRef>
-            <a:fontRef idx="minor">
-              <a:schemeClr val="lt1"/>
-            </a:fontRef>
-          </p:style>
-          <p:txBody>
-            <a:bodyPr rtlCol="0" anchor="ctr"/>
-            <a:lstStyle/>
-            <a:p>
-              <a:pPr algn="ctr"/>
-              <a:endParaRPr lang="en-US" dirty="0">
-                <a:solidFill>
-                  <a:schemeClr val="tx1"/>
-                </a:solidFill>
-              </a:endParaRPr>
-            </a:p>
-          </p:txBody>
-        </p:sp>
-        <p:sp>
-          <p:nvSpPr>
-            <p:cNvPr id="32" name="Oval 31">
-              <a:extLst>
-                <a:ext uri="{FF2B5EF4-FFF2-40B4-BE49-F238E27FC236}">
-                  <a16:creationId xmlns:a16="http://schemas.microsoft.com/office/drawing/2014/main" id="{AF46BC46-AD78-4932-95BA-D3009154CA7A}"/>
-                </a:ext>
-              </a:extLst>
-            </p:cNvPr>
-            <p:cNvSpPr/>
-            <p:nvPr/>
-          </p:nvSpPr>
-          <p:spPr>
-            <a:xfrm>
-              <a:off x="5752675" y="5440856"/>
-              <a:ext cx="340415" cy="340415"/>
-            </a:xfrm>
-            <a:prstGeom prst="ellipse">
-              <a:avLst/>
-            </a:prstGeom>
-            <a:noFill/>
-            <a:ln w="12700">
-              <a:solidFill>
-                <a:schemeClr val="tx1"/>
-              </a:solidFill>
-            </a:ln>
-          </p:spPr>
-          <p:style>
-            <a:lnRef idx="2">
-              <a:schemeClr val="accent1">
-                <a:shade val="50000"/>
-              </a:schemeClr>
-            </a:lnRef>
-            <a:fillRef idx="1">
-              <a:schemeClr val="accent1"/>
-            </a:fillRef>
-            <a:effectRef idx="0">
-              <a:schemeClr val="accent1"/>
-            </a:effectRef>
-            <a:fontRef idx="minor">
-              <a:schemeClr val="lt1"/>
-            </a:fontRef>
-          </p:style>
-          <p:txBody>
-            <a:bodyPr rtlCol="0" anchor="ctr"/>
-            <a:lstStyle/>
-            <a:p>
-              <a:pPr algn="ctr"/>
-              <a:endParaRPr lang="en-US">
-                <a:solidFill>
-                  <a:schemeClr val="tx1"/>
-                </a:solidFill>
-              </a:endParaRPr>
-            </a:p>
-          </p:txBody>
-        </p:sp>
-      </p:grpSp>
-      <p:cxnSp>
-        <p:nvCxnSpPr>
-          <p:cNvPr id="33" name="Straight Connector 32">
-            <a:extLst>
-              <a:ext uri="{FF2B5EF4-FFF2-40B4-BE49-F238E27FC236}">
-                <a16:creationId xmlns:a16="http://schemas.microsoft.com/office/drawing/2014/main" id="{D38118F0-6EA8-4901-9161-9101C6DDD97E}"/>
-              </a:ext>
-            </a:extLst>
-          </p:cNvPr>
-          <p:cNvCxnSpPr>
-            <a:cxnSpLocks/>
-          </p:cNvCxnSpPr>
-          <p:nvPr/>
-        </p:nvCxnSpPr>
-        <p:spPr>
-          <a:xfrm rot="16200000" flipH="1">
-            <a:off x="5826000" y="3429001"/>
-            <a:ext cx="540000" cy="0"/>
-          </a:xfrm>
-          <a:prstGeom prst="line">
-            <a:avLst/>
-          </a:prstGeom>
-          <a:ln w="12700">
-            <a:solidFill>
-              <a:schemeClr val="tx1"/>
-            </a:solidFill>
-          </a:ln>
-        </p:spPr>
-        <p:style>
-          <a:lnRef idx="1">
-            <a:schemeClr val="accent1"/>
-          </a:lnRef>
-          <a:fillRef idx="0">
-            <a:schemeClr val="accent1"/>
-          </a:fillRef>
-          <a:effectRef idx="0">
-            <a:schemeClr val="accent1"/>
-          </a:effectRef>
-          <a:fontRef idx="minor">
-            <a:schemeClr val="tx1"/>
-          </a:fontRef>
-        </p:style>
-      </p:cxnSp>
     </p:spTree>
     <p:extLst>
       <p:ext uri="{BB962C8B-B14F-4D97-AF65-F5344CB8AC3E}">
-        <p14:creationId xmlns:p14="http://schemas.microsoft.com/office/powerpoint/2010/main" val="1785068969"/>
+        <p14:creationId xmlns:p14="http://schemas.microsoft.com/office/powerpoint/2010/main" val="179394909"/>
       </p:ext>
     </p:extLst>
   </p:cSld>
@@ -3358,7 +1269,7 @@
           <p:cNvPr id="2" name="Title 1">
             <a:extLst>
               <a:ext uri="{FF2B5EF4-FFF2-40B4-BE49-F238E27FC236}">
-                <a16:creationId xmlns:a16="http://schemas.microsoft.com/office/drawing/2014/main" id="{B8ED013D-A80D-4455-B886-0C3448294C02}"/>
+                <a16:creationId xmlns:a16="http://schemas.microsoft.com/office/drawing/2014/main" id="{B56FE57E-226E-5043-E29D-6CCCA425155D}"/>
               </a:ext>
             </a:extLst>
           </p:cNvPr>
@@ -3372,17 +1283,12 @@
         <p:spPr/>
         <p:txBody>
           <a:bodyPr/>
-          <a:lstStyle>
-            <a:lvl1pPr algn="l">
-              <a:defRPr/>
-            </a:lvl1pPr>
-          </a:lstStyle>
+          <a:lstStyle/>
           <a:p>
             <a:r>
               <a:rPr lang="en-US"/>
               <a:t>Click to edit Master title style</a:t>
             </a:r>
-            <a:endParaRPr lang="en-US" dirty="0"/>
           </a:p>
         </p:txBody>
       </p:sp>
@@ -3391,7 +1297,7 @@
           <p:cNvPr id="3" name="Content Placeholder 2">
             <a:extLst>
               <a:ext uri="{FF2B5EF4-FFF2-40B4-BE49-F238E27FC236}">
-                <a16:creationId xmlns:a16="http://schemas.microsoft.com/office/drawing/2014/main" id="{4A99D3AB-20B9-4D90-8106-506F443682C8}"/>
+                <a16:creationId xmlns:a16="http://schemas.microsoft.com/office/drawing/2014/main" id="{9421E9AC-41BC-D237-730D-6E0A10E0142D}"/>
               </a:ext>
             </a:extLst>
           </p:cNvPr>
@@ -3404,8 +1310,8 @@
         </p:nvSpPr>
         <p:spPr>
           <a:xfrm>
-            <a:off x="1085850" y="1790700"/>
-            <a:ext cx="4740150" cy="3978275"/>
+            <a:off x="838200" y="1825625"/>
+            <a:ext cx="5181600" cy="4351338"/>
           </a:xfrm>
         </p:spPr>
         <p:txBody>
@@ -3445,7 +1351,6 @@
               <a:rPr lang="en-US"/>
               <a:t>Fifth level</a:t>
             </a:r>
-            <a:endParaRPr lang="en-US" dirty="0"/>
           </a:p>
         </p:txBody>
       </p:sp>
@@ -3454,7 +1359,7 @@
           <p:cNvPr id="4" name="Content Placeholder 3">
             <a:extLst>
               <a:ext uri="{FF2B5EF4-FFF2-40B4-BE49-F238E27FC236}">
-                <a16:creationId xmlns:a16="http://schemas.microsoft.com/office/drawing/2014/main" id="{85F9DF39-257F-4C10-A7B4-1AA1C66F28E9}"/>
+                <a16:creationId xmlns:a16="http://schemas.microsoft.com/office/drawing/2014/main" id="{1A1A2A5D-2949-B020-CA6D-9CA63E4986AA}"/>
               </a:ext>
             </a:extLst>
           </p:cNvPr>
@@ -3467,8 +1372,8 @@
         </p:nvSpPr>
         <p:spPr>
           <a:xfrm>
-            <a:off x="6366000" y="1790700"/>
-            <a:ext cx="4740150" cy="3978275"/>
+            <a:off x="6172200" y="1825625"/>
+            <a:ext cx="5181600" cy="4351338"/>
           </a:xfrm>
         </p:spPr>
         <p:txBody>
@@ -3508,7 +1413,6 @@
               <a:rPr lang="en-US"/>
               <a:t>Fifth level</a:t>
             </a:r>
-            <a:endParaRPr lang="en-US" dirty="0"/>
           </a:p>
         </p:txBody>
       </p:sp>
@@ -3517,7 +1421,7 @@
           <p:cNvPr id="5" name="Date Placeholder 4">
             <a:extLst>
               <a:ext uri="{FF2B5EF4-FFF2-40B4-BE49-F238E27FC236}">
-                <a16:creationId xmlns:a16="http://schemas.microsoft.com/office/drawing/2014/main" id="{E0E57E5E-B324-4633-AB65-4A53498B9FAD}"/>
+                <a16:creationId xmlns:a16="http://schemas.microsoft.com/office/drawing/2014/main" id="{A6FEEE88-DC06-3414-750C-3927C69862B5}"/>
               </a:ext>
             </a:extLst>
           </p:cNvPr>
@@ -3528,15 +1432,7 @@
             <p:ph type="dt" sz="half" idx="10"/>
           </p:nvPr>
         </p:nvSpPr>
-        <p:spPr>
-          <a:xfrm>
-            <a:off x="541338" y="6401999"/>
-            <a:ext cx="2206625" cy="369332"/>
-          </a:xfrm>
-          <a:prstGeom prst="rect">
-            <a:avLst/>
-          </a:prstGeom>
-        </p:spPr>
+        <p:spPr/>
         <p:txBody>
           <a:bodyPr/>
           <a:lstStyle/>
@@ -3554,7 +1450,7 @@
           <p:cNvPr id="6" name="Footer Placeholder 5">
             <a:extLst>
               <a:ext uri="{FF2B5EF4-FFF2-40B4-BE49-F238E27FC236}">
-                <a16:creationId xmlns:a16="http://schemas.microsoft.com/office/drawing/2014/main" id="{5B42A16D-8423-4C91-B839-F95380250FA3}"/>
+                <a16:creationId xmlns:a16="http://schemas.microsoft.com/office/drawing/2014/main" id="{77900C63-0333-2F9E-B7B9-ACBF9AB3CB36}"/>
               </a:ext>
             </a:extLst>
           </p:cNvPr>
@@ -3565,15 +1461,7 @@
             <p:ph type="ftr" sz="quarter" idx="11"/>
           </p:nvPr>
         </p:nvSpPr>
-        <p:spPr>
-          <a:xfrm>
-            <a:off x="3308350" y="6401999"/>
-            <a:ext cx="5575300" cy="369332"/>
-          </a:xfrm>
-          <a:prstGeom prst="rect">
-            <a:avLst/>
-          </a:prstGeom>
-        </p:spPr>
+        <p:spPr/>
         <p:txBody>
           <a:bodyPr/>
           <a:lstStyle/>
@@ -3587,7 +1475,7 @@
           <p:cNvPr id="7" name="Slide Number Placeholder 6">
             <a:extLst>
               <a:ext uri="{FF2B5EF4-FFF2-40B4-BE49-F238E27FC236}">
-                <a16:creationId xmlns:a16="http://schemas.microsoft.com/office/drawing/2014/main" id="{063AD46B-C875-4F91-8991-4A4E5D768D92}"/>
+                <a16:creationId xmlns:a16="http://schemas.microsoft.com/office/drawing/2014/main" id="{F84FFE74-033C-202C-778F-E1963E9B6CA2}"/>
               </a:ext>
             </a:extLst>
           </p:cNvPr>
@@ -3598,15 +1486,7 @@
             <p:ph type="sldNum" sz="quarter" idx="12"/>
           </p:nvPr>
         </p:nvSpPr>
-        <p:spPr>
-          <a:xfrm>
-            <a:off x="9442800" y="6401999"/>
-            <a:ext cx="2208212" cy="369332"/>
-          </a:xfrm>
-          <a:prstGeom prst="rect">
-            <a:avLst/>
-          </a:prstGeom>
-        </p:spPr>
+        <p:spPr/>
         <p:txBody>
           <a:bodyPr/>
           <a:lstStyle/>
@@ -3622,7 +1502,7 @@
     </p:spTree>
     <p:extLst>
       <p:ext uri="{BB962C8B-B14F-4D97-AF65-F5344CB8AC3E}">
-        <p14:creationId xmlns:p14="http://schemas.microsoft.com/office/powerpoint/2010/main" val="3382744688"/>
+        <p14:creationId xmlns:p14="http://schemas.microsoft.com/office/powerpoint/2010/main" val="2074499440"/>
       </p:ext>
     </p:extLst>
   </p:cSld>
@@ -3654,7 +1534,7 @@
           <p:cNvPr id="2" name="Title 1">
             <a:extLst>
               <a:ext uri="{FF2B5EF4-FFF2-40B4-BE49-F238E27FC236}">
-                <a16:creationId xmlns:a16="http://schemas.microsoft.com/office/drawing/2014/main" id="{9D5170C3-74D3-4445-A879-4F7CF42ED29A}"/>
+                <a16:creationId xmlns:a16="http://schemas.microsoft.com/office/drawing/2014/main" id="{5DE8054B-5DF4-F230-664A-CF21B7256103}"/>
               </a:ext>
             </a:extLst>
           </p:cNvPr>
@@ -3667,25 +1547,18 @@
         </p:nvSpPr>
         <p:spPr>
           <a:xfrm>
-            <a:off x="1079500" y="1011238"/>
-            <a:ext cx="10026650" cy="655637"/>
+            <a:off x="839788" y="365125"/>
+            <a:ext cx="10515600" cy="1325563"/>
           </a:xfrm>
         </p:spPr>
         <p:txBody>
-          <a:bodyPr>
-            <a:normAutofit/>
-          </a:bodyPr>
-          <a:lstStyle>
-            <a:lvl1pPr algn="l">
-              <a:defRPr/>
-            </a:lvl1pPr>
-          </a:lstStyle>
+          <a:bodyPr/>
+          <a:lstStyle/>
           <a:p>
             <a:r>
               <a:rPr lang="en-US"/>
               <a:t>Click to edit Master title style</a:t>
             </a:r>
-            <a:endParaRPr lang="en-US" dirty="0"/>
           </a:p>
         </p:txBody>
       </p:sp>
@@ -3694,7 +1567,7 @@
           <p:cNvPr id="3" name="Text Placeholder 2">
             <a:extLst>
               <a:ext uri="{FF2B5EF4-FFF2-40B4-BE49-F238E27FC236}">
-                <a16:creationId xmlns:a16="http://schemas.microsoft.com/office/drawing/2014/main" id="{B2B64494-3C1C-49FE-ADB2-6F41CEEA82EF}"/>
+                <a16:creationId xmlns:a16="http://schemas.microsoft.com/office/drawing/2014/main" id="{890C6C79-148C-DFAC-A401-8292A218F64E}"/>
               </a:ext>
             </a:extLst>
           </p:cNvPr>
@@ -3707,27 +1580,16 @@
         </p:nvSpPr>
         <p:spPr>
           <a:xfrm>
-            <a:off x="1079500" y="1854200"/>
-            <a:ext cx="4741200" cy="553998"/>
+            <a:off x="839788" y="1681163"/>
+            <a:ext cx="5157787" cy="823912"/>
           </a:xfrm>
         </p:spPr>
         <p:txBody>
-          <a:bodyPr anchor="t" anchorCtr="0">
-            <a:normAutofit/>
-          </a:bodyPr>
+          <a:bodyPr anchor="b"/>
           <a:lstStyle>
             <a:lvl1pPr marL="0" indent="0">
-              <a:lnSpc>
-                <a:spcPct val="100000"/>
-              </a:lnSpc>
               <a:buNone/>
-              <a:defRPr sz="1800" b="0" cap="all" spc="300" baseline="0">
-                <a:solidFill>
-                  <a:schemeClr val="tx1">
-                    <a:alpha val="80000"/>
-                  </a:schemeClr>
-                </a:solidFill>
-              </a:defRPr>
+              <a:defRPr sz="2400" b="1"/>
             </a:lvl1pPr>
             <a:lvl2pPr marL="457200" indent="0">
               <a:buNone/>
@@ -3776,7 +1638,7 @@
           <p:cNvPr id="4" name="Content Placeholder 3">
             <a:extLst>
               <a:ext uri="{FF2B5EF4-FFF2-40B4-BE49-F238E27FC236}">
-                <a16:creationId xmlns:a16="http://schemas.microsoft.com/office/drawing/2014/main" id="{48EE19A6-8340-43A4-9B30-A27DEB9E2BF1}"/>
+                <a16:creationId xmlns:a16="http://schemas.microsoft.com/office/drawing/2014/main" id="{D1EF6FE7-F326-0BF7-1E34-1D6A8771BB31}"/>
               </a:ext>
             </a:extLst>
           </p:cNvPr>
@@ -3789,8 +1651,8 @@
         </p:nvSpPr>
         <p:spPr>
           <a:xfrm>
-            <a:off x="1079500" y="2525561"/>
-            <a:ext cx="4741200" cy="3243414"/>
+            <a:off x="839788" y="2505075"/>
+            <a:ext cx="5157787" cy="3684588"/>
           </a:xfrm>
         </p:spPr>
         <p:txBody>
@@ -3830,7 +1692,6 @@
               <a:rPr lang="en-US"/>
               <a:t>Fifth level</a:t>
             </a:r>
-            <a:endParaRPr lang="en-US" dirty="0"/>
           </a:p>
         </p:txBody>
       </p:sp>
@@ -3839,7 +1700,7 @@
           <p:cNvPr id="5" name="Text Placeholder 4">
             <a:extLst>
               <a:ext uri="{FF2B5EF4-FFF2-40B4-BE49-F238E27FC236}">
-                <a16:creationId xmlns:a16="http://schemas.microsoft.com/office/drawing/2014/main" id="{7B9D4B31-0090-483A-BF84-CEA2B22D51D5}"/>
+                <a16:creationId xmlns:a16="http://schemas.microsoft.com/office/drawing/2014/main" id="{CE92DAF2-E39A-F52F-9DCF-FFF2998C542A}"/>
               </a:ext>
             </a:extLst>
           </p:cNvPr>
@@ -3852,27 +1713,16 @@
         </p:nvSpPr>
         <p:spPr>
           <a:xfrm>
-            <a:off x="6364950" y="1854200"/>
-            <a:ext cx="4741200" cy="553998"/>
+            <a:off x="6172200" y="1681163"/>
+            <a:ext cx="5183188" cy="823912"/>
           </a:xfrm>
         </p:spPr>
         <p:txBody>
-          <a:bodyPr anchor="t" anchorCtr="0">
-            <a:normAutofit/>
-          </a:bodyPr>
+          <a:bodyPr anchor="b"/>
           <a:lstStyle>
             <a:lvl1pPr marL="0" indent="0">
-              <a:lnSpc>
-                <a:spcPct val="100000"/>
-              </a:lnSpc>
               <a:buNone/>
-              <a:defRPr sz="1800" b="0" cap="all" spc="300" baseline="0">
-                <a:solidFill>
-                  <a:schemeClr val="tx1">
-                    <a:alpha val="80000"/>
-                  </a:schemeClr>
-                </a:solidFill>
-              </a:defRPr>
+              <a:defRPr sz="2400" b="1"/>
             </a:lvl1pPr>
             <a:lvl2pPr marL="457200" indent="0">
               <a:buNone/>
@@ -3921,7 +1771,7 @@
           <p:cNvPr id="6" name="Content Placeholder 5">
             <a:extLst>
               <a:ext uri="{FF2B5EF4-FFF2-40B4-BE49-F238E27FC236}">
-                <a16:creationId xmlns:a16="http://schemas.microsoft.com/office/drawing/2014/main" id="{008DB9E9-0BD8-4F85-9342-5C5BA0D35CEA}"/>
+                <a16:creationId xmlns:a16="http://schemas.microsoft.com/office/drawing/2014/main" id="{5A9900C0-8147-5FB8-A151-C5D411BEA7A8}"/>
               </a:ext>
             </a:extLst>
           </p:cNvPr>
@@ -3934,8 +1784,8 @@
         </p:nvSpPr>
         <p:spPr>
           <a:xfrm>
-            <a:off x="6364950" y="2525560"/>
-            <a:ext cx="4741200" cy="3243414"/>
+            <a:off x="6172200" y="2505075"/>
+            <a:ext cx="5183188" cy="3684588"/>
           </a:xfrm>
         </p:spPr>
         <p:txBody>
@@ -3975,7 +1825,6 @@
               <a:rPr lang="en-US"/>
               <a:t>Fifth level</a:t>
             </a:r>
-            <a:endParaRPr lang="en-US" dirty="0"/>
           </a:p>
         </p:txBody>
       </p:sp>
@@ -3984,7 +1833,7 @@
           <p:cNvPr id="7" name="Date Placeholder 6">
             <a:extLst>
               <a:ext uri="{FF2B5EF4-FFF2-40B4-BE49-F238E27FC236}">
-                <a16:creationId xmlns:a16="http://schemas.microsoft.com/office/drawing/2014/main" id="{52AE3D3E-6168-45C3-BAB4-04FFFB983541}"/>
+                <a16:creationId xmlns:a16="http://schemas.microsoft.com/office/drawing/2014/main" id="{BB9565AB-ECBE-A115-2C15-D87A9B60DBA0}"/>
               </a:ext>
             </a:extLst>
           </p:cNvPr>
@@ -3995,15 +1844,7 @@
             <p:ph type="dt" sz="half" idx="10"/>
           </p:nvPr>
         </p:nvSpPr>
-        <p:spPr>
-          <a:xfrm>
-            <a:off x="541338" y="6401999"/>
-            <a:ext cx="2206625" cy="369332"/>
-          </a:xfrm>
-          <a:prstGeom prst="rect">
-            <a:avLst/>
-          </a:prstGeom>
-        </p:spPr>
+        <p:spPr/>
         <p:txBody>
           <a:bodyPr/>
           <a:lstStyle/>
@@ -4021,7 +1862,7 @@
           <p:cNvPr id="8" name="Footer Placeholder 7">
             <a:extLst>
               <a:ext uri="{FF2B5EF4-FFF2-40B4-BE49-F238E27FC236}">
-                <a16:creationId xmlns:a16="http://schemas.microsoft.com/office/drawing/2014/main" id="{DA8F8D02-7CCF-4321-847A-CD553E52A342}"/>
+                <a16:creationId xmlns:a16="http://schemas.microsoft.com/office/drawing/2014/main" id="{46C15936-8DEA-61EC-AB9B-9DBC16AEF423}"/>
               </a:ext>
             </a:extLst>
           </p:cNvPr>
@@ -4032,15 +1873,7 @@
             <p:ph type="ftr" sz="quarter" idx="11"/>
           </p:nvPr>
         </p:nvSpPr>
-        <p:spPr>
-          <a:xfrm>
-            <a:off x="3308350" y="6401999"/>
-            <a:ext cx="5575300" cy="369332"/>
-          </a:xfrm>
-          <a:prstGeom prst="rect">
-            <a:avLst/>
-          </a:prstGeom>
-        </p:spPr>
+        <p:spPr/>
         <p:txBody>
           <a:bodyPr/>
           <a:lstStyle/>
@@ -4054,7 +1887,7 @@
           <p:cNvPr id="9" name="Slide Number Placeholder 8">
             <a:extLst>
               <a:ext uri="{FF2B5EF4-FFF2-40B4-BE49-F238E27FC236}">
-                <a16:creationId xmlns:a16="http://schemas.microsoft.com/office/drawing/2014/main" id="{9F966368-2A9A-4617-A2A9-E4E9ACD06381}"/>
+                <a16:creationId xmlns:a16="http://schemas.microsoft.com/office/drawing/2014/main" id="{9B0BAB46-8A00-320F-704D-4FD089C0B7C3}"/>
               </a:ext>
             </a:extLst>
           </p:cNvPr>
@@ -4065,15 +1898,7 @@
             <p:ph type="sldNum" sz="quarter" idx="12"/>
           </p:nvPr>
         </p:nvSpPr>
-        <p:spPr>
-          <a:xfrm>
-            <a:off x="9442800" y="6401999"/>
-            <a:ext cx="2208212" cy="369332"/>
-          </a:xfrm>
-          <a:prstGeom prst="rect">
-            <a:avLst/>
-          </a:prstGeom>
-        </p:spPr>
+        <p:spPr/>
         <p:txBody>
           <a:bodyPr/>
           <a:lstStyle/>
@@ -4089,7 +1914,7 @@
     </p:spTree>
     <p:extLst>
       <p:ext uri="{BB962C8B-B14F-4D97-AF65-F5344CB8AC3E}">
-        <p14:creationId xmlns:p14="http://schemas.microsoft.com/office/powerpoint/2010/main" val="2802548029"/>
+        <p14:creationId xmlns:p14="http://schemas.microsoft.com/office/powerpoint/2010/main" val="1831451216"/>
       </p:ext>
     </p:extLst>
   </p:cSld>
@@ -4121,7 +1946,7 @@
           <p:cNvPr id="2" name="Title 1">
             <a:extLst>
               <a:ext uri="{FF2B5EF4-FFF2-40B4-BE49-F238E27FC236}">
-                <a16:creationId xmlns:a16="http://schemas.microsoft.com/office/drawing/2014/main" id="{2590855A-C7D7-455F-BD47-AB4221DD0240}"/>
+                <a16:creationId xmlns:a16="http://schemas.microsoft.com/office/drawing/2014/main" id="{A2B2BFAB-EBC3-2C50-34DF-507769C69D3A}"/>
               </a:ext>
             </a:extLst>
           </p:cNvPr>
@@ -4132,25 +1957,15 @@
             <p:ph type="title"/>
           </p:nvPr>
         </p:nvSpPr>
-        <p:spPr>
-          <a:xfrm>
-            <a:off x="1079500" y="1079500"/>
-            <a:ext cx="10026650" cy="4689475"/>
-          </a:xfrm>
-        </p:spPr>
-        <p:txBody>
-          <a:bodyPr anchor="ctr"/>
-          <a:lstStyle>
-            <a:lvl1pPr algn="ctr">
-              <a:defRPr/>
-            </a:lvl1pPr>
-          </a:lstStyle>
+        <p:spPr/>
+        <p:txBody>
+          <a:bodyPr/>
+          <a:lstStyle/>
           <a:p>
             <a:r>
               <a:rPr lang="en-US"/>
               <a:t>Click to edit Master title style</a:t>
             </a:r>
-            <a:endParaRPr lang="en-US" dirty="0"/>
           </a:p>
         </p:txBody>
       </p:sp>
@@ -4159,7 +1974,7 @@
           <p:cNvPr id="3" name="Date Placeholder 2">
             <a:extLst>
               <a:ext uri="{FF2B5EF4-FFF2-40B4-BE49-F238E27FC236}">
-                <a16:creationId xmlns:a16="http://schemas.microsoft.com/office/drawing/2014/main" id="{1629F6FD-C2F8-4688-B52A-ED76F48B8B41}"/>
+                <a16:creationId xmlns:a16="http://schemas.microsoft.com/office/drawing/2014/main" id="{E289E093-967F-774B-0F76-6FBD9FA6D8A5}"/>
               </a:ext>
             </a:extLst>
           </p:cNvPr>
@@ -4170,15 +1985,7 @@
             <p:ph type="dt" sz="half" idx="10"/>
           </p:nvPr>
         </p:nvSpPr>
-        <p:spPr>
-          <a:xfrm>
-            <a:off x="541338" y="6401999"/>
-            <a:ext cx="2206625" cy="369332"/>
-          </a:xfrm>
-          <a:prstGeom prst="rect">
-            <a:avLst/>
-          </a:prstGeom>
-        </p:spPr>
+        <p:spPr/>
         <p:txBody>
           <a:bodyPr/>
           <a:lstStyle/>
@@ -4196,7 +2003,7 @@
           <p:cNvPr id="4" name="Footer Placeholder 3">
             <a:extLst>
               <a:ext uri="{FF2B5EF4-FFF2-40B4-BE49-F238E27FC236}">
-                <a16:creationId xmlns:a16="http://schemas.microsoft.com/office/drawing/2014/main" id="{AB358F0F-237C-4F8E-A5A7-48269F700B1D}"/>
+                <a16:creationId xmlns:a16="http://schemas.microsoft.com/office/drawing/2014/main" id="{9B5BBA06-70B8-E962-5D76-F9B9CEE771D4}"/>
               </a:ext>
             </a:extLst>
           </p:cNvPr>
@@ -4207,15 +2014,7 @@
             <p:ph type="ftr" sz="quarter" idx="11"/>
           </p:nvPr>
         </p:nvSpPr>
-        <p:spPr>
-          <a:xfrm>
-            <a:off x="3308350" y="6401999"/>
-            <a:ext cx="5575300" cy="369332"/>
-          </a:xfrm>
-          <a:prstGeom prst="rect">
-            <a:avLst/>
-          </a:prstGeom>
-        </p:spPr>
+        <p:spPr/>
         <p:txBody>
           <a:bodyPr/>
           <a:lstStyle/>
@@ -4229,7 +2028,7 @@
           <p:cNvPr id="5" name="Slide Number Placeholder 4">
             <a:extLst>
               <a:ext uri="{FF2B5EF4-FFF2-40B4-BE49-F238E27FC236}">
-                <a16:creationId xmlns:a16="http://schemas.microsoft.com/office/drawing/2014/main" id="{68C3629E-70C3-44A4-A268-2194CD424AF9}"/>
+                <a16:creationId xmlns:a16="http://schemas.microsoft.com/office/drawing/2014/main" id="{52B60F13-26EF-1DA4-6879-B990C97DE188}"/>
               </a:ext>
             </a:extLst>
           </p:cNvPr>
@@ -4240,15 +2039,7 @@
             <p:ph type="sldNum" sz="quarter" idx="12"/>
           </p:nvPr>
         </p:nvSpPr>
-        <p:spPr>
-          <a:xfrm>
-            <a:off x="9442800" y="6401999"/>
-            <a:ext cx="2208212" cy="369332"/>
-          </a:xfrm>
-          <a:prstGeom prst="rect">
-            <a:avLst/>
-          </a:prstGeom>
-        </p:spPr>
+        <p:spPr/>
         <p:txBody>
           <a:bodyPr/>
           <a:lstStyle/>
@@ -4264,7 +2055,7 @@
     </p:spTree>
     <p:extLst>
       <p:ext uri="{BB962C8B-B14F-4D97-AF65-F5344CB8AC3E}">
-        <p14:creationId xmlns:p14="http://schemas.microsoft.com/office/powerpoint/2010/main" val="3707231595"/>
+        <p14:creationId xmlns:p14="http://schemas.microsoft.com/office/powerpoint/2010/main" val="2551106812"/>
       </p:ext>
     </p:extLst>
   </p:cSld>
@@ -4296,7 +2087,7 @@
           <p:cNvPr id="2" name="Date Placeholder 1">
             <a:extLst>
               <a:ext uri="{FF2B5EF4-FFF2-40B4-BE49-F238E27FC236}">
-                <a16:creationId xmlns:a16="http://schemas.microsoft.com/office/drawing/2014/main" id="{8F0232D4-EC56-49D3-B967-D972B5E5E2C1}"/>
+                <a16:creationId xmlns:a16="http://schemas.microsoft.com/office/drawing/2014/main" id="{4B451D93-68E7-8E42-3106-DF90B99301A3}"/>
               </a:ext>
             </a:extLst>
           </p:cNvPr>
@@ -4307,15 +2098,7 @@
             <p:ph type="dt" sz="half" idx="10"/>
           </p:nvPr>
         </p:nvSpPr>
-        <p:spPr>
-          <a:xfrm>
-            <a:off x="541338" y="6401999"/>
-            <a:ext cx="2206625" cy="369332"/>
-          </a:xfrm>
-          <a:prstGeom prst="rect">
-            <a:avLst/>
-          </a:prstGeom>
-        </p:spPr>
+        <p:spPr/>
         <p:txBody>
           <a:bodyPr/>
           <a:lstStyle/>
@@ -4333,7 +2116,7 @@
           <p:cNvPr id="3" name="Footer Placeholder 2">
             <a:extLst>
               <a:ext uri="{FF2B5EF4-FFF2-40B4-BE49-F238E27FC236}">
-                <a16:creationId xmlns:a16="http://schemas.microsoft.com/office/drawing/2014/main" id="{0B2C3171-136A-405F-B1CF-C0DAFAA21E41}"/>
+                <a16:creationId xmlns:a16="http://schemas.microsoft.com/office/drawing/2014/main" id="{A04E76B3-84DB-91D7-B152-F0F0FABE0DE5}"/>
               </a:ext>
             </a:extLst>
           </p:cNvPr>
@@ -4344,15 +2127,7 @@
             <p:ph type="ftr" sz="quarter" idx="11"/>
           </p:nvPr>
         </p:nvSpPr>
-        <p:spPr>
-          <a:xfrm>
-            <a:off x="3308350" y="6401999"/>
-            <a:ext cx="5575300" cy="369332"/>
-          </a:xfrm>
-          <a:prstGeom prst="rect">
-            <a:avLst/>
-          </a:prstGeom>
-        </p:spPr>
+        <p:spPr/>
         <p:txBody>
           <a:bodyPr/>
           <a:lstStyle/>
@@ -4366,7 +2141,7 @@
           <p:cNvPr id="4" name="Slide Number Placeholder 3">
             <a:extLst>
               <a:ext uri="{FF2B5EF4-FFF2-40B4-BE49-F238E27FC236}">
-                <a16:creationId xmlns:a16="http://schemas.microsoft.com/office/drawing/2014/main" id="{76523E7E-BA29-40D2-BE24-10E7F7050409}"/>
+                <a16:creationId xmlns:a16="http://schemas.microsoft.com/office/drawing/2014/main" id="{D2DE4E20-23CC-4053-DB12-72F03587FEA6}"/>
               </a:ext>
             </a:extLst>
           </p:cNvPr>
@@ -4377,15 +2152,7 @@
             <p:ph type="sldNum" sz="quarter" idx="12"/>
           </p:nvPr>
         </p:nvSpPr>
-        <p:spPr>
-          <a:xfrm>
-            <a:off x="9442800" y="6401999"/>
-            <a:ext cx="2208212" cy="369332"/>
-          </a:xfrm>
-          <a:prstGeom prst="rect">
-            <a:avLst/>
-          </a:prstGeom>
-        </p:spPr>
+        <p:spPr/>
         <p:txBody>
           <a:bodyPr/>
           <a:lstStyle/>
@@ -4401,7 +2168,7 @@
     </p:spTree>
     <p:extLst>
       <p:ext uri="{BB962C8B-B14F-4D97-AF65-F5344CB8AC3E}">
-        <p14:creationId xmlns:p14="http://schemas.microsoft.com/office/powerpoint/2010/main" val="3452660993"/>
+        <p14:creationId xmlns:p14="http://schemas.microsoft.com/office/powerpoint/2010/main" val="2208127234"/>
       </p:ext>
     </p:extLst>
   </p:cSld>
@@ -4433,7 +2200,7 @@
           <p:cNvPr id="2" name="Title 1">
             <a:extLst>
               <a:ext uri="{FF2B5EF4-FFF2-40B4-BE49-F238E27FC236}">
-                <a16:creationId xmlns:a16="http://schemas.microsoft.com/office/drawing/2014/main" id="{843607EF-706F-47DD-B487-7C3E4EDE1945}"/>
+                <a16:creationId xmlns:a16="http://schemas.microsoft.com/office/drawing/2014/main" id="{0D462246-8DE1-309C-F4DC-CBF38D05E4DE}"/>
               </a:ext>
             </a:extLst>
           </p:cNvPr>
@@ -4446,17 +2213,15 @@
         </p:nvSpPr>
         <p:spPr>
           <a:xfrm>
-            <a:off x="1071607" y="1011238"/>
-            <a:ext cx="3906000" cy="1292400"/>
+            <a:off x="839788" y="457200"/>
+            <a:ext cx="3932237" cy="1600200"/>
           </a:xfrm>
         </p:spPr>
         <p:txBody>
-          <a:bodyPr anchor="t" anchorCtr="0">
-            <a:normAutofit/>
-          </a:bodyPr>
+          <a:bodyPr anchor="b"/>
           <a:lstStyle>
             <a:lvl1pPr>
-              <a:defRPr sz="2800"/>
+              <a:defRPr sz="3200"/>
             </a:lvl1pPr>
           </a:lstStyle>
           <a:p>
@@ -4464,7 +2229,6 @@
               <a:rPr lang="en-US"/>
               <a:t>Click to edit Master title style</a:t>
             </a:r>
-            <a:endParaRPr lang="en-US" dirty="0"/>
           </a:p>
         </p:txBody>
       </p:sp>
@@ -4473,7 +2237,7 @@
           <p:cNvPr id="3" name="Content Placeholder 2">
             <a:extLst>
               <a:ext uri="{FF2B5EF4-FFF2-40B4-BE49-F238E27FC236}">
-                <a16:creationId xmlns:a16="http://schemas.microsoft.com/office/drawing/2014/main" id="{08298442-7D9F-4D62-866B-FBA382F06C4C}"/>
+                <a16:creationId xmlns:a16="http://schemas.microsoft.com/office/drawing/2014/main" id="{672C4480-D8B1-05DC-127F-62B23C1E39B3}"/>
               </a:ext>
             </a:extLst>
           </p:cNvPr>
@@ -4486,35 +2250,26 @@
         </p:nvSpPr>
         <p:spPr>
           <a:xfrm>
-            <a:off x="5537200" y="955230"/>
-            <a:ext cx="5583193" cy="4813745"/>
+            <a:off x="5183188" y="987425"/>
+            <a:ext cx="6172200" cy="4873625"/>
           </a:xfrm>
         </p:spPr>
         <p:txBody>
           <a:bodyPr/>
           <a:lstStyle>
-            <a:lvl1pPr marL="0" indent="0">
-              <a:lnSpc>
-                <a:spcPct val="100000"/>
-              </a:lnSpc>
-              <a:buFontTx/>
-              <a:buNone/>
-              <a:defRPr sz="4800"/>
+            <a:lvl1pPr>
+              <a:defRPr sz="3200"/>
             </a:lvl1pPr>
-            <a:lvl2pPr marL="0">
-              <a:lnSpc>
-                <a:spcPct val="100000"/>
-              </a:lnSpc>
-              <a:defRPr sz="4800"/>
+            <a:lvl2pPr>
+              <a:defRPr sz="2800"/>
             </a:lvl2pPr>
-            <a:lvl3pPr marL="0" indent="0">
-              <a:buNone/>
-              <a:defRPr sz="2000"/>
+            <a:lvl3pPr>
+              <a:defRPr sz="2400"/>
             </a:lvl3pPr>
-            <a:lvl4pPr marL="0">
+            <a:lvl4pPr>
               <a:defRPr sz="2000"/>
             </a:lvl4pPr>
-            <a:lvl5pPr marL="360000">
+            <a:lvl5pPr>
               <a:defRPr sz="2000"/>
             </a:lvl5pPr>
             <a:lvl6pPr>
@@ -4564,7 +2319,6 @@
               <a:rPr lang="en-US"/>
               <a:t>Fifth level</a:t>
             </a:r>
-            <a:endParaRPr lang="en-US" dirty="0"/>
           </a:p>
         </p:txBody>
       </p:sp>
@@ -4573,7 +2327,7 @@
           <p:cNvPr id="4" name="Text Placeholder 3">
             <a:extLst>
               <a:ext uri="{FF2B5EF4-FFF2-40B4-BE49-F238E27FC236}">
-                <a16:creationId xmlns:a16="http://schemas.microsoft.com/office/drawing/2014/main" id="{267D1DB7-AC43-460E-B3C5-9F8B37D1B50A}"/>
+                <a16:creationId xmlns:a16="http://schemas.microsoft.com/office/drawing/2014/main" id="{28ED6B2B-BF6B-4AA3-EA11-FB4C516ACD90}"/>
               </a:ext>
             </a:extLst>
           </p:cNvPr>
@@ -4586,18 +2340,16 @@
         </p:nvSpPr>
         <p:spPr>
           <a:xfrm>
-            <a:off x="1079499" y="2664000"/>
-            <a:ext cx="3905999" cy="3106800"/>
+            <a:off x="839788" y="2057400"/>
+            <a:ext cx="3932237" cy="3811588"/>
           </a:xfrm>
         </p:spPr>
         <p:txBody>
-          <a:bodyPr>
-            <a:normAutofit/>
-          </a:bodyPr>
+          <a:bodyPr/>
           <a:lstStyle>
             <a:lvl1pPr marL="0" indent="0">
               <a:buNone/>
-              <a:defRPr sz="2000"/>
+              <a:defRPr sz="1600"/>
             </a:lvl1pPr>
             <a:lvl2pPr marL="457200" indent="0">
               <a:buNone/>
@@ -4646,7 +2398,7 @@
           <p:cNvPr id="5" name="Date Placeholder 4">
             <a:extLst>
               <a:ext uri="{FF2B5EF4-FFF2-40B4-BE49-F238E27FC236}">
-                <a16:creationId xmlns:a16="http://schemas.microsoft.com/office/drawing/2014/main" id="{D40C5DE9-6995-4F6E-AF64-6CE9A677971D}"/>
+                <a16:creationId xmlns:a16="http://schemas.microsoft.com/office/drawing/2014/main" id="{4CBCB774-CEE0-0DD0-647B-EC8F25C254D6}"/>
               </a:ext>
             </a:extLst>
           </p:cNvPr>
@@ -4657,15 +2409,7 @@
             <p:ph type="dt" sz="half" idx="10"/>
           </p:nvPr>
         </p:nvSpPr>
-        <p:spPr>
-          <a:xfrm>
-            <a:off x="541338" y="6401999"/>
-            <a:ext cx="2206625" cy="369332"/>
-          </a:xfrm>
-          <a:prstGeom prst="rect">
-            <a:avLst/>
-          </a:prstGeom>
-        </p:spPr>
+        <p:spPr/>
         <p:txBody>
           <a:bodyPr/>
           <a:lstStyle/>
@@ -4683,7 +2427,7 @@
           <p:cNvPr id="6" name="Footer Placeholder 5">
             <a:extLst>
               <a:ext uri="{FF2B5EF4-FFF2-40B4-BE49-F238E27FC236}">
-                <a16:creationId xmlns:a16="http://schemas.microsoft.com/office/drawing/2014/main" id="{388BC655-2B4D-48CA-90B9-740400332295}"/>
+                <a16:creationId xmlns:a16="http://schemas.microsoft.com/office/drawing/2014/main" id="{4CE40EB0-07F9-52D3-8FE9-766F095FB266}"/>
               </a:ext>
             </a:extLst>
           </p:cNvPr>
@@ -4694,15 +2438,7 @@
             <p:ph type="ftr" sz="quarter" idx="11"/>
           </p:nvPr>
         </p:nvSpPr>
-        <p:spPr>
-          <a:xfrm>
-            <a:off x="3308350" y="6401999"/>
-            <a:ext cx="5575300" cy="369332"/>
-          </a:xfrm>
-          <a:prstGeom prst="rect">
-            <a:avLst/>
-          </a:prstGeom>
-        </p:spPr>
+        <p:spPr/>
         <p:txBody>
           <a:bodyPr/>
           <a:lstStyle/>
@@ -4716,7 +2452,7 @@
           <p:cNvPr id="7" name="Slide Number Placeholder 6">
             <a:extLst>
               <a:ext uri="{FF2B5EF4-FFF2-40B4-BE49-F238E27FC236}">
-                <a16:creationId xmlns:a16="http://schemas.microsoft.com/office/drawing/2014/main" id="{1314A7E0-1D83-4CE0-9FFE-3EEE2B3C27ED}"/>
+                <a16:creationId xmlns:a16="http://schemas.microsoft.com/office/drawing/2014/main" id="{BAB47A93-89A7-2865-857B-D8D14CBFE3EE}"/>
               </a:ext>
             </a:extLst>
           </p:cNvPr>
@@ -4727,15 +2463,7 @@
             <p:ph type="sldNum" sz="quarter" idx="12"/>
           </p:nvPr>
         </p:nvSpPr>
-        <p:spPr>
-          <a:xfrm>
-            <a:off x="9442800" y="6401999"/>
-            <a:ext cx="2208212" cy="369332"/>
-          </a:xfrm>
-          <a:prstGeom prst="rect">
-            <a:avLst/>
-          </a:prstGeom>
-        </p:spPr>
+        <p:spPr/>
         <p:txBody>
           <a:bodyPr/>
           <a:lstStyle/>
@@ -4751,7 +2479,7 @@
     </p:spTree>
     <p:extLst>
       <p:ext uri="{BB962C8B-B14F-4D97-AF65-F5344CB8AC3E}">
-        <p14:creationId xmlns:p14="http://schemas.microsoft.com/office/powerpoint/2010/main" val="1923436078"/>
+        <p14:creationId xmlns:p14="http://schemas.microsoft.com/office/powerpoint/2010/main" val="4153187398"/>
       </p:ext>
     </p:extLst>
   </p:cSld>
@@ -4783,7 +2511,7 @@
           <p:cNvPr id="2" name="Title 1">
             <a:extLst>
               <a:ext uri="{FF2B5EF4-FFF2-40B4-BE49-F238E27FC236}">
-                <a16:creationId xmlns:a16="http://schemas.microsoft.com/office/drawing/2014/main" id="{7A4F7F85-950A-4BED-AE31-5C85DE4FA488}"/>
+                <a16:creationId xmlns:a16="http://schemas.microsoft.com/office/drawing/2014/main" id="{3DE74392-5180-089E-5A5B-10E776014FFA}"/>
               </a:ext>
             </a:extLst>
           </p:cNvPr>
@@ -4796,17 +2524,15 @@
         </p:nvSpPr>
         <p:spPr>
           <a:xfrm>
-            <a:off x="1079501" y="1011238"/>
-            <a:ext cx="3905250" cy="1292662"/>
+            <a:off x="839788" y="457200"/>
+            <a:ext cx="3932237" cy="1600200"/>
           </a:xfrm>
         </p:spPr>
         <p:txBody>
-          <a:bodyPr anchor="t" anchorCtr="0">
-            <a:normAutofit/>
-          </a:bodyPr>
+          <a:bodyPr anchor="b"/>
           <a:lstStyle>
             <a:lvl1pPr>
-              <a:defRPr sz="2800"/>
+              <a:defRPr sz="3200"/>
             </a:lvl1pPr>
           </a:lstStyle>
           <a:p>
@@ -4814,7 +2540,6 @@
               <a:rPr lang="en-US"/>
               <a:t>Click to edit Master title style</a:t>
             </a:r>
-            <a:endParaRPr lang="en-US" dirty="0"/>
           </a:p>
         </p:txBody>
       </p:sp>
@@ -4823,7 +2548,7 @@
           <p:cNvPr id="3" name="Picture Placeholder 2">
             <a:extLst>
               <a:ext uri="{FF2B5EF4-FFF2-40B4-BE49-F238E27FC236}">
-                <a16:creationId xmlns:a16="http://schemas.microsoft.com/office/drawing/2014/main" id="{6813A008-3741-4305-8A06-C0D8404A32BB}"/>
+                <a16:creationId xmlns:a16="http://schemas.microsoft.com/office/drawing/2014/main" id="{3DA6108B-55D4-55E9-D654-254CDBEBE2ED}"/>
               </a:ext>
             </a:extLst>
           </p:cNvPr>
@@ -4836,8 +2561,8 @@
         </p:nvSpPr>
         <p:spPr>
           <a:xfrm>
-            <a:off x="5537200" y="531813"/>
-            <a:ext cx="6113812" cy="5784849"/>
+            <a:off x="5183188" y="987425"/>
+            <a:ext cx="6172200" cy="4873625"/>
           </a:xfrm>
         </p:spPr>
         <p:txBody>
@@ -4881,11 +2606,7 @@
             </a:lvl9pPr>
           </a:lstStyle>
           <a:p>
-            <a:r>
-              <a:rPr lang="en-US"/>
-              <a:t>Click icon to add picture</a:t>
-            </a:r>
-            <a:endParaRPr lang="en-US" dirty="0"/>
+            <a:endParaRPr lang="en-US"/>
           </a:p>
         </p:txBody>
       </p:sp>
@@ -4894,7 +2615,7 @@
           <p:cNvPr id="4" name="Text Placeholder 3">
             <a:extLst>
               <a:ext uri="{FF2B5EF4-FFF2-40B4-BE49-F238E27FC236}">
-                <a16:creationId xmlns:a16="http://schemas.microsoft.com/office/drawing/2014/main" id="{BF2ADC63-3365-4920-AF26-600F4D2EA579}"/>
+                <a16:creationId xmlns:a16="http://schemas.microsoft.com/office/drawing/2014/main" id="{9CF3ADC7-91EB-D71A-2F85-A710DD8ED4F8}"/>
               </a:ext>
             </a:extLst>
           </p:cNvPr>
@@ -4907,18 +2628,16 @@
         </p:nvSpPr>
         <p:spPr>
           <a:xfrm>
-            <a:off x="1079500" y="2663825"/>
-            <a:ext cx="3905250" cy="3105150"/>
+            <a:off x="839788" y="2057400"/>
+            <a:ext cx="3932237" cy="3811588"/>
           </a:xfrm>
         </p:spPr>
         <p:txBody>
-          <a:bodyPr>
-            <a:normAutofit/>
-          </a:bodyPr>
+          <a:bodyPr/>
           <a:lstStyle>
             <a:lvl1pPr marL="0" indent="0">
               <a:buNone/>
-              <a:defRPr sz="2000"/>
+              <a:defRPr sz="1600"/>
             </a:lvl1pPr>
             <a:lvl2pPr marL="457200" indent="0">
               <a:buNone/>
@@ -4967,7 +2686,7 @@
           <p:cNvPr id="5" name="Date Placeholder 4">
             <a:extLst>
               <a:ext uri="{FF2B5EF4-FFF2-40B4-BE49-F238E27FC236}">
-                <a16:creationId xmlns:a16="http://schemas.microsoft.com/office/drawing/2014/main" id="{5AC161BE-EF8B-4F4D-8197-61442EBC46BD}"/>
+                <a16:creationId xmlns:a16="http://schemas.microsoft.com/office/drawing/2014/main" id="{C0111F64-B4D7-345D-E63A-ED15D49E71AC}"/>
               </a:ext>
             </a:extLst>
           </p:cNvPr>
@@ -4978,15 +2697,7 @@
             <p:ph type="dt" sz="half" idx="10"/>
           </p:nvPr>
         </p:nvSpPr>
-        <p:spPr>
-          <a:xfrm>
-            <a:off x="541338" y="6401999"/>
-            <a:ext cx="2206625" cy="369332"/>
-          </a:xfrm>
-          <a:prstGeom prst="rect">
-            <a:avLst/>
-          </a:prstGeom>
-        </p:spPr>
+        <p:spPr/>
         <p:txBody>
           <a:bodyPr/>
           <a:lstStyle/>
@@ -5004,7 +2715,7 @@
           <p:cNvPr id="6" name="Footer Placeholder 5">
             <a:extLst>
               <a:ext uri="{FF2B5EF4-FFF2-40B4-BE49-F238E27FC236}">
-                <a16:creationId xmlns:a16="http://schemas.microsoft.com/office/drawing/2014/main" id="{9FD37897-BFE5-414E-9334-53116988DC37}"/>
+                <a16:creationId xmlns:a16="http://schemas.microsoft.com/office/drawing/2014/main" id="{3C0310A6-D44F-764F-F270-EE130818DC03}"/>
               </a:ext>
             </a:extLst>
           </p:cNvPr>
@@ -5015,15 +2726,7 @@
             <p:ph type="ftr" sz="quarter" idx="11"/>
           </p:nvPr>
         </p:nvSpPr>
-        <p:spPr>
-          <a:xfrm>
-            <a:off x="3308350" y="6401999"/>
-            <a:ext cx="5575300" cy="369332"/>
-          </a:xfrm>
-          <a:prstGeom prst="rect">
-            <a:avLst/>
-          </a:prstGeom>
-        </p:spPr>
+        <p:spPr/>
         <p:txBody>
           <a:bodyPr/>
           <a:lstStyle/>
@@ -5037,7 +2740,7 @@
           <p:cNvPr id="7" name="Slide Number Placeholder 6">
             <a:extLst>
               <a:ext uri="{FF2B5EF4-FFF2-40B4-BE49-F238E27FC236}">
-                <a16:creationId xmlns:a16="http://schemas.microsoft.com/office/drawing/2014/main" id="{3F5BF024-9A20-4B80-976D-420DCCD1616D}"/>
+                <a16:creationId xmlns:a16="http://schemas.microsoft.com/office/drawing/2014/main" id="{D3D1000A-08A0-2ED6-3B9F-74B734B26981}"/>
               </a:ext>
             </a:extLst>
           </p:cNvPr>
@@ -5048,15 +2751,7 @@
             <p:ph type="sldNum" sz="quarter" idx="12"/>
           </p:nvPr>
         </p:nvSpPr>
-        <p:spPr>
-          <a:xfrm>
-            <a:off x="9442800" y="6401999"/>
-            <a:ext cx="2208212" cy="369332"/>
-          </a:xfrm>
-          <a:prstGeom prst="rect">
-            <a:avLst/>
-          </a:prstGeom>
-        </p:spPr>
+        <p:spPr/>
         <p:txBody>
           <a:bodyPr/>
           <a:lstStyle/>
@@ -5072,7 +2767,7 @@
     </p:spTree>
     <p:extLst>
       <p:ext uri="{BB962C8B-B14F-4D97-AF65-F5344CB8AC3E}">
-        <p14:creationId xmlns:p14="http://schemas.microsoft.com/office/powerpoint/2010/main" val="436396598"/>
+        <p14:creationId xmlns:p14="http://schemas.microsoft.com/office/powerpoint/2010/main" val="1977756544"/>
       </p:ext>
     </p:extLst>
   </p:cSld>
@@ -5087,7 +2782,7 @@
   <p:cSld>
     <p:bg>
       <p:bgRef idx="1001">
-        <a:schemeClr val="bg2"/>
+        <a:schemeClr val="bg1"/>
       </p:bgRef>
     </p:bg>
     <p:spTree>
@@ -5109,7 +2804,7 @@
           <p:cNvPr id="2" name="Title Placeholder 1">
             <a:extLst>
               <a:ext uri="{FF2B5EF4-FFF2-40B4-BE49-F238E27FC236}">
-                <a16:creationId xmlns:a16="http://schemas.microsoft.com/office/drawing/2014/main" id="{EC700152-D18D-4405-8FB2-5985831B57A0}"/>
+                <a16:creationId xmlns:a16="http://schemas.microsoft.com/office/drawing/2014/main" id="{A3400020-5A08-D960-C8BB-AAD76B89342A}"/>
               </a:ext>
             </a:extLst>
           </p:cNvPr>
@@ -5122,15 +2817,15 @@
         </p:nvSpPr>
         <p:spPr>
           <a:xfrm>
-            <a:off x="1079500" y="1011238"/>
-            <a:ext cx="10026650" cy="655637"/>
+            <a:off x="838200" y="365125"/>
+            <a:ext cx="10515600" cy="1325563"/>
           </a:xfrm>
           <a:prstGeom prst="rect">
             <a:avLst/>
           </a:prstGeom>
         </p:spPr>
         <p:txBody>
-          <a:bodyPr vert="horz" lIns="0" tIns="0" rIns="0" bIns="0" rtlCol="0" anchor="t" anchorCtr="0">
+          <a:bodyPr vert="horz" lIns="91440" tIns="45720" rIns="91440" bIns="45720" rtlCol="0" anchor="ctr">
             <a:normAutofit/>
           </a:bodyPr>
           <a:lstStyle/>
@@ -5139,7 +2834,6 @@
               <a:rPr lang="en-US"/>
               <a:t>Click to edit Master title style</a:t>
             </a:r>
-            <a:endParaRPr lang="en-US" dirty="0"/>
           </a:p>
         </p:txBody>
       </p:sp>
@@ -5148,7 +2842,7 @@
           <p:cNvPr id="3" name="Text Placeholder 2">
             <a:extLst>
               <a:ext uri="{FF2B5EF4-FFF2-40B4-BE49-F238E27FC236}">
-                <a16:creationId xmlns:a16="http://schemas.microsoft.com/office/drawing/2014/main" id="{722E92E1-0C4A-474E-8E29-8DB404101BA7}"/>
+                <a16:creationId xmlns:a16="http://schemas.microsoft.com/office/drawing/2014/main" id="{46E27E6F-5EA3-DE32-9CEB-BA8C7FBC85D4}"/>
               </a:ext>
             </a:extLst>
           </p:cNvPr>
@@ -5161,15 +2855,15 @@
         </p:nvSpPr>
         <p:spPr>
           <a:xfrm>
-            <a:off x="1079500" y="1790700"/>
-            <a:ext cx="10026650" cy="3978275"/>
+            <a:off x="838200" y="1825625"/>
+            <a:ext cx="10515600" cy="4351338"/>
           </a:xfrm>
           <a:prstGeom prst="rect">
             <a:avLst/>
           </a:prstGeom>
         </p:spPr>
         <p:txBody>
-          <a:bodyPr vert="horz" lIns="0" tIns="0" rIns="0" bIns="0" rtlCol="0" anchor="t" anchorCtr="0">
+          <a:bodyPr vert="horz" lIns="91440" tIns="45720" rIns="91440" bIns="45720" rtlCol="0">
             <a:normAutofit/>
           </a:bodyPr>
           <a:lstStyle/>
@@ -5207,7 +2901,6 @@
               <a:rPr lang="en-US"/>
               <a:t>Fifth level</a:t>
             </a:r>
-            <a:endParaRPr lang="en-US" dirty="0"/>
           </a:p>
         </p:txBody>
       </p:sp>
@@ -5216,7 +2909,7 @@
           <p:cNvPr id="4" name="Date Placeholder 3">
             <a:extLst>
               <a:ext uri="{FF2B5EF4-FFF2-40B4-BE49-F238E27FC236}">
-                <a16:creationId xmlns:a16="http://schemas.microsoft.com/office/drawing/2014/main" id="{B122E245-B48B-4526-8D2D-9475E64B0624}"/>
+                <a16:creationId xmlns:a16="http://schemas.microsoft.com/office/drawing/2014/main" id="{F2C49563-CF5A-E6CF-A107-5030D9103118}"/>
               </a:ext>
             </a:extLst>
           </p:cNvPr>
@@ -5229,23 +2922,21 @@
         </p:nvSpPr>
         <p:spPr>
           <a:xfrm>
-            <a:off x="541338" y="6401999"/>
-            <a:ext cx="2206625" cy="369332"/>
+            <a:off x="838200" y="6356350"/>
+            <a:ext cx="2743200" cy="365125"/>
           </a:xfrm>
           <a:prstGeom prst="rect">
             <a:avLst/>
           </a:prstGeom>
         </p:spPr>
         <p:txBody>
-          <a:bodyPr vert="horz" lIns="0" tIns="0" rIns="0" bIns="0" rtlCol="0" anchor="ctr">
-            <a:normAutofit/>
-          </a:bodyPr>
+          <a:bodyPr vert="horz" lIns="91440" tIns="45720" rIns="91440" bIns="45720" rtlCol="0" anchor="ctr"/>
           <a:lstStyle>
             <a:lvl1pPr algn="l">
-              <a:defRPr sz="1000" cap="all" spc="300" baseline="0">
+              <a:defRPr sz="1200">
                 <a:solidFill>
                   <a:schemeClr val="tx1">
-                    <a:alpha val="70000"/>
+                    <a:tint val="75000"/>
                   </a:schemeClr>
                 </a:solidFill>
               </a:defRPr>
@@ -5266,7 +2957,7 @@
           <p:cNvPr id="5" name="Footer Placeholder 4">
             <a:extLst>
               <a:ext uri="{FF2B5EF4-FFF2-40B4-BE49-F238E27FC236}">
-                <a16:creationId xmlns:a16="http://schemas.microsoft.com/office/drawing/2014/main" id="{C2A0FE5C-A494-40F2-A357-786AFFA6318E}"/>
+                <a16:creationId xmlns:a16="http://schemas.microsoft.com/office/drawing/2014/main" id="{4DF35C0B-6D05-9B01-3E65-8C5419017883}"/>
               </a:ext>
             </a:extLst>
           </p:cNvPr>
@@ -5279,23 +2970,21 @@
         </p:nvSpPr>
         <p:spPr>
           <a:xfrm>
-            <a:off x="3308350" y="6401999"/>
-            <a:ext cx="5575300" cy="369332"/>
+            <a:off x="4038600" y="6356350"/>
+            <a:ext cx="4114800" cy="365125"/>
           </a:xfrm>
           <a:prstGeom prst="rect">
             <a:avLst/>
           </a:prstGeom>
         </p:spPr>
         <p:txBody>
-          <a:bodyPr vert="horz" lIns="0" tIns="0" rIns="0" bIns="0" rtlCol="0" anchor="ctr">
-            <a:normAutofit/>
-          </a:bodyPr>
+          <a:bodyPr vert="horz" lIns="91440" tIns="45720" rIns="91440" bIns="45720" rtlCol="0" anchor="ctr"/>
           <a:lstStyle>
             <a:lvl1pPr algn="ctr">
-              <a:defRPr sz="1000" cap="all" spc="300" baseline="0">
+              <a:defRPr sz="1200">
                 <a:solidFill>
                   <a:schemeClr val="tx1">
-                    <a:alpha val="70000"/>
+                    <a:tint val="75000"/>
                   </a:schemeClr>
                 </a:solidFill>
               </a:defRPr>
@@ -5311,7 +3000,7 @@
           <p:cNvPr id="6" name="Slide Number Placeholder 5">
             <a:extLst>
               <a:ext uri="{FF2B5EF4-FFF2-40B4-BE49-F238E27FC236}">
-                <a16:creationId xmlns:a16="http://schemas.microsoft.com/office/drawing/2014/main" id="{504686A1-EDE2-44D9-A671-F708A6F883D7}"/>
+                <a16:creationId xmlns:a16="http://schemas.microsoft.com/office/drawing/2014/main" id="{FA1A51F2-DED4-4CEF-34CC-27B97C434FE6}"/>
               </a:ext>
             </a:extLst>
           </p:cNvPr>
@@ -5324,23 +3013,21 @@
         </p:nvSpPr>
         <p:spPr>
           <a:xfrm>
-            <a:off x="9442800" y="6401999"/>
-            <a:ext cx="2208212" cy="369332"/>
+            <a:off x="8610600" y="6356350"/>
+            <a:ext cx="2743200" cy="365125"/>
           </a:xfrm>
           <a:prstGeom prst="rect">
             <a:avLst/>
           </a:prstGeom>
         </p:spPr>
         <p:txBody>
-          <a:bodyPr vert="horz" lIns="0" tIns="0" rIns="0" bIns="0" rtlCol="0" anchor="ctr">
-            <a:normAutofit/>
-          </a:bodyPr>
+          <a:bodyPr vert="horz" lIns="91440" tIns="45720" rIns="91440" bIns="45720" rtlCol="0" anchor="ctr"/>
           <a:lstStyle>
             <a:lvl1pPr algn="r">
-              <a:defRPr sz="1000" cap="all" spc="300" baseline="0">
+              <a:defRPr sz="1200">
                 <a:solidFill>
                   <a:schemeClr val="tx1">
-                    <a:alpha val="70000"/>
+                    <a:tint val="75000"/>
                   </a:schemeClr>
                 </a:solidFill>
               </a:defRPr>
@@ -5359,35 +3046,36 @@
     </p:spTree>
     <p:extLst>
       <p:ext uri="{BB962C8B-B14F-4D97-AF65-F5344CB8AC3E}">
-        <p14:creationId xmlns:p14="http://schemas.microsoft.com/office/powerpoint/2010/main" val="3425276389"/>
+        <p14:creationId xmlns:p14="http://schemas.microsoft.com/office/powerpoint/2010/main" val="3187508796"/>
       </p:ext>
     </p:extLst>
   </p:cSld>
-  <p:clrMap bg1="dk1" tx1="lt1" bg2="dk2" tx2="lt2" accent1="accent1" accent2="accent2" accent3="accent3" accent4="accent4" accent5="accent5" accent6="accent6" hlink="hlink" folHlink="folHlink"/>
+  <p:clrMap bg1="lt1" tx1="dk1" bg2="lt2" tx2="dk2" accent1="accent1" accent2="accent2" accent3="accent3" accent4="accent4" accent5="accent5" accent6="accent6" hlink="hlink" folHlink="folHlink"/>
   <p:sldLayoutIdLst>
-    <p:sldLayoutId id="2147483662" r:id="rId1"/>
-    <p:sldLayoutId id="2147483663" r:id="rId2"/>
-    <p:sldLayoutId id="2147483664" r:id="rId3"/>
-    <p:sldLayoutId id="2147483665" r:id="rId4"/>
-    <p:sldLayoutId id="2147483666" r:id="rId5"/>
-    <p:sldLayoutId id="2147483667" r:id="rId6"/>
-    <p:sldLayoutId id="2147483668" r:id="rId7"/>
-    <p:sldLayoutId id="2147483669" r:id="rId8"/>
-    <p:sldLayoutId id="2147483670" r:id="rId9"/>
-    <p:sldLayoutId id="2147483671" r:id="rId10"/>
-    <p:sldLayoutId id="2147483672" r:id="rId11"/>
+    <p:sldLayoutId id="2147483695" r:id="rId1"/>
+    <p:sldLayoutId id="2147483696" r:id="rId2"/>
+    <p:sldLayoutId id="2147483697" r:id="rId3"/>
+    <p:sldLayoutId id="2147483698" r:id="rId4"/>
+    <p:sldLayoutId id="2147483699" r:id="rId5"/>
+    <p:sldLayoutId id="2147483700" r:id="rId6"/>
+    <p:sldLayoutId id="2147483701" r:id="rId7"/>
+    <p:sldLayoutId id="2147483702" r:id="rId8"/>
+    <p:sldLayoutId id="2147483703" r:id="rId9"/>
+    <p:sldLayoutId id="2147483704" r:id="rId10"/>
+    <p:sldLayoutId id="2147483705" r:id="rId11"/>
+    <p:sldLayoutId id="2147483706" r:id="rId12"/>
   </p:sldLayoutIdLst>
   <p:txStyles>
     <p:titleStyle>
       <a:lvl1pPr algn="l" defTabSz="914400" rtl="0" eaLnBrk="1" latinLnBrk="0" hangingPunct="1">
         <a:lnSpc>
-          <a:spcPct val="100000"/>
+          <a:spcPct val="90000"/>
         </a:lnSpc>
         <a:spcBef>
           <a:spcPct val="0"/>
         </a:spcBef>
         <a:buNone/>
-        <a:defRPr sz="2800" kern="1200" cap="all" spc="400" baseline="0">
+        <a:defRPr sz="4400" kern="1200">
           <a:solidFill>
             <a:schemeClr val="tx1"/>
           </a:solidFill>
@@ -5398,130 +3086,90 @@
       </a:lvl1pPr>
     </p:titleStyle>
     <p:bodyStyle>
-      <a:lvl1pPr marL="360000" indent="-360000" algn="l" defTabSz="914400" rtl="0" eaLnBrk="1" latinLnBrk="0" hangingPunct="1">
+      <a:lvl1pPr marL="228600" indent="-228600" algn="l" defTabSz="914400" rtl="0" eaLnBrk="1" latinLnBrk="0" hangingPunct="1">
         <a:lnSpc>
-          <a:spcPct val="125000"/>
+          <a:spcPct val="90000"/>
         </a:lnSpc>
         <a:spcBef>
           <a:spcPts val="1000"/>
         </a:spcBef>
-        <a:buClr>
-          <a:schemeClr val="accent1">
-            <a:lumMod val="60000"/>
-            <a:lumOff val="40000"/>
-          </a:schemeClr>
-        </a:buClr>
-        <a:buFont typeface="Wingdings" panose="05000000000000000000" pitchFamily="2" charset="2"/>
-        <a:buChar char=""/>
-        <a:defRPr sz="2000" kern="1200">
+        <a:buFont typeface="Arial" panose="020B0604020202020204" pitchFamily="34" charset="0"/>
+        <a:buChar char="•"/>
+        <a:defRPr sz="2800" kern="1200">
           <a:solidFill>
-            <a:schemeClr val="tx1">
-              <a:alpha val="70000"/>
-            </a:schemeClr>
+            <a:schemeClr val="tx1"/>
           </a:solidFill>
           <a:latin typeface="+mn-lt"/>
           <a:ea typeface="+mn-ea"/>
           <a:cs typeface="+mn-cs"/>
         </a:defRPr>
       </a:lvl1pPr>
-      <a:lvl2pPr marL="360000" indent="0" algn="l" defTabSz="914400" rtl="0" eaLnBrk="1" latinLnBrk="0" hangingPunct="1">
+      <a:lvl2pPr marL="685800" indent="-228600" algn="l" defTabSz="914400" rtl="0" eaLnBrk="1" latinLnBrk="0" hangingPunct="1">
         <a:lnSpc>
-          <a:spcPct val="125000"/>
+          <a:spcPct val="90000"/>
         </a:lnSpc>
         <a:spcBef>
           <a:spcPts val="500"/>
         </a:spcBef>
-        <a:buClr>
-          <a:schemeClr val="accent1">
-            <a:lumMod val="60000"/>
-            <a:lumOff val="40000"/>
-          </a:schemeClr>
-        </a:buClr>
-        <a:buFontTx/>
-        <a:buNone/>
-        <a:defRPr sz="2000" i="1" kern="1200">
+        <a:buFont typeface="Arial" panose="020B0604020202020204" pitchFamily="34" charset="0"/>
+        <a:buChar char="•"/>
+        <a:defRPr sz="2400" kern="1200">
           <a:solidFill>
-            <a:schemeClr val="tx1">
-              <a:alpha val="70000"/>
-            </a:schemeClr>
+            <a:schemeClr val="tx1"/>
           </a:solidFill>
           <a:latin typeface="+mn-lt"/>
           <a:ea typeface="+mn-ea"/>
           <a:cs typeface="+mn-cs"/>
         </a:defRPr>
       </a:lvl2pPr>
-      <a:lvl3pPr marL="1080000" indent="-360000" algn="l" defTabSz="914400" rtl="0" eaLnBrk="1" latinLnBrk="0" hangingPunct="1">
+      <a:lvl3pPr marL="1143000" indent="-228600" algn="l" defTabSz="914400" rtl="0" eaLnBrk="1" latinLnBrk="0" hangingPunct="1">
         <a:lnSpc>
-          <a:spcPct val="125000"/>
+          <a:spcPct val="90000"/>
         </a:lnSpc>
         <a:spcBef>
           <a:spcPts val="500"/>
         </a:spcBef>
-        <a:buClr>
-          <a:schemeClr val="accent1">
-            <a:lumMod val="60000"/>
-            <a:lumOff val="40000"/>
-          </a:schemeClr>
-        </a:buClr>
-        <a:buFont typeface="Wingdings" panose="05000000000000000000" pitchFamily="2" charset="2"/>
-        <a:buChar char=""/>
+        <a:buFont typeface="Arial" panose="020B0604020202020204" pitchFamily="34" charset="0"/>
+        <a:buChar char="•"/>
         <a:defRPr sz="2000" kern="1200">
           <a:solidFill>
-            <a:schemeClr val="tx1">
-              <a:alpha val="70000"/>
-            </a:schemeClr>
+            <a:schemeClr val="tx1"/>
           </a:solidFill>
           <a:latin typeface="+mn-lt"/>
           <a:ea typeface="+mn-ea"/>
           <a:cs typeface="+mn-cs"/>
         </a:defRPr>
       </a:lvl3pPr>
-      <a:lvl4pPr marL="1080000" indent="0" algn="l" defTabSz="914400" rtl="0" eaLnBrk="1" latinLnBrk="0" hangingPunct="1">
+      <a:lvl4pPr marL="1600200" indent="-228600" algn="l" defTabSz="914400" rtl="0" eaLnBrk="1" latinLnBrk="0" hangingPunct="1">
         <a:lnSpc>
-          <a:spcPct val="125000"/>
+          <a:spcPct val="90000"/>
         </a:lnSpc>
         <a:spcBef>
           <a:spcPts val="500"/>
         </a:spcBef>
-        <a:buClr>
-          <a:schemeClr val="accent1">
-            <a:lumMod val="60000"/>
-            <a:lumOff val="40000"/>
-          </a:schemeClr>
-        </a:buClr>
-        <a:buFontTx/>
-        <a:buNone/>
-        <a:defRPr sz="2000" i="1" kern="1200">
+        <a:buFont typeface="Arial" panose="020B0604020202020204" pitchFamily="34" charset="0"/>
+        <a:buChar char="•"/>
+        <a:defRPr sz="1800" kern="1200">
           <a:solidFill>
-            <a:schemeClr val="tx1">
-              <a:alpha val="70000"/>
-            </a:schemeClr>
+            <a:schemeClr val="tx1"/>
           </a:solidFill>
           <a:latin typeface="+mn-lt"/>
           <a:ea typeface="+mn-ea"/>
           <a:cs typeface="+mn-cs"/>
         </a:defRPr>
       </a:lvl4pPr>
-      <a:lvl5pPr marL="1800000" indent="-360000" algn="l" defTabSz="914400" rtl="0" eaLnBrk="1" latinLnBrk="0" hangingPunct="1">
+      <a:lvl5pPr marL="2057400" indent="-228600" algn="l" defTabSz="914400" rtl="0" eaLnBrk="1" latinLnBrk="0" hangingPunct="1">
         <a:lnSpc>
-          <a:spcPct val="125000"/>
+          <a:spcPct val="90000"/>
         </a:lnSpc>
         <a:spcBef>
           <a:spcPts val="500"/>
         </a:spcBef>
-        <a:buClr>
-          <a:schemeClr val="accent1">
-            <a:lumMod val="60000"/>
-            <a:lumOff val="40000"/>
-          </a:schemeClr>
-        </a:buClr>
-        <a:buFont typeface="Wingdings" panose="05000000000000000000" pitchFamily="2" charset="2"/>
-        <a:buChar char=""/>
-        <a:defRPr sz="2000" kern="1200">
+        <a:buFont typeface="Arial" panose="020B0604020202020204" pitchFamily="34" charset="0"/>
+        <a:buChar char="•"/>
+        <a:defRPr sz="1800" kern="1200">
           <a:solidFill>
-            <a:schemeClr val="tx1">
-              <a:alpha val="70000"/>
-            </a:schemeClr>
+            <a:schemeClr val="tx1"/>
           </a:solidFill>
           <a:latin typeface="+mn-lt"/>
           <a:ea typeface="+mn-ea"/>
@@ -5705,9 +3353,25 @@
   <p:cSld>
     <p:bg>
       <p:bgPr>
-        <a:solidFill>
-          <a:schemeClr val="bg2"/>
-        </a:solidFill>
+        <a:blipFill rotWithShape="1">
+          <a:blip r:embed="rId2">
+            <a:duotone>
+              <a:schemeClr val="bg2">
+                <a:shade val="69000"/>
+                <a:hueMod val="108000"/>
+                <a:satMod val="164000"/>
+                <a:lumMod val="74000"/>
+              </a:schemeClr>
+              <a:schemeClr val="bg2">
+                <a:tint val="96000"/>
+                <a:hueMod val="88000"/>
+                <a:satMod val="140000"/>
+                <a:lumMod val="132000"/>
+              </a:schemeClr>
+            </a:duotone>
+          </a:blip>
+          <a:stretch/>
+        </a:blipFill>
         <a:effectLst/>
       </p:bgPr>
     </p:bg>
@@ -5725,82 +3389,6 @@
           <a:chExt cx="0" cy="0"/>
         </a:xfrm>
       </p:grpSpPr>
-      <p:sp useBgFill="1">
-        <p:nvSpPr>
-          <p:cNvPr id="9" name="Rectangle 8">
-            <a:extLst>
-              <a:ext uri="{FF2B5EF4-FFF2-40B4-BE49-F238E27FC236}">
-                <a16:creationId xmlns:a16="http://schemas.microsoft.com/office/drawing/2014/main" id="{CA5B2A81-2C8E-4963-AFD4-E539D168B475}"/>
-              </a:ext>
-              <a:ext uri="{C183D7F6-B498-43B3-948B-1728B52AA6E4}">
-                <adec:decorative xmlns:adec="http://schemas.microsoft.com/office/drawing/2017/decorative" val="1"/>
-              </a:ext>
-            </a:extLst>
-          </p:cNvPr>
-          <p:cNvSpPr>
-            <a:spLocks noGrp="1" noRot="1" noChangeAspect="1" noMove="1" noResize="1" noEditPoints="1" noAdjustHandles="1" noChangeArrowheads="1" noChangeShapeType="1" noTextEdit="1"/>
-          </p:cNvSpPr>
-          <p:nvPr>
-            <p:extLst>
-              <p:ext uri="{386F3935-93C4-4BCD-93E2-E3B085C9AB24}">
-                <p16:designElem xmlns:p16="http://schemas.microsoft.com/office/powerpoint/2015/main" val="1"/>
-              </p:ext>
-            </p:extLst>
-          </p:nvPr>
-        </p:nvSpPr>
-        <p:spPr>
-          <a:xfrm>
-            <a:off x="0" y="0"/>
-            <a:ext cx="12192000" cy="6858000"/>
-          </a:xfrm>
-          <a:prstGeom prst="rect">
-            <a:avLst/>
-          </a:prstGeom>
-          <a:ln w="12700" cap="flat" cmpd="sng" algn="ctr">
-            <a:noFill/>
-            <a:prstDash val="solid"/>
-            <a:miter lim="800000"/>
-          </a:ln>
-          <a:effectLst/>
-          <a:extLst>
-            <a:ext uri="{91240B29-F687-4F45-9708-019B960494DF}">
-              <a14:hiddenLine xmlns:a14="http://schemas.microsoft.com/office/drawing/2010/main" w="12700" cap="flat" cmpd="sng" algn="ctr">
-                <a:solidFill>
-                  <a:schemeClr val="accent1">
-                    <a:shade val="50000"/>
-                  </a:schemeClr>
-                </a:solidFill>
-                <a:prstDash val="solid"/>
-                <a:miter lim="800000"/>
-              </a14:hiddenLine>
-            </a:ext>
-          </a:extLst>
-        </p:spPr>
-        <p:style>
-          <a:lnRef idx="2">
-            <a:schemeClr val="accent1">
-              <a:shade val="50000"/>
-            </a:schemeClr>
-          </a:lnRef>
-          <a:fillRef idx="1">
-            <a:schemeClr val="accent1"/>
-          </a:fillRef>
-          <a:effectRef idx="0">
-            <a:schemeClr val="accent1"/>
-          </a:effectRef>
-          <a:fontRef idx="minor">
-            <a:schemeClr val="lt1"/>
-          </a:fontRef>
-        </p:style>
-        <p:txBody>
-          <a:bodyPr rtlCol="0" anchor="ctr"/>
-          <a:lstStyle/>
-          <a:p>
-            <a:pPr algn="ctr"/>
-            <a:endParaRPr lang="en-US"/>
-          </a:p>
-        </p:txBody>
-      </p:sp>
       <p:sp>
         <p:nvSpPr>
           <p:cNvPr id="2" name="Title 1">
@@ -5819,8 +3407,8 @@
         </p:nvSpPr>
         <p:spPr>
           <a:xfrm>
-            <a:off x="4983900" y="1079500"/>
-            <a:ext cx="6119131" cy="2138400"/>
+            <a:off x="8000837" y="1325880"/>
+            <a:ext cx="3543464" cy="3066507"/>
           </a:xfrm>
         </p:spPr>
         <p:txBody>
@@ -5829,15 +3417,32 @@
           </a:bodyPr>
           <a:lstStyle/>
           <a:p>
-            <a:r>
-              <a:rPr lang="en-US" dirty="0"/>
+            <a:pPr>
+              <a:lnSpc>
+                <a:spcPct val="90000"/>
+              </a:lnSpc>
+            </a:pPr>
+            <a:r>
+              <a:rPr lang="en-US" sz="4100" dirty="0">
+                <a:solidFill>
+                  <a:srgbClr val="EBEBEB"/>
+                </a:solidFill>
+              </a:rPr>
               <a:t>Data and Visualization </a:t>
             </a:r>
             <a:br>
-              <a:rPr lang="en-US" dirty="0"/>
+              <a:rPr lang="en-US" sz="4100" dirty="0">
+                <a:solidFill>
+                  <a:srgbClr val="EBEBEB"/>
+                </a:solidFill>
+              </a:rPr>
             </a:br>
             <a:r>
-              <a:rPr lang="en-US" dirty="0"/>
+              <a:rPr lang="en-US" sz="4100" dirty="0">
+                <a:solidFill>
+                  <a:srgbClr val="EBEBEB"/>
+                </a:solidFill>
+              </a:rPr>
               <a:t>Project 1: Student Loan Analysis </a:t>
             </a:r>
           </a:p>
@@ -5861,8 +3466,8 @@
         </p:nvSpPr>
         <p:spPr>
           <a:xfrm>
-            <a:off x="4980779" y="4113213"/>
-            <a:ext cx="6125372" cy="1655762"/>
+            <a:off x="7973137" y="4588329"/>
+            <a:ext cx="3571163" cy="1621508"/>
           </a:xfrm>
         </p:spPr>
         <p:txBody>
@@ -5872,7 +3477,7 @@
           <a:lstStyle/>
           <a:p>
             <a:r>
-              <a:rPr lang="en-US"/>
+              <a:rPr lang="en-US" sz="1800" dirty="0"/>
               <a:t>Contributors: Marissa Saucedo, Xiang Li and Alejandro Godina</a:t>
             </a:r>
           </a:p>
@@ -5893,72 +3498,197 @@
           <p:nvPr/>
         </p:nvPicPr>
         <p:blipFill rotWithShape="1">
-          <a:blip r:embed="rId2"/>
-          <a:srcRect l="12463" r="49928" b="-1"/>
+          <a:blip r:embed="rId3"/>
+          <a:srcRect r="24470" b="-1"/>
           <a:stretch/>
         </p:blipFill>
         <p:spPr>
           <a:xfrm>
             <a:off x="20" y="10"/>
-            <a:ext cx="3863955" cy="6857989"/>
+            <a:ext cx="7759920" cy="6857991"/>
           </a:xfrm>
-          <a:prstGeom prst="rect">
+          <a:custGeom>
             <a:avLst/>
-          </a:prstGeom>
+            <a:gdLst/>
+            <a:ahLst/>
+            <a:cxnLst/>
+            <a:rect l="l" t="t" r="r" b="b"/>
+            <a:pathLst>
+              <a:path w="7759940" h="6858001">
+                <a:moveTo>
+                  <a:pt x="0" y="0"/>
+                </a:moveTo>
+                <a:lnTo>
+                  <a:pt x="1296537" y="0"/>
+                </a:lnTo>
+                <a:lnTo>
+                  <a:pt x="1296537" y="1"/>
+                </a:lnTo>
+                <a:lnTo>
+                  <a:pt x="6415225" y="1"/>
+                </a:lnTo>
+                <a:lnTo>
+                  <a:pt x="6415225" y="0"/>
+                </a:lnTo>
+                <a:lnTo>
+                  <a:pt x="7758763" y="0"/>
+                </a:lnTo>
+                <a:lnTo>
+                  <a:pt x="7733718" y="155677"/>
+                </a:lnTo>
+                <a:lnTo>
+                  <a:pt x="7709849" y="310668"/>
+                </a:lnTo>
+                <a:lnTo>
+                  <a:pt x="7686485" y="466344"/>
+                </a:lnTo>
+                <a:lnTo>
+                  <a:pt x="7666482" y="622707"/>
+                </a:lnTo>
+                <a:lnTo>
+                  <a:pt x="7646311" y="778383"/>
+                </a:lnTo>
+                <a:lnTo>
+                  <a:pt x="7627485" y="934746"/>
+                </a:lnTo>
+                <a:lnTo>
+                  <a:pt x="7611349" y="1089051"/>
+                </a:lnTo>
+                <a:lnTo>
+                  <a:pt x="7596053" y="1245413"/>
+                </a:lnTo>
+                <a:lnTo>
+                  <a:pt x="7582101" y="1401090"/>
+                </a:lnTo>
+                <a:lnTo>
+                  <a:pt x="7569999" y="1554023"/>
+                </a:lnTo>
+                <a:lnTo>
+                  <a:pt x="7557896" y="1709014"/>
+                </a:lnTo>
+                <a:lnTo>
+                  <a:pt x="7547811" y="1861947"/>
+                </a:lnTo>
+                <a:lnTo>
+                  <a:pt x="7539911" y="2014881"/>
+                </a:lnTo>
+                <a:lnTo>
+                  <a:pt x="7531674" y="2167128"/>
+                </a:lnTo>
+                <a:lnTo>
+                  <a:pt x="7524783" y="2318004"/>
+                </a:lnTo>
+                <a:lnTo>
+                  <a:pt x="7519908" y="2467509"/>
+                </a:lnTo>
+                <a:lnTo>
+                  <a:pt x="7515706" y="2617013"/>
+                </a:lnTo>
+                <a:lnTo>
+                  <a:pt x="7511672" y="2765146"/>
+                </a:lnTo>
+                <a:lnTo>
+                  <a:pt x="7509823" y="2911221"/>
+                </a:lnTo>
+                <a:lnTo>
+                  <a:pt x="7507806" y="3057297"/>
+                </a:lnTo>
+                <a:lnTo>
+                  <a:pt x="7506797" y="3201315"/>
+                </a:lnTo>
+                <a:lnTo>
+                  <a:pt x="7507806" y="3343961"/>
+                </a:lnTo>
+                <a:lnTo>
+                  <a:pt x="7507806" y="3485236"/>
+                </a:lnTo>
+                <a:lnTo>
+                  <a:pt x="7509823" y="3625139"/>
+                </a:lnTo>
+                <a:lnTo>
+                  <a:pt x="7512848" y="3762299"/>
+                </a:lnTo>
+                <a:lnTo>
+                  <a:pt x="7515706" y="3898087"/>
+                </a:lnTo>
+                <a:lnTo>
+                  <a:pt x="7518900" y="4031133"/>
+                </a:lnTo>
+                <a:lnTo>
+                  <a:pt x="7523774" y="4163492"/>
+                </a:lnTo>
+                <a:lnTo>
+                  <a:pt x="7528985" y="4293793"/>
+                </a:lnTo>
+                <a:lnTo>
+                  <a:pt x="7533691" y="4421352"/>
+                </a:lnTo>
+                <a:lnTo>
+                  <a:pt x="7546971" y="4670298"/>
+                </a:lnTo>
+                <a:lnTo>
+                  <a:pt x="7561090" y="4908956"/>
+                </a:lnTo>
+                <a:lnTo>
+                  <a:pt x="7575882" y="5138013"/>
+                </a:lnTo>
+                <a:lnTo>
+                  <a:pt x="7592187" y="5354726"/>
+                </a:lnTo>
+                <a:lnTo>
+                  <a:pt x="7609164" y="5561838"/>
+                </a:lnTo>
+                <a:lnTo>
+                  <a:pt x="7627485" y="5753862"/>
+                </a:lnTo>
+                <a:lnTo>
+                  <a:pt x="7645471" y="5934227"/>
+                </a:lnTo>
+                <a:lnTo>
+                  <a:pt x="7663456" y="6100191"/>
+                </a:lnTo>
+                <a:lnTo>
+                  <a:pt x="7680433" y="6252438"/>
+                </a:lnTo>
+                <a:lnTo>
+                  <a:pt x="7696570" y="6387541"/>
+                </a:lnTo>
+                <a:lnTo>
+                  <a:pt x="7711866" y="6509613"/>
+                </a:lnTo>
+                <a:lnTo>
+                  <a:pt x="7724641" y="6612483"/>
+                </a:lnTo>
+                <a:lnTo>
+                  <a:pt x="7736743" y="6698894"/>
+                </a:lnTo>
+                <a:lnTo>
+                  <a:pt x="7754057" y="6817538"/>
+                </a:lnTo>
+                <a:lnTo>
+                  <a:pt x="7759940" y="6858000"/>
+                </a:lnTo>
+                <a:lnTo>
+                  <a:pt x="6854586" y="6858000"/>
+                </a:lnTo>
+                <a:lnTo>
+                  <a:pt x="6854586" y="6858001"/>
+                </a:lnTo>
+                <a:lnTo>
+                  <a:pt x="764022" y="6858001"/>
+                </a:lnTo>
+                <a:lnTo>
+                  <a:pt x="764022" y="6858000"/>
+                </a:lnTo>
+                <a:lnTo>
+                  <a:pt x="0" y="6858000"/>
+                </a:lnTo>
+                <a:close/>
+              </a:path>
+            </a:pathLst>
+          </a:custGeom>
         </p:spPr>
       </p:pic>
-      <p:cxnSp>
-        <p:nvCxnSpPr>
-          <p:cNvPr id="11" name="Straight Connector 10">
-            <a:extLst>
-              <a:ext uri="{FF2B5EF4-FFF2-40B4-BE49-F238E27FC236}">
-                <a16:creationId xmlns:a16="http://schemas.microsoft.com/office/drawing/2014/main" id="{9E7C23BC-DAA6-40E1-8166-B8C4439D1430}"/>
-              </a:ext>
-              <a:ext uri="{C183D7F6-B498-43B3-948B-1728B52AA6E4}">
-                <adec:decorative xmlns:adec="http://schemas.microsoft.com/office/drawing/2017/decorative" val="1"/>
-              </a:ext>
-            </a:extLst>
-          </p:cNvPr>
-          <p:cNvCxnSpPr>
-            <a:cxnSpLocks noGrp="1" noRot="1" noChangeAspect="1" noMove="1" noResize="1" noEditPoints="1" noAdjustHandles="1" noChangeArrowheads="1" noChangeShapeType="1"/>
-          </p:cNvCxnSpPr>
-          <p:nvPr>
-            <p:extLst>
-              <p:ext uri="{386F3935-93C4-4BCD-93E2-E3B085C9AB24}">
-                <p16:designElem xmlns:p16="http://schemas.microsoft.com/office/powerpoint/2015/main" val="1"/>
-              </p:ext>
-            </p:extLst>
-          </p:nvPr>
-        </p:nvCxnSpPr>
-        <p:spPr>
-          <a:xfrm>
-            <a:off x="7773465" y="3690871"/>
-            <a:ext cx="540000" cy="0"/>
-          </a:xfrm>
-          <a:prstGeom prst="line">
-            <a:avLst/>
-          </a:prstGeom>
-          <a:ln w="12700">
-            <a:solidFill>
-              <a:schemeClr val="tx1"/>
-            </a:solidFill>
-          </a:ln>
-        </p:spPr>
-        <p:style>
-          <a:lnRef idx="1">
-            <a:schemeClr val="accent1"/>
-          </a:lnRef>
-          <a:fillRef idx="0">
-            <a:schemeClr val="accent1"/>
-          </a:fillRef>
-          <a:effectRef idx="0">
-            <a:schemeClr val="accent1"/>
-          </a:effectRef>
-          <a:fontRef idx="minor">
-            <a:schemeClr val="tx1"/>
-          </a:fontRef>
-        </p:style>
-      </p:cxnSp>
     </p:spTree>
     <p:extLst>
       <p:ext uri="{BB962C8B-B14F-4D97-AF65-F5344CB8AC3E}">
@@ -6111,6 +3841,877 @@
 </p:sld>
 </file>
 
+<file path=ppt/slides/slide10.xml><?xml version="1.0" encoding="utf-8"?>
+<p:sld xmlns:a="http://schemas.openxmlformats.org/drawingml/2006/main" xmlns:r="http://schemas.openxmlformats.org/officeDocument/2006/relationships" xmlns:p="http://schemas.openxmlformats.org/presentationml/2006/main">
+  <p:cSld>
+    <p:spTree>
+      <p:nvGrpSpPr>
+        <p:cNvPr id="1" name=""/>
+        <p:cNvGrpSpPr/>
+        <p:nvPr/>
+      </p:nvGrpSpPr>
+      <p:grpSpPr>
+        <a:xfrm>
+          <a:off x="0" y="0"/>
+          <a:ext cx="0" cy="0"/>
+          <a:chOff x="0" y="0"/>
+          <a:chExt cx="0" cy="0"/>
+        </a:xfrm>
+      </p:grpSpPr>
+      <p:sp>
+        <p:nvSpPr>
+          <p:cNvPr id="2" name="矩形 1"/>
+          <p:cNvSpPr/>
+          <p:nvPr/>
+        </p:nvSpPr>
+        <p:spPr>
+          <a:xfrm>
+            <a:off x="0" y="-14188"/>
+            <a:ext cx="12192000" cy="3030703"/>
+          </a:xfrm>
+          <a:prstGeom prst="rect">
+            <a:avLst/>
+          </a:prstGeom>
+          <a:ln>
+            <a:noFill/>
+          </a:ln>
+        </p:spPr>
+        <p:style>
+          <a:lnRef idx="2">
+            <a:schemeClr val="accent1">
+              <a:shade val="50000"/>
+            </a:schemeClr>
+          </a:lnRef>
+          <a:fillRef idx="1">
+            <a:schemeClr val="accent1"/>
+          </a:fillRef>
+          <a:effectRef idx="0">
+            <a:schemeClr val="accent1"/>
+          </a:effectRef>
+          <a:fontRef idx="minor">
+            <a:schemeClr val="lt1"/>
+          </a:fontRef>
+        </p:style>
+        <p:txBody>
+          <a:bodyPr rtlCol="0" anchor="ctr"/>
+          <a:lstStyle/>
+          <a:p>
+            <a:pPr algn="ctr"/>
+            <a:endParaRPr lang="zh-CN" altLang="en-US" sz="2400">
+              <a:cs typeface="Open Sans" panose="020B0606030504020204" charset="0"/>
+            </a:endParaRPr>
+          </a:p>
+        </p:txBody>
+      </p:sp>
+      <p:sp>
+        <p:nvSpPr>
+          <p:cNvPr id="21" name="矩形 20"/>
+          <p:cNvSpPr/>
+          <p:nvPr/>
+        </p:nvSpPr>
+        <p:spPr bwMode="auto">
+          <a:xfrm>
+            <a:off x="3189597" y="3608417"/>
+            <a:ext cx="5812809" cy="913007"/>
+          </a:xfrm>
+          <a:prstGeom prst="rect">
+            <a:avLst/>
+          </a:prstGeom>
+        </p:spPr>
+        <p:txBody>
+          <a:bodyPr wrap="none">
+            <a:spAutoFit/>
+          </a:bodyPr>
+          <a:lstStyle/>
+          <a:p>
+            <a:pPr algn="ctr">
+              <a:defRPr/>
+            </a:pPr>
+            <a:r>
+              <a:rPr lang="en-US" altLang="zh-CN" sz="5333" b="1" kern="100">
+                <a:solidFill>
+                  <a:schemeClr val="accent1"/>
+                </a:solidFill>
+                <a:latin typeface="+mj-ea"/>
+                <a:ea typeface="+mj-ea"/>
+                <a:cs typeface="Open Sans" panose="020B0606030504020204" charset="0"/>
+              </a:rPr>
+              <a:t>The Distributions</a:t>
+            </a:r>
+          </a:p>
+        </p:txBody>
+      </p:sp>
+      <p:cxnSp>
+        <p:nvCxnSpPr>
+          <p:cNvPr id="28" name="直接连接符 27"/>
+          <p:cNvCxnSpPr/>
+          <p:nvPr/>
+        </p:nvCxnSpPr>
+        <p:spPr>
+          <a:xfrm>
+            <a:off x="4466252" y="5161429"/>
+            <a:ext cx="3259493" cy="0"/>
+          </a:xfrm>
+          <a:prstGeom prst="line">
+            <a:avLst/>
+          </a:prstGeom>
+          <a:ln>
+            <a:solidFill>
+              <a:schemeClr val="accent1"/>
+            </a:solidFill>
+          </a:ln>
+        </p:spPr>
+        <p:style>
+          <a:lnRef idx="1">
+            <a:schemeClr val="accent1"/>
+          </a:lnRef>
+          <a:fillRef idx="0">
+            <a:schemeClr val="accent1"/>
+          </a:fillRef>
+          <a:effectRef idx="0">
+            <a:schemeClr val="accent1"/>
+          </a:effectRef>
+          <a:fontRef idx="minor">
+            <a:schemeClr val="tx1"/>
+          </a:fontRef>
+        </p:style>
+      </p:cxnSp>
+      <p:sp>
+        <p:nvSpPr>
+          <p:cNvPr id="3" name="椭圆 2"/>
+          <p:cNvSpPr/>
+          <p:nvPr/>
+        </p:nvSpPr>
+        <p:spPr>
+          <a:xfrm>
+            <a:off x="5191796" y="1701883"/>
+            <a:ext cx="1808405" cy="1808405"/>
+          </a:xfrm>
+          <a:prstGeom prst="ellipse">
+            <a:avLst/>
+          </a:prstGeom>
+          <a:ln w="57150">
+            <a:solidFill>
+              <a:schemeClr val="bg1"/>
+            </a:solidFill>
+          </a:ln>
+        </p:spPr>
+        <p:style>
+          <a:lnRef idx="2">
+            <a:schemeClr val="accent1">
+              <a:shade val="50000"/>
+            </a:schemeClr>
+          </a:lnRef>
+          <a:fillRef idx="1">
+            <a:schemeClr val="accent1"/>
+          </a:fillRef>
+          <a:effectRef idx="0">
+            <a:schemeClr val="accent1"/>
+          </a:effectRef>
+          <a:fontRef idx="minor">
+            <a:schemeClr val="lt1"/>
+          </a:fontRef>
+        </p:style>
+        <p:txBody>
+          <a:bodyPr rtlCol="0" anchor="ctr"/>
+          <a:lstStyle/>
+          <a:p>
+            <a:pPr algn="ctr"/>
+            <a:r>
+              <a:rPr lang="en-US" altLang="zh-CN" sz="6400" b="1">
+                <a:latin typeface="Open Sans" panose="020B0606030504020204" charset="0"/>
+                <a:cs typeface="Open Sans" panose="020B0606030504020204" charset="0"/>
+              </a:rPr>
+              <a:t>03</a:t>
+            </a:r>
+          </a:p>
+        </p:txBody>
+      </p:sp>
+      <p:sp>
+        <p:nvSpPr>
+          <p:cNvPr id="14" name="矩形: 圆角 13"/>
+          <p:cNvSpPr/>
+          <p:nvPr/>
+        </p:nvSpPr>
+        <p:spPr>
+          <a:xfrm>
+            <a:off x="5327999" y="5640751"/>
+            <a:ext cx="1536000" cy="335796"/>
+          </a:xfrm>
+          <a:prstGeom prst="roundRect">
+            <a:avLst>
+              <a:gd name="adj" fmla="val 50000"/>
+            </a:avLst>
+          </a:prstGeom>
+          <a:ln>
+            <a:solidFill>
+              <a:schemeClr val="bg1"/>
+            </a:solidFill>
+          </a:ln>
+        </p:spPr>
+        <p:style>
+          <a:lnRef idx="2">
+            <a:schemeClr val="accent1">
+              <a:shade val="50000"/>
+            </a:schemeClr>
+          </a:lnRef>
+          <a:fillRef idx="1">
+            <a:schemeClr val="accent1"/>
+          </a:fillRef>
+          <a:effectRef idx="0">
+            <a:schemeClr val="accent1"/>
+          </a:effectRef>
+          <a:fontRef idx="minor">
+            <a:schemeClr val="lt1"/>
+          </a:fontRef>
+        </p:style>
+        <p:txBody>
+          <a:bodyPr rtlCol="0" anchor="ctr"/>
+          <a:lstStyle/>
+          <a:p>
+            <a:pPr algn="ctr"/>
+            <a:r>
+              <a:rPr lang="zh-CN" altLang="en-US" sz="1467">
+                <a:latin typeface="+mj-lt"/>
+                <a:cs typeface="Open Sans" panose="020B0606030504020204" charset="0"/>
+              </a:rPr>
+              <a:t>Overview</a:t>
+            </a:r>
+          </a:p>
+        </p:txBody>
+      </p:sp>
+      <p:sp>
+        <p:nvSpPr>
+          <p:cNvPr id="4" name="矩形 22"/>
+          <p:cNvSpPr/>
+          <p:nvPr/>
+        </p:nvSpPr>
+        <p:spPr>
+          <a:xfrm>
+            <a:off x="1676401" y="4522047"/>
+            <a:ext cx="8838353" cy="461665"/>
+          </a:xfrm>
+          <a:prstGeom prst="rect">
+            <a:avLst/>
+          </a:prstGeom>
+        </p:spPr>
+        <p:style>
+          <a:lnRef idx="0">
+            <a:srgbClr val="FFFFFF"/>
+          </a:lnRef>
+          <a:fillRef idx="1">
+            <a:schemeClr val="accent1"/>
+          </a:fillRef>
+          <a:effectRef idx="0">
+            <a:srgbClr val="FFFFFF"/>
+          </a:effectRef>
+          <a:fontRef idx="minor">
+            <a:schemeClr val="lt1"/>
+          </a:fontRef>
+        </p:style>
+        <p:txBody>
+          <a:bodyPr wrap="square">
+            <a:spAutoFit/>
+          </a:bodyPr>
+          <a:lstStyle/>
+          <a:p>
+            <a:pPr algn="ctr"/>
+            <a:r>
+              <a:rPr lang="en-US" altLang="zh-CN" sz="2400" b="1" kern="100">
+                <a:solidFill>
+                  <a:prstClr val="white"/>
+                </a:solidFill>
+                <a:latin typeface="Open Sans" panose="020B0606030504020204" charset="0"/>
+                <a:ea typeface="Open Sans" panose="020B0606030504020204" charset="0"/>
+                <a:cs typeface="Open Sans" panose="020B0606030504020204" charset="0"/>
+                <a:sym typeface="+mn-ea"/>
+              </a:rPr>
+              <a:t>Direct Loan, Federal Femily Education Loan, Perkin</a:t>
+            </a:r>
+            <a:r>
+              <a:rPr lang="en-US" altLang="zh-CN" sz="2400" b="1" i="1">
+                <a:solidFill>
+                  <a:schemeClr val="tx1">
+                    <a:lumMod val="75000"/>
+                    <a:lumOff val="25000"/>
+                  </a:schemeClr>
+                </a:solidFill>
+                <a:latin typeface="+mj-lt"/>
+                <a:cs typeface="Open Sans" panose="020B0606030504020204" charset="0"/>
+              </a:rPr>
+              <a:t> </a:t>
+            </a:r>
+          </a:p>
+        </p:txBody>
+      </p:sp>
+      <p:sp>
+        <p:nvSpPr>
+          <p:cNvPr id="5" name="Text Box 4"/>
+          <p:cNvSpPr txBox="1"/>
+          <p:nvPr/>
+        </p:nvSpPr>
+        <p:spPr>
+          <a:xfrm>
+            <a:off x="4064847" y="419100"/>
+            <a:ext cx="4064000" cy="666786"/>
+          </a:xfrm>
+          <a:prstGeom prst="rect">
+            <a:avLst/>
+          </a:prstGeom>
+          <a:noFill/>
+        </p:spPr>
+        <p:txBody>
+          <a:bodyPr wrap="square" rtlCol="0">
+            <a:spAutoFit/>
+          </a:bodyPr>
+          <a:lstStyle/>
+          <a:p>
+            <a:pPr algn="ctr"/>
+            <a:r>
+              <a:rPr lang="en-US" sz="3733" b="1">
+                <a:solidFill>
+                  <a:schemeClr val="tx2"/>
+                </a:solidFill>
+              </a:rPr>
+              <a:t>2007 - 2022</a:t>
+            </a:r>
+          </a:p>
+        </p:txBody>
+      </p:sp>
+    </p:spTree>
+  </p:cSld>
+  <p:clrMapOvr>
+    <a:masterClrMapping/>
+  </p:clrMapOvr>
+</p:sld>
+</file>
+
+<file path=ppt/slides/slide11.xml><?xml version="1.0" encoding="utf-8"?>
+<p:sld xmlns:a="http://schemas.openxmlformats.org/drawingml/2006/main" xmlns:r="http://schemas.openxmlformats.org/officeDocument/2006/relationships" xmlns:p="http://schemas.openxmlformats.org/presentationml/2006/main">
+  <p:cSld>
+    <p:spTree>
+      <p:nvGrpSpPr>
+        <p:cNvPr id="1" name=""/>
+        <p:cNvGrpSpPr/>
+        <p:nvPr/>
+      </p:nvGrpSpPr>
+      <p:grpSpPr>
+        <a:xfrm>
+          <a:off x="0" y="0"/>
+          <a:ext cx="0" cy="0"/>
+          <a:chOff x="0" y="0"/>
+          <a:chExt cx="0" cy="0"/>
+        </a:xfrm>
+      </p:grpSpPr>
+      <p:pic>
+        <p:nvPicPr>
+          <p:cNvPr id="8" name="图片 7"/>
+          <p:cNvPicPr>
+            <a:picLocks noChangeAspect="1"/>
+          </p:cNvPicPr>
+          <p:nvPr/>
+        </p:nvPicPr>
+        <p:blipFill rotWithShape="1">
+          <a:blip r:embed="rId2">
+            <a:extLst>
+              <a:ext uri="{28A0092B-C50C-407E-A947-70E740481C1C}">
+                <a14:useLocalDpi xmlns:a14="http://schemas.microsoft.com/office/drawing/2010/main" val="0"/>
+              </a:ext>
+            </a:extLst>
+          </a:blip>
+          <a:srcRect t="7654" b="7654"/>
+          <a:stretch>
+            <a:fillRect/>
+          </a:stretch>
+        </p:blipFill>
+        <p:spPr>
+          <a:xfrm>
+            <a:off x="0" y="0"/>
+            <a:ext cx="12192000" cy="6858000"/>
+          </a:xfrm>
+          <a:prstGeom prst="rect">
+            <a:avLst/>
+          </a:prstGeom>
+        </p:spPr>
+      </p:pic>
+      <p:sp>
+        <p:nvSpPr>
+          <p:cNvPr id="2" name="矩形 1"/>
+          <p:cNvSpPr/>
+          <p:nvPr/>
+        </p:nvSpPr>
+        <p:spPr>
+          <a:xfrm>
+            <a:off x="284480" y="351973"/>
+            <a:ext cx="11623040" cy="6154057"/>
+          </a:xfrm>
+          <a:prstGeom prst="rect">
+            <a:avLst/>
+          </a:prstGeom>
+          <a:solidFill>
+            <a:schemeClr val="accent1">
+              <a:alpha val="90000"/>
+            </a:schemeClr>
+          </a:solidFill>
+          <a:ln>
+            <a:noFill/>
+          </a:ln>
+        </p:spPr>
+        <p:style>
+          <a:lnRef idx="2">
+            <a:schemeClr val="accent1">
+              <a:shade val="50000"/>
+            </a:schemeClr>
+          </a:lnRef>
+          <a:fillRef idx="1">
+            <a:schemeClr val="accent1"/>
+          </a:fillRef>
+          <a:effectRef idx="0">
+            <a:schemeClr val="accent1"/>
+          </a:effectRef>
+          <a:fontRef idx="minor">
+            <a:schemeClr val="lt1"/>
+          </a:fontRef>
+        </p:style>
+        <p:txBody>
+          <a:bodyPr rtlCol="0" anchor="ctr"/>
+          <a:lstStyle/>
+          <a:p>
+            <a:pPr algn="ctr" defTabSz="609585">
+              <a:defRPr/>
+            </a:pPr>
+            <a:endParaRPr lang="zh-CN" altLang="en-US" sz="2400">
+              <a:solidFill>
+                <a:prstClr val="white"/>
+              </a:solidFill>
+              <a:latin typeface="Open Sans" panose="020B0606030504020204" charset="0"/>
+              <a:ea typeface="Open Sans" panose="020B0606030504020204" charset="0"/>
+              <a:cs typeface="Open Sans" panose="020B0606030504020204" charset="0"/>
+            </a:endParaRPr>
+          </a:p>
+        </p:txBody>
+      </p:sp>
+      <p:pic>
+        <p:nvPicPr>
+          <p:cNvPr id="4" name="Picture 3" descr="pie"/>
+          <p:cNvPicPr>
+            <a:picLocks noChangeAspect="1"/>
+          </p:cNvPicPr>
+          <p:nvPr/>
+        </p:nvPicPr>
+        <p:blipFill>
+          <a:blip r:embed="rId3"/>
+          <a:stretch>
+            <a:fillRect/>
+          </a:stretch>
+        </p:blipFill>
+        <p:spPr>
+          <a:xfrm>
+            <a:off x="5255261" y="731520"/>
+            <a:ext cx="5641340" cy="5394960"/>
+          </a:xfrm>
+          <a:prstGeom prst="rect">
+            <a:avLst/>
+          </a:prstGeom>
+        </p:spPr>
+      </p:pic>
+      <p:sp>
+        <p:nvSpPr>
+          <p:cNvPr id="5" name="矩形 3"/>
+          <p:cNvSpPr/>
+          <p:nvPr/>
+        </p:nvSpPr>
+        <p:spPr bwMode="auto">
+          <a:xfrm>
+            <a:off x="831249" y="1644529"/>
+            <a:ext cx="2729953" cy="3046988"/>
+          </a:xfrm>
+          <a:prstGeom prst="rect">
+            <a:avLst/>
+          </a:prstGeom>
+        </p:spPr>
+        <p:txBody>
+          <a:bodyPr wrap="square">
+            <a:spAutoFit/>
+          </a:bodyPr>
+          <a:lstStyle/>
+          <a:p>
+            <a:pPr marL="228594" indent="-228594" defTabSz="609585">
+              <a:buFont typeface="Arial" panose="020B0604020202020204" pitchFamily="34" charset="0"/>
+              <a:buChar char="•"/>
+              <a:defRPr/>
+            </a:pPr>
+            <a:r>
+              <a:rPr lang="en-US" altLang="zh-CN" sz="1600" b="1" i="1">
+                <a:solidFill>
+                  <a:prstClr val="white"/>
+                </a:solidFill>
+                <a:latin typeface="Open Sans" panose="020B0606030504020204" charset="0"/>
+                <a:ea typeface="Open Sans" panose="020B0606030504020204" charset="0"/>
+                <a:cs typeface="Open Sans" panose="020B0606030504020204" charset="0"/>
+              </a:rPr>
+              <a:t>Direct Loans constitute a substantial 73.1% of the total.</a:t>
+            </a:r>
+          </a:p>
+          <a:p>
+            <a:pPr defTabSz="609585">
+              <a:defRPr/>
+            </a:pPr>
+            <a:endParaRPr lang="en-US" altLang="zh-CN" sz="1600" b="1" i="1">
+              <a:solidFill>
+                <a:prstClr val="white"/>
+              </a:solidFill>
+              <a:latin typeface="Open Sans" panose="020B0606030504020204" charset="0"/>
+              <a:ea typeface="Open Sans" panose="020B0606030504020204" charset="0"/>
+              <a:cs typeface="Open Sans" panose="020B0606030504020204" charset="0"/>
+            </a:endParaRPr>
+          </a:p>
+          <a:p>
+            <a:pPr marL="228594" indent="-228594" defTabSz="609585">
+              <a:buFont typeface="Arial" panose="020B0604020202020204" pitchFamily="34" charset="0"/>
+              <a:buChar char="•"/>
+              <a:defRPr/>
+            </a:pPr>
+            <a:r>
+              <a:rPr lang="en-US" altLang="zh-CN" sz="1600" b="1" i="1">
+                <a:solidFill>
+                  <a:prstClr val="white"/>
+                </a:solidFill>
+                <a:latin typeface="Open Sans" panose="020B0606030504020204" charset="0"/>
+                <a:ea typeface="Open Sans" panose="020B0606030504020204" charset="0"/>
+                <a:cs typeface="Open Sans" panose="020B0606030504020204" charset="0"/>
+              </a:rPr>
+              <a:t>FFEL loans account for 26.4%, showing significant but lesser adoption.</a:t>
+            </a:r>
+          </a:p>
+          <a:p>
+            <a:pPr defTabSz="609585">
+              <a:defRPr/>
+            </a:pPr>
+            <a:endParaRPr lang="en-US" altLang="zh-CN" sz="1600" b="1" i="1">
+              <a:solidFill>
+                <a:prstClr val="white"/>
+              </a:solidFill>
+              <a:latin typeface="Open Sans" panose="020B0606030504020204" charset="0"/>
+              <a:ea typeface="Open Sans" panose="020B0606030504020204" charset="0"/>
+              <a:cs typeface="Open Sans" panose="020B0606030504020204" charset="0"/>
+            </a:endParaRPr>
+          </a:p>
+          <a:p>
+            <a:pPr marL="228594" indent="-228594" defTabSz="609585">
+              <a:buFont typeface="Arial" panose="020B0604020202020204" pitchFamily="34" charset="0"/>
+              <a:buChar char="•"/>
+              <a:defRPr/>
+            </a:pPr>
+            <a:r>
+              <a:rPr lang="en-US" altLang="zh-CN" sz="1600" b="1" i="1">
+                <a:solidFill>
+                  <a:prstClr val="white"/>
+                </a:solidFill>
+                <a:latin typeface="Open Sans" panose="020B0606030504020204" charset="0"/>
+                <a:ea typeface="Open Sans" panose="020B0606030504020204" charset="0"/>
+                <a:cs typeface="Open Sans" panose="020B0606030504020204" charset="0"/>
+              </a:rPr>
+              <a:t>Perkins Loans represent a minimal 0.6% of the distribution.</a:t>
+            </a:r>
+          </a:p>
+        </p:txBody>
+      </p:sp>
+    </p:spTree>
+  </p:cSld>
+  <p:clrMapOvr>
+    <a:masterClrMapping/>
+  </p:clrMapOvr>
+</p:sld>
+</file>
+
+<file path=ppt/slides/slide12.xml><?xml version="1.0" encoding="utf-8"?>
+<p:sld xmlns:a="http://schemas.openxmlformats.org/drawingml/2006/main" xmlns:r="http://schemas.openxmlformats.org/officeDocument/2006/relationships" xmlns:p="http://schemas.openxmlformats.org/presentationml/2006/main">
+  <p:cSld>
+    <p:bg>
+      <p:bgPr>
+        <a:solidFill>
+          <a:schemeClr val="bg1"/>
+        </a:solidFill>
+        <a:effectLst/>
+      </p:bgPr>
+    </p:bg>
+    <p:spTree>
+      <p:nvGrpSpPr>
+        <p:cNvPr id="1" name=""/>
+        <p:cNvGrpSpPr/>
+        <p:nvPr/>
+      </p:nvGrpSpPr>
+      <p:grpSpPr>
+        <a:xfrm>
+          <a:off x="0" y="0"/>
+          <a:ext cx="0" cy="0"/>
+          <a:chOff x="0" y="0"/>
+          <a:chExt cx="0" cy="0"/>
+        </a:xfrm>
+      </p:grpSpPr>
+      <p:sp useBgFill="1">
+        <p:nvSpPr>
+          <p:cNvPr id="12" name="Rectangle 11">
+            <a:extLst>
+              <a:ext uri="{FF2B5EF4-FFF2-40B4-BE49-F238E27FC236}">
+                <a16:creationId xmlns:a16="http://schemas.microsoft.com/office/drawing/2014/main" id="{5D7F64A8-D625-4F61-A290-B499BB62ACFF}"/>
+              </a:ext>
+              <a:ext uri="{C183D7F6-B498-43B3-948B-1728B52AA6E4}">
+                <adec:decorative xmlns:adec="http://schemas.microsoft.com/office/drawing/2017/decorative" val="1"/>
+              </a:ext>
+            </a:extLst>
+          </p:cNvPr>
+          <p:cNvSpPr>
+            <a:spLocks noGrp="1" noRot="1" noChangeAspect="1" noMove="1" noResize="1" noEditPoints="1" noAdjustHandles="1" noChangeArrowheads="1" noChangeShapeType="1" noTextEdit="1"/>
+          </p:cNvSpPr>
+          <p:nvPr>
+            <p:extLst>
+              <p:ext uri="{386F3935-93C4-4BCD-93E2-E3B085C9AB24}">
+                <p16:designElem xmlns:p16="http://schemas.microsoft.com/office/powerpoint/2015/main" val="1"/>
+              </p:ext>
+            </p:extLst>
+          </p:nvPr>
+        </p:nvSpPr>
+        <p:spPr>
+          <a:xfrm>
+            <a:off x="0" y="0"/>
+            <a:ext cx="12188952" cy="6858000"/>
+          </a:xfrm>
+          <a:prstGeom prst="rect">
+            <a:avLst/>
+          </a:prstGeom>
+          <a:ln>
+            <a:noFill/>
+          </a:ln>
+        </p:spPr>
+        <p:style>
+          <a:lnRef idx="2">
+            <a:schemeClr val="accent1">
+              <a:shade val="50000"/>
+            </a:schemeClr>
+          </a:lnRef>
+          <a:fillRef idx="1">
+            <a:schemeClr val="accent1"/>
+          </a:fillRef>
+          <a:effectRef idx="0">
+            <a:schemeClr val="accent1"/>
+          </a:effectRef>
+          <a:fontRef idx="minor">
+            <a:schemeClr val="lt1"/>
+          </a:fontRef>
+        </p:style>
+        <p:txBody>
+          <a:bodyPr rtlCol="0" anchor="ctr"/>
+          <a:lstStyle/>
+          <a:p>
+            <a:pPr algn="ctr"/>
+            <a:endParaRPr lang="en-US"/>
+          </a:p>
+        </p:txBody>
+      </p:sp>
+      <p:sp>
+        <p:nvSpPr>
+          <p:cNvPr id="2" name="Title 1">
+            <a:extLst>
+              <a:ext uri="{FF2B5EF4-FFF2-40B4-BE49-F238E27FC236}">
+                <a16:creationId xmlns:a16="http://schemas.microsoft.com/office/drawing/2014/main" id="{88C1CD30-2849-6764-4C3C-5F2F4AB19D4F}"/>
+              </a:ext>
+            </a:extLst>
+          </p:cNvPr>
+          <p:cNvSpPr>
+            <a:spLocks noGrp="1"/>
+          </p:cNvSpPr>
+          <p:nvPr>
+            <p:ph type="title"/>
+          </p:nvPr>
+        </p:nvSpPr>
+        <p:spPr>
+          <a:xfrm>
+            <a:off x="2187363" y="1671569"/>
+            <a:ext cx="5801917" cy="2228760"/>
+          </a:xfrm>
+        </p:spPr>
+        <p:txBody>
+          <a:bodyPr anchor="b">
+            <a:normAutofit/>
+          </a:bodyPr>
+          <a:lstStyle/>
+          <a:p>
+            <a:r>
+              <a:rPr lang="en-US" sz="4000"/>
+              <a:t>Reference Page:</a:t>
+            </a:r>
+          </a:p>
+        </p:txBody>
+      </p:sp>
+      <p:pic>
+        <p:nvPicPr>
+          <p:cNvPr id="7" name="Graphic 6" descr="Books">
+            <a:extLst>
+              <a:ext uri="{FF2B5EF4-FFF2-40B4-BE49-F238E27FC236}">
+                <a16:creationId xmlns:a16="http://schemas.microsoft.com/office/drawing/2014/main" id="{26A3B77B-EC67-5698-11E0-588DDC59A85A}"/>
+              </a:ext>
+            </a:extLst>
+          </p:cNvPr>
+          <p:cNvPicPr>
+            <a:picLocks noChangeAspect="1"/>
+          </p:cNvPicPr>
+          <p:nvPr/>
+        </p:nvPicPr>
+        <p:blipFill>
+          <a:blip r:embed="rId2">
+            <a:extLst>
+              <a:ext uri="{28A0092B-C50C-407E-A947-70E740481C1C}">
+                <a14:useLocalDpi xmlns:a14="http://schemas.microsoft.com/office/drawing/2010/main" val="0"/>
+              </a:ext>
+              <a:ext uri="{96DAC541-7B7A-43D3-8B79-37D633B846F1}">
+                <asvg:svgBlip xmlns:asvg="http://schemas.microsoft.com/office/drawing/2016/SVG/main" r:embed="rId3"/>
+              </a:ext>
+            </a:extLst>
+          </a:blip>
+          <a:stretch>
+            <a:fillRect/>
+          </a:stretch>
+        </p:blipFill>
+        <p:spPr>
+          <a:xfrm>
+            <a:off x="736948" y="2694018"/>
+            <a:ext cx="1198532" cy="1198532"/>
+          </a:xfrm>
+          <a:prstGeom prst="rect">
+            <a:avLst/>
+          </a:prstGeom>
+        </p:spPr>
+      </p:pic>
+      <p:sp>
+        <p:nvSpPr>
+          <p:cNvPr id="3" name="Content Placeholder 2">
+            <a:extLst>
+              <a:ext uri="{FF2B5EF4-FFF2-40B4-BE49-F238E27FC236}">
+                <a16:creationId xmlns:a16="http://schemas.microsoft.com/office/drawing/2014/main" id="{BB382C46-D484-1E9C-6C4D-5E323E6873F5}"/>
+              </a:ext>
+            </a:extLst>
+          </p:cNvPr>
+          <p:cNvSpPr>
+            <a:spLocks noGrp="1"/>
+          </p:cNvSpPr>
+          <p:nvPr>
+            <p:ph idx="1"/>
+          </p:nvPr>
+        </p:nvSpPr>
+        <p:spPr>
+          <a:xfrm>
+            <a:off x="2187364" y="4072044"/>
+            <a:ext cx="5801917" cy="2057045"/>
+          </a:xfrm>
+        </p:spPr>
+        <p:txBody>
+          <a:bodyPr>
+            <a:normAutofit/>
+          </a:bodyPr>
+          <a:lstStyle/>
+          <a:p>
+            <a:r>
+              <a:rPr lang="en-US" sz="1400" kern="100" dirty="0">
+                <a:effectLst/>
+                <a:latin typeface="Calibri" panose="020F0502020204030204" pitchFamily="34" charset="0"/>
+                <a:ea typeface="Calibri" panose="020F0502020204030204" pitchFamily="34" charset="0"/>
+                <a:cs typeface="Times New Roman" panose="02020603050405020304" pitchFamily="18" charset="0"/>
+                <a:hlinkClick r:id="rId4"/>
+              </a:rPr>
+              <a:t>https://data.ed.gov/dataset/federal-student-loan-portfolio/resources?resource=9f3366c2-ef2c-489c-86ad-12e334113e5b</a:t>
+            </a:r>
+            <a:endParaRPr lang="en-US" sz="1400" kern="100" dirty="0">
+              <a:effectLst/>
+              <a:latin typeface="Calibri" panose="020F0502020204030204" pitchFamily="34" charset="0"/>
+              <a:ea typeface="Calibri" panose="020F0502020204030204" pitchFamily="34" charset="0"/>
+              <a:cs typeface="Times New Roman" panose="02020603050405020304" pitchFamily="18" charset="0"/>
+            </a:endParaRPr>
+          </a:p>
+          <a:p>
+            <a:r>
+              <a:rPr lang="en-US" sz="1400" b="0" i="0" u="sng" dirty="0">
+                <a:effectLst/>
+                <a:latin typeface="Slack-Lato"/>
+                <a:hlinkClick r:id="rId5"/>
+              </a:rPr>
+              <a:t>https://studentaid.gov/data-center/student/portfolio</a:t>
+            </a:r>
+            <a:endParaRPr lang="en-US" sz="2000" kern="100" dirty="0">
+              <a:effectLst/>
+              <a:latin typeface="Calibri" panose="020F0502020204030204" pitchFamily="34" charset="0"/>
+              <a:ea typeface="Calibri" panose="020F0502020204030204" pitchFamily="34" charset="0"/>
+              <a:cs typeface="Times New Roman" panose="02020603050405020304" pitchFamily="18" charset="0"/>
+            </a:endParaRPr>
+          </a:p>
+          <a:p>
+            <a:endParaRPr lang="en-US" sz="2000" dirty="0"/>
+          </a:p>
+        </p:txBody>
+      </p:sp>
+      <p:pic>
+        <p:nvPicPr>
+          <p:cNvPr id="9" name="Graphic 8" descr="Books">
+            <a:extLst>
+              <a:ext uri="{FF2B5EF4-FFF2-40B4-BE49-F238E27FC236}">
+                <a16:creationId xmlns:a16="http://schemas.microsoft.com/office/drawing/2014/main" id="{71655D0E-4591-4D48-A170-51675471BCD4}"/>
+              </a:ext>
+              <a:ext uri="{C183D7F6-B498-43B3-948B-1728B52AA6E4}">
+                <adec:decorative xmlns:adec="http://schemas.microsoft.com/office/drawing/2017/decorative" val="1"/>
+              </a:ext>
+            </a:extLst>
+          </p:cNvPr>
+          <p:cNvPicPr>
+            <a:picLocks noGrp="1" noRot="1" noChangeAspect="1" noMove="1" noResize="1" noEditPoints="1" noAdjustHandles="1" noChangeArrowheads="1" noChangeShapeType="1" noCrop="1"/>
+          </p:cNvPicPr>
+          <p:nvPr>
+            <p:extLst>
+              <p:ext uri="{386F3935-93C4-4BCD-93E2-E3B085C9AB24}">
+                <p16:designElem xmlns:p16="http://schemas.microsoft.com/office/powerpoint/2015/main" val="1"/>
+              </p:ext>
+            </p:extLst>
+          </p:nvPr>
+        </p:nvPicPr>
+        <p:blipFill>
+          <a:blip r:embed="rId2">
+            <a:alphaModFix amt="15000"/>
+            <a:extLst>
+              <a:ext uri="{28A0092B-C50C-407E-A947-70E740481C1C}">
+                <a14:useLocalDpi xmlns:a14="http://schemas.microsoft.com/office/drawing/2010/main" val="0"/>
+              </a:ext>
+              <a:ext uri="{96DAC541-7B7A-43D3-8B79-37D633B846F1}">
+                <asvg:svgBlip xmlns:asvg="http://schemas.microsoft.com/office/drawing/2016/SVG/main" r:embed="rId3"/>
+              </a:ext>
+            </a:extLst>
+          </a:blip>
+          <a:stretch>
+            <a:fillRect/>
+          </a:stretch>
+        </p:blipFill>
+        <p:spPr>
+          <a:xfrm>
+            <a:off x="6641431" y="816337"/>
+            <a:ext cx="5225327" cy="5225327"/>
+          </a:xfrm>
+          <a:prstGeom prst="rect">
+            <a:avLst/>
+          </a:prstGeom>
+        </p:spPr>
+      </p:pic>
+    </p:spTree>
+    <p:extLst>
+      <p:ext uri="{BB962C8B-B14F-4D97-AF65-F5344CB8AC3E}">
+        <p14:creationId xmlns:p14="http://schemas.microsoft.com/office/powerpoint/2010/main" val="1152094537"/>
+      </p:ext>
+    </p:extLst>
+  </p:cSld>
+  <p:clrMapOvr>
+    <a:masterClrMapping/>
+  </p:clrMapOvr>
+</p:sld>
+</file>
+
 <file path=ppt/slides/slide2.xml><?xml version="1.0" encoding="utf-8"?>
 <p:sld xmlns:a="http://schemas.openxmlformats.org/drawingml/2006/main" xmlns:r="http://schemas.openxmlformats.org/officeDocument/2006/relationships" xmlns:p="http://schemas.openxmlformats.org/presentationml/2006/main">
   <p:cSld>
@@ -6184,9 +4785,6 @@
             </a:pPr>
             <a:r>
               <a:rPr lang="en-US" b="0" i="0" dirty="0">
-                <a:solidFill>
-                  <a:srgbClr val="E6EDF3"/>
-                </a:solidFill>
                 <a:effectLst/>
                 <a:latin typeface="-apple-system"/>
               </a:rPr>
@@ -6200,9 +4798,6 @@
             </a:pPr>
             <a:r>
               <a:rPr lang="en-US" b="0" i="0" dirty="0">
-                <a:solidFill>
-                  <a:srgbClr val="E6EDF3"/>
-                </a:solidFill>
                 <a:effectLst/>
                 <a:latin typeface="-apple-system"/>
               </a:rPr>
@@ -6216,9 +4811,6 @@
             </a:pPr>
             <a:r>
               <a:rPr lang="en-US" b="0" i="0" dirty="0">
-                <a:solidFill>
-                  <a:srgbClr val="E6EDF3"/>
-                </a:solidFill>
                 <a:effectLst/>
                 <a:latin typeface="-apple-system"/>
               </a:rPr>
@@ -6232,9 +4824,6 @@
             </a:pPr>
             <a:r>
               <a:rPr lang="en-US" b="0" i="0" dirty="0">
-                <a:solidFill>
-                  <a:srgbClr val="E6EDF3"/>
-                </a:solidFill>
                 <a:effectLst/>
                 <a:latin typeface="-apple-system"/>
               </a:rPr>
@@ -6306,9 +4895,6 @@
           <a:p>
             <a:r>
               <a:rPr lang="en-US" b="0" i="0" dirty="0">
-                <a:solidFill>
-                  <a:srgbClr val="E6EDF3"/>
-                </a:solidFill>
                 <a:effectLst/>
                 <a:latin typeface="-apple-system"/>
               </a:rPr>
@@ -6337,7 +4923,7 @@
         <p:spPr/>
         <p:txBody>
           <a:bodyPr>
-            <a:normAutofit/>
+            <a:normAutofit fontScale="92500" lnSpcReduction="10000"/>
           </a:bodyPr>
           <a:lstStyle/>
           <a:p>
@@ -6519,16 +5105,13 @@
           <a:lstStyle/>
           <a:p>
             <a:r>
-              <a:rPr lang="en-US" sz="2000" b="0" i="0" dirty="0">
-                <a:solidFill>
-                  <a:srgbClr val="E6EDF3"/>
-                </a:solidFill>
+              <a:rPr lang="en-US" sz="2800" b="0" i="0" dirty="0">
                 <a:effectLst/>
                 <a:latin typeface="-apple-system"/>
               </a:rPr>
               <a:t>What age and location type are most impacted by student Loan debt?</a:t>
             </a:r>
-            <a:endParaRPr lang="en-US" sz="2000" dirty="0"/>
+            <a:endParaRPr lang="en-US" sz="2800" dirty="0"/>
           </a:p>
         </p:txBody>
       </p:sp>
@@ -6548,9 +5131,16 @@
             <p:ph type="body" sz="half" idx="2"/>
           </p:nvPr>
         </p:nvSpPr>
-        <p:spPr/>
-        <p:txBody>
-          <a:bodyPr/>
+        <p:spPr>
+          <a:xfrm>
+            <a:off x="839788" y="2622430"/>
+            <a:ext cx="3932237" cy="3246558"/>
+          </a:xfrm>
+        </p:spPr>
+        <p:txBody>
+          <a:bodyPr>
+            <a:normAutofit/>
+          </a:bodyPr>
           <a:lstStyle/>
           <a:p>
             <a:pPr marL="342900" indent="-342900">
@@ -6558,7 +5148,7 @@
               <a:buChar char="•"/>
             </a:pPr>
             <a:r>
-              <a:rPr lang="en-US" dirty="0"/>
+              <a:rPr lang="en-US" sz="2400" dirty="0"/>
               <a:t>Focusing on all of America, the greatest student loan debt is owned by the population aged 35 to 49 with a total just over 600 billion dollars.  </a:t>
             </a:r>
           </a:p>
@@ -6596,74 +5186,1930 @@
       </p:grpSpPr>
       <p:sp>
         <p:nvSpPr>
-          <p:cNvPr id="2" name="Title 1">
-            <a:extLst>
-              <a:ext uri="{FF2B5EF4-FFF2-40B4-BE49-F238E27FC236}">
-                <a16:creationId xmlns:a16="http://schemas.microsoft.com/office/drawing/2014/main" id="{88C1CD30-2849-6764-4C3C-5F2F4AB19D4F}"/>
-              </a:ext>
-            </a:extLst>
-          </p:cNvPr>
-          <p:cNvSpPr>
-            <a:spLocks noGrp="1"/>
-          </p:cNvSpPr>
-          <p:nvPr>
-            <p:ph type="title"/>
-          </p:nvPr>
-        </p:nvSpPr>
-        <p:spPr/>
-        <p:txBody>
-          <a:bodyPr/>
-          <a:lstStyle/>
-          <a:p>
-            <a:r>
-              <a:rPr lang="en-US" dirty="0"/>
-              <a:t>Reference Page:</a:t>
-            </a:r>
-          </a:p>
-        </p:txBody>
-      </p:sp>
-      <p:sp>
-        <p:nvSpPr>
-          <p:cNvPr id="3" name="Content Placeholder 2">
-            <a:extLst>
-              <a:ext uri="{FF2B5EF4-FFF2-40B4-BE49-F238E27FC236}">
-                <a16:creationId xmlns:a16="http://schemas.microsoft.com/office/drawing/2014/main" id="{BB382C46-D484-1E9C-6C4D-5E323E6873F5}"/>
-              </a:ext>
-            </a:extLst>
-          </p:cNvPr>
-          <p:cNvSpPr>
-            <a:spLocks noGrp="1"/>
-          </p:cNvSpPr>
-          <p:nvPr>
-            <p:ph idx="1"/>
-          </p:nvPr>
-        </p:nvSpPr>
-        <p:spPr/>
-        <p:txBody>
-          <a:bodyPr/>
-          <a:lstStyle/>
-          <a:p>
-            <a:r>
-              <a:rPr lang="en-US" sz="1800" kern="100">
-                <a:effectLst/>
-                <a:latin typeface="Calibri" panose="020F0502020204030204" pitchFamily="34" charset="0"/>
-                <a:ea typeface="Calibri" panose="020F0502020204030204" pitchFamily="34" charset="0"/>
-                <a:cs typeface="Times New Roman" panose="02020603050405020304" pitchFamily="18" charset="0"/>
+          <p:cNvPr id="14" name="任意多边形: 形状 13"/>
+          <p:cNvSpPr/>
+          <p:nvPr/>
+        </p:nvSpPr>
+        <p:spPr>
+          <a:xfrm rot="10800000">
+            <a:off x="0" y="0"/>
+            <a:ext cx="12192000" cy="5322848"/>
+          </a:xfrm>
+          <a:custGeom>
+            <a:avLst/>
+            <a:gdLst>
+              <a:gd name="connsiteX0" fmla="*/ 9144000 w 9144000"/>
+              <a:gd name="connsiteY0" fmla="*/ 3992136 h 3992136"/>
+              <a:gd name="connsiteX1" fmla="*/ 0 w 9144000"/>
+              <a:gd name="connsiteY1" fmla="*/ 3992136 h 3992136"/>
+              <a:gd name="connsiteX2" fmla="*/ 0 w 9144000"/>
+              <a:gd name="connsiteY2" fmla="*/ 379141 h 3992136"/>
+              <a:gd name="connsiteX3" fmla="*/ 4301185 w 9144000"/>
+              <a:gd name="connsiteY3" fmla="*/ 379141 h 3992136"/>
+              <a:gd name="connsiteX4" fmla="*/ 4572001 w 9144000"/>
+              <a:gd name="connsiteY4" fmla="*/ 0 h 3992136"/>
+              <a:gd name="connsiteX5" fmla="*/ 4842816 w 9144000"/>
+              <a:gd name="connsiteY5" fmla="*/ 379141 h 3992136"/>
+              <a:gd name="connsiteX6" fmla="*/ 9144000 w 9144000"/>
+              <a:gd name="connsiteY6" fmla="*/ 379141 h 3992136"/>
+            </a:gdLst>
+            <a:ahLst/>
+            <a:cxnLst>
+              <a:cxn ang="0">
+                <a:pos x="connsiteX0" y="connsiteY0"/>
+              </a:cxn>
+              <a:cxn ang="0">
+                <a:pos x="connsiteX1" y="connsiteY1"/>
+              </a:cxn>
+              <a:cxn ang="0">
+                <a:pos x="connsiteX2" y="connsiteY2"/>
+              </a:cxn>
+              <a:cxn ang="0">
+                <a:pos x="connsiteX3" y="connsiteY3"/>
+              </a:cxn>
+              <a:cxn ang="0">
+                <a:pos x="connsiteX4" y="connsiteY4"/>
+              </a:cxn>
+              <a:cxn ang="0">
+                <a:pos x="connsiteX5" y="connsiteY5"/>
+              </a:cxn>
+              <a:cxn ang="0">
+                <a:pos x="connsiteX6" y="connsiteY6"/>
+              </a:cxn>
+            </a:cxnLst>
+            <a:rect l="l" t="t" r="r" b="b"/>
+            <a:pathLst>
+              <a:path w="9144000" h="3992136">
+                <a:moveTo>
+                  <a:pt x="9144000" y="3992136"/>
+                </a:moveTo>
+                <a:lnTo>
+                  <a:pt x="0" y="3992136"/>
+                </a:lnTo>
+                <a:lnTo>
+                  <a:pt x="0" y="379141"/>
+                </a:lnTo>
+                <a:lnTo>
+                  <a:pt x="4301185" y="379141"/>
+                </a:lnTo>
+                <a:lnTo>
+                  <a:pt x="4572001" y="0"/>
+                </a:lnTo>
+                <a:lnTo>
+                  <a:pt x="4842816" y="379141"/>
+                </a:lnTo>
+                <a:lnTo>
+                  <a:pt x="9144000" y="379141"/>
+                </a:lnTo>
+                <a:close/>
+              </a:path>
+            </a:pathLst>
+          </a:custGeom>
+          <a:ln>
+            <a:noFill/>
+          </a:ln>
+        </p:spPr>
+        <p:style>
+          <a:lnRef idx="2">
+            <a:schemeClr val="accent1">
+              <a:shade val="50000"/>
+            </a:schemeClr>
+          </a:lnRef>
+          <a:fillRef idx="1">
+            <a:schemeClr val="accent1"/>
+          </a:fillRef>
+          <a:effectRef idx="0">
+            <a:schemeClr val="accent1"/>
+          </a:effectRef>
+          <a:fontRef idx="minor">
+            <a:schemeClr val="lt1"/>
+          </a:fontRef>
+        </p:style>
+        <p:txBody>
+          <a:bodyPr wrap="square" rtlCol="0" anchor="ctr">
+            <a:noAutofit/>
+          </a:bodyPr>
+          <a:lstStyle/>
+          <a:p>
+            <a:pPr algn="ctr" defTabSz="609585">
+              <a:defRPr/>
+            </a:pPr>
+            <a:endParaRPr lang="zh-CN" altLang="en-US" sz="2400">
+              <a:solidFill>
+                <a:prstClr val="white"/>
+              </a:solidFill>
+              <a:latin typeface="Open Sans" panose="020B0606030504020204" charset="0"/>
+              <a:ea typeface="Open Sans" panose="020B0606030504020204" charset="0"/>
+              <a:cs typeface="Open Sans" panose="020B0606030504020204" charset="0"/>
+            </a:endParaRPr>
+          </a:p>
+        </p:txBody>
+      </p:sp>
+      <p:sp>
+        <p:nvSpPr>
+          <p:cNvPr id="21" name="矩形 20"/>
+          <p:cNvSpPr/>
+          <p:nvPr/>
+        </p:nvSpPr>
+        <p:spPr bwMode="auto">
+          <a:xfrm>
+            <a:off x="3556684" y="2882979"/>
+            <a:ext cx="5078634" cy="913007"/>
+          </a:xfrm>
+          <a:prstGeom prst="rect">
+            <a:avLst/>
+          </a:prstGeom>
+        </p:spPr>
+        <p:txBody>
+          <a:bodyPr wrap="none">
+            <a:spAutoFit/>
+          </a:bodyPr>
+          <a:lstStyle/>
+          <a:p>
+            <a:pPr algn="ctr" defTabSz="609585">
+              <a:defRPr/>
+            </a:pPr>
+            <a:r>
+              <a:rPr lang="en-US" altLang="zh-CN" sz="5333" b="1" kern="100" dirty="0">
+                <a:solidFill>
+                  <a:prstClr val="white"/>
+                </a:solidFill>
+                <a:latin typeface="Open Sans" panose="020B0606030504020204" charset="0"/>
+                <a:ea typeface="Open Sans" panose="020B0606030504020204" charset="0"/>
+                <a:cs typeface="Open Sans" panose="020B0606030504020204" charset="0"/>
               </a:rPr>
-              <a:t>https://data.ed.gov/dataset/federal-student-loan-portfolio/resources?resource=9f3366c2-ef2c-489c-86ad-12e334113e5b</a:t>
-            </a:r>
-          </a:p>
-          <a:p>
-            <a:endParaRPr lang="en-US"/>
+              <a:t>Students Loan</a:t>
+            </a:r>
+          </a:p>
+        </p:txBody>
+      </p:sp>
+      <p:cxnSp>
+        <p:nvCxnSpPr>
+          <p:cNvPr id="28" name="直接连接符 27"/>
+          <p:cNvCxnSpPr/>
+          <p:nvPr/>
+        </p:nvCxnSpPr>
+        <p:spPr>
+          <a:xfrm>
+            <a:off x="4621035" y="4423899"/>
+            <a:ext cx="3259493" cy="0"/>
+          </a:xfrm>
+          <a:prstGeom prst="line">
+            <a:avLst/>
+          </a:prstGeom>
+          <a:ln>
+            <a:solidFill>
+              <a:schemeClr val="bg1"/>
+            </a:solidFill>
+          </a:ln>
+        </p:spPr>
+        <p:style>
+          <a:lnRef idx="1">
+            <a:schemeClr val="accent1"/>
+          </a:lnRef>
+          <a:fillRef idx="0">
+            <a:schemeClr val="accent1"/>
+          </a:fillRef>
+          <a:effectRef idx="0">
+            <a:schemeClr val="accent1"/>
+          </a:effectRef>
+          <a:fontRef idx="minor">
+            <a:schemeClr val="tx1"/>
+          </a:fontRef>
+        </p:style>
+      </p:cxnSp>
+      <p:grpSp>
+        <p:nvGrpSpPr>
+          <p:cNvPr id="4" name="组合 3"/>
+          <p:cNvGrpSpPr/>
+          <p:nvPr/>
+        </p:nvGrpSpPr>
+        <p:grpSpPr>
+          <a:xfrm>
+            <a:off x="5191798" y="869258"/>
+            <a:ext cx="1808405" cy="1808405"/>
+            <a:chOff x="3893848" y="1276412"/>
+            <a:chExt cx="1356304" cy="1356304"/>
+          </a:xfrm>
+        </p:grpSpPr>
+        <p:sp>
+          <p:nvSpPr>
+            <p:cNvPr id="3" name="椭圆 2"/>
+            <p:cNvSpPr/>
+            <p:nvPr/>
+          </p:nvSpPr>
+          <p:spPr>
+            <a:xfrm>
+              <a:off x="3893848" y="1276412"/>
+              <a:ext cx="1356304" cy="1356304"/>
+            </a:xfrm>
+            <a:prstGeom prst="ellipse">
+              <a:avLst/>
+            </a:prstGeom>
+            <a:solidFill>
+              <a:schemeClr val="accent1"/>
+            </a:solidFill>
+            <a:ln w="57150">
+              <a:solidFill>
+                <a:schemeClr val="bg1"/>
+              </a:solidFill>
+            </a:ln>
+          </p:spPr>
+          <p:style>
+            <a:lnRef idx="2">
+              <a:schemeClr val="accent1">
+                <a:shade val="50000"/>
+              </a:schemeClr>
+            </a:lnRef>
+            <a:fillRef idx="1">
+              <a:schemeClr val="accent1"/>
+            </a:fillRef>
+            <a:effectRef idx="0">
+              <a:schemeClr val="accent1"/>
+            </a:effectRef>
+            <a:fontRef idx="minor">
+              <a:schemeClr val="lt1"/>
+            </a:fontRef>
+          </p:style>
+          <p:txBody>
+            <a:bodyPr rtlCol="0" anchor="ctr"/>
+            <a:lstStyle/>
+            <a:p>
+              <a:pPr algn="ctr" defTabSz="609585">
+                <a:defRPr/>
+              </a:pPr>
+              <a:endParaRPr lang="zh-CN" altLang="en-US" sz="2400">
+                <a:solidFill>
+                  <a:prstClr val="white"/>
+                </a:solidFill>
+                <a:latin typeface="Open Sans" panose="020B0606030504020204" charset="0"/>
+                <a:ea typeface="Open Sans" panose="020B0606030504020204" charset="0"/>
+                <a:cs typeface="Open Sans" panose="020B0606030504020204" charset="0"/>
+              </a:endParaRPr>
+            </a:p>
+          </p:txBody>
+        </p:sp>
+        <p:sp>
+          <p:nvSpPr>
+            <p:cNvPr id="31" name="Freeform 5"/>
+            <p:cNvSpPr>
+              <a:spLocks noEditPoints="1"/>
+            </p:cNvSpPr>
+            <p:nvPr/>
+          </p:nvSpPr>
+          <p:spPr bwMode="auto">
+            <a:xfrm>
+              <a:off x="4008813" y="1508646"/>
+              <a:ext cx="1126374" cy="827336"/>
+            </a:xfrm>
+            <a:custGeom>
+              <a:avLst/>
+              <a:gdLst>
+                <a:gd name="T0" fmla="*/ 690 w 702"/>
+                <a:gd name="T1" fmla="*/ 144 h 517"/>
+                <a:gd name="T2" fmla="*/ 358 w 702"/>
+                <a:gd name="T3" fmla="*/ 1 h 517"/>
+                <a:gd name="T4" fmla="*/ 351 w 702"/>
+                <a:gd name="T5" fmla="*/ 0 h 517"/>
+                <a:gd name="T6" fmla="*/ 345 w 702"/>
+                <a:gd name="T7" fmla="*/ 1 h 517"/>
+                <a:gd name="T8" fmla="*/ 12 w 702"/>
+                <a:gd name="T9" fmla="*/ 144 h 517"/>
+                <a:gd name="T10" fmla="*/ 0 w 702"/>
+                <a:gd name="T11" fmla="*/ 164 h 517"/>
+                <a:gd name="T12" fmla="*/ 12 w 702"/>
+                <a:gd name="T13" fmla="*/ 183 h 517"/>
+                <a:gd name="T14" fmla="*/ 345 w 702"/>
+                <a:gd name="T15" fmla="*/ 326 h 517"/>
+                <a:gd name="T16" fmla="*/ 358 w 702"/>
+                <a:gd name="T17" fmla="*/ 326 h 517"/>
+                <a:gd name="T18" fmla="*/ 616 w 702"/>
+                <a:gd name="T19" fmla="*/ 215 h 517"/>
+                <a:gd name="T20" fmla="*/ 616 w 702"/>
+                <a:gd name="T21" fmla="*/ 329 h 517"/>
+                <a:gd name="T22" fmla="*/ 593 w 702"/>
+                <a:gd name="T23" fmla="*/ 370 h 517"/>
+                <a:gd name="T24" fmla="*/ 616 w 702"/>
+                <a:gd name="T25" fmla="*/ 412 h 517"/>
+                <a:gd name="T26" fmla="*/ 616 w 702"/>
+                <a:gd name="T27" fmla="*/ 452 h 517"/>
+                <a:gd name="T28" fmla="*/ 650 w 702"/>
+                <a:gd name="T29" fmla="*/ 452 h 517"/>
+                <a:gd name="T30" fmla="*/ 650 w 702"/>
+                <a:gd name="T31" fmla="*/ 412 h 517"/>
+                <a:gd name="T32" fmla="*/ 674 w 702"/>
+                <a:gd name="T33" fmla="*/ 370 h 517"/>
+                <a:gd name="T34" fmla="*/ 650 w 702"/>
+                <a:gd name="T35" fmla="*/ 329 h 517"/>
+                <a:gd name="T36" fmla="*/ 650 w 702"/>
+                <a:gd name="T37" fmla="*/ 200 h 517"/>
+                <a:gd name="T38" fmla="*/ 690 w 702"/>
+                <a:gd name="T39" fmla="*/ 183 h 517"/>
+                <a:gd name="T40" fmla="*/ 702 w 702"/>
+                <a:gd name="T41" fmla="*/ 164 h 517"/>
+                <a:gd name="T42" fmla="*/ 690 w 702"/>
+                <a:gd name="T43" fmla="*/ 144 h 517"/>
+                <a:gd name="T44" fmla="*/ 351 w 702"/>
+                <a:gd name="T45" fmla="*/ 355 h 517"/>
+                <a:gd name="T46" fmla="*/ 336 w 702"/>
+                <a:gd name="T47" fmla="*/ 352 h 517"/>
+                <a:gd name="T48" fmla="*/ 129 w 702"/>
+                <a:gd name="T49" fmla="*/ 262 h 517"/>
+                <a:gd name="T50" fmla="*/ 129 w 702"/>
+                <a:gd name="T51" fmla="*/ 386 h 517"/>
+                <a:gd name="T52" fmla="*/ 327 w 702"/>
+                <a:gd name="T53" fmla="*/ 517 h 517"/>
+                <a:gd name="T54" fmla="*/ 375 w 702"/>
+                <a:gd name="T55" fmla="*/ 517 h 517"/>
+                <a:gd name="T56" fmla="*/ 574 w 702"/>
+                <a:gd name="T57" fmla="*/ 386 h 517"/>
+                <a:gd name="T58" fmla="*/ 574 w 702"/>
+                <a:gd name="T59" fmla="*/ 262 h 517"/>
+                <a:gd name="T60" fmla="*/ 366 w 702"/>
+                <a:gd name="T61" fmla="*/ 352 h 517"/>
+                <a:gd name="T62" fmla="*/ 351 w 702"/>
+                <a:gd name="T63" fmla="*/ 355 h 517"/>
+              </a:gdLst>
+              <a:ahLst/>
+              <a:cxnLst>
+                <a:cxn ang="0">
+                  <a:pos x="T0" y="T1"/>
+                </a:cxn>
+                <a:cxn ang="0">
+                  <a:pos x="T2" y="T3"/>
+                </a:cxn>
+                <a:cxn ang="0">
+                  <a:pos x="T4" y="T5"/>
+                </a:cxn>
+                <a:cxn ang="0">
+                  <a:pos x="T6" y="T7"/>
+                </a:cxn>
+                <a:cxn ang="0">
+                  <a:pos x="T8" y="T9"/>
+                </a:cxn>
+                <a:cxn ang="0">
+                  <a:pos x="T10" y="T11"/>
+                </a:cxn>
+                <a:cxn ang="0">
+                  <a:pos x="T12" y="T13"/>
+                </a:cxn>
+                <a:cxn ang="0">
+                  <a:pos x="T14" y="T15"/>
+                </a:cxn>
+                <a:cxn ang="0">
+                  <a:pos x="T16" y="T17"/>
+                </a:cxn>
+                <a:cxn ang="0">
+                  <a:pos x="T18" y="T19"/>
+                </a:cxn>
+                <a:cxn ang="0">
+                  <a:pos x="T20" y="T21"/>
+                </a:cxn>
+                <a:cxn ang="0">
+                  <a:pos x="T22" y="T23"/>
+                </a:cxn>
+                <a:cxn ang="0">
+                  <a:pos x="T24" y="T25"/>
+                </a:cxn>
+                <a:cxn ang="0">
+                  <a:pos x="T26" y="T27"/>
+                </a:cxn>
+                <a:cxn ang="0">
+                  <a:pos x="T28" y="T29"/>
+                </a:cxn>
+                <a:cxn ang="0">
+                  <a:pos x="T30" y="T31"/>
+                </a:cxn>
+                <a:cxn ang="0">
+                  <a:pos x="T32" y="T33"/>
+                </a:cxn>
+                <a:cxn ang="0">
+                  <a:pos x="T34" y="T35"/>
+                </a:cxn>
+                <a:cxn ang="0">
+                  <a:pos x="T36" y="T37"/>
+                </a:cxn>
+                <a:cxn ang="0">
+                  <a:pos x="T38" y="T39"/>
+                </a:cxn>
+                <a:cxn ang="0">
+                  <a:pos x="T40" y="T41"/>
+                </a:cxn>
+                <a:cxn ang="0">
+                  <a:pos x="T42" y="T43"/>
+                </a:cxn>
+                <a:cxn ang="0">
+                  <a:pos x="T44" y="T45"/>
+                </a:cxn>
+                <a:cxn ang="0">
+                  <a:pos x="T46" y="T47"/>
+                </a:cxn>
+                <a:cxn ang="0">
+                  <a:pos x="T48" y="T49"/>
+                </a:cxn>
+                <a:cxn ang="0">
+                  <a:pos x="T50" y="T51"/>
+                </a:cxn>
+                <a:cxn ang="0">
+                  <a:pos x="T52" y="T53"/>
+                </a:cxn>
+                <a:cxn ang="0">
+                  <a:pos x="T54" y="T55"/>
+                </a:cxn>
+                <a:cxn ang="0">
+                  <a:pos x="T56" y="T57"/>
+                </a:cxn>
+                <a:cxn ang="0">
+                  <a:pos x="T58" y="T59"/>
+                </a:cxn>
+                <a:cxn ang="0">
+                  <a:pos x="T60" y="T61"/>
+                </a:cxn>
+                <a:cxn ang="0">
+                  <a:pos x="T62" y="T63"/>
+                </a:cxn>
+              </a:cxnLst>
+              <a:rect l="0" t="0" r="r" b="b"/>
+              <a:pathLst>
+                <a:path w="702" h="517">
+                  <a:moveTo>
+                    <a:pt x="690" y="144"/>
+                  </a:moveTo>
+                  <a:cubicBezTo>
+                    <a:pt x="358" y="1"/>
+                    <a:pt x="358" y="1"/>
+                    <a:pt x="358" y="1"/>
+                  </a:cubicBezTo>
+                  <a:cubicBezTo>
+                    <a:pt x="356" y="0"/>
+                    <a:pt x="353" y="0"/>
+                    <a:pt x="351" y="0"/>
+                  </a:cubicBezTo>
+                  <a:cubicBezTo>
+                    <a:pt x="349" y="0"/>
+                    <a:pt x="347" y="0"/>
+                    <a:pt x="345" y="1"/>
+                  </a:cubicBezTo>
+                  <a:cubicBezTo>
+                    <a:pt x="12" y="144"/>
+                    <a:pt x="12" y="144"/>
+                    <a:pt x="12" y="144"/>
+                  </a:cubicBezTo>
+                  <a:cubicBezTo>
+                    <a:pt x="5" y="147"/>
+                    <a:pt x="0" y="155"/>
+                    <a:pt x="0" y="164"/>
+                  </a:cubicBezTo>
+                  <a:cubicBezTo>
+                    <a:pt x="0" y="172"/>
+                    <a:pt x="5" y="180"/>
+                    <a:pt x="12" y="183"/>
+                  </a:cubicBezTo>
+                  <a:cubicBezTo>
+                    <a:pt x="345" y="326"/>
+                    <a:pt x="345" y="326"/>
+                    <a:pt x="345" y="326"/>
+                  </a:cubicBezTo>
+                  <a:cubicBezTo>
+                    <a:pt x="349" y="328"/>
+                    <a:pt x="354" y="328"/>
+                    <a:pt x="358" y="326"/>
+                  </a:cubicBezTo>
+                  <a:cubicBezTo>
+                    <a:pt x="616" y="215"/>
+                    <a:pt x="616" y="215"/>
+                    <a:pt x="616" y="215"/>
+                  </a:cubicBezTo>
+                  <a:cubicBezTo>
+                    <a:pt x="616" y="329"/>
+                    <a:pt x="616" y="329"/>
+                    <a:pt x="616" y="329"/>
+                  </a:cubicBezTo>
+                  <a:cubicBezTo>
+                    <a:pt x="602" y="336"/>
+                    <a:pt x="593" y="352"/>
+                    <a:pt x="593" y="370"/>
+                  </a:cubicBezTo>
+                  <a:cubicBezTo>
+                    <a:pt x="593" y="389"/>
+                    <a:pt x="602" y="405"/>
+                    <a:pt x="616" y="412"/>
+                  </a:cubicBezTo>
+                  <a:cubicBezTo>
+                    <a:pt x="616" y="452"/>
+                    <a:pt x="616" y="452"/>
+                    <a:pt x="616" y="452"/>
+                  </a:cubicBezTo>
+                  <a:cubicBezTo>
+                    <a:pt x="650" y="452"/>
+                    <a:pt x="650" y="452"/>
+                    <a:pt x="650" y="452"/>
+                  </a:cubicBezTo>
+                  <a:cubicBezTo>
+                    <a:pt x="650" y="412"/>
+                    <a:pt x="650" y="412"/>
+                    <a:pt x="650" y="412"/>
+                  </a:cubicBezTo>
+                  <a:cubicBezTo>
+                    <a:pt x="664" y="405"/>
+                    <a:pt x="674" y="389"/>
+                    <a:pt x="674" y="370"/>
+                  </a:cubicBezTo>
+                  <a:cubicBezTo>
+                    <a:pt x="674" y="352"/>
+                    <a:pt x="664" y="336"/>
+                    <a:pt x="650" y="329"/>
+                  </a:cubicBezTo>
+                  <a:cubicBezTo>
+                    <a:pt x="650" y="200"/>
+                    <a:pt x="650" y="200"/>
+                    <a:pt x="650" y="200"/>
+                  </a:cubicBezTo>
+                  <a:cubicBezTo>
+                    <a:pt x="690" y="183"/>
+                    <a:pt x="690" y="183"/>
+                    <a:pt x="690" y="183"/>
+                  </a:cubicBezTo>
+                  <a:cubicBezTo>
+                    <a:pt x="697" y="180"/>
+                    <a:pt x="702" y="172"/>
+                    <a:pt x="702" y="164"/>
+                  </a:cubicBezTo>
+                  <a:cubicBezTo>
+                    <a:pt x="702" y="155"/>
+                    <a:pt x="697" y="147"/>
+                    <a:pt x="690" y="144"/>
+                  </a:cubicBezTo>
+                  <a:close/>
+                  <a:moveTo>
+                    <a:pt x="351" y="355"/>
+                  </a:moveTo>
+                  <a:cubicBezTo>
+                    <a:pt x="346" y="355"/>
+                    <a:pt x="341" y="354"/>
+                    <a:pt x="336" y="352"/>
+                  </a:cubicBezTo>
+                  <a:cubicBezTo>
+                    <a:pt x="129" y="262"/>
+                    <a:pt x="129" y="262"/>
+                    <a:pt x="129" y="262"/>
+                  </a:cubicBezTo>
+                  <a:cubicBezTo>
+                    <a:pt x="129" y="386"/>
+                    <a:pt x="129" y="386"/>
+                    <a:pt x="129" y="386"/>
+                  </a:cubicBezTo>
+                  <a:cubicBezTo>
+                    <a:pt x="129" y="487"/>
+                    <a:pt x="280" y="517"/>
+                    <a:pt x="327" y="517"/>
+                  </a:cubicBezTo>
+                  <a:cubicBezTo>
+                    <a:pt x="375" y="517"/>
+                    <a:pt x="375" y="517"/>
+                    <a:pt x="375" y="517"/>
+                  </a:cubicBezTo>
+                  <a:cubicBezTo>
+                    <a:pt x="410" y="517"/>
+                    <a:pt x="574" y="487"/>
+                    <a:pt x="574" y="386"/>
+                  </a:cubicBezTo>
+                  <a:cubicBezTo>
+                    <a:pt x="574" y="262"/>
+                    <a:pt x="574" y="262"/>
+                    <a:pt x="574" y="262"/>
+                  </a:cubicBezTo>
+                  <a:cubicBezTo>
+                    <a:pt x="366" y="352"/>
+                    <a:pt x="366" y="352"/>
+                    <a:pt x="366" y="352"/>
+                  </a:cubicBezTo>
+                  <a:cubicBezTo>
+                    <a:pt x="361" y="354"/>
+                    <a:pt x="356" y="355"/>
+                    <a:pt x="351" y="355"/>
+                  </a:cubicBezTo>
+                  <a:close/>
+                </a:path>
+              </a:pathLst>
+            </a:custGeom>
+            <a:solidFill>
+              <a:schemeClr val="bg1"/>
+            </a:solidFill>
+            <a:ln>
+              <a:noFill/>
+            </a:ln>
+          </p:spPr>
+          <p:txBody>
+            <a:bodyPr vert="horz" wrap="square" lIns="121920" tIns="60960" rIns="121920" bIns="60960" numCol="1" anchor="t" anchorCtr="0" compatLnSpc="1"/>
+            <a:lstStyle/>
+            <a:p>
+              <a:pPr defTabSz="609585">
+                <a:defRPr/>
+              </a:pPr>
+              <a:endParaRPr lang="zh-CN" altLang="en-US" sz="2400">
+                <a:solidFill>
+                  <a:prstClr val="white"/>
+                </a:solidFill>
+                <a:latin typeface="Open Sans" panose="020B0606030504020204" charset="0"/>
+                <a:ea typeface="Open Sans" panose="020B0606030504020204" charset="0"/>
+                <a:cs typeface="Open Sans" panose="020B0606030504020204" charset="0"/>
+              </a:endParaRPr>
+            </a:p>
+          </p:txBody>
+        </p:sp>
+      </p:grpSp>
+      <p:sp>
+        <p:nvSpPr>
+          <p:cNvPr id="2" name="矩形 20"/>
+          <p:cNvSpPr/>
+          <p:nvPr/>
+        </p:nvSpPr>
+        <p:spPr bwMode="auto">
+          <a:xfrm>
+            <a:off x="2648378" y="5472086"/>
+            <a:ext cx="6707285" cy="830997"/>
+          </a:xfrm>
+          <a:prstGeom prst="rect">
+            <a:avLst/>
+          </a:prstGeom>
+        </p:spPr>
+        <p:style>
+          <a:lnRef idx="0">
+            <a:srgbClr val="FFFFFF"/>
+          </a:lnRef>
+          <a:fillRef idx="1">
+            <a:schemeClr val="accent1"/>
+          </a:fillRef>
+          <a:effectRef idx="0">
+            <a:srgbClr val="FFFFFF"/>
+          </a:effectRef>
+          <a:fontRef idx="minor">
+            <a:schemeClr val="lt1"/>
+          </a:fontRef>
+        </p:style>
+        <p:txBody>
+          <a:bodyPr wrap="none">
+            <a:spAutoFit/>
+          </a:bodyPr>
+          <a:lstStyle/>
+          <a:p>
+            <a:pPr algn="ctr" defTabSz="609585">
+              <a:defRPr/>
+            </a:pPr>
+            <a:r>
+              <a:rPr lang="en-US" altLang="zh-CN" sz="2400" b="1" kern="100" dirty="0">
+                <a:solidFill>
+                  <a:prstClr val="white"/>
+                </a:solidFill>
+                <a:latin typeface="Open Sans" panose="020B0606030504020204" charset="0"/>
+                <a:ea typeface="Open Sans" panose="020B0606030504020204" charset="0"/>
+                <a:cs typeface="Open Sans" panose="020B0606030504020204" charset="0"/>
+              </a:rPr>
+              <a:t>How much has been borrowed? </a:t>
+            </a:r>
+          </a:p>
+          <a:p>
+            <a:pPr algn="ctr" defTabSz="609585">
+              <a:defRPr/>
+            </a:pPr>
+            <a:r>
+              <a:rPr lang="en-US" altLang="zh-CN" sz="2400" b="1" kern="100" dirty="0">
+                <a:solidFill>
+                  <a:prstClr val="white"/>
+                </a:solidFill>
+                <a:latin typeface="Open Sans" panose="020B0606030504020204" charset="0"/>
+                <a:ea typeface="Open Sans" panose="020B0606030504020204" charset="0"/>
+                <a:cs typeface="Open Sans" panose="020B0606030504020204" charset="0"/>
+              </a:rPr>
+              <a:t>How many students have taken out loans?</a:t>
+            </a:r>
+          </a:p>
+        </p:txBody>
+      </p:sp>
+      <p:sp>
+        <p:nvSpPr>
+          <p:cNvPr id="5" name="矩形 20"/>
+          <p:cNvSpPr/>
+          <p:nvPr/>
+        </p:nvSpPr>
+        <p:spPr bwMode="auto">
+          <a:xfrm>
+            <a:off x="5077132" y="3829553"/>
+            <a:ext cx="2037737" cy="461665"/>
+          </a:xfrm>
+          <a:prstGeom prst="rect">
+            <a:avLst/>
+          </a:prstGeom>
+        </p:spPr>
+        <p:style>
+          <a:lnRef idx="2">
+            <a:schemeClr val="accent1"/>
+          </a:lnRef>
+          <a:fillRef idx="0">
+            <a:srgbClr val="FFFFFF"/>
+          </a:fillRef>
+          <a:effectRef idx="0">
+            <a:srgbClr val="FFFFFF"/>
+          </a:effectRef>
+          <a:fontRef idx="minor">
+            <a:schemeClr val="dk1"/>
+          </a:fontRef>
+        </p:style>
+        <p:txBody>
+          <a:bodyPr wrap="none">
+            <a:spAutoFit/>
+          </a:bodyPr>
+          <a:lstStyle/>
+          <a:p>
+            <a:pPr algn="ctr" defTabSz="609585">
+              <a:defRPr/>
+            </a:pPr>
+            <a:r>
+              <a:rPr lang="en-US" altLang="zh-CN" sz="2400" b="1" kern="100">
+                <a:solidFill>
+                  <a:prstClr val="white"/>
+                </a:solidFill>
+                <a:latin typeface="Open Sans" panose="020B0606030504020204" charset="0"/>
+                <a:ea typeface="Open Sans" panose="020B0606030504020204" charset="0"/>
+                <a:cs typeface="Open Sans" panose="020B0606030504020204" charset="0"/>
+              </a:rPr>
+              <a:t>Let’s look at</a:t>
+            </a:r>
           </a:p>
         </p:txBody>
       </p:sp>
     </p:spTree>
-    <p:extLst>
-      <p:ext uri="{BB962C8B-B14F-4D97-AF65-F5344CB8AC3E}">
-        <p14:creationId xmlns:p14="http://schemas.microsoft.com/office/powerpoint/2010/main" val="1152094537"/>
-      </p:ext>
-    </p:extLst>
+  </p:cSld>
+  <p:clrMapOvr>
+    <a:masterClrMapping/>
+  </p:clrMapOvr>
+</p:sld>
+</file>
+
+<file path=ppt/slides/slide6.xml><?xml version="1.0" encoding="utf-8"?>
+<p:sld xmlns:a="http://schemas.openxmlformats.org/drawingml/2006/main" xmlns:r="http://schemas.openxmlformats.org/officeDocument/2006/relationships" xmlns:p="http://schemas.openxmlformats.org/presentationml/2006/main">
+  <p:cSld>
+    <p:spTree>
+      <p:nvGrpSpPr>
+        <p:cNvPr id="1" name=""/>
+        <p:cNvGrpSpPr/>
+        <p:nvPr/>
+      </p:nvGrpSpPr>
+      <p:grpSpPr>
+        <a:xfrm>
+          <a:off x="0" y="0"/>
+          <a:ext cx="0" cy="0"/>
+          <a:chOff x="0" y="0"/>
+          <a:chExt cx="0" cy="0"/>
+        </a:xfrm>
+      </p:grpSpPr>
+      <p:sp>
+        <p:nvSpPr>
+          <p:cNvPr id="2" name="矩形 1"/>
+          <p:cNvSpPr/>
+          <p:nvPr/>
+        </p:nvSpPr>
+        <p:spPr>
+          <a:xfrm>
+            <a:off x="0" y="-14188"/>
+            <a:ext cx="12192000" cy="3030703"/>
+          </a:xfrm>
+          <a:prstGeom prst="rect">
+            <a:avLst/>
+          </a:prstGeom>
+          <a:ln>
+            <a:noFill/>
+          </a:ln>
+        </p:spPr>
+        <p:style>
+          <a:lnRef idx="2">
+            <a:schemeClr val="accent1">
+              <a:shade val="50000"/>
+            </a:schemeClr>
+          </a:lnRef>
+          <a:fillRef idx="1">
+            <a:schemeClr val="accent1"/>
+          </a:fillRef>
+          <a:effectRef idx="0">
+            <a:schemeClr val="accent1"/>
+          </a:effectRef>
+          <a:fontRef idx="minor">
+            <a:schemeClr val="lt1"/>
+          </a:fontRef>
+        </p:style>
+        <p:txBody>
+          <a:bodyPr rtlCol="0" anchor="ctr"/>
+          <a:lstStyle/>
+          <a:p>
+            <a:pPr algn="ctr"/>
+            <a:endParaRPr lang="zh-CN" altLang="en-US" sz="2400">
+              <a:cs typeface="Open Sans" panose="020B0606030504020204" charset="0"/>
+            </a:endParaRPr>
+          </a:p>
+        </p:txBody>
+      </p:sp>
+      <p:sp>
+        <p:nvSpPr>
+          <p:cNvPr id="21" name="矩形 20"/>
+          <p:cNvSpPr/>
+          <p:nvPr/>
+        </p:nvSpPr>
+        <p:spPr bwMode="auto">
+          <a:xfrm>
+            <a:off x="1656068" y="3524597"/>
+            <a:ext cx="8879867" cy="913007"/>
+          </a:xfrm>
+          <a:prstGeom prst="rect">
+            <a:avLst/>
+          </a:prstGeom>
+        </p:spPr>
+        <p:txBody>
+          <a:bodyPr wrap="none">
+            <a:spAutoFit/>
+          </a:bodyPr>
+          <a:lstStyle/>
+          <a:p>
+            <a:pPr algn="ctr">
+              <a:defRPr/>
+            </a:pPr>
+            <a:r>
+              <a:rPr lang="en-US" altLang="zh-CN" sz="5333" b="1" kern="100">
+                <a:solidFill>
+                  <a:schemeClr val="accent1"/>
+                </a:solidFill>
+                <a:latin typeface="+mj-ea"/>
+                <a:ea typeface="+mj-ea"/>
+                <a:cs typeface="Open Sans" panose="020B0606030504020204" charset="0"/>
+              </a:rPr>
+              <a:t>Total Dollars vs Recipients</a:t>
+            </a:r>
+          </a:p>
+        </p:txBody>
+      </p:sp>
+      <p:sp>
+        <p:nvSpPr>
+          <p:cNvPr id="23" name="矩形 22"/>
+          <p:cNvSpPr/>
+          <p:nvPr/>
+        </p:nvSpPr>
+        <p:spPr>
+          <a:xfrm>
+            <a:off x="1676401" y="4531361"/>
+            <a:ext cx="8838353" cy="461665"/>
+          </a:xfrm>
+          <a:prstGeom prst="rect">
+            <a:avLst/>
+          </a:prstGeom>
+        </p:spPr>
+        <p:style>
+          <a:lnRef idx="0">
+            <a:srgbClr val="FFFFFF"/>
+          </a:lnRef>
+          <a:fillRef idx="1">
+            <a:schemeClr val="accent1"/>
+          </a:fillRef>
+          <a:effectRef idx="0">
+            <a:srgbClr val="FFFFFF"/>
+          </a:effectRef>
+          <a:fontRef idx="minor">
+            <a:schemeClr val="lt1"/>
+          </a:fontRef>
+        </p:style>
+        <p:txBody>
+          <a:bodyPr wrap="square">
+            <a:spAutoFit/>
+          </a:bodyPr>
+          <a:lstStyle/>
+          <a:p>
+            <a:pPr algn="ctr"/>
+            <a:r>
+              <a:rPr lang="en-US" altLang="zh-CN" sz="2400" b="1" kern="100">
+                <a:solidFill>
+                  <a:prstClr val="white"/>
+                </a:solidFill>
+                <a:latin typeface="Open Sans" panose="020B0606030504020204" charset="0"/>
+                <a:ea typeface="Open Sans" panose="020B0606030504020204" charset="0"/>
+                <a:cs typeface="Open Sans" panose="020B0606030504020204" charset="0"/>
+                <a:sym typeface="+mn-ea"/>
+              </a:rPr>
+              <a:t>Direct Loan, Federal Femily Education Loan, Perkin</a:t>
+            </a:r>
+            <a:r>
+              <a:rPr lang="en-US" altLang="zh-CN" sz="2400" b="1" i="1">
+                <a:solidFill>
+                  <a:schemeClr val="tx1">
+                    <a:lumMod val="75000"/>
+                    <a:lumOff val="25000"/>
+                  </a:schemeClr>
+                </a:solidFill>
+                <a:latin typeface="+mj-lt"/>
+                <a:cs typeface="Open Sans" panose="020B0606030504020204" charset="0"/>
+              </a:rPr>
+              <a:t> </a:t>
+            </a:r>
+          </a:p>
+        </p:txBody>
+      </p:sp>
+      <p:cxnSp>
+        <p:nvCxnSpPr>
+          <p:cNvPr id="28" name="直接连接符 27"/>
+          <p:cNvCxnSpPr/>
+          <p:nvPr/>
+        </p:nvCxnSpPr>
+        <p:spPr>
+          <a:xfrm>
+            <a:off x="4466252" y="5161429"/>
+            <a:ext cx="3259493" cy="0"/>
+          </a:xfrm>
+          <a:prstGeom prst="line">
+            <a:avLst/>
+          </a:prstGeom>
+          <a:ln>
+            <a:solidFill>
+              <a:schemeClr val="accent1"/>
+            </a:solidFill>
+          </a:ln>
+        </p:spPr>
+        <p:style>
+          <a:lnRef idx="1">
+            <a:schemeClr val="accent1"/>
+          </a:lnRef>
+          <a:fillRef idx="0">
+            <a:schemeClr val="accent1"/>
+          </a:fillRef>
+          <a:effectRef idx="0">
+            <a:schemeClr val="accent1"/>
+          </a:effectRef>
+          <a:fontRef idx="minor">
+            <a:schemeClr val="tx1"/>
+          </a:fontRef>
+        </p:style>
+      </p:cxnSp>
+      <p:sp>
+        <p:nvSpPr>
+          <p:cNvPr id="3" name="椭圆 2"/>
+          <p:cNvSpPr/>
+          <p:nvPr/>
+        </p:nvSpPr>
+        <p:spPr>
+          <a:xfrm>
+            <a:off x="5191796" y="1701883"/>
+            <a:ext cx="1808405" cy="1808405"/>
+          </a:xfrm>
+          <a:prstGeom prst="ellipse">
+            <a:avLst/>
+          </a:prstGeom>
+          <a:ln w="57150">
+            <a:solidFill>
+              <a:schemeClr val="bg1"/>
+            </a:solidFill>
+          </a:ln>
+        </p:spPr>
+        <p:style>
+          <a:lnRef idx="2">
+            <a:schemeClr val="accent1">
+              <a:shade val="50000"/>
+            </a:schemeClr>
+          </a:lnRef>
+          <a:fillRef idx="1">
+            <a:schemeClr val="accent1"/>
+          </a:fillRef>
+          <a:effectRef idx="0">
+            <a:schemeClr val="accent1"/>
+          </a:effectRef>
+          <a:fontRef idx="minor">
+            <a:schemeClr val="lt1"/>
+          </a:fontRef>
+        </p:style>
+        <p:txBody>
+          <a:bodyPr rtlCol="0" anchor="ctr"/>
+          <a:lstStyle/>
+          <a:p>
+            <a:pPr algn="ctr"/>
+            <a:r>
+              <a:rPr lang="en-US" altLang="zh-CN" sz="6400" b="1">
+                <a:latin typeface="Open Sans" panose="020B0606030504020204" charset="0"/>
+                <a:cs typeface="Open Sans" panose="020B0606030504020204" charset="0"/>
+              </a:rPr>
+              <a:t>01</a:t>
+            </a:r>
+          </a:p>
+        </p:txBody>
+      </p:sp>
+      <p:sp>
+        <p:nvSpPr>
+          <p:cNvPr id="14" name="矩形: 圆角 13"/>
+          <p:cNvSpPr/>
+          <p:nvPr/>
+        </p:nvSpPr>
+        <p:spPr>
+          <a:xfrm>
+            <a:off x="4894581" y="5640494"/>
+            <a:ext cx="2401993" cy="525780"/>
+          </a:xfrm>
+          <a:prstGeom prst="roundRect">
+            <a:avLst>
+              <a:gd name="adj" fmla="val 50000"/>
+            </a:avLst>
+          </a:prstGeom>
+          <a:ln>
+            <a:solidFill>
+              <a:schemeClr val="bg1"/>
+            </a:solidFill>
+          </a:ln>
+        </p:spPr>
+        <p:style>
+          <a:lnRef idx="2">
+            <a:schemeClr val="accent1">
+              <a:shade val="50000"/>
+            </a:schemeClr>
+          </a:lnRef>
+          <a:fillRef idx="1">
+            <a:schemeClr val="accent1"/>
+          </a:fillRef>
+          <a:effectRef idx="0">
+            <a:schemeClr val="accent1"/>
+          </a:effectRef>
+          <a:fontRef idx="minor">
+            <a:schemeClr val="lt1"/>
+          </a:fontRef>
+        </p:style>
+        <p:txBody>
+          <a:bodyPr rtlCol="0" anchor="ctr"/>
+          <a:lstStyle/>
+          <a:p>
+            <a:pPr algn="ctr"/>
+            <a:r>
+              <a:rPr lang="zh-CN" altLang="en-US" sz="1467">
+                <a:latin typeface="+mj-lt"/>
+                <a:cs typeface="Open Sans" panose="020B0606030504020204" charset="0"/>
+              </a:rPr>
+              <a:t>Overview</a:t>
+            </a:r>
+          </a:p>
+        </p:txBody>
+      </p:sp>
+      <p:sp>
+        <p:nvSpPr>
+          <p:cNvPr id="5" name="Text Box 4"/>
+          <p:cNvSpPr txBox="1"/>
+          <p:nvPr/>
+        </p:nvSpPr>
+        <p:spPr>
+          <a:xfrm>
+            <a:off x="4064847" y="419100"/>
+            <a:ext cx="4064000" cy="666786"/>
+          </a:xfrm>
+          <a:prstGeom prst="rect">
+            <a:avLst/>
+          </a:prstGeom>
+          <a:noFill/>
+        </p:spPr>
+        <p:txBody>
+          <a:bodyPr wrap="square" rtlCol="0">
+            <a:spAutoFit/>
+          </a:bodyPr>
+          <a:lstStyle/>
+          <a:p>
+            <a:pPr algn="ctr"/>
+            <a:r>
+              <a:rPr lang="en-US" sz="3733" b="1">
+                <a:solidFill>
+                  <a:schemeClr val="tx2"/>
+                </a:solidFill>
+              </a:rPr>
+              <a:t>2007 - 2022</a:t>
+            </a:r>
+          </a:p>
+        </p:txBody>
+      </p:sp>
+    </p:spTree>
+  </p:cSld>
+  <p:clrMapOvr>
+    <a:masterClrMapping/>
+  </p:clrMapOvr>
+</p:sld>
+</file>
+
+<file path=ppt/slides/slide7.xml><?xml version="1.0" encoding="utf-8"?>
+<p:sld xmlns:a="http://schemas.openxmlformats.org/drawingml/2006/main" xmlns:r="http://schemas.openxmlformats.org/officeDocument/2006/relationships" xmlns:p="http://schemas.openxmlformats.org/presentationml/2006/main">
+  <p:cSld>
+    <p:spTree>
+      <p:nvGrpSpPr>
+        <p:cNvPr id="1" name=""/>
+        <p:cNvGrpSpPr/>
+        <p:nvPr/>
+      </p:nvGrpSpPr>
+      <p:grpSpPr>
+        <a:xfrm>
+          <a:off x="0" y="0"/>
+          <a:ext cx="0" cy="0"/>
+          <a:chOff x="0" y="0"/>
+          <a:chExt cx="0" cy="0"/>
+        </a:xfrm>
+      </p:grpSpPr>
+      <p:pic>
+        <p:nvPicPr>
+          <p:cNvPr id="8" name="图片 7"/>
+          <p:cNvPicPr>
+            <a:picLocks noChangeAspect="1"/>
+          </p:cNvPicPr>
+          <p:nvPr/>
+        </p:nvPicPr>
+        <p:blipFill rotWithShape="1">
+          <a:blip r:embed="rId2">
+            <a:extLst>
+              <a:ext uri="{28A0092B-C50C-407E-A947-70E740481C1C}">
+                <a14:useLocalDpi xmlns:a14="http://schemas.microsoft.com/office/drawing/2010/main" val="0"/>
+              </a:ext>
+            </a:extLst>
+          </a:blip>
+          <a:srcRect t="7654" b="7654"/>
+          <a:stretch>
+            <a:fillRect/>
+          </a:stretch>
+        </p:blipFill>
+        <p:spPr>
+          <a:xfrm>
+            <a:off x="0" y="0"/>
+            <a:ext cx="12192000" cy="6858000"/>
+          </a:xfrm>
+          <a:prstGeom prst="rect">
+            <a:avLst/>
+          </a:prstGeom>
+        </p:spPr>
+      </p:pic>
+      <p:sp>
+        <p:nvSpPr>
+          <p:cNvPr id="2" name="矩形 1"/>
+          <p:cNvSpPr/>
+          <p:nvPr/>
+        </p:nvSpPr>
+        <p:spPr>
+          <a:xfrm>
+            <a:off x="284480" y="351973"/>
+            <a:ext cx="11623040" cy="6154057"/>
+          </a:xfrm>
+          <a:prstGeom prst="rect">
+            <a:avLst/>
+          </a:prstGeom>
+          <a:solidFill>
+            <a:schemeClr val="accent1">
+              <a:alpha val="90000"/>
+            </a:schemeClr>
+          </a:solidFill>
+          <a:ln>
+            <a:noFill/>
+          </a:ln>
+        </p:spPr>
+        <p:style>
+          <a:lnRef idx="2">
+            <a:schemeClr val="accent1">
+              <a:shade val="50000"/>
+            </a:schemeClr>
+          </a:lnRef>
+          <a:fillRef idx="1">
+            <a:schemeClr val="accent1"/>
+          </a:fillRef>
+          <a:effectRef idx="0">
+            <a:schemeClr val="accent1"/>
+          </a:effectRef>
+          <a:fontRef idx="minor">
+            <a:schemeClr val="lt1"/>
+          </a:fontRef>
+        </p:style>
+        <p:txBody>
+          <a:bodyPr rtlCol="0" anchor="ctr"/>
+          <a:lstStyle/>
+          <a:p>
+            <a:pPr algn="ctr" defTabSz="609585">
+              <a:defRPr/>
+            </a:pPr>
+            <a:endParaRPr lang="zh-CN" altLang="en-US" sz="2400">
+              <a:solidFill>
+                <a:prstClr val="white"/>
+              </a:solidFill>
+              <a:latin typeface="Open Sans" panose="020B0606030504020204" charset="0"/>
+              <a:ea typeface="Open Sans" panose="020B0606030504020204" charset="0"/>
+              <a:cs typeface="Open Sans" panose="020B0606030504020204" charset="0"/>
+            </a:endParaRPr>
+          </a:p>
+        </p:txBody>
+      </p:sp>
+      <p:sp>
+        <p:nvSpPr>
+          <p:cNvPr id="4" name="矩形 3"/>
+          <p:cNvSpPr/>
+          <p:nvPr/>
+        </p:nvSpPr>
+        <p:spPr bwMode="auto">
+          <a:xfrm>
+            <a:off x="468029" y="769922"/>
+            <a:ext cx="2729953" cy="4770537"/>
+          </a:xfrm>
+          <a:prstGeom prst="rect">
+            <a:avLst/>
+          </a:prstGeom>
+        </p:spPr>
+        <p:txBody>
+          <a:bodyPr wrap="square">
+            <a:spAutoFit/>
+          </a:bodyPr>
+          <a:lstStyle/>
+          <a:p>
+            <a:pPr marL="228594" indent="-228594" defTabSz="609585">
+              <a:buFont typeface="Arial" panose="020B0604020202020204" pitchFamily="34" charset="0"/>
+              <a:buChar char="•"/>
+              <a:defRPr/>
+            </a:pPr>
+            <a:r>
+              <a:rPr lang="en-US" altLang="zh-CN" sz="1600" b="1" i="1">
+                <a:solidFill>
+                  <a:prstClr val="white"/>
+                </a:solidFill>
+                <a:latin typeface="Open Sans" panose="020B0606030504020204" charset="0"/>
+                <a:ea typeface="Open Sans" panose="020B0606030504020204" charset="0"/>
+                <a:cs typeface="Open Sans" panose="020B0606030504020204" charset="0"/>
+              </a:rPr>
+              <a:t>This bar graph presents a comparison between total dollar amounts and the number of recipients from the years 2007 to 2022. </a:t>
+            </a:r>
+          </a:p>
+          <a:p>
+            <a:pPr defTabSz="609585">
+              <a:defRPr/>
+            </a:pPr>
+            <a:endParaRPr lang="en-US" altLang="zh-CN" sz="1600" b="1" i="1">
+              <a:solidFill>
+                <a:prstClr val="white"/>
+              </a:solidFill>
+              <a:latin typeface="Open Sans" panose="020B0606030504020204" charset="0"/>
+              <a:ea typeface="Open Sans" panose="020B0606030504020204" charset="0"/>
+              <a:cs typeface="Open Sans" panose="020B0606030504020204" charset="0"/>
+            </a:endParaRPr>
+          </a:p>
+          <a:p>
+            <a:pPr marL="228594" indent="-228594" defTabSz="609585">
+              <a:buFont typeface="Arial" panose="020B0604020202020204" pitchFamily="34" charset="0"/>
+              <a:buChar char="•"/>
+              <a:defRPr/>
+            </a:pPr>
+            <a:r>
+              <a:rPr lang="en-US" altLang="zh-CN" sz="1600" b="1" i="1">
+                <a:solidFill>
+                  <a:prstClr val="white"/>
+                </a:solidFill>
+                <a:latin typeface="Open Sans" panose="020B0606030504020204" charset="0"/>
+                <a:ea typeface="Open Sans" panose="020B0606030504020204" charset="0"/>
+                <a:cs typeface="Open Sans" panose="020B0606030504020204" charset="0"/>
+              </a:rPr>
+              <a:t>A significant increase is evident in 2013, with the number of recipients surging to more than three times the previous year's figure.</a:t>
+            </a:r>
+          </a:p>
+          <a:p>
+            <a:pPr defTabSz="609585">
+              <a:defRPr/>
+            </a:pPr>
+            <a:endParaRPr lang="en-US" altLang="zh-CN" sz="1600" b="1" i="1">
+              <a:solidFill>
+                <a:prstClr val="white"/>
+              </a:solidFill>
+              <a:latin typeface="Open Sans" panose="020B0606030504020204" charset="0"/>
+              <a:ea typeface="Open Sans" panose="020B0606030504020204" charset="0"/>
+              <a:cs typeface="Open Sans" panose="020B0606030504020204" charset="0"/>
+            </a:endParaRPr>
+          </a:p>
+          <a:p>
+            <a:pPr marL="228594" indent="-228594" defTabSz="609585">
+              <a:buFont typeface="Arial" panose="020B0604020202020204" pitchFamily="34" charset="0"/>
+              <a:buChar char="•"/>
+              <a:defRPr/>
+            </a:pPr>
+            <a:r>
+              <a:rPr lang="en-US" altLang="zh-CN" sz="1600" b="1" i="1">
+                <a:solidFill>
+                  <a:prstClr val="white"/>
+                </a:solidFill>
+                <a:latin typeface="Open Sans" panose="020B0606030504020204" charset="0"/>
+                <a:ea typeface="Open Sans" panose="020B0606030504020204" charset="0"/>
+                <a:cs typeface="Open Sans" panose="020B0606030504020204" charset="0"/>
+              </a:rPr>
+              <a:t>Notably, from 2007 up until 2019, the funds available did not suffice to cater to all students</a:t>
+            </a:r>
+          </a:p>
+        </p:txBody>
+      </p:sp>
+      <p:pic>
+        <p:nvPicPr>
+          <p:cNvPr id="7" name="Picture 6" descr="bar"/>
+          <p:cNvPicPr>
+            <a:picLocks noChangeAspect="1"/>
+          </p:cNvPicPr>
+          <p:nvPr/>
+        </p:nvPicPr>
+        <p:blipFill>
+          <a:blip r:embed="rId3"/>
+          <a:stretch>
+            <a:fillRect/>
+          </a:stretch>
+        </p:blipFill>
+        <p:spPr>
+          <a:xfrm>
+            <a:off x="3279141" y="586741"/>
+            <a:ext cx="8448887" cy="5658273"/>
+          </a:xfrm>
+          <a:prstGeom prst="rect">
+            <a:avLst/>
+          </a:prstGeom>
+        </p:spPr>
+      </p:pic>
+    </p:spTree>
+  </p:cSld>
+  <p:clrMapOvr>
+    <a:masterClrMapping/>
+  </p:clrMapOvr>
+</p:sld>
+</file>
+
+<file path=ppt/slides/slide8.xml><?xml version="1.0" encoding="utf-8"?>
+<p:sld xmlns:a="http://schemas.openxmlformats.org/drawingml/2006/main" xmlns:r="http://schemas.openxmlformats.org/officeDocument/2006/relationships" xmlns:p="http://schemas.openxmlformats.org/presentationml/2006/main">
+  <p:cSld>
+    <p:spTree>
+      <p:nvGrpSpPr>
+        <p:cNvPr id="1" name=""/>
+        <p:cNvGrpSpPr/>
+        <p:nvPr/>
+      </p:nvGrpSpPr>
+      <p:grpSpPr>
+        <a:xfrm>
+          <a:off x="0" y="0"/>
+          <a:ext cx="0" cy="0"/>
+          <a:chOff x="0" y="0"/>
+          <a:chExt cx="0" cy="0"/>
+        </a:xfrm>
+      </p:grpSpPr>
+      <p:sp>
+        <p:nvSpPr>
+          <p:cNvPr id="2" name="矩形 1"/>
+          <p:cNvSpPr/>
+          <p:nvPr/>
+        </p:nvSpPr>
+        <p:spPr>
+          <a:xfrm>
+            <a:off x="0" y="-14188"/>
+            <a:ext cx="12192000" cy="3030703"/>
+          </a:xfrm>
+          <a:prstGeom prst="rect">
+            <a:avLst/>
+          </a:prstGeom>
+          <a:ln>
+            <a:noFill/>
+          </a:ln>
+        </p:spPr>
+        <p:style>
+          <a:lnRef idx="2">
+            <a:schemeClr val="accent1">
+              <a:shade val="50000"/>
+            </a:schemeClr>
+          </a:lnRef>
+          <a:fillRef idx="1">
+            <a:schemeClr val="accent1"/>
+          </a:fillRef>
+          <a:effectRef idx="0">
+            <a:schemeClr val="accent1"/>
+          </a:effectRef>
+          <a:fontRef idx="minor">
+            <a:schemeClr val="lt1"/>
+          </a:fontRef>
+        </p:style>
+        <p:txBody>
+          <a:bodyPr rtlCol="0" anchor="ctr"/>
+          <a:lstStyle/>
+          <a:p>
+            <a:pPr algn="ctr"/>
+            <a:endParaRPr lang="zh-CN" altLang="en-US" sz="2400">
+              <a:cs typeface="Open Sans" panose="020B0606030504020204" charset="0"/>
+            </a:endParaRPr>
+          </a:p>
+        </p:txBody>
+      </p:sp>
+      <p:sp>
+        <p:nvSpPr>
+          <p:cNvPr id="21" name="矩形 20"/>
+          <p:cNvSpPr/>
+          <p:nvPr/>
+        </p:nvSpPr>
+        <p:spPr bwMode="auto">
+          <a:xfrm>
+            <a:off x="1789598" y="3608417"/>
+            <a:ext cx="8612806" cy="913007"/>
+          </a:xfrm>
+          <a:prstGeom prst="rect">
+            <a:avLst/>
+          </a:prstGeom>
+        </p:spPr>
+        <p:txBody>
+          <a:bodyPr wrap="none">
+            <a:spAutoFit/>
+          </a:bodyPr>
+          <a:lstStyle/>
+          <a:p>
+            <a:pPr algn="ctr">
+              <a:defRPr/>
+            </a:pPr>
+            <a:r>
+              <a:rPr lang="en-US" altLang="zh-CN" sz="5333" b="1" kern="100">
+                <a:solidFill>
+                  <a:schemeClr val="accent1"/>
+                </a:solidFill>
+                <a:latin typeface="+mj-ea"/>
+                <a:ea typeface="+mj-ea"/>
+                <a:cs typeface="Open Sans" panose="020B0606030504020204" charset="0"/>
+              </a:rPr>
+              <a:t>Recipients Over the Years</a:t>
+            </a:r>
+          </a:p>
+        </p:txBody>
+      </p:sp>
+      <p:cxnSp>
+        <p:nvCxnSpPr>
+          <p:cNvPr id="28" name="直接连接符 27"/>
+          <p:cNvCxnSpPr/>
+          <p:nvPr/>
+        </p:nvCxnSpPr>
+        <p:spPr>
+          <a:xfrm>
+            <a:off x="4466252" y="5254563"/>
+            <a:ext cx="3259493" cy="0"/>
+          </a:xfrm>
+          <a:prstGeom prst="line">
+            <a:avLst/>
+          </a:prstGeom>
+          <a:ln>
+            <a:solidFill>
+              <a:schemeClr val="accent1"/>
+            </a:solidFill>
+          </a:ln>
+        </p:spPr>
+        <p:style>
+          <a:lnRef idx="1">
+            <a:schemeClr val="accent1"/>
+          </a:lnRef>
+          <a:fillRef idx="0">
+            <a:schemeClr val="accent1"/>
+          </a:fillRef>
+          <a:effectRef idx="0">
+            <a:schemeClr val="accent1"/>
+          </a:effectRef>
+          <a:fontRef idx="minor">
+            <a:schemeClr val="tx1"/>
+          </a:fontRef>
+        </p:style>
+      </p:cxnSp>
+      <p:sp>
+        <p:nvSpPr>
+          <p:cNvPr id="3" name="椭圆 2"/>
+          <p:cNvSpPr/>
+          <p:nvPr/>
+        </p:nvSpPr>
+        <p:spPr>
+          <a:xfrm>
+            <a:off x="5191796" y="1701883"/>
+            <a:ext cx="1808405" cy="1808405"/>
+          </a:xfrm>
+          <a:prstGeom prst="ellipse">
+            <a:avLst/>
+          </a:prstGeom>
+          <a:ln w="57150">
+            <a:solidFill>
+              <a:schemeClr val="bg1"/>
+            </a:solidFill>
+          </a:ln>
+        </p:spPr>
+        <p:style>
+          <a:lnRef idx="2">
+            <a:schemeClr val="accent1">
+              <a:shade val="50000"/>
+            </a:schemeClr>
+          </a:lnRef>
+          <a:fillRef idx="1">
+            <a:schemeClr val="accent1"/>
+          </a:fillRef>
+          <a:effectRef idx="0">
+            <a:schemeClr val="accent1"/>
+          </a:effectRef>
+          <a:fontRef idx="minor">
+            <a:schemeClr val="lt1"/>
+          </a:fontRef>
+        </p:style>
+        <p:txBody>
+          <a:bodyPr rtlCol="0" anchor="ctr"/>
+          <a:lstStyle/>
+          <a:p>
+            <a:pPr algn="ctr"/>
+            <a:r>
+              <a:rPr lang="en-US" altLang="zh-CN" sz="6400" b="1">
+                <a:latin typeface="Open Sans" panose="020B0606030504020204" charset="0"/>
+                <a:cs typeface="Open Sans" panose="020B0606030504020204" charset="0"/>
+              </a:rPr>
+              <a:t>02</a:t>
+            </a:r>
+          </a:p>
+        </p:txBody>
+      </p:sp>
+      <p:sp>
+        <p:nvSpPr>
+          <p:cNvPr id="14" name="矩形: 圆角 13"/>
+          <p:cNvSpPr/>
+          <p:nvPr/>
+        </p:nvSpPr>
+        <p:spPr>
+          <a:xfrm>
+            <a:off x="4859867" y="5566834"/>
+            <a:ext cx="2472267" cy="541020"/>
+          </a:xfrm>
+          <a:prstGeom prst="roundRect">
+            <a:avLst>
+              <a:gd name="adj" fmla="val 50000"/>
+            </a:avLst>
+          </a:prstGeom>
+          <a:ln>
+            <a:solidFill>
+              <a:schemeClr val="bg1"/>
+            </a:solidFill>
+          </a:ln>
+        </p:spPr>
+        <p:style>
+          <a:lnRef idx="2">
+            <a:schemeClr val="accent1">
+              <a:shade val="50000"/>
+            </a:schemeClr>
+          </a:lnRef>
+          <a:fillRef idx="1">
+            <a:schemeClr val="accent1"/>
+          </a:fillRef>
+          <a:effectRef idx="0">
+            <a:schemeClr val="accent1"/>
+          </a:effectRef>
+          <a:fontRef idx="minor">
+            <a:schemeClr val="lt1"/>
+          </a:fontRef>
+        </p:style>
+        <p:txBody>
+          <a:bodyPr rtlCol="0" anchor="ctr"/>
+          <a:lstStyle/>
+          <a:p>
+            <a:pPr algn="ctr"/>
+            <a:r>
+              <a:rPr lang="zh-CN" altLang="en-US" sz="1467">
+                <a:latin typeface="+mj-lt"/>
+                <a:cs typeface="Open Sans" panose="020B0606030504020204" charset="0"/>
+              </a:rPr>
+              <a:t>Overview</a:t>
+            </a:r>
+          </a:p>
+        </p:txBody>
+      </p:sp>
+      <p:sp>
+        <p:nvSpPr>
+          <p:cNvPr id="4" name="矩形 22"/>
+          <p:cNvSpPr/>
+          <p:nvPr/>
+        </p:nvSpPr>
+        <p:spPr>
+          <a:xfrm>
+            <a:off x="1676401" y="4605867"/>
+            <a:ext cx="8838353" cy="461665"/>
+          </a:xfrm>
+          <a:prstGeom prst="rect">
+            <a:avLst/>
+          </a:prstGeom>
+        </p:spPr>
+        <p:style>
+          <a:lnRef idx="0">
+            <a:srgbClr val="FFFFFF"/>
+          </a:lnRef>
+          <a:fillRef idx="1">
+            <a:schemeClr val="accent1"/>
+          </a:fillRef>
+          <a:effectRef idx="0">
+            <a:srgbClr val="FFFFFF"/>
+          </a:effectRef>
+          <a:fontRef idx="minor">
+            <a:schemeClr val="lt1"/>
+          </a:fontRef>
+        </p:style>
+        <p:txBody>
+          <a:bodyPr wrap="square">
+            <a:spAutoFit/>
+          </a:bodyPr>
+          <a:lstStyle/>
+          <a:p>
+            <a:pPr algn="ctr"/>
+            <a:r>
+              <a:rPr lang="en-US" altLang="zh-CN" sz="2400" b="1" kern="100">
+                <a:solidFill>
+                  <a:prstClr val="white"/>
+                </a:solidFill>
+                <a:latin typeface="Open Sans" panose="020B0606030504020204" charset="0"/>
+                <a:ea typeface="Open Sans" panose="020B0606030504020204" charset="0"/>
+                <a:cs typeface="Open Sans" panose="020B0606030504020204" charset="0"/>
+                <a:sym typeface="+mn-ea"/>
+              </a:rPr>
+              <a:t>Direct Loan, Federal Femily Education Loan, Perkin</a:t>
+            </a:r>
+            <a:r>
+              <a:rPr lang="en-US" altLang="zh-CN" sz="2400" b="1" i="1">
+                <a:solidFill>
+                  <a:schemeClr val="tx1">
+                    <a:lumMod val="75000"/>
+                    <a:lumOff val="25000"/>
+                  </a:schemeClr>
+                </a:solidFill>
+                <a:latin typeface="+mj-lt"/>
+                <a:cs typeface="Open Sans" panose="020B0606030504020204" charset="0"/>
+              </a:rPr>
+              <a:t> </a:t>
+            </a:r>
+          </a:p>
+        </p:txBody>
+      </p:sp>
+      <p:sp>
+        <p:nvSpPr>
+          <p:cNvPr id="5" name="Text Box 4"/>
+          <p:cNvSpPr txBox="1"/>
+          <p:nvPr/>
+        </p:nvSpPr>
+        <p:spPr>
+          <a:xfrm>
+            <a:off x="4064847" y="419100"/>
+            <a:ext cx="4064000" cy="666786"/>
+          </a:xfrm>
+          <a:prstGeom prst="rect">
+            <a:avLst/>
+          </a:prstGeom>
+          <a:noFill/>
+        </p:spPr>
+        <p:txBody>
+          <a:bodyPr wrap="square" rtlCol="0">
+            <a:spAutoFit/>
+          </a:bodyPr>
+          <a:lstStyle/>
+          <a:p>
+            <a:pPr algn="ctr"/>
+            <a:r>
+              <a:rPr lang="en-US" sz="3733" b="1">
+                <a:solidFill>
+                  <a:schemeClr val="tx2"/>
+                </a:solidFill>
+              </a:rPr>
+              <a:t>2007 - 2022</a:t>
+            </a:r>
+          </a:p>
+        </p:txBody>
+      </p:sp>
+    </p:spTree>
+  </p:cSld>
+  <p:clrMapOvr>
+    <a:masterClrMapping/>
+  </p:clrMapOvr>
+</p:sld>
+</file>
+
+<file path=ppt/slides/slide9.xml><?xml version="1.0" encoding="utf-8"?>
+<p:sld xmlns:a="http://schemas.openxmlformats.org/drawingml/2006/main" xmlns:r="http://schemas.openxmlformats.org/officeDocument/2006/relationships" xmlns:p="http://schemas.openxmlformats.org/presentationml/2006/main">
+  <p:cSld>
+    <p:spTree>
+      <p:nvGrpSpPr>
+        <p:cNvPr id="1" name=""/>
+        <p:cNvGrpSpPr/>
+        <p:nvPr/>
+      </p:nvGrpSpPr>
+      <p:grpSpPr>
+        <a:xfrm>
+          <a:off x="0" y="0"/>
+          <a:ext cx="0" cy="0"/>
+          <a:chOff x="0" y="0"/>
+          <a:chExt cx="0" cy="0"/>
+        </a:xfrm>
+      </p:grpSpPr>
+      <p:pic>
+        <p:nvPicPr>
+          <p:cNvPr id="8" name="图片 7"/>
+          <p:cNvPicPr>
+            <a:picLocks noChangeAspect="1"/>
+          </p:cNvPicPr>
+          <p:nvPr/>
+        </p:nvPicPr>
+        <p:blipFill rotWithShape="1">
+          <a:blip r:embed="rId2">
+            <a:extLst>
+              <a:ext uri="{28A0092B-C50C-407E-A947-70E740481C1C}">
+                <a14:useLocalDpi xmlns:a14="http://schemas.microsoft.com/office/drawing/2010/main" val="0"/>
+              </a:ext>
+            </a:extLst>
+          </a:blip>
+          <a:srcRect t="7654" b="7654"/>
+          <a:stretch>
+            <a:fillRect/>
+          </a:stretch>
+        </p:blipFill>
+        <p:spPr>
+          <a:xfrm>
+            <a:off x="0" y="0"/>
+            <a:ext cx="12192000" cy="6858000"/>
+          </a:xfrm>
+          <a:prstGeom prst="rect">
+            <a:avLst/>
+          </a:prstGeom>
+        </p:spPr>
+      </p:pic>
+      <p:sp>
+        <p:nvSpPr>
+          <p:cNvPr id="2" name="矩形 1"/>
+          <p:cNvSpPr/>
+          <p:nvPr/>
+        </p:nvSpPr>
+        <p:spPr>
+          <a:xfrm>
+            <a:off x="284480" y="351973"/>
+            <a:ext cx="11623040" cy="6154057"/>
+          </a:xfrm>
+          <a:prstGeom prst="rect">
+            <a:avLst/>
+          </a:prstGeom>
+          <a:solidFill>
+            <a:schemeClr val="accent1">
+              <a:alpha val="90000"/>
+            </a:schemeClr>
+          </a:solidFill>
+          <a:ln>
+            <a:noFill/>
+          </a:ln>
+        </p:spPr>
+        <p:style>
+          <a:lnRef idx="2">
+            <a:schemeClr val="accent1">
+              <a:shade val="50000"/>
+            </a:schemeClr>
+          </a:lnRef>
+          <a:fillRef idx="1">
+            <a:schemeClr val="accent1"/>
+          </a:fillRef>
+          <a:effectRef idx="0">
+            <a:schemeClr val="accent1"/>
+          </a:effectRef>
+          <a:fontRef idx="minor">
+            <a:schemeClr val="lt1"/>
+          </a:fontRef>
+        </p:style>
+        <p:txBody>
+          <a:bodyPr rtlCol="0" anchor="ctr"/>
+          <a:lstStyle/>
+          <a:p>
+            <a:pPr algn="ctr" defTabSz="609585">
+              <a:defRPr/>
+            </a:pPr>
+            <a:endParaRPr lang="zh-CN" altLang="en-US" sz="2400">
+              <a:solidFill>
+                <a:prstClr val="white"/>
+              </a:solidFill>
+              <a:latin typeface="Open Sans" panose="020B0606030504020204" charset="0"/>
+              <a:ea typeface="Open Sans" panose="020B0606030504020204" charset="0"/>
+              <a:cs typeface="Open Sans" panose="020B0606030504020204" charset="0"/>
+            </a:endParaRPr>
+          </a:p>
+        </p:txBody>
+      </p:sp>
+      <p:pic>
+        <p:nvPicPr>
+          <p:cNvPr id="4" name="Picture 3" descr="line"/>
+          <p:cNvPicPr>
+            <a:picLocks noChangeAspect="1"/>
+          </p:cNvPicPr>
+          <p:nvPr/>
+        </p:nvPicPr>
+        <p:blipFill>
+          <a:blip r:embed="rId3"/>
+          <a:stretch>
+            <a:fillRect/>
+          </a:stretch>
+        </p:blipFill>
+        <p:spPr>
+          <a:xfrm>
+            <a:off x="3721100" y="951654"/>
+            <a:ext cx="7962053" cy="4954693"/>
+          </a:xfrm>
+          <a:prstGeom prst="rect">
+            <a:avLst/>
+          </a:prstGeom>
+        </p:spPr>
+      </p:pic>
+      <p:sp>
+        <p:nvSpPr>
+          <p:cNvPr id="5" name="矩形 3"/>
+          <p:cNvSpPr/>
+          <p:nvPr/>
+        </p:nvSpPr>
+        <p:spPr bwMode="auto">
+          <a:xfrm>
+            <a:off x="626356" y="1029849"/>
+            <a:ext cx="2729953" cy="4278094"/>
+          </a:xfrm>
+          <a:prstGeom prst="rect">
+            <a:avLst/>
+          </a:prstGeom>
+        </p:spPr>
+        <p:txBody>
+          <a:bodyPr wrap="square">
+            <a:spAutoFit/>
+          </a:bodyPr>
+          <a:lstStyle/>
+          <a:p>
+            <a:pPr marL="228594" indent="-228594" defTabSz="609585">
+              <a:buFont typeface="Arial" panose="020B0604020202020204" pitchFamily="34" charset="0"/>
+              <a:buChar char="•"/>
+              <a:defRPr/>
+            </a:pPr>
+            <a:r>
+              <a:rPr lang="en-US" altLang="zh-CN" sz="1600" b="1" i="1">
+                <a:solidFill>
+                  <a:prstClr val="white"/>
+                </a:solidFill>
+                <a:latin typeface="Open Sans" panose="020B0606030504020204" charset="0"/>
+                <a:ea typeface="Open Sans" panose="020B0606030504020204" charset="0"/>
+                <a:cs typeface="Open Sans" panose="020B0606030504020204" charset="0"/>
+              </a:rPr>
+              <a:t>A consistent increase in Direct Loans recipients from 2008 to 2022, with a sharp rise between 2012 and 2014.</a:t>
+            </a:r>
+          </a:p>
+          <a:p>
+            <a:pPr defTabSz="609585">
+              <a:defRPr/>
+            </a:pPr>
+            <a:endParaRPr lang="en-US" altLang="zh-CN" sz="1600" b="1" i="1">
+              <a:solidFill>
+                <a:prstClr val="white"/>
+              </a:solidFill>
+              <a:latin typeface="Open Sans" panose="020B0606030504020204" charset="0"/>
+              <a:ea typeface="Open Sans" panose="020B0606030504020204" charset="0"/>
+              <a:cs typeface="Open Sans" panose="020B0606030504020204" charset="0"/>
+            </a:endParaRPr>
+          </a:p>
+          <a:p>
+            <a:pPr marL="228594" indent="-228594" defTabSz="609585">
+              <a:buFont typeface="Arial" panose="020B0604020202020204" pitchFamily="34" charset="0"/>
+              <a:buChar char="•"/>
+              <a:defRPr/>
+            </a:pPr>
+            <a:r>
+              <a:rPr lang="en-US" altLang="zh-CN" sz="1600" b="1" i="1">
+                <a:solidFill>
+                  <a:prstClr val="white"/>
+                </a:solidFill>
+                <a:latin typeface="Open Sans" panose="020B0606030504020204" charset="0"/>
+                <a:ea typeface="Open Sans" panose="020B0606030504020204" charset="0"/>
+                <a:cs typeface="Open Sans" panose="020B0606030504020204" charset="0"/>
+              </a:rPr>
+              <a:t>FFEL recipients peaked in 2014 but dwindled by 2022, indicating changing borrowing trends.</a:t>
+            </a:r>
+          </a:p>
+          <a:p>
+            <a:pPr marL="228594" indent="-228594" defTabSz="609585">
+              <a:buFont typeface="Arial" panose="020B0604020202020204" pitchFamily="34" charset="0"/>
+              <a:buChar char="•"/>
+              <a:defRPr/>
+            </a:pPr>
+            <a:endParaRPr lang="en-US" altLang="zh-CN" sz="1600" b="1" i="1">
+              <a:solidFill>
+                <a:prstClr val="white"/>
+              </a:solidFill>
+              <a:latin typeface="Open Sans" panose="020B0606030504020204" charset="0"/>
+              <a:ea typeface="Open Sans" panose="020B0606030504020204" charset="0"/>
+              <a:cs typeface="Open Sans" panose="020B0606030504020204" charset="0"/>
+            </a:endParaRPr>
+          </a:p>
+          <a:p>
+            <a:pPr marL="228594" indent="-228594" defTabSz="609585">
+              <a:buFont typeface="Arial" panose="020B0604020202020204" pitchFamily="34" charset="0"/>
+              <a:buChar char="•"/>
+              <a:defRPr/>
+            </a:pPr>
+            <a:r>
+              <a:rPr lang="en-US" altLang="zh-CN" sz="1600" b="1" i="1">
+                <a:solidFill>
+                  <a:prstClr val="white"/>
+                </a:solidFill>
+                <a:latin typeface="Open Sans" panose="020B0606030504020204" charset="0"/>
+                <a:ea typeface="Open Sans" panose="020B0606030504020204" charset="0"/>
+                <a:cs typeface="Open Sans" panose="020B0606030504020204" charset="0"/>
+              </a:rPr>
+              <a:t>Perkins loan recipients showed minor fluctuations, suggesting consistent demand and funding over the years.</a:t>
+            </a:r>
+          </a:p>
+        </p:txBody>
+      </p:sp>
+    </p:spTree>
   </p:cSld>
   <p:clrMapOvr>
     <a:masterClrMapping/>
@@ -6672,97 +7118,231 @@
 </file>
 
 <file path=ppt/theme/theme1.xml><?xml version="1.0" encoding="utf-8"?>
-<a:theme xmlns:a="http://schemas.openxmlformats.org/drawingml/2006/main" name="LeafVTI">
+<a:theme xmlns:a="http://schemas.openxmlformats.org/drawingml/2006/main" name="Office Theme">
   <a:themeElements>
-    <a:clrScheme name="AnalogousFromLightSeedRightStep">
+    <a:clrScheme name="Office">
       <a:dk1>
-        <a:srgbClr val="000000"/>
+        <a:sysClr val="windowText" lastClr="000000"/>
       </a:dk1>
       <a:lt1>
-        <a:srgbClr val="FFFFFF"/>
+        <a:sysClr val="window" lastClr="FFFFFF"/>
       </a:lt1>
       <a:dk2>
-        <a:srgbClr val="242A41"/>
+        <a:srgbClr val="44546A"/>
       </a:dk2>
       <a:lt2>
-        <a:srgbClr val="E8E2E5"/>
+        <a:srgbClr val="E7E6E6"/>
       </a:lt2>
       <a:accent1>
-        <a:srgbClr val="32B67D"/>
+        <a:srgbClr val="4472C4"/>
       </a:accent1>
       <a:accent2>
-        <a:srgbClr val="37B0AE"/>
+        <a:srgbClr val="ED7D31"/>
       </a:accent2>
       <a:accent3>
-        <a:srgbClr val="46A9EA"/>
+        <a:srgbClr val="A5A5A5"/>
       </a:accent3>
       <a:accent4>
-        <a:srgbClr val="4E6BEB"/>
+        <a:srgbClr val="FFC000"/>
       </a:accent4>
       <a:accent5>
-        <a:srgbClr val="8C6EEE"/>
+        <a:srgbClr val="5B9BD5"/>
       </a:accent5>
       <a:accent6>
-        <a:srgbClr val="B44EEB"/>
+        <a:srgbClr val="70AD47"/>
       </a:accent6>
       <a:hlink>
-        <a:srgbClr val="AE6987"/>
+        <a:srgbClr val="0563C1"/>
       </a:hlink>
       <a:folHlink>
-        <a:srgbClr val="7F7F7F"/>
+        <a:srgbClr val="954F72"/>
       </a:folHlink>
     </a:clrScheme>
-    <a:fontScheme name="Leaf">
+    <a:fontScheme name="Office">
       <a:majorFont>
-        <a:latin typeface="Rockwell Nova Light"/>
+        <a:latin typeface="Calibri Light" panose="020F0302020204030204"/>
         <a:ea typeface=""/>
         <a:cs typeface=""/>
+        <a:font script="Jpan" typeface="游ゴシック Light"/>
+        <a:font script="Hang" typeface="맑은 고딕"/>
+        <a:font script="Hans" typeface="等线 Light"/>
+        <a:font script="Hant" typeface="新細明體"/>
+        <a:font script="Arab" typeface="Times New Roman"/>
+        <a:font script="Hebr" typeface="Times New Roman"/>
+        <a:font script="Thai" typeface="Angsana New"/>
+        <a:font script="Ethi" typeface="Nyala"/>
+        <a:font script="Beng" typeface="Vrinda"/>
+        <a:font script="Gujr" typeface="Shruti"/>
+        <a:font script="Khmr" typeface="MoolBoran"/>
+        <a:font script="Knda" typeface="Tunga"/>
+        <a:font script="Guru" typeface="Raavi"/>
+        <a:font script="Cans" typeface="Euphemia"/>
+        <a:font script="Cher" typeface="Plantagenet Cherokee"/>
+        <a:font script="Yiii" typeface="Microsoft Yi Baiti"/>
+        <a:font script="Tibt" typeface="Microsoft Himalaya"/>
+        <a:font script="Thaa" typeface="MV Boli"/>
+        <a:font script="Deva" typeface="Mangal"/>
+        <a:font script="Telu" typeface="Gautami"/>
+        <a:font script="Taml" typeface="Latha"/>
+        <a:font script="Syrc" typeface="Estrangelo Edessa"/>
+        <a:font script="Orya" typeface="Kalinga"/>
+        <a:font script="Mlym" typeface="Kartika"/>
+        <a:font script="Laoo" typeface="DokChampa"/>
+        <a:font script="Sinh" typeface="Iskoola Pota"/>
+        <a:font script="Mong" typeface="Mongolian Baiti"/>
+        <a:font script="Viet" typeface="Times New Roman"/>
+        <a:font script="Uigh" typeface="Microsoft Uighur"/>
+        <a:font script="Geor" typeface="Sylfaen"/>
+        <a:font script="Armn" typeface="Arial"/>
+        <a:font script="Bugi" typeface="Leelawadee UI"/>
+        <a:font script="Bopo" typeface="Microsoft JhengHei"/>
+        <a:font script="Java" typeface="Javanese Text"/>
+        <a:font script="Lisu" typeface="Segoe UI"/>
+        <a:font script="Mymr" typeface="Myanmar Text"/>
+        <a:font script="Nkoo" typeface="Ebrima"/>
+        <a:font script="Olck" typeface="Nirmala UI"/>
+        <a:font script="Osma" typeface="Ebrima"/>
+        <a:font script="Phag" typeface="Phagspa"/>
+        <a:font script="Syrn" typeface="Estrangelo Edessa"/>
+        <a:font script="Syrj" typeface="Estrangelo Edessa"/>
+        <a:font script="Syre" typeface="Estrangelo Edessa"/>
+        <a:font script="Sora" typeface="Nirmala UI"/>
+        <a:font script="Tale" typeface="Microsoft Tai Le"/>
+        <a:font script="Talu" typeface="Microsoft New Tai Lue"/>
+        <a:font script="Tfng" typeface="Ebrima"/>
       </a:majorFont>
       <a:minorFont>
-        <a:latin typeface="Avenir Next LT Pro Light"/>
+        <a:latin typeface="Calibri" panose="020F0502020204030204"/>
         <a:ea typeface=""/>
         <a:cs typeface=""/>
+        <a:font script="Jpan" typeface="游ゴシック"/>
+        <a:font script="Hang" typeface="맑은 고딕"/>
+        <a:font script="Hans" typeface="等线"/>
+        <a:font script="Hant" typeface="新細明體"/>
+        <a:font script="Arab" typeface="Arial"/>
+        <a:font script="Hebr" typeface="Arial"/>
+        <a:font script="Thai" typeface="Cordia New"/>
+        <a:font script="Ethi" typeface="Nyala"/>
+        <a:font script="Beng" typeface="Vrinda"/>
+        <a:font script="Gujr" typeface="Shruti"/>
+        <a:font script="Khmr" typeface="DaunPenh"/>
+        <a:font script="Knda" typeface="Tunga"/>
+        <a:font script="Guru" typeface="Raavi"/>
+        <a:font script="Cans" typeface="Euphemia"/>
+        <a:font script="Cher" typeface="Plantagenet Cherokee"/>
+        <a:font script="Yiii" typeface="Microsoft Yi Baiti"/>
+        <a:font script="Tibt" typeface="Microsoft Himalaya"/>
+        <a:font script="Thaa" typeface="MV Boli"/>
+        <a:font script="Deva" typeface="Mangal"/>
+        <a:font script="Telu" typeface="Gautami"/>
+        <a:font script="Taml" typeface="Latha"/>
+        <a:font script="Syrc" typeface="Estrangelo Edessa"/>
+        <a:font script="Orya" typeface="Kalinga"/>
+        <a:font script="Mlym" typeface="Kartika"/>
+        <a:font script="Laoo" typeface="DokChampa"/>
+        <a:font script="Sinh" typeface="Iskoola Pota"/>
+        <a:font script="Mong" typeface="Mongolian Baiti"/>
+        <a:font script="Viet" typeface="Arial"/>
+        <a:font script="Uigh" typeface="Microsoft Uighur"/>
+        <a:font script="Geor" typeface="Sylfaen"/>
+        <a:font script="Armn" typeface="Arial"/>
+        <a:font script="Bugi" typeface="Leelawadee UI"/>
+        <a:font script="Bopo" typeface="Microsoft JhengHei"/>
+        <a:font script="Java" typeface="Javanese Text"/>
+        <a:font script="Lisu" typeface="Segoe UI"/>
+        <a:font script="Mymr" typeface="Myanmar Text"/>
+        <a:font script="Nkoo" typeface="Ebrima"/>
+        <a:font script="Olck" typeface="Nirmala UI"/>
+        <a:font script="Osma" typeface="Ebrima"/>
+        <a:font script="Phag" typeface="Phagspa"/>
+        <a:font script="Syrn" typeface="Estrangelo Edessa"/>
+        <a:font script="Syrj" typeface="Estrangelo Edessa"/>
+        <a:font script="Syre" typeface="Estrangelo Edessa"/>
+        <a:font script="Sora" typeface="Nirmala UI"/>
+        <a:font script="Tale" typeface="Microsoft Tai Le"/>
+        <a:font script="Talu" typeface="Microsoft New Tai Lue"/>
+        <a:font script="Tfng" typeface="Ebrima"/>
       </a:minorFont>
     </a:fontScheme>
-    <a:fmtScheme name="Subtle Solids">
+    <a:fmtScheme name="Office">
       <a:fillStyleLst>
         <a:solidFill>
           <a:schemeClr val="phClr"/>
         </a:solidFill>
-        <a:solidFill>
-          <a:schemeClr val="phClr">
-            <a:tint val="65000"/>
-          </a:schemeClr>
-        </a:solidFill>
-        <a:solidFill>
-          <a:schemeClr val="phClr">
-            <a:shade val="80000"/>
-            <a:satMod val="150000"/>
-          </a:schemeClr>
-        </a:solidFill>
+        <a:gradFill rotWithShape="1">
+          <a:gsLst>
+            <a:gs pos="0">
+              <a:schemeClr val="phClr">
+                <a:lumMod val="110000"/>
+                <a:satMod val="105000"/>
+                <a:tint val="67000"/>
+              </a:schemeClr>
+            </a:gs>
+            <a:gs pos="50000">
+              <a:schemeClr val="phClr">
+                <a:lumMod val="105000"/>
+                <a:satMod val="103000"/>
+                <a:tint val="73000"/>
+              </a:schemeClr>
+            </a:gs>
+            <a:gs pos="100000">
+              <a:schemeClr val="phClr">
+                <a:lumMod val="105000"/>
+                <a:satMod val="109000"/>
+                <a:tint val="81000"/>
+              </a:schemeClr>
+            </a:gs>
+          </a:gsLst>
+          <a:lin ang="5400000" scaled="0"/>
+        </a:gradFill>
+        <a:gradFill rotWithShape="1">
+          <a:gsLst>
+            <a:gs pos="0">
+              <a:schemeClr val="phClr">
+                <a:satMod val="103000"/>
+                <a:lumMod val="102000"/>
+                <a:tint val="94000"/>
+              </a:schemeClr>
+            </a:gs>
+            <a:gs pos="50000">
+              <a:schemeClr val="phClr">
+                <a:satMod val="110000"/>
+                <a:lumMod val="100000"/>
+                <a:shade val="100000"/>
+              </a:schemeClr>
+            </a:gs>
+            <a:gs pos="100000">
+              <a:schemeClr val="phClr">
+                <a:lumMod val="99000"/>
+                <a:satMod val="120000"/>
+                <a:shade val="78000"/>
+              </a:schemeClr>
+            </a:gs>
+          </a:gsLst>
+          <a:lin ang="5400000" scaled="0"/>
+        </a:gradFill>
       </a:fillStyleLst>
       <a:lnStyleLst>
-        <a:ln w="9525" cap="flat" cmpd="sng" algn="ctr">
+        <a:ln w="6350" cap="flat" cmpd="sng" algn="ctr">
           <a:solidFill>
             <a:schemeClr val="phClr"/>
           </a:solidFill>
           <a:prstDash val="solid"/>
+          <a:miter lim="800000"/>
         </a:ln>
-        <a:ln w="10795" cap="flat" cmpd="sng" algn="ctr">
+        <a:ln w="12700" cap="flat" cmpd="sng" algn="ctr">
           <a:solidFill>
             <a:schemeClr val="phClr"/>
           </a:solidFill>
           <a:prstDash val="solid"/>
+          <a:miter lim="800000"/>
         </a:ln>
-        <a:ln w="17145" cap="flat" cmpd="sng" algn="ctr">
+        <a:ln w="19050" cap="flat" cmpd="sng" algn="ctr">
           <a:solidFill>
-            <a:schemeClr val="phClr">
-              <a:shade val="95000"/>
-              <a:alpha val="50000"/>
-              <a:satMod val="150000"/>
-            </a:schemeClr>
+            <a:schemeClr val="phClr"/>
           </a:solidFill>
           <a:prstDash val="solid"/>
+          <a:miter lim="800000"/>
         </a:ln>
       </a:lnStyleLst>
       <a:effectStyleLst>
@@ -6774,21 +7354,12 @@
         </a:effectStyle>
         <a:effectStyle>
           <a:effectLst>
-            <a:outerShdw blurRad="44450" dist="13970" dir="5400000" algn="ctr" rotWithShape="0">
+            <a:outerShdw blurRad="57150" dist="19050" dir="5400000" algn="ctr" rotWithShape="0">
               <a:srgbClr val="000000">
-                <a:alpha val="45000"/>
+                <a:alpha val="63000"/>
               </a:srgbClr>
             </a:outerShdw>
           </a:effectLst>
-          <a:scene3d>
-            <a:camera prst="orthographicFront">
-              <a:rot lat="0" lon="0" rev="0"/>
-            </a:camera>
-            <a:lightRig rig="twoPt" dir="tl"/>
-          </a:scene3d>
-          <a:sp3d prstMaterial="flat">
-            <a:bevelT w="12700" h="25400" prst="coolSlant"/>
-          </a:sp3d>
         </a:effectStyle>
       </a:effectStyleLst>
       <a:bgFillStyleLst>
@@ -6835,7 +7406,7 @@
   <a:extraClrSchemeLst/>
   <a:extLst>
     <a:ext uri="{05A4C25C-085E-4340-85A3-A5531E510DB2}">
-      <thm15:themeFamily xmlns:thm15="http://schemas.microsoft.com/office/thememl/2012/main" name="LeafVTI" id="{AD13D32C-3873-4EF1-A28C-5D0E64FF0913}" vid="{0D2E0FD0-9C17-4337-BD21-33917FC300A9}"/>
+      <thm15:themeFamily xmlns:thm15="http://schemas.microsoft.com/office/thememl/2012/main" name="Office Theme" id="{62F939B6-93AF-4DB8-9C6B-D6C7DFDC589F}" vid="{4A3C46E8-61CC-4603-A589-7422A47A8E4A}"/>
     </a:ext>
   </a:extLst>
 </a:theme>

--- a/Project_1_Stutdent_Loan_Analysis.pptx
+++ b/Project_1_Stutdent_Loan_Analysis.pptx
@@ -2,8 +2,11 @@
 <file path=ppt/presentation.xml><?xml version="1.0" encoding="utf-8"?>
 <p:presentation xmlns:a="http://schemas.openxmlformats.org/drawingml/2006/main" xmlns:r="http://schemas.openxmlformats.org/officeDocument/2006/relationships" xmlns:p="http://schemas.openxmlformats.org/presentationml/2006/main" saveSubsetFonts="1">
   <p:sldMasterIdLst>
-    <p:sldMasterId id="2147483694" r:id="rId1"/>
+    <p:sldMasterId id="2147483725" r:id="rId1"/>
   </p:sldMasterIdLst>
+  <p:notesMasterIdLst>
+    <p:notesMasterId r:id="rId16"/>
+  </p:notesMasterIdLst>
   <p:sldIdLst>
     <p:sldId id="256" r:id="rId2"/>
     <p:sldId id="257" r:id="rId3"/>
@@ -16,7 +19,9 @@
     <p:sldId id="363" r:id="rId10"/>
     <p:sldId id="351" r:id="rId11"/>
     <p:sldId id="328" r:id="rId12"/>
-    <p:sldId id="260" r:id="rId13"/>
+    <p:sldId id="365" r:id="rId13"/>
+    <p:sldId id="366" r:id="rId14"/>
+    <p:sldId id="260" r:id="rId15"/>
   </p:sldIdLst>
   <p:sldSz cx="12192000" cy="6858000"/>
   <p:notesSz cx="6858000" cy="9144000"/>
@@ -118,6 +123,504 @@
 </p:presentation>
 </file>
 
+<file path=ppt/notesMasters/notesMaster1.xml><?xml version="1.0" encoding="utf-8"?>
+<p:notesMaster xmlns:a="http://schemas.openxmlformats.org/drawingml/2006/main" xmlns:r="http://schemas.openxmlformats.org/officeDocument/2006/relationships" xmlns:p="http://schemas.openxmlformats.org/presentationml/2006/main">
+  <p:cSld>
+    <p:bg>
+      <p:bgRef idx="1001">
+        <a:schemeClr val="bg1"/>
+      </p:bgRef>
+    </p:bg>
+    <p:spTree>
+      <p:nvGrpSpPr>
+        <p:cNvPr id="1" name=""/>
+        <p:cNvGrpSpPr/>
+        <p:nvPr/>
+      </p:nvGrpSpPr>
+      <p:grpSpPr>
+        <a:xfrm>
+          <a:off x="0" y="0"/>
+          <a:ext cx="0" cy="0"/>
+          <a:chOff x="0" y="0"/>
+          <a:chExt cx="0" cy="0"/>
+        </a:xfrm>
+      </p:grpSpPr>
+      <p:sp>
+        <p:nvSpPr>
+          <p:cNvPr id="2" name="Header Placeholder 1"/>
+          <p:cNvSpPr>
+            <a:spLocks noGrp="1"/>
+          </p:cNvSpPr>
+          <p:nvPr>
+            <p:ph type="hdr" sz="quarter"/>
+          </p:nvPr>
+        </p:nvSpPr>
+        <p:spPr>
+          <a:xfrm>
+            <a:off x="0" y="0"/>
+            <a:ext cx="2971800" cy="458788"/>
+          </a:xfrm>
+          <a:prstGeom prst="rect">
+            <a:avLst/>
+          </a:prstGeom>
+        </p:spPr>
+        <p:txBody>
+          <a:bodyPr vert="horz" lIns="91440" tIns="45720" rIns="91440" bIns="45720" rtlCol="0"/>
+          <a:lstStyle>
+            <a:lvl1pPr algn="l">
+              <a:defRPr sz="1200"/>
+            </a:lvl1pPr>
+          </a:lstStyle>
+          <a:p>
+            <a:endParaRPr lang="en-US"/>
+          </a:p>
+        </p:txBody>
+      </p:sp>
+      <p:sp>
+        <p:nvSpPr>
+          <p:cNvPr id="3" name="Date Placeholder 2"/>
+          <p:cNvSpPr>
+            <a:spLocks noGrp="1"/>
+          </p:cNvSpPr>
+          <p:nvPr>
+            <p:ph type="dt" idx="1"/>
+          </p:nvPr>
+        </p:nvSpPr>
+        <p:spPr>
+          <a:xfrm>
+            <a:off x="3884613" y="0"/>
+            <a:ext cx="2971800" cy="458788"/>
+          </a:xfrm>
+          <a:prstGeom prst="rect">
+            <a:avLst/>
+          </a:prstGeom>
+        </p:spPr>
+        <p:txBody>
+          <a:bodyPr vert="horz" lIns="91440" tIns="45720" rIns="91440" bIns="45720" rtlCol="0"/>
+          <a:lstStyle>
+            <a:lvl1pPr algn="r">
+              <a:defRPr sz="1200"/>
+            </a:lvl1pPr>
+          </a:lstStyle>
+          <a:p>
+            <a:fld id="{6A97352F-181D-4CDD-B5C3-DF2FFD15F803}" type="datetimeFigureOut">
+              <a:rPr lang="en-US" smtClean="0"/>
+              <a:t>10/23/2023</a:t>
+            </a:fld>
+            <a:endParaRPr lang="en-US"/>
+          </a:p>
+        </p:txBody>
+      </p:sp>
+      <p:sp>
+        <p:nvSpPr>
+          <p:cNvPr id="4" name="Slide Image Placeholder 3"/>
+          <p:cNvSpPr>
+            <a:spLocks noGrp="1" noRot="1" noChangeAspect="1"/>
+          </p:cNvSpPr>
+          <p:nvPr>
+            <p:ph type="sldImg" idx="2"/>
+          </p:nvPr>
+        </p:nvSpPr>
+        <p:spPr>
+          <a:xfrm>
+            <a:off x="685800" y="1143000"/>
+            <a:ext cx="5486400" cy="3086100"/>
+          </a:xfrm>
+          <a:prstGeom prst="rect">
+            <a:avLst/>
+          </a:prstGeom>
+          <a:noFill/>
+          <a:ln w="12700">
+            <a:solidFill>
+              <a:prstClr val="black"/>
+            </a:solidFill>
+          </a:ln>
+        </p:spPr>
+        <p:txBody>
+          <a:bodyPr vert="horz" lIns="91440" tIns="45720" rIns="91440" bIns="45720" rtlCol="0" anchor="ctr"/>
+          <a:lstStyle/>
+          <a:p>
+            <a:endParaRPr lang="en-US"/>
+          </a:p>
+        </p:txBody>
+      </p:sp>
+      <p:sp>
+        <p:nvSpPr>
+          <p:cNvPr id="5" name="Notes Placeholder 4"/>
+          <p:cNvSpPr>
+            <a:spLocks noGrp="1"/>
+          </p:cNvSpPr>
+          <p:nvPr>
+            <p:ph type="body" sz="quarter" idx="3"/>
+          </p:nvPr>
+        </p:nvSpPr>
+        <p:spPr>
+          <a:xfrm>
+            <a:off x="685800" y="4400550"/>
+            <a:ext cx="5486400" cy="3600450"/>
+          </a:xfrm>
+          <a:prstGeom prst="rect">
+            <a:avLst/>
+          </a:prstGeom>
+        </p:spPr>
+        <p:txBody>
+          <a:bodyPr vert="horz" lIns="91440" tIns="45720" rIns="91440" bIns="45720" rtlCol="0"/>
+          <a:lstStyle/>
+          <a:p>
+            <a:pPr lvl="0"/>
+            <a:r>
+              <a:rPr lang="en-US"/>
+              <a:t>Click to edit Master text styles</a:t>
+            </a:r>
+          </a:p>
+          <a:p>
+            <a:pPr lvl="1"/>
+            <a:r>
+              <a:rPr lang="en-US"/>
+              <a:t>Second level</a:t>
+            </a:r>
+          </a:p>
+          <a:p>
+            <a:pPr lvl="2"/>
+            <a:r>
+              <a:rPr lang="en-US"/>
+              <a:t>Third level</a:t>
+            </a:r>
+          </a:p>
+          <a:p>
+            <a:pPr lvl="3"/>
+            <a:r>
+              <a:rPr lang="en-US"/>
+              <a:t>Fourth level</a:t>
+            </a:r>
+          </a:p>
+          <a:p>
+            <a:pPr lvl="4"/>
+            <a:r>
+              <a:rPr lang="en-US"/>
+              <a:t>Fifth level</a:t>
+            </a:r>
+          </a:p>
+        </p:txBody>
+      </p:sp>
+      <p:sp>
+        <p:nvSpPr>
+          <p:cNvPr id="6" name="Footer Placeholder 5"/>
+          <p:cNvSpPr>
+            <a:spLocks noGrp="1"/>
+          </p:cNvSpPr>
+          <p:nvPr>
+            <p:ph type="ftr" sz="quarter" idx="4"/>
+          </p:nvPr>
+        </p:nvSpPr>
+        <p:spPr>
+          <a:xfrm>
+            <a:off x="0" y="8685213"/>
+            <a:ext cx="2971800" cy="458787"/>
+          </a:xfrm>
+          <a:prstGeom prst="rect">
+            <a:avLst/>
+          </a:prstGeom>
+        </p:spPr>
+        <p:txBody>
+          <a:bodyPr vert="horz" lIns="91440" tIns="45720" rIns="91440" bIns="45720" rtlCol="0" anchor="b"/>
+          <a:lstStyle>
+            <a:lvl1pPr algn="l">
+              <a:defRPr sz="1200"/>
+            </a:lvl1pPr>
+          </a:lstStyle>
+          <a:p>
+            <a:endParaRPr lang="en-US"/>
+          </a:p>
+        </p:txBody>
+      </p:sp>
+      <p:sp>
+        <p:nvSpPr>
+          <p:cNvPr id="7" name="Slide Number Placeholder 6"/>
+          <p:cNvSpPr>
+            <a:spLocks noGrp="1"/>
+          </p:cNvSpPr>
+          <p:nvPr>
+            <p:ph type="sldNum" sz="quarter" idx="5"/>
+          </p:nvPr>
+        </p:nvSpPr>
+        <p:spPr>
+          <a:xfrm>
+            <a:off x="3884613" y="8685213"/>
+            <a:ext cx="2971800" cy="458787"/>
+          </a:xfrm>
+          <a:prstGeom prst="rect">
+            <a:avLst/>
+          </a:prstGeom>
+        </p:spPr>
+        <p:txBody>
+          <a:bodyPr vert="horz" lIns="91440" tIns="45720" rIns="91440" bIns="45720" rtlCol="0" anchor="b"/>
+          <a:lstStyle>
+            <a:lvl1pPr algn="r">
+              <a:defRPr sz="1200"/>
+            </a:lvl1pPr>
+          </a:lstStyle>
+          <a:p>
+            <a:fld id="{67190C45-7AF8-4135-950B-0CBB8D9EF60F}" type="slidenum">
+              <a:rPr lang="en-US" smtClean="0"/>
+              <a:t>‹#›</a:t>
+            </a:fld>
+            <a:endParaRPr lang="en-US"/>
+          </a:p>
+        </p:txBody>
+      </p:sp>
+    </p:spTree>
+    <p:extLst>
+      <p:ext uri="{BB962C8B-B14F-4D97-AF65-F5344CB8AC3E}">
+        <p14:creationId xmlns:p14="http://schemas.microsoft.com/office/powerpoint/2010/main" val="3621624475"/>
+      </p:ext>
+    </p:extLst>
+  </p:cSld>
+  <p:clrMap bg1="lt1" tx1="dk1" bg2="lt2" tx2="dk2" accent1="accent1" accent2="accent2" accent3="accent3" accent4="accent4" accent5="accent5" accent6="accent6" hlink="hlink" folHlink="folHlink"/>
+  <p:notesStyle>
+    <a:lvl1pPr marL="0" algn="l" defTabSz="914400" rtl="0" eaLnBrk="1" latinLnBrk="0" hangingPunct="1">
+      <a:defRPr sz="1200" kern="1200">
+        <a:solidFill>
+          <a:schemeClr val="tx1"/>
+        </a:solidFill>
+        <a:latin typeface="+mn-lt"/>
+        <a:ea typeface="+mn-ea"/>
+        <a:cs typeface="+mn-cs"/>
+      </a:defRPr>
+    </a:lvl1pPr>
+    <a:lvl2pPr marL="457200" algn="l" defTabSz="914400" rtl="0" eaLnBrk="1" latinLnBrk="0" hangingPunct="1">
+      <a:defRPr sz="1200" kern="1200">
+        <a:solidFill>
+          <a:schemeClr val="tx1"/>
+        </a:solidFill>
+        <a:latin typeface="+mn-lt"/>
+        <a:ea typeface="+mn-ea"/>
+        <a:cs typeface="+mn-cs"/>
+      </a:defRPr>
+    </a:lvl2pPr>
+    <a:lvl3pPr marL="914400" algn="l" defTabSz="914400" rtl="0" eaLnBrk="1" latinLnBrk="0" hangingPunct="1">
+      <a:defRPr sz="1200" kern="1200">
+        <a:solidFill>
+          <a:schemeClr val="tx1"/>
+        </a:solidFill>
+        <a:latin typeface="+mn-lt"/>
+        <a:ea typeface="+mn-ea"/>
+        <a:cs typeface="+mn-cs"/>
+      </a:defRPr>
+    </a:lvl3pPr>
+    <a:lvl4pPr marL="1371600" algn="l" defTabSz="914400" rtl="0" eaLnBrk="1" latinLnBrk="0" hangingPunct="1">
+      <a:defRPr sz="1200" kern="1200">
+        <a:solidFill>
+          <a:schemeClr val="tx1"/>
+        </a:solidFill>
+        <a:latin typeface="+mn-lt"/>
+        <a:ea typeface="+mn-ea"/>
+        <a:cs typeface="+mn-cs"/>
+      </a:defRPr>
+    </a:lvl4pPr>
+    <a:lvl5pPr marL="1828800" algn="l" defTabSz="914400" rtl="0" eaLnBrk="1" latinLnBrk="0" hangingPunct="1">
+      <a:defRPr sz="1200" kern="1200">
+        <a:solidFill>
+          <a:schemeClr val="tx1"/>
+        </a:solidFill>
+        <a:latin typeface="+mn-lt"/>
+        <a:ea typeface="+mn-ea"/>
+        <a:cs typeface="+mn-cs"/>
+      </a:defRPr>
+    </a:lvl5pPr>
+    <a:lvl6pPr marL="2286000" algn="l" defTabSz="914400" rtl="0" eaLnBrk="1" latinLnBrk="0" hangingPunct="1">
+      <a:defRPr sz="1200" kern="1200">
+        <a:solidFill>
+          <a:schemeClr val="tx1"/>
+        </a:solidFill>
+        <a:latin typeface="+mn-lt"/>
+        <a:ea typeface="+mn-ea"/>
+        <a:cs typeface="+mn-cs"/>
+      </a:defRPr>
+    </a:lvl6pPr>
+    <a:lvl7pPr marL="2743200" algn="l" defTabSz="914400" rtl="0" eaLnBrk="1" latinLnBrk="0" hangingPunct="1">
+      <a:defRPr sz="1200" kern="1200">
+        <a:solidFill>
+          <a:schemeClr val="tx1"/>
+        </a:solidFill>
+        <a:latin typeface="+mn-lt"/>
+        <a:ea typeface="+mn-ea"/>
+        <a:cs typeface="+mn-cs"/>
+      </a:defRPr>
+    </a:lvl7pPr>
+    <a:lvl8pPr marL="3200400" algn="l" defTabSz="914400" rtl="0" eaLnBrk="1" latinLnBrk="0" hangingPunct="1">
+      <a:defRPr sz="1200" kern="1200">
+        <a:solidFill>
+          <a:schemeClr val="tx1"/>
+        </a:solidFill>
+        <a:latin typeface="+mn-lt"/>
+        <a:ea typeface="+mn-ea"/>
+        <a:cs typeface="+mn-cs"/>
+      </a:defRPr>
+    </a:lvl8pPr>
+    <a:lvl9pPr marL="3657600" algn="l" defTabSz="914400" rtl="0" eaLnBrk="1" latinLnBrk="0" hangingPunct="1">
+      <a:defRPr sz="1200" kern="1200">
+        <a:solidFill>
+          <a:schemeClr val="tx1"/>
+        </a:solidFill>
+        <a:latin typeface="+mn-lt"/>
+        <a:ea typeface="+mn-ea"/>
+        <a:cs typeface="+mn-cs"/>
+      </a:defRPr>
+    </a:lvl9pPr>
+  </p:notesStyle>
+</p:notesMaster>
+</file>
+
+<file path=ppt/notesSlides/notesSlide1.xml><?xml version="1.0" encoding="utf-8"?>
+<p:notes xmlns:a="http://schemas.openxmlformats.org/drawingml/2006/main" xmlns:r="http://schemas.openxmlformats.org/officeDocument/2006/relationships" xmlns:p="http://schemas.openxmlformats.org/presentationml/2006/main">
+  <p:cSld>
+    <p:spTree>
+      <p:nvGrpSpPr>
+        <p:cNvPr id="1" name=""/>
+        <p:cNvGrpSpPr/>
+        <p:nvPr/>
+      </p:nvGrpSpPr>
+      <p:grpSpPr>
+        <a:xfrm>
+          <a:off x="0" y="0"/>
+          <a:ext cx="0" cy="0"/>
+          <a:chOff x="0" y="0"/>
+          <a:chExt cx="0" cy="0"/>
+        </a:xfrm>
+      </p:grpSpPr>
+      <p:sp>
+        <p:nvSpPr>
+          <p:cNvPr id="2" name="Slide Image Placeholder 1"/>
+          <p:cNvSpPr>
+            <a:spLocks noGrp="1" noRot="1" noChangeAspect="1"/>
+          </p:cNvSpPr>
+          <p:nvPr>
+            <p:ph type="sldImg"/>
+          </p:nvPr>
+        </p:nvSpPr>
+        <p:spPr/>
+      </p:sp>
+      <p:sp>
+        <p:nvSpPr>
+          <p:cNvPr id="3" name="Notes Placeholder 2"/>
+          <p:cNvSpPr>
+            <a:spLocks noGrp="1"/>
+          </p:cNvSpPr>
+          <p:nvPr>
+            <p:ph type="body" idx="1"/>
+          </p:nvPr>
+        </p:nvSpPr>
+        <p:spPr/>
+        <p:txBody>
+          <a:bodyPr/>
+          <a:lstStyle/>
+          <a:p>
+            <a:pPr marL="0" indent="0">
+              <a:buFont typeface="Arial" panose="020B0604020202020204" pitchFamily="34" charset="0"/>
+              <a:buNone/>
+            </a:pPr>
+            <a:r>
+              <a:rPr lang="en-US" dirty="0"/>
+              <a:t>In this first chart on the left we can see outstanding student debt in billions for borrowers that have taken out loans for $20K to $40K from 2017 to 2023. The line below demonstrates the number of borrowers in millions taking out loans for this amount.</a:t>
+            </a:r>
+          </a:p>
+          <a:p>
+            <a:endParaRPr lang="en-US" dirty="0"/>
+          </a:p>
+          <a:p>
+            <a:r>
+              <a:rPr lang="en-US" dirty="0"/>
+              <a:t>Using this visual we can see just how </a:t>
+            </a:r>
+            <a:r>
+              <a:rPr lang="en-US"/>
+              <a:t>many </a:t>
+            </a:r>
+            <a:r>
+              <a:rPr lang="en-US" dirty="0"/>
+              <a:t>A</a:t>
+            </a:r>
+            <a:r>
+              <a:rPr lang="en-US"/>
+              <a:t>mericans </a:t>
+            </a:r>
+            <a:r>
+              <a:rPr lang="en-US" dirty="0"/>
+              <a:t>are being impacted by student debt and to what degree. </a:t>
+            </a:r>
+          </a:p>
+          <a:p>
+            <a:pPr marL="285750" indent="-285750">
+              <a:buFont typeface="Arial" panose="020B0604020202020204" pitchFamily="34" charset="0"/>
+              <a:buChar char="•"/>
+            </a:pPr>
+            <a:r>
+              <a:rPr lang="en-US" dirty="0"/>
+              <a:t>As tuition costs continue to increase more students are having to take out loans to pay for school.</a:t>
+            </a:r>
+          </a:p>
+          <a:p>
+            <a:pPr marL="285750" indent="-285750">
+              <a:buFont typeface="Arial" panose="020B0604020202020204" pitchFamily="34" charset="0"/>
+              <a:buChar char="•"/>
+            </a:pPr>
+            <a:r>
+              <a:rPr lang="en-US" dirty="0"/>
+              <a:t>While it costs more and more each year to attend college students across the nation are more accruing an increasing amount of student debt</a:t>
+            </a:r>
+          </a:p>
+          <a:p>
+            <a:pPr marL="285750" indent="-285750">
+              <a:buFont typeface="Arial" panose="020B0604020202020204" pitchFamily="34" charset="0"/>
+              <a:buChar char="•"/>
+            </a:pPr>
+            <a:r>
+              <a:rPr lang="en-US" dirty="0"/>
+              <a:t>This in turn is perpetuating to the student debt crisis.</a:t>
+            </a:r>
+          </a:p>
+          <a:p>
+            <a:endParaRPr lang="en-US" dirty="0"/>
+          </a:p>
+        </p:txBody>
+      </p:sp>
+      <p:sp>
+        <p:nvSpPr>
+          <p:cNvPr id="4" name="Slide Number Placeholder 3"/>
+          <p:cNvSpPr>
+            <a:spLocks noGrp="1"/>
+          </p:cNvSpPr>
+          <p:nvPr>
+            <p:ph type="sldNum" sz="quarter" idx="5"/>
+          </p:nvPr>
+        </p:nvSpPr>
+        <p:spPr/>
+        <p:txBody>
+          <a:bodyPr/>
+          <a:lstStyle/>
+          <a:p>
+            <a:fld id="{D442B3B4-A4BE-4A77-8289-8CCDF05DB9FC}" type="slidenum">
+              <a:rPr lang="en-US" smtClean="0"/>
+              <a:t>13</a:t>
+            </a:fld>
+            <a:endParaRPr lang="en-US"/>
+          </a:p>
+        </p:txBody>
+      </p:sp>
+    </p:spTree>
+    <p:extLst>
+      <p:ext uri="{BB962C8B-B14F-4D97-AF65-F5344CB8AC3E}">
+        <p14:creationId xmlns:p14="http://schemas.microsoft.com/office/powerpoint/2010/main" val="1293482843"/>
+      </p:ext>
+    </p:extLst>
+  </p:cSld>
+  <p:clrMapOvr>
+    <a:masterClrMapping/>
+  </p:clrMapOvr>
+</p:notes>
+</file>
+
 <file path=ppt/slideLayouts/slideLayout1.xml><?xml version="1.0" encoding="utf-8"?>
 <p:sldLayout xmlns:a="http://schemas.openxmlformats.org/drawingml/2006/main" xmlns:r="http://schemas.openxmlformats.org/officeDocument/2006/relationships" xmlns:p="http://schemas.openxmlformats.org/presentationml/2006/main" type="title" preserve="1">
   <p:cSld name="Title Slide">
@@ -328,7 +831,7 @@
     </p:spTree>
     <p:extLst>
       <p:ext uri="{BB962C8B-B14F-4D97-AF65-F5344CB8AC3E}">
-        <p14:creationId xmlns:p14="http://schemas.microsoft.com/office/powerpoint/2010/main" val="504938236"/>
+        <p14:creationId xmlns:p14="http://schemas.microsoft.com/office/powerpoint/2010/main" val="1020887011"/>
       </p:ext>
     </p:extLst>
   </p:cSld>
@@ -526,7 +1029,7 @@
     </p:spTree>
     <p:extLst>
       <p:ext uri="{BB962C8B-B14F-4D97-AF65-F5344CB8AC3E}">
-        <p14:creationId xmlns:p14="http://schemas.microsoft.com/office/powerpoint/2010/main" val="2602014106"/>
+        <p14:creationId xmlns:p14="http://schemas.microsoft.com/office/powerpoint/2010/main" val="3701306456"/>
       </p:ext>
     </p:extLst>
   </p:cSld>
@@ -734,7 +1237,7 @@
     </p:spTree>
     <p:extLst>
       <p:ext uri="{BB962C8B-B14F-4D97-AF65-F5344CB8AC3E}">
-        <p14:creationId xmlns:p14="http://schemas.microsoft.com/office/powerpoint/2010/main" val="1818710243"/>
+        <p14:creationId xmlns:p14="http://schemas.microsoft.com/office/powerpoint/2010/main" val="72441490"/>
       </p:ext>
     </p:extLst>
   </p:cSld>
@@ -764,7 +1267,7 @@
     </p:spTree>
     <p:extLst>
       <p:ext uri="{BB962C8B-B14F-4D97-AF65-F5344CB8AC3E}">
-        <p14:creationId xmlns:p14="http://schemas.microsoft.com/office/powerpoint/2010/main" val="2946076185"/>
+        <p14:creationId xmlns:p14="http://schemas.microsoft.com/office/powerpoint/2010/main" val="1509029285"/>
       </p:ext>
     </p:extLst>
   </p:cSld>
@@ -962,7 +1465,7 @@
     </p:spTree>
     <p:extLst>
       <p:ext uri="{BB962C8B-B14F-4D97-AF65-F5344CB8AC3E}">
-        <p14:creationId xmlns:p14="http://schemas.microsoft.com/office/powerpoint/2010/main" val="87193369"/>
+        <p14:creationId xmlns:p14="http://schemas.microsoft.com/office/powerpoint/2010/main" val="2126578912"/>
       </p:ext>
     </p:extLst>
   </p:cSld>
@@ -1237,7 +1740,7 @@
     </p:spTree>
     <p:extLst>
       <p:ext uri="{BB962C8B-B14F-4D97-AF65-F5344CB8AC3E}">
-        <p14:creationId xmlns:p14="http://schemas.microsoft.com/office/powerpoint/2010/main" val="179394909"/>
+        <p14:creationId xmlns:p14="http://schemas.microsoft.com/office/powerpoint/2010/main" val="2735845318"/>
       </p:ext>
     </p:extLst>
   </p:cSld>
@@ -1502,7 +2005,7 @@
     </p:spTree>
     <p:extLst>
       <p:ext uri="{BB962C8B-B14F-4D97-AF65-F5344CB8AC3E}">
-        <p14:creationId xmlns:p14="http://schemas.microsoft.com/office/powerpoint/2010/main" val="2074499440"/>
+        <p14:creationId xmlns:p14="http://schemas.microsoft.com/office/powerpoint/2010/main" val="3987456120"/>
       </p:ext>
     </p:extLst>
   </p:cSld>
@@ -1914,7 +2417,7 @@
     </p:spTree>
     <p:extLst>
       <p:ext uri="{BB962C8B-B14F-4D97-AF65-F5344CB8AC3E}">
-        <p14:creationId xmlns:p14="http://schemas.microsoft.com/office/powerpoint/2010/main" val="1831451216"/>
+        <p14:creationId xmlns:p14="http://schemas.microsoft.com/office/powerpoint/2010/main" val="966651627"/>
       </p:ext>
     </p:extLst>
   </p:cSld>
@@ -2055,7 +2558,7 @@
     </p:spTree>
     <p:extLst>
       <p:ext uri="{BB962C8B-B14F-4D97-AF65-F5344CB8AC3E}">
-        <p14:creationId xmlns:p14="http://schemas.microsoft.com/office/powerpoint/2010/main" val="2551106812"/>
+        <p14:creationId xmlns:p14="http://schemas.microsoft.com/office/powerpoint/2010/main" val="808102714"/>
       </p:ext>
     </p:extLst>
   </p:cSld>
@@ -2168,7 +2671,7 @@
     </p:spTree>
     <p:extLst>
       <p:ext uri="{BB962C8B-B14F-4D97-AF65-F5344CB8AC3E}">
-        <p14:creationId xmlns:p14="http://schemas.microsoft.com/office/powerpoint/2010/main" val="2208127234"/>
+        <p14:creationId xmlns:p14="http://schemas.microsoft.com/office/powerpoint/2010/main" val="2274615856"/>
       </p:ext>
     </p:extLst>
   </p:cSld>
@@ -2479,7 +2982,7 @@
     </p:spTree>
     <p:extLst>
       <p:ext uri="{BB962C8B-B14F-4D97-AF65-F5344CB8AC3E}">
-        <p14:creationId xmlns:p14="http://schemas.microsoft.com/office/powerpoint/2010/main" val="4153187398"/>
+        <p14:creationId xmlns:p14="http://schemas.microsoft.com/office/powerpoint/2010/main" val="2506863644"/>
       </p:ext>
     </p:extLst>
   </p:cSld>
@@ -2767,7 +3270,7 @@
     </p:spTree>
     <p:extLst>
       <p:ext uri="{BB962C8B-B14F-4D97-AF65-F5344CB8AC3E}">
-        <p14:creationId xmlns:p14="http://schemas.microsoft.com/office/powerpoint/2010/main" val="1977756544"/>
+        <p14:creationId xmlns:p14="http://schemas.microsoft.com/office/powerpoint/2010/main" val="2220978154"/>
       </p:ext>
     </p:extLst>
   </p:cSld>
@@ -3046,24 +3549,24 @@
     </p:spTree>
     <p:extLst>
       <p:ext uri="{BB962C8B-B14F-4D97-AF65-F5344CB8AC3E}">
-        <p14:creationId xmlns:p14="http://schemas.microsoft.com/office/powerpoint/2010/main" val="3187508796"/>
+        <p14:creationId xmlns:p14="http://schemas.microsoft.com/office/powerpoint/2010/main" val="1036596605"/>
       </p:ext>
     </p:extLst>
   </p:cSld>
   <p:clrMap bg1="lt1" tx1="dk1" bg2="lt2" tx2="dk2" accent1="accent1" accent2="accent2" accent3="accent3" accent4="accent4" accent5="accent5" accent6="accent6" hlink="hlink" folHlink="folHlink"/>
   <p:sldLayoutIdLst>
-    <p:sldLayoutId id="2147483695" r:id="rId1"/>
-    <p:sldLayoutId id="2147483696" r:id="rId2"/>
-    <p:sldLayoutId id="2147483697" r:id="rId3"/>
-    <p:sldLayoutId id="2147483698" r:id="rId4"/>
-    <p:sldLayoutId id="2147483699" r:id="rId5"/>
-    <p:sldLayoutId id="2147483700" r:id="rId6"/>
-    <p:sldLayoutId id="2147483701" r:id="rId7"/>
-    <p:sldLayoutId id="2147483702" r:id="rId8"/>
-    <p:sldLayoutId id="2147483703" r:id="rId9"/>
-    <p:sldLayoutId id="2147483704" r:id="rId10"/>
-    <p:sldLayoutId id="2147483705" r:id="rId11"/>
-    <p:sldLayoutId id="2147483706" r:id="rId12"/>
+    <p:sldLayoutId id="2147483726" r:id="rId1"/>
+    <p:sldLayoutId id="2147483727" r:id="rId2"/>
+    <p:sldLayoutId id="2147483728" r:id="rId3"/>
+    <p:sldLayoutId id="2147483729" r:id="rId4"/>
+    <p:sldLayoutId id="2147483730" r:id="rId5"/>
+    <p:sldLayoutId id="2147483731" r:id="rId6"/>
+    <p:sldLayoutId id="2147483732" r:id="rId7"/>
+    <p:sldLayoutId id="2147483733" r:id="rId8"/>
+    <p:sldLayoutId id="2147483734" r:id="rId9"/>
+    <p:sldLayoutId id="2147483735" r:id="rId10"/>
+    <p:sldLayoutId id="2147483736" r:id="rId11"/>
+    <p:sldLayoutId id="2147483737" r:id="rId12"/>
   </p:sldLayoutIdLst>
   <p:txStyles>
     <p:titleStyle>
@@ -4450,12 +4953,230 @@
           <a:chExt cx="0" cy="0"/>
         </a:xfrm>
       </p:grpSpPr>
+      <p:sp>
+        <p:nvSpPr>
+          <p:cNvPr id="2" name="Title 1">
+            <a:extLst>
+              <a:ext uri="{FF2B5EF4-FFF2-40B4-BE49-F238E27FC236}">
+                <a16:creationId xmlns:a16="http://schemas.microsoft.com/office/drawing/2014/main" id="{B8FA86AF-8420-2807-4E70-29ED15C9CE5A}"/>
+              </a:ext>
+            </a:extLst>
+          </p:cNvPr>
+          <p:cNvSpPr>
+            <a:spLocks noGrp="1"/>
+          </p:cNvSpPr>
+          <p:nvPr>
+            <p:ph type="title"/>
+          </p:nvPr>
+        </p:nvSpPr>
+        <p:spPr>
+          <a:xfrm>
+            <a:off x="1136397" y="502021"/>
+            <a:ext cx="4959603" cy="1642969"/>
+          </a:xfrm>
+        </p:spPr>
+        <p:txBody>
+          <a:bodyPr vert="horz" lIns="91440" tIns="45720" rIns="91440" bIns="45720" rtlCol="0" anchor="b">
+            <a:normAutofit/>
+          </a:bodyPr>
+          <a:lstStyle/>
+          <a:p>
+            <a:r>
+              <a:rPr lang="en-US" sz="4000" kern="1200">
+                <a:solidFill>
+                  <a:schemeClr val="tx1"/>
+                </a:solidFill>
+                <a:latin typeface="+mj-lt"/>
+                <a:ea typeface="+mj-ea"/>
+                <a:cs typeface="+mj-cs"/>
+              </a:rPr>
+              <a:t>Tuition Costs</a:t>
+            </a:r>
+          </a:p>
+        </p:txBody>
+      </p:sp>
+      <p:sp>
+        <p:nvSpPr>
+          <p:cNvPr id="5" name="TextBox 4">
+            <a:extLst>
+              <a:ext uri="{FF2B5EF4-FFF2-40B4-BE49-F238E27FC236}">
+                <a16:creationId xmlns:a16="http://schemas.microsoft.com/office/drawing/2014/main" id="{72E7F907-FF91-3870-56A3-AD5FFDF9B984}"/>
+              </a:ext>
+            </a:extLst>
+          </p:cNvPr>
+          <p:cNvSpPr txBox="1"/>
+          <p:nvPr/>
+        </p:nvSpPr>
+        <p:spPr>
+          <a:xfrm>
+            <a:off x="1136397" y="2418408"/>
+            <a:ext cx="4959603" cy="3522569"/>
+          </a:xfrm>
+          <a:prstGeom prst="rect">
+            <a:avLst/>
+          </a:prstGeom>
+        </p:spPr>
+        <p:txBody>
+          <a:bodyPr vert="horz" lIns="91440" tIns="45720" rIns="91440" bIns="45720" rtlCol="0" anchor="t">
+            <a:normAutofit/>
+          </a:bodyPr>
+          <a:lstStyle/>
+          <a:p>
+            <a:pPr marL="285750" indent="-228600">
+              <a:lnSpc>
+                <a:spcPct val="90000"/>
+              </a:lnSpc>
+              <a:spcAft>
+                <a:spcPts val="600"/>
+              </a:spcAft>
+              <a:buFont typeface="Arial" panose="020B0604020202020204" pitchFamily="34" charset="0"/>
+              <a:buChar char="•"/>
+            </a:pPr>
+            <a:r>
+              <a:rPr lang="en-US" sz="1700"/>
+              <a:t>This graph displays tuition, fees, room, and board costs for 4-year institutions over the past 60 years.</a:t>
+            </a:r>
+          </a:p>
+          <a:p>
+            <a:pPr marL="285750" indent="-228600">
+              <a:lnSpc>
+                <a:spcPct val="90000"/>
+              </a:lnSpc>
+              <a:spcAft>
+                <a:spcPts val="600"/>
+              </a:spcAft>
+              <a:buFont typeface="Arial" panose="020B0604020202020204" pitchFamily="34" charset="0"/>
+              <a:buChar char="•"/>
+            </a:pPr>
+            <a:r>
+              <a:rPr lang="en-US" sz="1700"/>
+              <a:t>There is an exponential increase in tuition costs from 1963-2022.</a:t>
+            </a:r>
+          </a:p>
+          <a:p>
+            <a:pPr marL="285750" indent="-228600">
+              <a:lnSpc>
+                <a:spcPct val="90000"/>
+              </a:lnSpc>
+              <a:spcAft>
+                <a:spcPts val="600"/>
+              </a:spcAft>
+              <a:buFont typeface="Arial" panose="020B0604020202020204" pitchFamily="34" charset="0"/>
+              <a:buChar char="•"/>
+            </a:pPr>
+            <a:r>
+              <a:rPr lang="en-US" sz="1700"/>
+              <a:t>As time goes on it’s costing students more and more money to attend college and receive the same education as previous generations.</a:t>
+            </a:r>
+          </a:p>
+          <a:p>
+            <a:pPr marL="285750" indent="-228600">
+              <a:lnSpc>
+                <a:spcPct val="90000"/>
+              </a:lnSpc>
+              <a:spcAft>
+                <a:spcPts val="600"/>
+              </a:spcAft>
+              <a:buFont typeface="Arial" panose="020B0604020202020204" pitchFamily="34" charset="0"/>
+              <a:buChar char="•"/>
+            </a:pPr>
+            <a:r>
+              <a:rPr lang="en-US" sz="1700"/>
+              <a:t>We can see a slight dip in costs in 2020 but that is an outlier that can likely be attributed to COVID.</a:t>
+            </a:r>
+          </a:p>
+          <a:p>
+            <a:pPr marL="285750" indent="-228600">
+              <a:lnSpc>
+                <a:spcPct val="90000"/>
+              </a:lnSpc>
+              <a:spcAft>
+                <a:spcPts val="600"/>
+              </a:spcAft>
+              <a:buFont typeface="Arial" panose="020B0604020202020204" pitchFamily="34" charset="0"/>
+              <a:buChar char="•"/>
+            </a:pPr>
+            <a:r>
+              <a:rPr lang="en-US" sz="1700"/>
+              <a:t>According to the data displayed here the cost of tuition has gone up 155% during this given time period </a:t>
+            </a:r>
+          </a:p>
+        </p:txBody>
+      </p:sp>
+      <p:pic>
+        <p:nvPicPr>
+          <p:cNvPr id="4" name="Picture 3">
+            <a:extLst>
+              <a:ext uri="{FF2B5EF4-FFF2-40B4-BE49-F238E27FC236}">
+                <a16:creationId xmlns:a16="http://schemas.microsoft.com/office/drawing/2014/main" id="{70C3C8FC-7FF2-C3B6-C4B9-A78E9599D1FE}"/>
+              </a:ext>
+            </a:extLst>
+          </p:cNvPr>
+          <p:cNvPicPr>
+            <a:picLocks noChangeAspect="1"/>
+          </p:cNvPicPr>
+          <p:nvPr/>
+        </p:nvPicPr>
+        <p:blipFill>
+          <a:blip r:embed="rId2"/>
+          <a:stretch>
+            <a:fillRect/>
+          </a:stretch>
+        </p:blipFill>
+        <p:spPr>
+          <a:xfrm>
+            <a:off x="6512442" y="1499282"/>
+            <a:ext cx="5201023" cy="3445678"/>
+          </a:xfrm>
+          <a:prstGeom prst="rect">
+            <a:avLst/>
+          </a:prstGeom>
+        </p:spPr>
+      </p:pic>
+    </p:spTree>
+    <p:extLst>
+      <p:ext uri="{BB962C8B-B14F-4D97-AF65-F5344CB8AC3E}">
+        <p14:creationId xmlns:p14="http://schemas.microsoft.com/office/powerpoint/2010/main" val="2860876534"/>
+      </p:ext>
+    </p:extLst>
+  </p:cSld>
+  <p:clrMapOvr>
+    <a:masterClrMapping/>
+  </p:clrMapOvr>
+</p:sld>
+</file>
+
+<file path=ppt/slides/slide13.xml><?xml version="1.0" encoding="utf-8"?>
+<p:sld xmlns:a="http://schemas.openxmlformats.org/drawingml/2006/main" xmlns:r="http://schemas.openxmlformats.org/officeDocument/2006/relationships" xmlns:p="http://schemas.openxmlformats.org/presentationml/2006/main">
+  <p:cSld>
+    <p:bg>
+      <p:bgPr>
+        <a:solidFill>
+          <a:schemeClr val="bg1"/>
+        </a:solidFill>
+        <a:effectLst/>
+      </p:bgPr>
+    </p:bg>
+    <p:spTree>
+      <p:nvGrpSpPr>
+        <p:cNvPr id="1" name=""/>
+        <p:cNvGrpSpPr/>
+        <p:nvPr/>
+      </p:nvGrpSpPr>
+      <p:grpSpPr>
+        <a:xfrm>
+          <a:off x="0" y="0"/>
+          <a:ext cx="0" cy="0"/>
+          <a:chOff x="0" y="0"/>
+          <a:chExt cx="0" cy="0"/>
+        </a:xfrm>
+      </p:grpSpPr>
       <p:sp useBgFill="1">
         <p:nvSpPr>
-          <p:cNvPr id="12" name="Rectangle 11">
+          <p:cNvPr id="18" name="Rectangle 17">
             <a:extLst>
               <a:ext uri="{FF2B5EF4-FFF2-40B4-BE49-F238E27FC236}">
-                <a16:creationId xmlns:a16="http://schemas.microsoft.com/office/drawing/2014/main" id="{5D7F64A8-D625-4F61-A290-B499BB62ACFF}"/>
+                <a16:creationId xmlns:a16="http://schemas.microsoft.com/office/drawing/2014/main" id="{99ED5833-B85B-4103-8A3B-CAB0308E6C15}"/>
               </a:ext>
               <a:ext uri="{C183D7F6-B498-43B3-948B-1728B52AA6E4}">
                 <adec:decorative xmlns:adec="http://schemas.microsoft.com/office/drawing/2017/decorative" val="1"/>
@@ -4475,7 +5196,7 @@
         </p:nvSpPr>
         <p:spPr>
           <a:xfrm>
-            <a:off x="0" y="0"/>
+            <a:off x="-1" y="0"/>
             <a:ext cx="12188952" cy="6858000"/>
           </a:xfrm>
           <a:prstGeom prst="rect">
@@ -4515,7 +5236,7 @@
           <p:cNvPr id="2" name="Title 1">
             <a:extLst>
               <a:ext uri="{FF2B5EF4-FFF2-40B4-BE49-F238E27FC236}">
-                <a16:creationId xmlns:a16="http://schemas.microsoft.com/office/drawing/2014/main" id="{88C1CD30-2849-6764-4C3C-5F2F4AB19D4F}"/>
+                <a16:creationId xmlns:a16="http://schemas.microsoft.com/office/drawing/2014/main" id="{A5FBB8BB-DC55-0330-946D-FCA38ED73B2E}"/>
               </a:ext>
             </a:extLst>
           </p:cNvPr>
@@ -4528,29 +5249,29 @@
         </p:nvSpPr>
         <p:spPr>
           <a:xfrm>
-            <a:off x="2187363" y="1671569"/>
-            <a:ext cx="5801917" cy="2228760"/>
+            <a:off x="838200" y="365125"/>
+            <a:ext cx="10515600" cy="1860400"/>
           </a:xfrm>
         </p:spPr>
         <p:txBody>
-          <a:bodyPr anchor="b">
+          <a:bodyPr vert="horz" lIns="91440" tIns="45720" rIns="91440" bIns="45720" rtlCol="0">
             <a:normAutofit/>
           </a:bodyPr>
           <a:lstStyle/>
           <a:p>
             <a:r>
-              <a:rPr lang="en-US" sz="4000"/>
-              <a:t>Reference Page:</a:t>
+              <a:rPr lang="en-US" sz="5200"/>
+              <a:t>How does the rise in tuition costs relate to student debt?</a:t>
             </a:r>
           </a:p>
         </p:txBody>
       </p:sp>
       <p:pic>
         <p:nvPicPr>
-          <p:cNvPr id="7" name="Graphic 6" descr="Books">
+          <p:cNvPr id="6" name="Picture 5">
             <a:extLst>
               <a:ext uri="{FF2B5EF4-FFF2-40B4-BE49-F238E27FC236}">
-                <a16:creationId xmlns:a16="http://schemas.microsoft.com/office/drawing/2014/main" id="{26A3B77B-EC67-5698-11E0-588DDC59A85A}"/>
+                <a16:creationId xmlns:a16="http://schemas.microsoft.com/office/drawing/2014/main" id="{0478D8D4-D962-0F1A-EA5B-B839E7674A23}"/>
               </a:ext>
             </a:extLst>
           </p:cNvPr>
@@ -4560,13 +5281,212 @@
           <p:nvPr/>
         </p:nvPicPr>
         <p:blipFill>
-          <a:blip r:embed="rId2">
+          <a:blip r:embed="rId3"/>
+          <a:stretch>
+            <a:fillRect/>
+          </a:stretch>
+        </p:blipFill>
+        <p:spPr>
+          <a:xfrm>
+            <a:off x="181234" y="2425908"/>
+            <a:ext cx="5828261" cy="3817510"/>
+          </a:xfrm>
+          <a:prstGeom prst="rect">
+            <a:avLst/>
+          </a:prstGeom>
+        </p:spPr>
+      </p:pic>
+      <p:pic>
+        <p:nvPicPr>
+          <p:cNvPr id="8" name="Picture 7">
+            <a:extLst>
+              <a:ext uri="{FF2B5EF4-FFF2-40B4-BE49-F238E27FC236}">
+                <a16:creationId xmlns:a16="http://schemas.microsoft.com/office/drawing/2014/main" id="{7CA03D8B-FCCD-AEA6-5360-2B007212F5B6}"/>
+              </a:ext>
+            </a:extLst>
+          </p:cNvPr>
+          <p:cNvPicPr>
+            <a:picLocks noChangeAspect="1"/>
+          </p:cNvPicPr>
+          <p:nvPr/>
+        </p:nvPicPr>
+        <p:blipFill>
+          <a:blip r:embed="rId4"/>
+          <a:stretch>
+            <a:fillRect/>
+          </a:stretch>
+        </p:blipFill>
+        <p:spPr>
+          <a:xfrm>
+            <a:off x="6182505" y="2455049"/>
+            <a:ext cx="5828261" cy="3759228"/>
+          </a:xfrm>
+          <a:prstGeom prst="rect">
+            <a:avLst/>
+          </a:prstGeom>
+        </p:spPr>
+      </p:pic>
+    </p:spTree>
+    <p:extLst>
+      <p:ext uri="{BB962C8B-B14F-4D97-AF65-F5344CB8AC3E}">
+        <p14:creationId xmlns:p14="http://schemas.microsoft.com/office/powerpoint/2010/main" val="3755862933"/>
+      </p:ext>
+    </p:extLst>
+  </p:cSld>
+  <p:clrMapOvr>
+    <a:masterClrMapping/>
+  </p:clrMapOvr>
+</p:sld>
+</file>
+
+<file path=ppt/slides/slide14.xml><?xml version="1.0" encoding="utf-8"?>
+<p:sld xmlns:a="http://schemas.openxmlformats.org/drawingml/2006/main" xmlns:r="http://schemas.openxmlformats.org/officeDocument/2006/relationships" xmlns:p="http://schemas.openxmlformats.org/presentationml/2006/main">
+  <p:cSld>
+    <p:bg>
+      <p:bgPr>
+        <a:solidFill>
+          <a:schemeClr val="bg1"/>
+        </a:solidFill>
+        <a:effectLst/>
+      </p:bgPr>
+    </p:bg>
+    <p:spTree>
+      <p:nvGrpSpPr>
+        <p:cNvPr id="1" name=""/>
+        <p:cNvGrpSpPr/>
+        <p:nvPr/>
+      </p:nvGrpSpPr>
+      <p:grpSpPr>
+        <a:xfrm>
+          <a:off x="0" y="0"/>
+          <a:ext cx="0" cy="0"/>
+          <a:chOff x="0" y="0"/>
+          <a:chExt cx="0" cy="0"/>
+        </a:xfrm>
+      </p:grpSpPr>
+      <p:sp>
+        <p:nvSpPr>
+          <p:cNvPr id="2" name="Title 1">
+            <a:extLst>
+              <a:ext uri="{FF2B5EF4-FFF2-40B4-BE49-F238E27FC236}">
+                <a16:creationId xmlns:a16="http://schemas.microsoft.com/office/drawing/2014/main" id="{88C1CD30-2849-6764-4C3C-5F2F4AB19D4F}"/>
+              </a:ext>
+            </a:extLst>
+          </p:cNvPr>
+          <p:cNvSpPr>
+            <a:spLocks noGrp="1"/>
+          </p:cNvSpPr>
+          <p:nvPr>
+            <p:ph type="title"/>
+          </p:nvPr>
+        </p:nvSpPr>
+        <p:spPr>
+          <a:xfrm>
+            <a:off x="2187363" y="1671569"/>
+            <a:ext cx="5801917" cy="2228760"/>
+          </a:xfrm>
+        </p:spPr>
+        <p:txBody>
+          <a:bodyPr anchor="b">
+            <a:normAutofit/>
+          </a:bodyPr>
+          <a:lstStyle/>
+          <a:p>
+            <a:r>
+              <a:rPr lang="en-US" sz="4000"/>
+              <a:t>Reference Page:</a:t>
+            </a:r>
+          </a:p>
+        </p:txBody>
+      </p:sp>
+      <p:sp>
+        <p:nvSpPr>
+          <p:cNvPr id="3" name="Content Placeholder 2">
+            <a:extLst>
+              <a:ext uri="{FF2B5EF4-FFF2-40B4-BE49-F238E27FC236}">
+                <a16:creationId xmlns:a16="http://schemas.microsoft.com/office/drawing/2014/main" id="{BB382C46-D484-1E9C-6C4D-5E323E6873F5}"/>
+              </a:ext>
+            </a:extLst>
+          </p:cNvPr>
+          <p:cNvSpPr>
+            <a:spLocks noGrp="1"/>
+          </p:cNvSpPr>
+          <p:nvPr>
+            <p:ph idx="1"/>
+          </p:nvPr>
+        </p:nvSpPr>
+        <p:spPr>
+          <a:xfrm>
+            <a:off x="2187364" y="4072044"/>
+            <a:ext cx="5801917" cy="2057045"/>
+          </a:xfrm>
+        </p:spPr>
+        <p:txBody>
+          <a:bodyPr>
+            <a:normAutofit/>
+          </a:bodyPr>
+          <a:lstStyle/>
+          <a:p>
+            <a:r>
+              <a:rPr lang="en-US" sz="1400" kern="100" dirty="0">
+                <a:effectLst/>
+                <a:latin typeface="Calibri" panose="020F0502020204030204" pitchFamily="34" charset="0"/>
+                <a:ea typeface="Calibri" panose="020F0502020204030204" pitchFamily="34" charset="0"/>
+                <a:cs typeface="Times New Roman" panose="02020603050405020304" pitchFamily="18" charset="0"/>
+                <a:hlinkClick r:id="rId2"/>
+              </a:rPr>
+              <a:t>https://data.ed.gov/dataset/federal-student-loan-portfolio/resources?resource=9f3366c2-ef2c-489c-86ad-12e334113e5b</a:t>
+            </a:r>
+            <a:endParaRPr lang="en-US" sz="1400" kern="100" dirty="0">
+              <a:effectLst/>
+              <a:latin typeface="Calibri" panose="020F0502020204030204" pitchFamily="34" charset="0"/>
+              <a:ea typeface="Calibri" panose="020F0502020204030204" pitchFamily="34" charset="0"/>
+              <a:cs typeface="Times New Roman" panose="02020603050405020304" pitchFamily="18" charset="0"/>
+            </a:endParaRPr>
+          </a:p>
+          <a:p>
+            <a:r>
+              <a:rPr lang="en-US" sz="1400" b="0" i="0" u="sng" dirty="0">
+                <a:effectLst/>
+                <a:latin typeface="Slack-Lato"/>
+                <a:hlinkClick r:id="rId3"/>
+              </a:rPr>
+              <a:t>https://studentaid.gov/data-center/student/portfolio</a:t>
+            </a:r>
+            <a:endParaRPr lang="en-US" sz="2000" kern="100" dirty="0">
+              <a:effectLst/>
+              <a:latin typeface="Calibri" panose="020F0502020204030204" pitchFamily="34" charset="0"/>
+              <a:ea typeface="Calibri" panose="020F0502020204030204" pitchFamily="34" charset="0"/>
+              <a:cs typeface="Times New Roman" panose="02020603050405020304" pitchFamily="18" charset="0"/>
+            </a:endParaRPr>
+          </a:p>
+          <a:p>
+            <a:endParaRPr lang="en-US" sz="2000" dirty="0"/>
+          </a:p>
+        </p:txBody>
+      </p:sp>
+      <p:pic>
+        <p:nvPicPr>
+          <p:cNvPr id="7" name="Graphic 6" descr="Books">
+            <a:extLst>
+              <a:ext uri="{FF2B5EF4-FFF2-40B4-BE49-F238E27FC236}">
+                <a16:creationId xmlns:a16="http://schemas.microsoft.com/office/drawing/2014/main" id="{26A3B77B-EC67-5698-11E0-588DDC59A85A}"/>
+              </a:ext>
+            </a:extLst>
+          </p:cNvPr>
+          <p:cNvPicPr>
+            <a:picLocks noChangeAspect="1"/>
+          </p:cNvPicPr>
+          <p:nvPr/>
+        </p:nvPicPr>
+        <p:blipFill>
+          <a:blip r:embed="rId4">
             <a:extLst>
               <a:ext uri="{28A0092B-C50C-407E-A947-70E740481C1C}">
                 <a14:useLocalDpi xmlns:a14="http://schemas.microsoft.com/office/drawing/2010/main" val="0"/>
               </a:ext>
               <a:ext uri="{96DAC541-7B7A-43D3-8B79-37D633B846F1}">
-                <asvg:svgBlip xmlns:asvg="http://schemas.microsoft.com/office/drawing/2016/SVG/main" r:embed="rId3"/>
+                <asvg:svgBlip xmlns:asvg="http://schemas.microsoft.com/office/drawing/2016/SVG/main" r:embed="rId5"/>
               </a:ext>
             </a:extLst>
           </a:blip>
@@ -4578,121 +5498,6 @@
           <a:xfrm>
             <a:off x="736948" y="2694018"/>
             <a:ext cx="1198532" cy="1198532"/>
-          </a:xfrm>
-          <a:prstGeom prst="rect">
-            <a:avLst/>
-          </a:prstGeom>
-        </p:spPr>
-      </p:pic>
-      <p:sp>
-        <p:nvSpPr>
-          <p:cNvPr id="3" name="Content Placeholder 2">
-            <a:extLst>
-              <a:ext uri="{FF2B5EF4-FFF2-40B4-BE49-F238E27FC236}">
-                <a16:creationId xmlns:a16="http://schemas.microsoft.com/office/drawing/2014/main" id="{BB382C46-D484-1E9C-6C4D-5E323E6873F5}"/>
-              </a:ext>
-            </a:extLst>
-          </p:cNvPr>
-          <p:cNvSpPr>
-            <a:spLocks noGrp="1"/>
-          </p:cNvSpPr>
-          <p:nvPr>
-            <p:ph idx="1"/>
-          </p:nvPr>
-        </p:nvSpPr>
-        <p:spPr>
-          <a:xfrm>
-            <a:off x="2187364" y="4072044"/>
-            <a:ext cx="5801917" cy="2057045"/>
-          </a:xfrm>
-        </p:spPr>
-        <p:txBody>
-          <a:bodyPr>
-            <a:normAutofit/>
-          </a:bodyPr>
-          <a:lstStyle/>
-          <a:p>
-            <a:r>
-              <a:rPr lang="en-US" sz="1400" kern="100" dirty="0">
-                <a:effectLst/>
-                <a:latin typeface="Calibri" panose="020F0502020204030204" pitchFamily="34" charset="0"/>
-                <a:ea typeface="Calibri" panose="020F0502020204030204" pitchFamily="34" charset="0"/>
-                <a:cs typeface="Times New Roman" panose="02020603050405020304" pitchFamily="18" charset="0"/>
-                <a:hlinkClick r:id="rId4"/>
-              </a:rPr>
-              <a:t>https://data.ed.gov/dataset/federal-student-loan-portfolio/resources?resource=9f3366c2-ef2c-489c-86ad-12e334113e5b</a:t>
-            </a:r>
-            <a:endParaRPr lang="en-US" sz="1400" kern="100" dirty="0">
-              <a:effectLst/>
-              <a:latin typeface="Calibri" panose="020F0502020204030204" pitchFamily="34" charset="0"/>
-              <a:ea typeface="Calibri" panose="020F0502020204030204" pitchFamily="34" charset="0"/>
-              <a:cs typeface="Times New Roman" panose="02020603050405020304" pitchFamily="18" charset="0"/>
-            </a:endParaRPr>
-          </a:p>
-          <a:p>
-            <a:r>
-              <a:rPr lang="en-US" sz="1400" b="0" i="0" u="sng" dirty="0">
-                <a:effectLst/>
-                <a:latin typeface="Slack-Lato"/>
-                <a:hlinkClick r:id="rId5"/>
-              </a:rPr>
-              <a:t>https://studentaid.gov/data-center/student/portfolio</a:t>
-            </a:r>
-            <a:endParaRPr lang="en-US" sz="2000" kern="100" dirty="0">
-              <a:effectLst/>
-              <a:latin typeface="Calibri" panose="020F0502020204030204" pitchFamily="34" charset="0"/>
-              <a:ea typeface="Calibri" panose="020F0502020204030204" pitchFamily="34" charset="0"/>
-              <a:cs typeface="Times New Roman" panose="02020603050405020304" pitchFamily="18" charset="0"/>
-            </a:endParaRPr>
-          </a:p>
-          <a:p>
-            <a:endParaRPr lang="en-US" sz="2000" dirty="0"/>
-          </a:p>
-        </p:txBody>
-      </p:sp>
-      <p:pic>
-        <p:nvPicPr>
-          <p:cNvPr id="9" name="Graphic 8" descr="Books">
-            <a:extLst>
-              <a:ext uri="{FF2B5EF4-FFF2-40B4-BE49-F238E27FC236}">
-                <a16:creationId xmlns:a16="http://schemas.microsoft.com/office/drawing/2014/main" id="{71655D0E-4591-4D48-A170-51675471BCD4}"/>
-              </a:ext>
-              <a:ext uri="{C183D7F6-B498-43B3-948B-1728B52AA6E4}">
-                <adec:decorative xmlns:adec="http://schemas.microsoft.com/office/drawing/2017/decorative" val="1"/>
-              </a:ext>
-            </a:extLst>
-          </p:cNvPr>
-          <p:cNvPicPr>
-            <a:picLocks noGrp="1" noRot="1" noChangeAspect="1" noMove="1" noResize="1" noEditPoints="1" noAdjustHandles="1" noChangeArrowheads="1" noChangeShapeType="1" noCrop="1"/>
-          </p:cNvPicPr>
-          <p:nvPr>
-            <p:extLst>
-              <p:ext uri="{386F3935-93C4-4BCD-93E2-E3B085C9AB24}">
-                <p16:designElem xmlns:p16="http://schemas.microsoft.com/office/powerpoint/2015/main" val="1"/>
-              </p:ext>
-            </p:extLst>
-          </p:nvPr>
-        </p:nvPicPr>
-        <p:blipFill>
-          <a:blip r:embed="rId2">
-            <a:alphaModFix amt="15000"/>
-            <a:extLst>
-              <a:ext uri="{28A0092B-C50C-407E-A947-70E740481C1C}">
-                <a14:useLocalDpi xmlns:a14="http://schemas.microsoft.com/office/drawing/2010/main" val="0"/>
-              </a:ext>
-              <a:ext uri="{96DAC541-7B7A-43D3-8B79-37D633B846F1}">
-                <asvg:svgBlip xmlns:asvg="http://schemas.microsoft.com/office/drawing/2016/SVG/main" r:embed="rId3"/>
-              </a:ext>
-            </a:extLst>
-          </a:blip>
-          <a:stretch>
-            <a:fillRect/>
-          </a:stretch>
-        </p:blipFill>
-        <p:spPr>
-          <a:xfrm>
-            <a:off x="6641431" y="816337"/>
-            <a:ext cx="5225327" cy="5225327"/>
           </a:xfrm>
           <a:prstGeom prst="rect">
             <a:avLst/>
@@ -7410,4 +8215,299 @@
     </a:ext>
   </a:extLst>
 </a:theme>
+</file>
+
+<file path=ppt/theme/theme2.xml><?xml version="1.0" encoding="utf-8"?>
+<a:theme xmlns:a="http://schemas.openxmlformats.org/drawingml/2006/main" name="Office Theme">
+  <a:themeElements>
+    <a:clrScheme name="Office">
+      <a:dk1>
+        <a:sysClr val="windowText" lastClr="000000"/>
+      </a:dk1>
+      <a:lt1>
+        <a:sysClr val="window" lastClr="FFFFFF"/>
+      </a:lt1>
+      <a:dk2>
+        <a:srgbClr val="44546A"/>
+      </a:dk2>
+      <a:lt2>
+        <a:srgbClr val="E7E6E6"/>
+      </a:lt2>
+      <a:accent1>
+        <a:srgbClr val="4472C4"/>
+      </a:accent1>
+      <a:accent2>
+        <a:srgbClr val="ED7D31"/>
+      </a:accent2>
+      <a:accent3>
+        <a:srgbClr val="A5A5A5"/>
+      </a:accent3>
+      <a:accent4>
+        <a:srgbClr val="FFC000"/>
+      </a:accent4>
+      <a:accent5>
+        <a:srgbClr val="5B9BD5"/>
+      </a:accent5>
+      <a:accent6>
+        <a:srgbClr val="70AD47"/>
+      </a:accent6>
+      <a:hlink>
+        <a:srgbClr val="0563C1"/>
+      </a:hlink>
+      <a:folHlink>
+        <a:srgbClr val="954F72"/>
+      </a:folHlink>
+    </a:clrScheme>
+    <a:fontScheme name="Office">
+      <a:majorFont>
+        <a:latin typeface="Calibri Light" panose="020F0302020204030204"/>
+        <a:ea typeface=""/>
+        <a:cs typeface=""/>
+        <a:font script="Jpan" typeface="游ゴシック Light"/>
+        <a:font script="Hang" typeface="맑은 고딕"/>
+        <a:font script="Hans" typeface="等线 Light"/>
+        <a:font script="Hant" typeface="新細明體"/>
+        <a:font script="Arab" typeface="Times New Roman"/>
+        <a:font script="Hebr" typeface="Times New Roman"/>
+        <a:font script="Thai" typeface="Angsana New"/>
+        <a:font script="Ethi" typeface="Nyala"/>
+        <a:font script="Beng" typeface="Vrinda"/>
+        <a:font script="Gujr" typeface="Shruti"/>
+        <a:font script="Khmr" typeface="MoolBoran"/>
+        <a:font script="Knda" typeface="Tunga"/>
+        <a:font script="Guru" typeface="Raavi"/>
+        <a:font script="Cans" typeface="Euphemia"/>
+        <a:font script="Cher" typeface="Plantagenet Cherokee"/>
+        <a:font script="Yiii" typeface="Microsoft Yi Baiti"/>
+        <a:font script="Tibt" typeface="Microsoft Himalaya"/>
+        <a:font script="Thaa" typeface="MV Boli"/>
+        <a:font script="Deva" typeface="Mangal"/>
+        <a:font script="Telu" typeface="Gautami"/>
+        <a:font script="Taml" typeface="Latha"/>
+        <a:font script="Syrc" typeface="Estrangelo Edessa"/>
+        <a:font script="Orya" typeface="Kalinga"/>
+        <a:font script="Mlym" typeface="Kartika"/>
+        <a:font script="Laoo" typeface="DokChampa"/>
+        <a:font script="Sinh" typeface="Iskoola Pota"/>
+        <a:font script="Mong" typeface="Mongolian Baiti"/>
+        <a:font script="Viet" typeface="Times New Roman"/>
+        <a:font script="Uigh" typeface="Microsoft Uighur"/>
+        <a:font script="Geor" typeface="Sylfaen"/>
+        <a:font script="Armn" typeface="Arial"/>
+        <a:font script="Bugi" typeface="Leelawadee UI"/>
+        <a:font script="Bopo" typeface="Microsoft JhengHei"/>
+        <a:font script="Java" typeface="Javanese Text"/>
+        <a:font script="Lisu" typeface="Segoe UI"/>
+        <a:font script="Mymr" typeface="Myanmar Text"/>
+        <a:font script="Nkoo" typeface="Ebrima"/>
+        <a:font script="Olck" typeface="Nirmala UI"/>
+        <a:font script="Osma" typeface="Ebrima"/>
+        <a:font script="Phag" typeface="Phagspa"/>
+        <a:font script="Syrn" typeface="Estrangelo Edessa"/>
+        <a:font script="Syrj" typeface="Estrangelo Edessa"/>
+        <a:font script="Syre" typeface="Estrangelo Edessa"/>
+        <a:font script="Sora" typeface="Nirmala UI"/>
+        <a:font script="Tale" typeface="Microsoft Tai Le"/>
+        <a:font script="Talu" typeface="Microsoft New Tai Lue"/>
+        <a:font script="Tfng" typeface="Ebrima"/>
+      </a:majorFont>
+      <a:minorFont>
+        <a:latin typeface="Calibri" panose="020F0502020204030204"/>
+        <a:ea typeface=""/>
+        <a:cs typeface=""/>
+        <a:font script="Jpan" typeface="游ゴシック"/>
+        <a:font script="Hang" typeface="맑은 고딕"/>
+        <a:font script="Hans" typeface="等线"/>
+        <a:font script="Hant" typeface="新細明體"/>
+        <a:font script="Arab" typeface="Arial"/>
+        <a:font script="Hebr" typeface="Arial"/>
+        <a:font script="Thai" typeface="Cordia New"/>
+        <a:font script="Ethi" typeface="Nyala"/>
+        <a:font script="Beng" typeface="Vrinda"/>
+        <a:font script="Gujr" typeface="Shruti"/>
+        <a:font script="Khmr" typeface="DaunPenh"/>
+        <a:font script="Knda" typeface="Tunga"/>
+        <a:font script="Guru" typeface="Raavi"/>
+        <a:font script="Cans" typeface="Euphemia"/>
+        <a:font script="Cher" typeface="Plantagenet Cherokee"/>
+        <a:font script="Yiii" typeface="Microsoft Yi Baiti"/>
+        <a:font script="Tibt" typeface="Microsoft Himalaya"/>
+        <a:font script="Thaa" typeface="MV Boli"/>
+        <a:font script="Deva" typeface="Mangal"/>
+        <a:font script="Telu" typeface="Gautami"/>
+        <a:font script="Taml" typeface="Latha"/>
+        <a:font script="Syrc" typeface="Estrangelo Edessa"/>
+        <a:font script="Orya" typeface="Kalinga"/>
+        <a:font script="Mlym" typeface="Kartika"/>
+        <a:font script="Laoo" typeface="DokChampa"/>
+        <a:font script="Sinh" typeface="Iskoola Pota"/>
+        <a:font script="Mong" typeface="Mongolian Baiti"/>
+        <a:font script="Viet" typeface="Arial"/>
+        <a:font script="Uigh" typeface="Microsoft Uighur"/>
+        <a:font script="Geor" typeface="Sylfaen"/>
+        <a:font script="Armn" typeface="Arial"/>
+        <a:font script="Bugi" typeface="Leelawadee UI"/>
+        <a:font script="Bopo" typeface="Microsoft JhengHei"/>
+        <a:font script="Java" typeface="Javanese Text"/>
+        <a:font script="Lisu" typeface="Segoe UI"/>
+        <a:font script="Mymr" typeface="Myanmar Text"/>
+        <a:font script="Nkoo" typeface="Ebrima"/>
+        <a:font script="Olck" typeface="Nirmala UI"/>
+        <a:font script="Osma" typeface="Ebrima"/>
+        <a:font script="Phag" typeface="Phagspa"/>
+        <a:font script="Syrn" typeface="Estrangelo Edessa"/>
+        <a:font script="Syrj" typeface="Estrangelo Edessa"/>
+        <a:font script="Syre" typeface="Estrangelo Edessa"/>
+        <a:font script="Sora" typeface="Nirmala UI"/>
+        <a:font script="Tale" typeface="Microsoft Tai Le"/>
+        <a:font script="Talu" typeface="Microsoft New Tai Lue"/>
+        <a:font script="Tfng" typeface="Ebrima"/>
+      </a:minorFont>
+    </a:fontScheme>
+    <a:fmtScheme name="Office">
+      <a:fillStyleLst>
+        <a:solidFill>
+          <a:schemeClr val="phClr"/>
+        </a:solidFill>
+        <a:gradFill rotWithShape="1">
+          <a:gsLst>
+            <a:gs pos="0">
+              <a:schemeClr val="phClr">
+                <a:lumMod val="110000"/>
+                <a:satMod val="105000"/>
+                <a:tint val="67000"/>
+              </a:schemeClr>
+            </a:gs>
+            <a:gs pos="50000">
+              <a:schemeClr val="phClr">
+                <a:lumMod val="105000"/>
+                <a:satMod val="103000"/>
+                <a:tint val="73000"/>
+              </a:schemeClr>
+            </a:gs>
+            <a:gs pos="100000">
+              <a:schemeClr val="phClr">
+                <a:lumMod val="105000"/>
+                <a:satMod val="109000"/>
+                <a:tint val="81000"/>
+              </a:schemeClr>
+            </a:gs>
+          </a:gsLst>
+          <a:lin ang="5400000" scaled="0"/>
+        </a:gradFill>
+        <a:gradFill rotWithShape="1">
+          <a:gsLst>
+            <a:gs pos="0">
+              <a:schemeClr val="phClr">
+                <a:satMod val="103000"/>
+                <a:lumMod val="102000"/>
+                <a:tint val="94000"/>
+              </a:schemeClr>
+            </a:gs>
+            <a:gs pos="50000">
+              <a:schemeClr val="phClr">
+                <a:satMod val="110000"/>
+                <a:lumMod val="100000"/>
+                <a:shade val="100000"/>
+              </a:schemeClr>
+            </a:gs>
+            <a:gs pos="100000">
+              <a:schemeClr val="phClr">
+                <a:lumMod val="99000"/>
+                <a:satMod val="120000"/>
+                <a:shade val="78000"/>
+              </a:schemeClr>
+            </a:gs>
+          </a:gsLst>
+          <a:lin ang="5400000" scaled="0"/>
+        </a:gradFill>
+      </a:fillStyleLst>
+      <a:lnStyleLst>
+        <a:ln w="6350" cap="flat" cmpd="sng" algn="ctr">
+          <a:solidFill>
+            <a:schemeClr val="phClr"/>
+          </a:solidFill>
+          <a:prstDash val="solid"/>
+          <a:miter lim="800000"/>
+        </a:ln>
+        <a:ln w="12700" cap="flat" cmpd="sng" algn="ctr">
+          <a:solidFill>
+            <a:schemeClr val="phClr"/>
+          </a:solidFill>
+          <a:prstDash val="solid"/>
+          <a:miter lim="800000"/>
+        </a:ln>
+        <a:ln w="19050" cap="flat" cmpd="sng" algn="ctr">
+          <a:solidFill>
+            <a:schemeClr val="phClr"/>
+          </a:solidFill>
+          <a:prstDash val="solid"/>
+          <a:miter lim="800000"/>
+        </a:ln>
+      </a:lnStyleLst>
+      <a:effectStyleLst>
+        <a:effectStyle>
+          <a:effectLst/>
+        </a:effectStyle>
+        <a:effectStyle>
+          <a:effectLst/>
+        </a:effectStyle>
+        <a:effectStyle>
+          <a:effectLst>
+            <a:outerShdw blurRad="57150" dist="19050" dir="5400000" algn="ctr" rotWithShape="0">
+              <a:srgbClr val="000000">
+                <a:alpha val="63000"/>
+              </a:srgbClr>
+            </a:outerShdw>
+          </a:effectLst>
+        </a:effectStyle>
+      </a:effectStyleLst>
+      <a:bgFillStyleLst>
+        <a:solidFill>
+          <a:schemeClr val="phClr"/>
+        </a:solidFill>
+        <a:solidFill>
+          <a:schemeClr val="phClr">
+            <a:tint val="95000"/>
+            <a:satMod val="170000"/>
+          </a:schemeClr>
+        </a:solidFill>
+        <a:gradFill rotWithShape="1">
+          <a:gsLst>
+            <a:gs pos="0">
+              <a:schemeClr val="phClr">
+                <a:tint val="93000"/>
+                <a:satMod val="150000"/>
+                <a:shade val="98000"/>
+                <a:lumMod val="102000"/>
+              </a:schemeClr>
+            </a:gs>
+            <a:gs pos="50000">
+              <a:schemeClr val="phClr">
+                <a:tint val="98000"/>
+                <a:satMod val="130000"/>
+                <a:shade val="90000"/>
+                <a:lumMod val="103000"/>
+              </a:schemeClr>
+            </a:gs>
+            <a:gs pos="100000">
+              <a:schemeClr val="phClr">
+                <a:shade val="63000"/>
+                <a:satMod val="120000"/>
+              </a:schemeClr>
+            </a:gs>
+          </a:gsLst>
+          <a:lin ang="5400000" scaled="0"/>
+        </a:gradFill>
+      </a:bgFillStyleLst>
+    </a:fmtScheme>
+  </a:themeElements>
+  <a:objectDefaults/>
+  <a:extraClrSchemeLst/>
+  <a:extLst>
+    <a:ext uri="{05A4C25C-085E-4340-85A3-A5531E510DB2}">
+      <thm15:themeFamily xmlns:thm15="http://schemas.microsoft.com/office/thememl/2012/main" name="Office Theme" id="{62F939B6-93AF-4DB8-9C6B-D6C7DFDC589F}" vid="{4A3C46E8-61CC-4603-A589-7422A47A8E4A}"/>
+    </a:ext>
+  </a:extLst>
+</a:theme>
 </file>